--- a/docs/diagrams/ModelComponentClassDiagram.pptx
+++ b/docs/diagrams/ModelComponentClassDiagram.pptx
@@ -208,7 +208,7 @@
           <a:p>
             <a:fld id="{F5CC4B3F-88C1-4FFA-B1B6-F41C21DC6924}" type="datetimeFigureOut">
               <a:rPr lang="en-US" smtClean="0"/>
-              <a:t>6/27/2018</a:t>
+              <a:t>10/16/2018</a:t>
             </a:fld>
             <a:endParaRPr lang="en-US"/>
           </a:p>
@@ -654,7 +654,7 @@
           <a:p>
             <a:fld id="{78C97017-6FC3-485B-9764-EAC9E56C1D49}" type="datetimeFigureOut">
               <a:rPr lang="en-US" smtClean="0"/>
-              <a:t>6/27/2018</a:t>
+              <a:t>10/16/2018</a:t>
             </a:fld>
             <a:endParaRPr lang="en-US"/>
           </a:p>
@@ -822,7 +822,7 @@
           <a:p>
             <a:fld id="{78C97017-6FC3-485B-9764-EAC9E56C1D49}" type="datetimeFigureOut">
               <a:rPr lang="en-US" smtClean="0"/>
-              <a:t>6/27/2018</a:t>
+              <a:t>10/16/2018</a:t>
             </a:fld>
             <a:endParaRPr lang="en-US"/>
           </a:p>
@@ -1000,7 +1000,7 @@
           <a:p>
             <a:fld id="{78C97017-6FC3-485B-9764-EAC9E56C1D49}" type="datetimeFigureOut">
               <a:rPr lang="en-US" smtClean="0"/>
-              <a:t>6/27/2018</a:t>
+              <a:t>10/16/2018</a:t>
             </a:fld>
             <a:endParaRPr lang="en-US"/>
           </a:p>
@@ -1168,7 +1168,7 @@
           <a:p>
             <a:fld id="{78C97017-6FC3-485B-9764-EAC9E56C1D49}" type="datetimeFigureOut">
               <a:rPr lang="en-US" smtClean="0"/>
-              <a:t>6/27/2018</a:t>
+              <a:t>10/16/2018</a:t>
             </a:fld>
             <a:endParaRPr lang="en-US"/>
           </a:p>
@@ -1413,7 +1413,7 @@
           <a:p>
             <a:fld id="{78C97017-6FC3-485B-9764-EAC9E56C1D49}" type="datetimeFigureOut">
               <a:rPr lang="en-US" smtClean="0"/>
-              <a:t>6/27/2018</a:t>
+              <a:t>10/16/2018</a:t>
             </a:fld>
             <a:endParaRPr lang="en-US"/>
           </a:p>
@@ -1698,7 +1698,7 @@
           <a:p>
             <a:fld id="{78C97017-6FC3-485B-9764-EAC9E56C1D49}" type="datetimeFigureOut">
               <a:rPr lang="en-US" smtClean="0"/>
-              <a:t>6/27/2018</a:t>
+              <a:t>10/16/2018</a:t>
             </a:fld>
             <a:endParaRPr lang="en-US"/>
           </a:p>
@@ -2117,7 +2117,7 @@
           <a:p>
             <a:fld id="{78C97017-6FC3-485B-9764-EAC9E56C1D49}" type="datetimeFigureOut">
               <a:rPr lang="en-US" smtClean="0"/>
-              <a:t>6/27/2018</a:t>
+              <a:t>10/16/2018</a:t>
             </a:fld>
             <a:endParaRPr lang="en-US"/>
           </a:p>
@@ -2234,7 +2234,7 @@
           <a:p>
             <a:fld id="{78C97017-6FC3-485B-9764-EAC9E56C1D49}" type="datetimeFigureOut">
               <a:rPr lang="en-US" smtClean="0"/>
-              <a:t>6/27/2018</a:t>
+              <a:t>10/16/2018</a:t>
             </a:fld>
             <a:endParaRPr lang="en-US"/>
           </a:p>
@@ -2329,7 +2329,7 @@
           <a:p>
             <a:fld id="{78C97017-6FC3-485B-9764-EAC9E56C1D49}" type="datetimeFigureOut">
               <a:rPr lang="en-US" smtClean="0"/>
-              <a:t>6/27/2018</a:t>
+              <a:t>10/16/2018</a:t>
             </a:fld>
             <a:endParaRPr lang="en-US"/>
           </a:p>
@@ -2604,7 +2604,7 @@
           <a:p>
             <a:fld id="{78C97017-6FC3-485B-9764-EAC9E56C1D49}" type="datetimeFigureOut">
               <a:rPr lang="en-US" smtClean="0"/>
-              <a:t>6/27/2018</a:t>
+              <a:t>10/16/2018</a:t>
             </a:fld>
             <a:endParaRPr lang="en-US"/>
           </a:p>
@@ -2856,7 +2856,7 @@
           <a:p>
             <a:fld id="{78C97017-6FC3-485B-9764-EAC9E56C1D49}" type="datetimeFigureOut">
               <a:rPr lang="en-US" smtClean="0"/>
-              <a:t>6/27/2018</a:t>
+              <a:t>10/16/2018</a:t>
             </a:fld>
             <a:endParaRPr lang="en-US"/>
           </a:p>
@@ -3067,7 +3067,7 @@
           <a:p>
             <a:fld id="{78C97017-6FC3-485B-9764-EAC9E56C1D49}" type="datetimeFigureOut">
               <a:rPr lang="en-US" smtClean="0"/>
-              <a:t>6/27/2018</a:t>
+              <a:t>10/16/2018</a:t>
             </a:fld>
             <a:endParaRPr lang="en-US"/>
           </a:p>
@@ -3451,7 +3451,7 @@
         <p:spPr>
           <a:xfrm>
             <a:off x="1119865" y="1600200"/>
-            <a:ext cx="7490735" cy="3124200"/>
+            <a:ext cx="7566935" cy="3124200"/>
           </a:xfrm>
           <a:prstGeom prst="roundRect">
             <a:avLst>
@@ -4348,8 +4348,8 @@
         </p:nvSpPr>
         <p:spPr>
           <a:xfrm>
-            <a:off x="7712397" y="2564238"/>
-            <a:ext cx="708186" cy="285783"/>
+            <a:off x="7712396" y="2564238"/>
+            <a:ext cx="822003" cy="285783"/>
           </a:xfrm>
           <a:prstGeom prst="rect">
             <a:avLst/>
@@ -4491,8 +4491,8 @@
         </p:nvSpPr>
         <p:spPr>
           <a:xfrm>
-            <a:off x="7712397" y="2887216"/>
-            <a:ext cx="708186" cy="285783"/>
+            <a:off x="7712396" y="2887216"/>
+            <a:ext cx="822003" cy="285783"/>
           </a:xfrm>
           <a:prstGeom prst="rect">
             <a:avLst/>
@@ -4551,7 +4551,7 @@
         <p:spPr>
           <a:xfrm flipV="1">
             <a:off x="7277995" y="3030108"/>
-            <a:ext cx="434402" cy="4783"/>
+            <a:ext cx="434401" cy="4783"/>
           </a:xfrm>
           <a:prstGeom prst="bentConnector3">
             <a:avLst/>
@@ -4588,8 +4588,8 @@
         </p:nvSpPr>
         <p:spPr>
           <a:xfrm>
-            <a:off x="7712397" y="3210194"/>
-            <a:ext cx="708186" cy="285783"/>
+            <a:off x="7712396" y="3210194"/>
+            <a:ext cx="822003" cy="285783"/>
           </a:xfrm>
           <a:prstGeom prst="rect">
             <a:avLst/>
@@ -4648,7 +4648,7 @@
         <p:spPr>
           <a:xfrm>
             <a:off x="7277995" y="3034891"/>
-            <a:ext cx="434402" cy="318195"/>
+            <a:ext cx="434401" cy="318195"/>
           </a:xfrm>
           <a:prstGeom prst="bentConnector3">
             <a:avLst/>
@@ -4685,8 +4685,8 @@
         </p:nvSpPr>
         <p:spPr>
           <a:xfrm>
-            <a:off x="7712397" y="3533171"/>
-            <a:ext cx="708186" cy="285783"/>
+            <a:off x="7712396" y="3533171"/>
+            <a:ext cx="822003" cy="285783"/>
           </a:xfrm>
           <a:prstGeom prst="rect">
             <a:avLst/>
@@ -4745,7 +4745,7 @@
         <p:spPr>
           <a:xfrm>
             <a:off x="7277995" y="3034891"/>
-            <a:ext cx="434402" cy="641172"/>
+            <a:ext cx="434401" cy="641172"/>
           </a:xfrm>
           <a:prstGeom prst="bentConnector3">
             <a:avLst/>
@@ -5296,7 +5296,7 @@
           <p:cNvPr id="52" name="Rectangle 8">
             <a:extLst>
               <a:ext uri="{FF2B5EF4-FFF2-40B4-BE49-F238E27FC236}">
-                <a16:creationId xmlns:a16="http://schemas.microsoft.com/office/drawing/2014/main" id="{ABDCDBD2-131A-4B66-A2F2-43BBEE82C773}"/>
+                <a16:creationId xmlns:a16="http://schemas.microsoft.com/office/drawing/2014/main" xmlns="" id="{ABDCDBD2-131A-4B66-A2F2-43BBEE82C773}"/>
               </a:ext>
             </a:extLst>
           </p:cNvPr>
@@ -5305,8 +5305,8 @@
         </p:nvSpPr>
         <p:spPr>
           <a:xfrm>
-            <a:off x="7712397" y="2228817"/>
-            <a:ext cx="708186" cy="285783"/>
+            <a:off x="7712396" y="2228817"/>
+            <a:ext cx="822003" cy="285783"/>
           </a:xfrm>
           <a:prstGeom prst="rect">
             <a:avLst/>
@@ -5358,7 +5358,7 @@
           <p:cNvPr id="53" name="Elbow Connector 78">
             <a:extLst>
               <a:ext uri="{FF2B5EF4-FFF2-40B4-BE49-F238E27FC236}">
-                <a16:creationId xmlns:a16="http://schemas.microsoft.com/office/drawing/2014/main" id="{B97967F8-618A-448B-81FD-CDFD4AF0EC64}"/>
+                <a16:creationId xmlns:a16="http://schemas.microsoft.com/office/drawing/2014/main" xmlns="" id="{B97967F8-618A-448B-81FD-CDFD4AF0EC64}"/>
               </a:ext>
             </a:extLst>
           </p:cNvPr>
@@ -5372,7 +5372,7 @@
         <p:spPr>
           <a:xfrm flipV="1">
             <a:off x="7277995" y="2371709"/>
-            <a:ext cx="434402" cy="663182"/>
+            <a:ext cx="434401" cy="663182"/>
           </a:xfrm>
           <a:prstGeom prst="bentConnector3">
             <a:avLst>
@@ -5408,7 +5408,7 @@
           <p:cNvPr id="50" name="TextBox 49">
             <a:extLst>
               <a:ext uri="{FF2B5EF4-FFF2-40B4-BE49-F238E27FC236}">
-                <a16:creationId xmlns:a16="http://schemas.microsoft.com/office/drawing/2014/main" id="{B3FA9D57-880F-49C4-AD0B-A64E30D6F403}"/>
+                <a16:creationId xmlns:a16="http://schemas.microsoft.com/office/drawing/2014/main" xmlns="" id="{B3FA9D57-880F-49C4-AD0B-A64E30D6F403}"/>
               </a:ext>
             </a:extLst>
           </p:cNvPr>
@@ -5623,6 +5623,102 @@
             <a:prstDash val="sysDot"/>
             <a:headEnd type="none" w="med" len="med"/>
             <a:tailEnd type="none" w="med" len="med"/>
+          </a:ln>
+          <a:effectLst/>
+        </p:spPr>
+        <p:style>
+          <a:lnRef idx="1">
+            <a:schemeClr val="accent2"/>
+          </a:lnRef>
+          <a:fillRef idx="2">
+            <a:schemeClr val="accent2"/>
+          </a:fillRef>
+          <a:effectRef idx="1">
+            <a:schemeClr val="accent2"/>
+          </a:effectRef>
+          <a:fontRef idx="minor">
+            <a:schemeClr val="dk1"/>
+          </a:fontRef>
+        </p:style>
+      </p:cxnSp>
+      <p:sp>
+        <p:nvSpPr>
+          <p:cNvPr id="56" name="Rectangle 8"/>
+          <p:cNvSpPr/>
+          <p:nvPr/>
+        </p:nvSpPr>
+        <p:spPr>
+          <a:xfrm>
+            <a:off x="7712147" y="3853455"/>
+            <a:ext cx="822003" cy="285783"/>
+          </a:xfrm>
+          <a:prstGeom prst="rect">
+            <a:avLst/>
+          </a:prstGeom>
+          <a:ln w="19050">
+            <a:solidFill>
+              <a:srgbClr val="7030A0"/>
+            </a:solidFill>
+          </a:ln>
+          <a:effectLst/>
+        </p:spPr>
+        <p:style>
+          <a:lnRef idx="1">
+            <a:schemeClr val="accent4"/>
+          </a:lnRef>
+          <a:fillRef idx="2">
+            <a:schemeClr val="accent4"/>
+          </a:fillRef>
+          <a:effectRef idx="1">
+            <a:schemeClr val="accent4"/>
+          </a:effectRef>
+          <a:fontRef idx="minor">
+            <a:schemeClr val="dk1"/>
+          </a:fontRef>
+        </p:style>
+        <p:txBody>
+          <a:bodyPr rtlCol="0" anchor="ctr"/>
+          <a:lstStyle/>
+          <a:p>
+            <a:pPr algn="ctr"/>
+            <a:r>
+              <a:rPr lang="en-US" sz="1050" dirty="0" err="1" smtClean="0">
+                <a:solidFill>
+                  <a:srgbClr val="7030A0"/>
+                </a:solidFill>
+              </a:rPr>
+              <a:t>TimeTable</a:t>
+            </a:r>
+            <a:endParaRPr lang="en-SG" sz="1050" dirty="0">
+              <a:solidFill>
+                <a:srgbClr val="7030A0"/>
+              </a:solidFill>
+            </a:endParaRPr>
+          </a:p>
+        </p:txBody>
+      </p:sp>
+      <p:cxnSp>
+        <p:nvCxnSpPr>
+          <p:cNvPr id="57" name="Elbow Connector 56"/>
+          <p:cNvCxnSpPr>
+            <a:endCxn id="56" idx="1"/>
+          </p:cNvCxnSpPr>
+          <p:nvPr/>
+        </p:nvCxnSpPr>
+        <p:spPr>
+          <a:xfrm rot="16200000" flipH="1">
+            <a:off x="7118940" y="3403140"/>
+            <a:ext cx="968292" cy="218122"/>
+          </a:xfrm>
+          <a:prstGeom prst="bentConnector2">
+            <a:avLst/>
+          </a:prstGeom>
+          <a:ln w="19050">
+            <a:solidFill>
+              <a:srgbClr val="7030A0"/>
+            </a:solidFill>
+            <a:headEnd type="none" w="med" len="med"/>
+            <a:tailEnd type="arrow" w="med" len="med"/>
           </a:ln>
           <a:effectLst/>
         </p:spPr>

--- a/docs/diagrams/ModelComponentClassDiagram.pptx
+++ b/docs/diagrams/ModelComponentClassDiagram.pptx
@@ -5296,7 +5296,7 @@
           <p:cNvPr id="52" name="Rectangle 8">
             <a:extLst>
               <a:ext uri="{FF2B5EF4-FFF2-40B4-BE49-F238E27FC236}">
-                <a16:creationId xmlns:a16="http://schemas.microsoft.com/office/drawing/2014/main" xmlns="" id="{ABDCDBD2-131A-4B66-A2F2-43BBEE82C773}"/>
+                <a16:creationId xmlns="" xmlns:a16="http://schemas.microsoft.com/office/drawing/2014/main" id="{ABDCDBD2-131A-4B66-A2F2-43BBEE82C773}"/>
               </a:ext>
             </a:extLst>
           </p:cNvPr>
@@ -5358,7 +5358,7 @@
           <p:cNvPr id="53" name="Elbow Connector 78">
             <a:extLst>
               <a:ext uri="{FF2B5EF4-FFF2-40B4-BE49-F238E27FC236}">
-                <a16:creationId xmlns:a16="http://schemas.microsoft.com/office/drawing/2014/main" xmlns="" id="{B97967F8-618A-448B-81FD-CDFD4AF0EC64}"/>
+                <a16:creationId xmlns="" xmlns:a16="http://schemas.microsoft.com/office/drawing/2014/main" id="{B97967F8-618A-448B-81FD-CDFD4AF0EC64}"/>
               </a:ext>
             </a:extLst>
           </p:cNvPr>
@@ -5408,7 +5408,7 @@
           <p:cNvPr id="50" name="TextBox 49">
             <a:extLst>
               <a:ext uri="{FF2B5EF4-FFF2-40B4-BE49-F238E27FC236}">
-                <a16:creationId xmlns:a16="http://schemas.microsoft.com/office/drawing/2014/main" xmlns="" id="{B3FA9D57-880F-49C4-AD0B-A64E30D6F403}"/>
+                <a16:creationId xmlns="" xmlns:a16="http://schemas.microsoft.com/office/drawing/2014/main" id="{B3FA9D57-880F-49C4-AD0B-A64E30D6F403}"/>
               </a:ext>
             </a:extLst>
           </p:cNvPr>

--- a/docs/diagrams/ModelComponentClassDiagram.pptx
+++ b/docs/diagrams/ModelComponentClassDiagram.pptx
@@ -208,7 +208,7 @@
           <a:p>
             <a:fld id="{F5CC4B3F-88C1-4FFA-B1B6-F41C21DC6924}" type="datetimeFigureOut">
               <a:rPr lang="en-US" smtClean="0"/>
-              <a:t>6/27/2018</a:t>
+              <a:t>10/16/18</a:t>
             </a:fld>
             <a:endParaRPr lang="en-US"/>
           </a:p>
@@ -654,7 +654,7 @@
           <a:p>
             <a:fld id="{78C97017-6FC3-485B-9764-EAC9E56C1D49}" type="datetimeFigureOut">
               <a:rPr lang="en-US" smtClean="0"/>
-              <a:t>6/27/2018</a:t>
+              <a:t>10/16/18</a:t>
             </a:fld>
             <a:endParaRPr lang="en-US"/>
           </a:p>
@@ -822,7 +822,7 @@
           <a:p>
             <a:fld id="{78C97017-6FC3-485B-9764-EAC9E56C1D49}" type="datetimeFigureOut">
               <a:rPr lang="en-US" smtClean="0"/>
-              <a:t>6/27/2018</a:t>
+              <a:t>10/16/18</a:t>
             </a:fld>
             <a:endParaRPr lang="en-US"/>
           </a:p>
@@ -1000,7 +1000,7 @@
           <a:p>
             <a:fld id="{78C97017-6FC3-485B-9764-EAC9E56C1D49}" type="datetimeFigureOut">
               <a:rPr lang="en-US" smtClean="0"/>
-              <a:t>6/27/2018</a:t>
+              <a:t>10/16/18</a:t>
             </a:fld>
             <a:endParaRPr lang="en-US"/>
           </a:p>
@@ -1168,7 +1168,7 @@
           <a:p>
             <a:fld id="{78C97017-6FC3-485B-9764-EAC9E56C1D49}" type="datetimeFigureOut">
               <a:rPr lang="en-US" smtClean="0"/>
-              <a:t>6/27/2018</a:t>
+              <a:t>10/16/18</a:t>
             </a:fld>
             <a:endParaRPr lang="en-US"/>
           </a:p>
@@ -1413,7 +1413,7 @@
           <a:p>
             <a:fld id="{78C97017-6FC3-485B-9764-EAC9E56C1D49}" type="datetimeFigureOut">
               <a:rPr lang="en-US" smtClean="0"/>
-              <a:t>6/27/2018</a:t>
+              <a:t>10/16/18</a:t>
             </a:fld>
             <a:endParaRPr lang="en-US"/>
           </a:p>
@@ -1698,7 +1698,7 @@
           <a:p>
             <a:fld id="{78C97017-6FC3-485B-9764-EAC9E56C1D49}" type="datetimeFigureOut">
               <a:rPr lang="en-US" smtClean="0"/>
-              <a:t>6/27/2018</a:t>
+              <a:t>10/16/18</a:t>
             </a:fld>
             <a:endParaRPr lang="en-US"/>
           </a:p>
@@ -2117,7 +2117,7 @@
           <a:p>
             <a:fld id="{78C97017-6FC3-485B-9764-EAC9E56C1D49}" type="datetimeFigureOut">
               <a:rPr lang="en-US" smtClean="0"/>
-              <a:t>6/27/2018</a:t>
+              <a:t>10/16/18</a:t>
             </a:fld>
             <a:endParaRPr lang="en-US"/>
           </a:p>
@@ -2234,7 +2234,7 @@
           <a:p>
             <a:fld id="{78C97017-6FC3-485B-9764-EAC9E56C1D49}" type="datetimeFigureOut">
               <a:rPr lang="en-US" smtClean="0"/>
-              <a:t>6/27/2018</a:t>
+              <a:t>10/16/18</a:t>
             </a:fld>
             <a:endParaRPr lang="en-US"/>
           </a:p>
@@ -2329,7 +2329,7 @@
           <a:p>
             <a:fld id="{78C97017-6FC3-485B-9764-EAC9E56C1D49}" type="datetimeFigureOut">
               <a:rPr lang="en-US" smtClean="0"/>
-              <a:t>6/27/2018</a:t>
+              <a:t>10/16/18</a:t>
             </a:fld>
             <a:endParaRPr lang="en-US"/>
           </a:p>
@@ -2604,7 +2604,7 @@
           <a:p>
             <a:fld id="{78C97017-6FC3-485B-9764-EAC9E56C1D49}" type="datetimeFigureOut">
               <a:rPr lang="en-US" smtClean="0"/>
-              <a:t>6/27/2018</a:t>
+              <a:t>10/16/18</a:t>
             </a:fld>
             <a:endParaRPr lang="en-US"/>
           </a:p>
@@ -2856,7 +2856,7 @@
           <a:p>
             <a:fld id="{78C97017-6FC3-485B-9764-EAC9E56C1D49}" type="datetimeFigureOut">
               <a:rPr lang="en-US" smtClean="0"/>
-              <a:t>6/27/2018</a:t>
+              <a:t>10/16/18</a:t>
             </a:fld>
             <a:endParaRPr lang="en-US"/>
           </a:p>
@@ -3067,7 +3067,7 @@
           <a:p>
             <a:fld id="{78C97017-6FC3-485B-9764-EAC9E56C1D49}" type="datetimeFigureOut">
               <a:rPr lang="en-US" smtClean="0"/>
-              <a:t>6/27/2018</a:t>
+              <a:t>10/16/18</a:t>
             </a:fld>
             <a:endParaRPr lang="en-US"/>
           </a:p>
@@ -3994,7 +3994,7 @@
           <a:p>
             <a:pPr algn="ctr"/>
             <a:r>
-              <a:rPr lang="en-US" sz="1050" dirty="0" err="1" smtClean="0">
+              <a:rPr lang="en-US" sz="1050" dirty="0" err="1">
                 <a:solidFill>
                   <a:srgbClr val="7030A0"/>
                 </a:solidFill>
@@ -4381,14 +4381,14 @@
           <a:p>
             <a:pPr algn="ctr"/>
             <a:r>
-              <a:rPr lang="en-US" sz="1050" dirty="0">
+              <a:rPr lang="en-US" sz="750" dirty="0">
                 <a:solidFill>
                   <a:srgbClr val="7030A0"/>
                 </a:solidFill>
               </a:rPr>
               <a:t>Name</a:t>
             </a:r>
-            <a:endParaRPr lang="en-SG" sz="1050" dirty="0">
+            <a:endParaRPr lang="en-SG" sz="750" dirty="0">
               <a:solidFill>
                 <a:srgbClr val="7030A0"/>
               </a:solidFill>
@@ -4524,14 +4524,14 @@
           <a:p>
             <a:pPr algn="ctr"/>
             <a:r>
-              <a:rPr lang="en-US" sz="1050" dirty="0">
+              <a:rPr lang="en-US" sz="750" dirty="0">
                 <a:solidFill>
                   <a:srgbClr val="7030A0"/>
                 </a:solidFill>
               </a:rPr>
               <a:t>Phone</a:t>
             </a:r>
-            <a:endParaRPr lang="en-SG" sz="1050" dirty="0">
+            <a:endParaRPr lang="en-SG" sz="750" dirty="0">
               <a:solidFill>
                 <a:srgbClr val="7030A0"/>
               </a:solidFill>
@@ -4621,14 +4621,14 @@
           <a:p>
             <a:pPr algn="ctr"/>
             <a:r>
-              <a:rPr lang="en-US" sz="1050" dirty="0">
+              <a:rPr lang="en-US" sz="750" dirty="0">
                 <a:solidFill>
                   <a:srgbClr val="7030A0"/>
                 </a:solidFill>
               </a:rPr>
               <a:t>Email</a:t>
             </a:r>
-            <a:endParaRPr lang="en-SG" sz="1050" dirty="0">
+            <a:endParaRPr lang="en-SG" sz="750" dirty="0">
               <a:solidFill>
                 <a:srgbClr val="7030A0"/>
               </a:solidFill>
@@ -4718,14 +4718,14 @@
           <a:p>
             <a:pPr algn="ctr"/>
             <a:r>
-              <a:rPr lang="en-US" sz="1050" dirty="0">
+              <a:rPr lang="en-US" sz="750" dirty="0">
                 <a:solidFill>
                   <a:srgbClr val="7030A0"/>
                 </a:solidFill>
               </a:rPr>
               <a:t>Address</a:t>
             </a:r>
-            <a:endParaRPr lang="en-SG" sz="1050" dirty="0">
+            <a:endParaRPr lang="en-SG" sz="750" dirty="0">
               <a:solidFill>
                 <a:srgbClr val="7030A0"/>
               </a:solidFill>
@@ -5023,14 +5023,6 @@
               </a:rPr>
               <a:t>&lt;&lt;interface&gt;&gt;</a:t>
             </a:r>
-            <a:r>
-              <a:rPr lang="en-US" sz="1050">
-                <a:solidFill>
-                  <a:srgbClr val="7030A0"/>
-                </a:solidFill>
-              </a:rPr>
-              <a:t/>
-            </a:r>
             <a:br>
               <a:rPr lang="en-US" sz="1050">
                 <a:solidFill>
@@ -5338,14 +5330,14 @@
           <a:p>
             <a:pPr algn="ctr"/>
             <a:r>
-              <a:rPr lang="en-US" sz="1050" dirty="0">
+              <a:rPr lang="en-US" sz="750" dirty="0">
                 <a:solidFill>
                   <a:srgbClr val="7030A0"/>
                 </a:solidFill>
               </a:rPr>
               <a:t>Tag</a:t>
             </a:r>
-            <a:endParaRPr lang="en-SG" sz="1050" dirty="0">
+            <a:endParaRPr lang="en-SG" sz="750" dirty="0">
               <a:solidFill>
                 <a:srgbClr val="7030A0"/>
               </a:solidFill>
@@ -5641,6 +5633,163 @@
           </a:fontRef>
         </p:style>
       </p:cxnSp>
+      <p:sp>
+        <p:nvSpPr>
+          <p:cNvPr id="56" name="Rectangle 8">
+            <a:extLst>
+              <a:ext uri="{FF2B5EF4-FFF2-40B4-BE49-F238E27FC236}">
+                <a16:creationId xmlns:a16="http://schemas.microsoft.com/office/drawing/2014/main" id="{6A5AB9CD-76CB-ED4F-94CE-5D2CB5751C46}"/>
+              </a:ext>
+            </a:extLst>
+          </p:cNvPr>
+          <p:cNvSpPr/>
+          <p:nvPr/>
+        </p:nvSpPr>
+        <p:spPr>
+          <a:xfrm>
+            <a:off x="7712397" y="1893221"/>
+            <a:ext cx="708186" cy="285783"/>
+          </a:xfrm>
+          <a:prstGeom prst="rect">
+            <a:avLst/>
+          </a:prstGeom>
+          <a:ln w="19050">
+            <a:solidFill>
+              <a:srgbClr val="7030A0"/>
+            </a:solidFill>
+          </a:ln>
+          <a:effectLst/>
+        </p:spPr>
+        <p:style>
+          <a:lnRef idx="1">
+            <a:schemeClr val="accent4"/>
+          </a:lnRef>
+          <a:fillRef idx="2">
+            <a:schemeClr val="accent4"/>
+          </a:fillRef>
+          <a:effectRef idx="1">
+            <a:schemeClr val="accent4"/>
+          </a:effectRef>
+          <a:fontRef idx="minor">
+            <a:schemeClr val="dk1"/>
+          </a:fontRef>
+        </p:style>
+        <p:txBody>
+          <a:bodyPr rtlCol="0" anchor="ctr"/>
+          <a:lstStyle/>
+          <a:p>
+            <a:pPr algn="ctr"/>
+            <a:r>
+              <a:rPr lang="en-US" sz="760" dirty="0" err="1">
+                <a:solidFill>
+                  <a:srgbClr val="7030A0"/>
+                </a:solidFill>
+              </a:rPr>
+              <a:t>EnrolledClass</a:t>
+            </a:r>
+            <a:endParaRPr lang="en-SG" sz="760" dirty="0">
+              <a:solidFill>
+                <a:srgbClr val="7030A0"/>
+              </a:solidFill>
+            </a:endParaRPr>
+          </a:p>
+        </p:txBody>
+      </p:sp>
+      <p:cxnSp>
+        <p:nvCxnSpPr>
+          <p:cNvPr id="10" name="Elbow Connector 9">
+            <a:extLst>
+              <a:ext uri="{FF2B5EF4-FFF2-40B4-BE49-F238E27FC236}">
+                <a16:creationId xmlns:a16="http://schemas.microsoft.com/office/drawing/2014/main" id="{7658A545-1FA0-FB46-AC9E-BDE395244E88}"/>
+              </a:ext>
+            </a:extLst>
+          </p:cNvPr>
+          <p:cNvCxnSpPr>
+            <a:cxnSpLocks/>
+            <a:stCxn id="78" idx="3"/>
+            <a:endCxn id="56" idx="1"/>
+          </p:cNvCxnSpPr>
+          <p:nvPr/>
+        </p:nvCxnSpPr>
+        <p:spPr>
+          <a:xfrm flipV="1">
+            <a:off x="7277995" y="2036113"/>
+            <a:ext cx="434402" cy="998778"/>
+          </a:xfrm>
+          <a:prstGeom prst="bentConnector3">
+            <a:avLst>
+              <a:gd name="adj1" fmla="val 50000"/>
+            </a:avLst>
+          </a:prstGeom>
+          <a:ln w="19050">
+            <a:solidFill>
+              <a:srgbClr val="7030A0"/>
+            </a:solidFill>
+            <a:headEnd type="none" w="med" len="med"/>
+            <a:tailEnd type="arrow" w="med" len="med"/>
+          </a:ln>
+          <a:effectLst/>
+        </p:spPr>
+        <p:style>
+          <a:lnRef idx="1">
+            <a:schemeClr val="accent2"/>
+          </a:lnRef>
+          <a:fillRef idx="2">
+            <a:schemeClr val="accent2"/>
+          </a:fillRef>
+          <a:effectRef idx="1">
+            <a:schemeClr val="accent2"/>
+          </a:effectRef>
+          <a:fontRef idx="minor">
+            <a:schemeClr val="dk1"/>
+          </a:fontRef>
+        </p:style>
+      </p:cxnSp>
+      <p:sp>
+        <p:nvSpPr>
+          <p:cNvPr id="59" name="TextBox 58">
+            <a:extLst>
+              <a:ext uri="{FF2B5EF4-FFF2-40B4-BE49-F238E27FC236}">
+                <a16:creationId xmlns:a16="http://schemas.microsoft.com/office/drawing/2014/main" id="{9D4ED1CA-3F1C-D049-9E2E-6F73E06089D4}"/>
+              </a:ext>
+            </a:extLst>
+          </p:cNvPr>
+          <p:cNvSpPr txBox="1"/>
+          <p:nvPr/>
+        </p:nvSpPr>
+        <p:spPr>
+          <a:xfrm>
+            <a:off x="7460666" y="1917632"/>
+            <a:ext cx="189257" cy="178683"/>
+          </a:xfrm>
+          <a:prstGeom prst="rect">
+            <a:avLst/>
+          </a:prstGeom>
+          <a:noFill/>
+        </p:spPr>
+        <p:txBody>
+          <a:bodyPr wrap="square" lIns="0" tIns="0" rIns="0" bIns="0" rtlCol="0">
+            <a:noAutofit/>
+          </a:bodyPr>
+          <a:lstStyle/>
+          <a:p>
+            <a:pPr algn="ctr"/>
+            <a:r>
+              <a:rPr lang="en-US" sz="1100" dirty="0">
+                <a:solidFill>
+                  <a:srgbClr val="7030A0"/>
+                </a:solidFill>
+              </a:rPr>
+              <a:t>*</a:t>
+            </a:r>
+            <a:endParaRPr lang="en-SG" sz="1100" dirty="0">
+              <a:solidFill>
+                <a:srgbClr val="7030A0"/>
+              </a:solidFill>
+            </a:endParaRPr>
+          </a:p>
+        </p:txBody>
+      </p:sp>
     </p:spTree>
     <p:extLst>
       <p:ext uri="{BB962C8B-B14F-4D97-AF65-F5344CB8AC3E}">

--- a/docs/diagrams/ModelComponentClassDiagram.pptx
+++ b/docs/diagrams/ModelComponentClassDiagram.pptx
@@ -175,7 +175,7 @@
             </a:lvl1pPr>
           </a:lstStyle>
           <a:p>
-            <a:endParaRPr lang="en-US"/>
+            <a:endParaRPr lang="en-US" dirty="0"/>
           </a:p>
         </p:txBody>
       </p:sp>
@@ -208,9 +208,9 @@
           <a:p>
             <a:fld id="{F5CC4B3F-88C1-4FFA-B1B6-F41C21DC6924}" type="datetimeFigureOut">
               <a:rPr lang="en-US" smtClean="0"/>
-              <a:t>6/27/2018</a:t>
+              <a:t>10/15/2018</a:t>
             </a:fld>
-            <a:endParaRPr lang="en-US"/>
+            <a:endParaRPr lang="en-US" dirty="0"/>
           </a:p>
         </p:txBody>
       </p:sp>
@@ -243,7 +243,7 @@
           <a:bodyPr vert="horz" lIns="91440" tIns="45720" rIns="91440" bIns="45720" rtlCol="0" anchor="ctr"/>
           <a:lstStyle/>
           <a:p>
-            <a:endParaRPr lang="en-US"/>
+            <a:endParaRPr lang="en-US" dirty="0"/>
           </a:p>
         </p:txBody>
       </p:sp>
@@ -333,7 +333,7 @@
             </a:lvl1pPr>
           </a:lstStyle>
           <a:p>
-            <a:endParaRPr lang="en-US"/>
+            <a:endParaRPr lang="en-US" dirty="0"/>
           </a:p>
         </p:txBody>
       </p:sp>
@@ -368,7 +368,7 @@
               <a:rPr lang="en-US" smtClean="0"/>
               <a:t>‹#›</a:t>
             </a:fld>
-            <a:endParaRPr lang="en-US"/>
+            <a:endParaRPr lang="en-US" dirty="0"/>
           </a:p>
         </p:txBody>
       </p:sp>
@@ -475,6 +475,90 @@
 </p:notesMaster>
 </file>
 
+<file path=ppt/notesSlides/notesSlide1.xml><?xml version="1.0" encoding="utf-8"?>
+<p:notes xmlns:a="http://schemas.openxmlformats.org/drawingml/2006/main" xmlns:r="http://schemas.openxmlformats.org/officeDocument/2006/relationships" xmlns:p="http://schemas.openxmlformats.org/presentationml/2006/main">
+  <p:cSld>
+    <p:spTree>
+      <p:nvGrpSpPr>
+        <p:cNvPr id="1" name=""/>
+        <p:cNvGrpSpPr/>
+        <p:nvPr/>
+      </p:nvGrpSpPr>
+      <p:grpSpPr>
+        <a:xfrm>
+          <a:off x="0" y="0"/>
+          <a:ext cx="0" cy="0"/>
+          <a:chOff x="0" y="0"/>
+          <a:chExt cx="0" cy="0"/>
+        </a:xfrm>
+      </p:grpSpPr>
+      <p:sp>
+        <p:nvSpPr>
+          <p:cNvPr id="2" name="Slide Image Placeholder 1"/>
+          <p:cNvSpPr>
+            <a:spLocks noGrp="1" noRot="1" noChangeAspect="1"/>
+          </p:cNvSpPr>
+          <p:nvPr>
+            <p:ph type="sldImg"/>
+          </p:nvPr>
+        </p:nvSpPr>
+        <p:spPr/>
+      </p:sp>
+      <p:sp>
+        <p:nvSpPr>
+          <p:cNvPr id="3" name="Notes Placeholder 2"/>
+          <p:cNvSpPr>
+            <a:spLocks noGrp="1"/>
+          </p:cNvSpPr>
+          <p:nvPr>
+            <p:ph type="body" idx="1"/>
+          </p:nvPr>
+        </p:nvSpPr>
+        <p:spPr/>
+        <p:txBody>
+          <a:bodyPr/>
+          <a:lstStyle/>
+          <a:p>
+            <a:endParaRPr lang="en-SG" dirty="0"/>
+          </a:p>
+        </p:txBody>
+      </p:sp>
+      <p:sp>
+        <p:nvSpPr>
+          <p:cNvPr id="4" name="Slide Number Placeholder 3"/>
+          <p:cNvSpPr>
+            <a:spLocks noGrp="1"/>
+          </p:cNvSpPr>
+          <p:nvPr>
+            <p:ph type="sldNum" sz="quarter" idx="5"/>
+          </p:nvPr>
+        </p:nvSpPr>
+        <p:spPr/>
+        <p:txBody>
+          <a:bodyPr/>
+          <a:lstStyle/>
+          <a:p>
+            <a:fld id="{5A7AB025-77E3-4BD1-A2FD-B3183DBA47A3}" type="slidenum">
+              <a:rPr lang="en-US" smtClean="0"/>
+              <a:t>1</a:t>
+            </a:fld>
+            <a:endParaRPr lang="en-US" dirty="0"/>
+          </a:p>
+        </p:txBody>
+      </p:sp>
+    </p:spTree>
+    <p:extLst>
+      <p:ext uri="{BB962C8B-B14F-4D97-AF65-F5344CB8AC3E}">
+        <p14:creationId xmlns:p14="http://schemas.microsoft.com/office/powerpoint/2010/main" val="1706726812"/>
+      </p:ext>
+    </p:extLst>
+  </p:cSld>
+  <p:clrMapOvr>
+    <a:masterClrMapping/>
+  </p:clrMapOvr>
+</p:notes>
+</file>
+
 <file path=ppt/slideLayouts/slideLayout1.xml><?xml version="1.0" encoding="utf-8"?>
 <p:sldLayout xmlns:a="http://schemas.openxmlformats.org/drawingml/2006/main" xmlns:r="http://schemas.openxmlformats.org/officeDocument/2006/relationships" xmlns:p="http://schemas.openxmlformats.org/presentationml/2006/main" type="title" preserve="1">
   <p:cSld name="Title Slide">
@@ -654,9 +738,9 @@
           <a:p>
             <a:fld id="{78C97017-6FC3-485B-9764-EAC9E56C1D49}" type="datetimeFigureOut">
               <a:rPr lang="en-US" smtClean="0"/>
-              <a:t>6/27/2018</a:t>
+              <a:t>10/15/2018</a:t>
             </a:fld>
-            <a:endParaRPr lang="en-US"/>
+            <a:endParaRPr lang="en-US" dirty="0"/>
           </a:p>
         </p:txBody>
       </p:sp>
@@ -675,7 +759,7 @@
           <a:bodyPr/>
           <a:lstStyle/>
           <a:p>
-            <a:endParaRPr lang="en-US"/>
+            <a:endParaRPr lang="en-US" dirty="0"/>
           </a:p>
         </p:txBody>
       </p:sp>
@@ -698,7 +782,7 @@
               <a:rPr lang="en-US" smtClean="0"/>
               <a:t>‹#›</a:t>
             </a:fld>
-            <a:endParaRPr lang="en-US"/>
+            <a:endParaRPr lang="en-US" dirty="0"/>
           </a:p>
         </p:txBody>
       </p:sp>
@@ -822,9 +906,9 @@
           <a:p>
             <a:fld id="{78C97017-6FC3-485B-9764-EAC9E56C1D49}" type="datetimeFigureOut">
               <a:rPr lang="en-US" smtClean="0"/>
-              <a:t>6/27/2018</a:t>
+              <a:t>10/15/2018</a:t>
             </a:fld>
-            <a:endParaRPr lang="en-US"/>
+            <a:endParaRPr lang="en-US" dirty="0"/>
           </a:p>
         </p:txBody>
       </p:sp>
@@ -843,7 +927,7 @@
           <a:bodyPr/>
           <a:lstStyle/>
           <a:p>
-            <a:endParaRPr lang="en-US"/>
+            <a:endParaRPr lang="en-US" dirty="0"/>
           </a:p>
         </p:txBody>
       </p:sp>
@@ -866,7 +950,7 @@
               <a:rPr lang="en-US" smtClean="0"/>
               <a:t>‹#›</a:t>
             </a:fld>
-            <a:endParaRPr lang="en-US"/>
+            <a:endParaRPr lang="en-US" dirty="0"/>
           </a:p>
         </p:txBody>
       </p:sp>
@@ -1000,9 +1084,9 @@
           <a:p>
             <a:fld id="{78C97017-6FC3-485B-9764-EAC9E56C1D49}" type="datetimeFigureOut">
               <a:rPr lang="en-US" smtClean="0"/>
-              <a:t>6/27/2018</a:t>
+              <a:t>10/15/2018</a:t>
             </a:fld>
-            <a:endParaRPr lang="en-US"/>
+            <a:endParaRPr lang="en-US" dirty="0"/>
           </a:p>
         </p:txBody>
       </p:sp>
@@ -1021,7 +1105,7 @@
           <a:bodyPr/>
           <a:lstStyle/>
           <a:p>
-            <a:endParaRPr lang="en-US"/>
+            <a:endParaRPr lang="en-US" dirty="0"/>
           </a:p>
         </p:txBody>
       </p:sp>
@@ -1044,7 +1128,7 @@
               <a:rPr lang="en-US" smtClean="0"/>
               <a:t>‹#›</a:t>
             </a:fld>
-            <a:endParaRPr lang="en-US"/>
+            <a:endParaRPr lang="en-US" dirty="0"/>
           </a:p>
         </p:txBody>
       </p:sp>
@@ -1168,9 +1252,9 @@
           <a:p>
             <a:fld id="{78C97017-6FC3-485B-9764-EAC9E56C1D49}" type="datetimeFigureOut">
               <a:rPr lang="en-US" smtClean="0"/>
-              <a:t>6/27/2018</a:t>
+              <a:t>10/15/2018</a:t>
             </a:fld>
-            <a:endParaRPr lang="en-US"/>
+            <a:endParaRPr lang="en-US" dirty="0"/>
           </a:p>
         </p:txBody>
       </p:sp>
@@ -1189,7 +1273,7 @@
           <a:bodyPr/>
           <a:lstStyle/>
           <a:p>
-            <a:endParaRPr lang="en-US"/>
+            <a:endParaRPr lang="en-US" dirty="0"/>
           </a:p>
         </p:txBody>
       </p:sp>
@@ -1212,7 +1296,7 @@
               <a:rPr lang="en-US" smtClean="0"/>
               <a:t>‹#›</a:t>
             </a:fld>
-            <a:endParaRPr lang="en-US"/>
+            <a:endParaRPr lang="en-US" dirty="0"/>
           </a:p>
         </p:txBody>
       </p:sp>
@@ -1413,9 +1497,9 @@
           <a:p>
             <a:fld id="{78C97017-6FC3-485B-9764-EAC9E56C1D49}" type="datetimeFigureOut">
               <a:rPr lang="en-US" smtClean="0"/>
-              <a:t>6/27/2018</a:t>
+              <a:t>10/15/2018</a:t>
             </a:fld>
-            <a:endParaRPr lang="en-US"/>
+            <a:endParaRPr lang="en-US" dirty="0"/>
           </a:p>
         </p:txBody>
       </p:sp>
@@ -1434,7 +1518,7 @@
           <a:bodyPr/>
           <a:lstStyle/>
           <a:p>
-            <a:endParaRPr lang="en-US"/>
+            <a:endParaRPr lang="en-US" dirty="0"/>
           </a:p>
         </p:txBody>
       </p:sp>
@@ -1457,7 +1541,7 @@
               <a:rPr lang="en-US" smtClean="0"/>
               <a:t>‹#›</a:t>
             </a:fld>
-            <a:endParaRPr lang="en-US"/>
+            <a:endParaRPr lang="en-US" dirty="0"/>
           </a:p>
         </p:txBody>
       </p:sp>
@@ -1698,9 +1782,9 @@
           <a:p>
             <a:fld id="{78C97017-6FC3-485B-9764-EAC9E56C1D49}" type="datetimeFigureOut">
               <a:rPr lang="en-US" smtClean="0"/>
-              <a:t>6/27/2018</a:t>
+              <a:t>10/15/2018</a:t>
             </a:fld>
-            <a:endParaRPr lang="en-US"/>
+            <a:endParaRPr lang="en-US" dirty="0"/>
           </a:p>
         </p:txBody>
       </p:sp>
@@ -1719,7 +1803,7 @@
           <a:bodyPr/>
           <a:lstStyle/>
           <a:p>
-            <a:endParaRPr lang="en-US"/>
+            <a:endParaRPr lang="en-US" dirty="0"/>
           </a:p>
         </p:txBody>
       </p:sp>
@@ -1742,7 +1826,7 @@
               <a:rPr lang="en-US" smtClean="0"/>
               <a:t>‹#›</a:t>
             </a:fld>
-            <a:endParaRPr lang="en-US"/>
+            <a:endParaRPr lang="en-US" dirty="0"/>
           </a:p>
         </p:txBody>
       </p:sp>
@@ -2117,9 +2201,9 @@
           <a:p>
             <a:fld id="{78C97017-6FC3-485B-9764-EAC9E56C1D49}" type="datetimeFigureOut">
               <a:rPr lang="en-US" smtClean="0"/>
-              <a:t>6/27/2018</a:t>
+              <a:t>10/15/2018</a:t>
             </a:fld>
-            <a:endParaRPr lang="en-US"/>
+            <a:endParaRPr lang="en-US" dirty="0"/>
           </a:p>
         </p:txBody>
       </p:sp>
@@ -2138,7 +2222,7 @@
           <a:bodyPr/>
           <a:lstStyle/>
           <a:p>
-            <a:endParaRPr lang="en-US"/>
+            <a:endParaRPr lang="en-US" dirty="0"/>
           </a:p>
         </p:txBody>
       </p:sp>
@@ -2161,7 +2245,7 @@
               <a:rPr lang="en-US" smtClean="0"/>
               <a:t>‹#›</a:t>
             </a:fld>
-            <a:endParaRPr lang="en-US"/>
+            <a:endParaRPr lang="en-US" dirty="0"/>
           </a:p>
         </p:txBody>
       </p:sp>
@@ -2234,9 +2318,9 @@
           <a:p>
             <a:fld id="{78C97017-6FC3-485B-9764-EAC9E56C1D49}" type="datetimeFigureOut">
               <a:rPr lang="en-US" smtClean="0"/>
-              <a:t>6/27/2018</a:t>
+              <a:t>10/15/2018</a:t>
             </a:fld>
-            <a:endParaRPr lang="en-US"/>
+            <a:endParaRPr lang="en-US" dirty="0"/>
           </a:p>
         </p:txBody>
       </p:sp>
@@ -2255,7 +2339,7 @@
           <a:bodyPr/>
           <a:lstStyle/>
           <a:p>
-            <a:endParaRPr lang="en-US"/>
+            <a:endParaRPr lang="en-US" dirty="0"/>
           </a:p>
         </p:txBody>
       </p:sp>
@@ -2278,7 +2362,7 @@
               <a:rPr lang="en-US" smtClean="0"/>
               <a:t>‹#›</a:t>
             </a:fld>
-            <a:endParaRPr lang="en-US"/>
+            <a:endParaRPr lang="en-US" dirty="0"/>
           </a:p>
         </p:txBody>
       </p:sp>
@@ -2329,9 +2413,9 @@
           <a:p>
             <a:fld id="{78C97017-6FC3-485B-9764-EAC9E56C1D49}" type="datetimeFigureOut">
               <a:rPr lang="en-US" smtClean="0"/>
-              <a:t>6/27/2018</a:t>
+              <a:t>10/15/2018</a:t>
             </a:fld>
-            <a:endParaRPr lang="en-US"/>
+            <a:endParaRPr lang="en-US" dirty="0"/>
           </a:p>
         </p:txBody>
       </p:sp>
@@ -2350,7 +2434,7 @@
           <a:bodyPr/>
           <a:lstStyle/>
           <a:p>
-            <a:endParaRPr lang="en-US"/>
+            <a:endParaRPr lang="en-US" dirty="0"/>
           </a:p>
         </p:txBody>
       </p:sp>
@@ -2373,7 +2457,7 @@
               <a:rPr lang="en-US" smtClean="0"/>
               <a:t>‹#›</a:t>
             </a:fld>
-            <a:endParaRPr lang="en-US"/>
+            <a:endParaRPr lang="en-US" dirty="0"/>
           </a:p>
         </p:txBody>
       </p:sp>
@@ -2604,9 +2688,9 @@
           <a:p>
             <a:fld id="{78C97017-6FC3-485B-9764-EAC9E56C1D49}" type="datetimeFigureOut">
               <a:rPr lang="en-US" smtClean="0"/>
-              <a:t>6/27/2018</a:t>
+              <a:t>10/15/2018</a:t>
             </a:fld>
-            <a:endParaRPr lang="en-US"/>
+            <a:endParaRPr lang="en-US" dirty="0"/>
           </a:p>
         </p:txBody>
       </p:sp>
@@ -2625,7 +2709,7 @@
           <a:bodyPr/>
           <a:lstStyle/>
           <a:p>
-            <a:endParaRPr lang="en-US"/>
+            <a:endParaRPr lang="en-US" dirty="0"/>
           </a:p>
         </p:txBody>
       </p:sp>
@@ -2648,7 +2732,7 @@
               <a:rPr lang="en-US" smtClean="0"/>
               <a:t>‹#›</a:t>
             </a:fld>
-            <a:endParaRPr lang="en-US"/>
+            <a:endParaRPr lang="en-US" dirty="0"/>
           </a:p>
         </p:txBody>
       </p:sp>
@@ -2770,7 +2854,7 @@
             </a:lvl9pPr>
           </a:lstStyle>
           <a:p>
-            <a:endParaRPr lang="en-US"/>
+            <a:endParaRPr lang="en-US" dirty="0"/>
           </a:p>
         </p:txBody>
       </p:sp>
@@ -2856,9 +2940,9 @@
           <a:p>
             <a:fld id="{78C97017-6FC3-485B-9764-EAC9E56C1D49}" type="datetimeFigureOut">
               <a:rPr lang="en-US" smtClean="0"/>
-              <a:t>6/27/2018</a:t>
+              <a:t>10/15/2018</a:t>
             </a:fld>
-            <a:endParaRPr lang="en-US"/>
+            <a:endParaRPr lang="en-US" dirty="0"/>
           </a:p>
         </p:txBody>
       </p:sp>
@@ -2877,7 +2961,7 @@
           <a:bodyPr/>
           <a:lstStyle/>
           <a:p>
-            <a:endParaRPr lang="en-US"/>
+            <a:endParaRPr lang="en-US" dirty="0"/>
           </a:p>
         </p:txBody>
       </p:sp>
@@ -2900,7 +2984,7 @@
               <a:rPr lang="en-US" smtClean="0"/>
               <a:t>‹#›</a:t>
             </a:fld>
-            <a:endParaRPr lang="en-US"/>
+            <a:endParaRPr lang="en-US" dirty="0"/>
           </a:p>
         </p:txBody>
       </p:sp>
@@ -3067,9 +3151,9 @@
           <a:p>
             <a:fld id="{78C97017-6FC3-485B-9764-EAC9E56C1D49}" type="datetimeFigureOut">
               <a:rPr lang="en-US" smtClean="0"/>
-              <a:t>6/27/2018</a:t>
+              <a:t>10/15/2018</a:t>
             </a:fld>
-            <a:endParaRPr lang="en-US"/>
+            <a:endParaRPr lang="en-US" dirty="0"/>
           </a:p>
         </p:txBody>
       </p:sp>
@@ -3106,7 +3190,7 @@
             </a:lvl1pPr>
           </a:lstStyle>
           <a:p>
-            <a:endParaRPr lang="en-US"/>
+            <a:endParaRPr lang="en-US" dirty="0"/>
           </a:p>
         </p:txBody>
       </p:sp>
@@ -3147,7 +3231,7 @@
               <a:rPr lang="en-US" smtClean="0"/>
               <a:t>‹#›</a:t>
             </a:fld>
-            <a:endParaRPr lang="en-US"/>
+            <a:endParaRPr lang="en-US" dirty="0"/>
           </a:p>
         </p:txBody>
       </p:sp>
@@ -3450,8 +3534,8 @@
         </p:nvSpPr>
         <p:spPr>
           <a:xfrm>
-            <a:off x="1119865" y="1600200"/>
-            <a:ext cx="7490735" cy="3124200"/>
+            <a:off x="707524" y="1517007"/>
+            <a:ext cx="8284076" cy="4878072"/>
           </a:xfrm>
           <a:prstGeom prst="roundRect">
             <a:avLst>
@@ -3511,7 +3595,7 @@
         </p:nvSpPr>
         <p:spPr>
           <a:xfrm>
-            <a:off x="2877180" y="3463240"/>
+            <a:off x="2454598" y="3696841"/>
             <a:ext cx="1093635" cy="346760"/>
           </a:xfrm>
           <a:prstGeom prst="rect">
@@ -3547,7 +3631,7 @@
           <a:p>
             <a:pPr algn="ctr"/>
             <a:r>
-              <a:rPr lang="en-US" sz="1050" dirty="0" err="1">
+              <a:rPr lang="en-US" sz="1050" dirty="0">
                 <a:solidFill>
                   <a:schemeClr val="bg1"/>
                 </a:solidFill>
@@ -3570,8 +3654,8 @@
         </p:nvSpPr>
         <p:spPr>
           <a:xfrm rot="16200000">
-            <a:off x="1661548" y="3097750"/>
-            <a:ext cx="1093635" cy="346760"/>
+            <a:off x="883972" y="3677387"/>
+            <a:ext cx="1847682" cy="346760"/>
           </a:xfrm>
           <a:prstGeom prst="rect">
             <a:avLst/>
@@ -3606,7 +3690,7 @@
           <a:p>
             <a:pPr algn="ctr"/>
             <a:r>
-              <a:rPr lang="en-US" sz="1050" dirty="0" err="1">
+              <a:rPr lang="en-US" sz="1050" dirty="0">
                 <a:solidFill>
                   <a:schemeClr val="bg1"/>
                 </a:solidFill>
@@ -3626,20 +3710,17 @@
           <p:cNvPr id="107" name="Elbow Connector 106"/>
           <p:cNvCxnSpPr>
             <a:cxnSpLocks/>
-            <a:stCxn id="9" idx="1"/>
             <a:endCxn id="62" idx="2"/>
           </p:cNvCxnSpPr>
           <p:nvPr/>
         </p:nvCxnSpPr>
         <p:spPr>
-          <a:xfrm rot="5400000" flipH="1" flipV="1">
-            <a:off x="4131507" y="1281685"/>
-            <a:ext cx="613122" cy="4459404"/>
-          </a:xfrm>
-          <a:prstGeom prst="bentConnector3">
-            <a:avLst>
-              <a:gd name="adj1" fmla="val -26668"/>
-            </a:avLst>
+          <a:xfrm flipV="1">
+            <a:off x="1988240" y="3231308"/>
+            <a:ext cx="4715377" cy="176970"/>
+          </a:xfrm>
+          <a:prstGeom prst="bentConnector2">
+            <a:avLst/>
           </a:prstGeom>
           <a:ln w="19050">
             <a:solidFill>
@@ -3674,7 +3755,7 @@
         </p:nvSpPr>
         <p:spPr>
           <a:xfrm rot="16200000">
-            <a:off x="956202" y="2861202"/>
+            <a:off x="579511" y="2861202"/>
             <a:ext cx="1093635" cy="346760"/>
           </a:xfrm>
           <a:prstGeom prst="rect">
@@ -3744,7 +3825,7 @@
         </p:nvSpPr>
         <p:spPr>
           <a:xfrm rot="16200000">
-            <a:off x="1626910" y="2952291"/>
+            <a:off x="1250219" y="2952291"/>
             <a:ext cx="270504" cy="175523"/>
           </a:xfrm>
           <a:prstGeom prst="triangle">
@@ -3779,7 +3860,7 @@
           <a:lstStyle/>
           <a:p>
             <a:pPr algn="ctr"/>
-            <a:endParaRPr lang="en-SG" sz="1050"/>
+            <a:endParaRPr lang="en-SG" sz="1050" dirty="0"/>
           </a:p>
         </p:txBody>
       </p:sp>
@@ -3787,6 +3868,7 @@
         <p:nvCxnSpPr>
           <p:cNvPr id="58" name="Straight Arrow Connector 57"/>
           <p:cNvCxnSpPr>
+            <a:cxnSpLocks/>
             <a:stCxn id="42" idx="3"/>
             <a:endCxn id="2" idx="1"/>
           </p:cNvCxnSpPr>
@@ -3794,8 +3876,8 @@
         </p:nvCxnSpPr>
         <p:spPr>
           <a:xfrm>
-            <a:off x="2609828" y="3636620"/>
-            <a:ext cx="267352" cy="0"/>
+            <a:off x="2219852" y="3870221"/>
+            <a:ext cx="234746" cy="0"/>
           </a:xfrm>
           <a:prstGeom prst="straightConnector1">
             <a:avLst/>
@@ -3832,7 +3914,7 @@
         </p:nvCxnSpPr>
         <p:spPr>
           <a:xfrm>
-            <a:off x="910091" y="3040053"/>
+            <a:off x="533400" y="3040053"/>
             <a:ext cx="419548" cy="2860"/>
           </a:xfrm>
           <a:prstGeom prst="bentConnector3">
@@ -3877,7 +3959,7 @@
         </p:nvCxnSpPr>
         <p:spPr>
           <a:xfrm flipV="1">
-            <a:off x="1849924" y="3040052"/>
+            <a:off x="1473233" y="3040052"/>
             <a:ext cx="216105" cy="1"/>
           </a:xfrm>
           <a:prstGeom prst="line">
@@ -3916,7 +3998,7 @@
         </p:nvSpPr>
         <p:spPr>
           <a:xfrm>
-            <a:off x="2373780" y="3549930"/>
+            <a:off x="1983804" y="3783531"/>
             <a:ext cx="236048" cy="173380"/>
           </a:xfrm>
           <a:prstGeom prst="flowChartDecision">
@@ -3949,7 +4031,7 @@
           <a:lstStyle/>
           <a:p>
             <a:pPr algn="ctr"/>
-            <a:endParaRPr lang="en-US" sz="1050"/>
+            <a:endParaRPr lang="en-US" sz="1050" dirty="0"/>
           </a:p>
         </p:txBody>
       </p:sp>
@@ -3961,8 +4043,8 @@
         </p:nvSpPr>
         <p:spPr>
           <a:xfrm>
-            <a:off x="2825280" y="2846162"/>
-            <a:ext cx="1490560" cy="334856"/>
+            <a:off x="2455900" y="2903963"/>
+            <a:ext cx="1792654" cy="334856"/>
           </a:xfrm>
           <a:prstGeom prst="rect">
             <a:avLst/>
@@ -3994,12 +4076,12 @@
           <a:p>
             <a:pPr algn="ctr"/>
             <a:r>
-              <a:rPr lang="en-US" sz="1050" dirty="0" err="1" smtClean="0">
+              <a:rPr lang="en-US" sz="1050" dirty="0" err="1">
                 <a:solidFill>
                   <a:srgbClr val="7030A0"/>
                 </a:solidFill>
               </a:rPr>
-              <a:t>VersionedAddressBook</a:t>
+              <a:t>VersionedTodoList</a:t>
             </a:r>
             <a:endParaRPr lang="en-SG" sz="1050" dirty="0">
               <a:solidFill>
@@ -4013,6 +4095,7 @@
         <p:nvCxnSpPr>
           <p:cNvPr id="47" name="Straight Arrow Connector 46"/>
           <p:cNvCxnSpPr>
+            <a:cxnSpLocks/>
             <a:stCxn id="48" idx="3"/>
             <a:endCxn id="46" idx="1"/>
           </p:cNvCxnSpPr>
@@ -4020,8 +4103,8 @@
         </p:nvCxnSpPr>
         <p:spPr>
           <a:xfrm>
-            <a:off x="2624360" y="3003033"/>
-            <a:ext cx="200920" cy="10557"/>
+            <a:off x="2219852" y="3064980"/>
+            <a:ext cx="236048" cy="6411"/>
           </a:xfrm>
           <a:prstGeom prst="straightConnector1">
             <a:avLst/>
@@ -4058,7 +4141,7 @@
         </p:nvSpPr>
         <p:spPr>
           <a:xfrm>
-            <a:off x="2388312" y="2916343"/>
+            <a:off x="1983804" y="2978290"/>
             <a:ext cx="236048" cy="173380"/>
           </a:xfrm>
           <a:prstGeom prst="flowChartDecision">
@@ -4091,7 +4174,7 @@
           <a:lstStyle/>
           <a:p>
             <a:pPr algn="ctr"/>
-            <a:endParaRPr lang="en-US" sz="1050"/>
+            <a:endParaRPr lang="en-US" sz="1050" dirty="0"/>
           </a:p>
         </p:txBody>
       </p:sp>
@@ -4103,7 +4186,7 @@
         </p:nvSpPr>
         <p:spPr>
           <a:xfrm>
-            <a:off x="4692650" y="2846162"/>
+            <a:off x="4650095" y="2891600"/>
             <a:ext cx="1156969" cy="346760"/>
           </a:xfrm>
           <a:prstGeom prst="rect">
@@ -4141,7 +4224,7 @@
                   <a:srgbClr val="7030A0"/>
                 </a:solidFill>
               </a:rPr>
-              <a:t>UniquePersonList</a:t>
+              <a:t>UniqueTaskList</a:t>
             </a:r>
             <a:endParaRPr lang="en-SG" sz="1050" dirty="0">
               <a:solidFill>
@@ -4159,7 +4242,7 @@
         </p:nvSpPr>
         <p:spPr>
           <a:xfrm>
-            <a:off x="4324972" y="2920532"/>
+            <a:off x="4263347" y="2978290"/>
             <a:ext cx="236048" cy="173380"/>
           </a:xfrm>
           <a:prstGeom prst="flowChartDecision">
@@ -4194,7 +4277,7 @@
           <a:lstStyle/>
           <a:p>
             <a:pPr algn="ctr"/>
-            <a:endParaRPr lang="en-US" sz="1050"/>
+            <a:endParaRPr lang="en-US" sz="1050" dirty="0"/>
           </a:p>
         </p:txBody>
       </p:sp>
@@ -4206,8 +4289,8 @@
         </p:nvSpPr>
         <p:spPr>
           <a:xfrm>
-            <a:off x="6313677" y="2858066"/>
-            <a:ext cx="708186" cy="346760"/>
+            <a:off x="6282951" y="2884548"/>
+            <a:ext cx="841331" cy="346760"/>
           </a:xfrm>
           <a:prstGeom prst="rect">
             <a:avLst/>
@@ -4244,7 +4327,7 @@
                   <a:srgbClr val="7030A0"/>
                 </a:solidFill>
               </a:rPr>
-              <a:t>Person</a:t>
+              <a:t>Task</a:t>
             </a:r>
             <a:endParaRPr lang="en-SG" sz="1050" dirty="0">
               <a:solidFill>
@@ -4262,7 +4345,7 @@
         </p:nvSpPr>
         <p:spPr>
           <a:xfrm>
-            <a:off x="5858751" y="2941676"/>
+            <a:off x="5828026" y="2968158"/>
             <a:ext cx="236048" cy="173380"/>
           </a:xfrm>
           <a:prstGeom prst="flowChartDecision">
@@ -4295,7 +4378,7 @@
           <a:lstStyle/>
           <a:p>
             <a:pPr algn="ctr"/>
-            <a:endParaRPr lang="en-US" sz="1050"/>
+            <a:endParaRPr lang="en-US" sz="1050" dirty="0"/>
           </a:p>
         </p:txBody>
       </p:sp>
@@ -4303,6 +4386,7 @@
         <p:nvCxnSpPr>
           <p:cNvPr id="64" name="Elbow Connector 63"/>
           <p:cNvCxnSpPr>
+            <a:cxnSpLocks/>
             <a:stCxn id="63" idx="3"/>
             <a:endCxn id="62" idx="1"/>
           </p:cNvCxnSpPr>
@@ -4310,8 +4394,8 @@
         </p:nvCxnSpPr>
         <p:spPr>
           <a:xfrm>
-            <a:off x="6094799" y="3028366"/>
-            <a:ext cx="218878" cy="3080"/>
+            <a:off x="6064074" y="3054848"/>
+            <a:ext cx="218877" cy="3080"/>
           </a:xfrm>
           <a:prstGeom prst="bentConnector3">
             <a:avLst/>
@@ -4348,8 +4432,8 @@
         </p:nvSpPr>
         <p:spPr>
           <a:xfrm>
-            <a:off x="7712397" y="2564238"/>
-            <a:ext cx="708186" cy="285783"/>
+            <a:off x="7826533" y="2399095"/>
+            <a:ext cx="883505" cy="285783"/>
           </a:xfrm>
           <a:prstGeom prst="rect">
             <a:avLst/>
@@ -4381,12 +4465,12 @@
           <a:p>
             <a:pPr algn="ctr"/>
             <a:r>
-              <a:rPr lang="en-US" sz="1050" dirty="0">
+              <a:rPr lang="en-US" sz="1050" dirty="0" err="1">
                 <a:solidFill>
                   <a:srgbClr val="7030A0"/>
                 </a:solidFill>
               </a:rPr>
-              <a:t>Name</a:t>
+              <a:t>TaskName</a:t>
             </a:r>
             <a:endParaRPr lang="en-SG" sz="1050" dirty="0">
               <a:solidFill>
@@ -4404,7 +4488,7 @@
         </p:nvSpPr>
         <p:spPr>
           <a:xfrm>
-            <a:off x="7041947" y="2948201"/>
+            <a:off x="7135138" y="2959115"/>
             <a:ext cx="236048" cy="173380"/>
           </a:xfrm>
           <a:prstGeom prst="flowChartDecision">
@@ -4439,7 +4523,7 @@
           <a:lstStyle/>
           <a:p>
             <a:pPr algn="ctr"/>
-            <a:endParaRPr lang="en-US" sz="1050"/>
+            <a:endParaRPr lang="en-US" sz="1050" dirty="0"/>
           </a:p>
         </p:txBody>
       </p:sp>
@@ -4448,16 +4532,20 @@
           <p:cNvPr id="79" name="Elbow Connector 78"/>
           <p:cNvCxnSpPr>
             <a:cxnSpLocks/>
+            <a:stCxn id="78" idx="3"/>
+            <a:endCxn id="76" idx="1"/>
           </p:cNvCxnSpPr>
           <p:nvPr/>
         </p:nvCxnSpPr>
         <p:spPr>
           <a:xfrm flipV="1">
-            <a:off x="7277995" y="2706821"/>
-            <a:ext cx="434402" cy="327761"/>
+            <a:off x="7371186" y="2541987"/>
+            <a:ext cx="455347" cy="503818"/>
           </a:xfrm>
           <a:prstGeom prst="bentConnector3">
-            <a:avLst/>
+            <a:avLst>
+              <a:gd name="adj1" fmla="val 50000"/>
+            </a:avLst>
           </a:prstGeom>
           <a:ln w="19050">
             <a:solidFill>
@@ -4491,8 +4579,8 @@
         </p:nvSpPr>
         <p:spPr>
           <a:xfrm>
-            <a:off x="7712397" y="2887216"/>
-            <a:ext cx="708186" cy="285783"/>
+            <a:off x="7826534" y="2722073"/>
+            <a:ext cx="889446" cy="285783"/>
           </a:xfrm>
           <a:prstGeom prst="rect">
             <a:avLst/>
@@ -4524,12 +4612,12 @@
           <a:p>
             <a:pPr algn="ctr"/>
             <a:r>
-              <a:rPr lang="en-US" sz="1050" dirty="0">
+              <a:rPr lang="en-US" sz="1050" dirty="0" err="1">
                 <a:solidFill>
                   <a:srgbClr val="7030A0"/>
                 </a:solidFill>
               </a:rPr>
-              <a:t>Phone</a:t>
+              <a:t>TaskModule</a:t>
             </a:r>
             <a:endParaRPr lang="en-SG" sz="1050" dirty="0">
               <a:solidFill>
@@ -4543,6 +4631,7 @@
         <p:nvCxnSpPr>
           <p:cNvPr id="81" name="Elbow Connector 80"/>
           <p:cNvCxnSpPr>
+            <a:cxnSpLocks/>
             <a:stCxn id="78" idx="3"/>
             <a:endCxn id="80" idx="1"/>
           </p:cNvCxnSpPr>
@@ -4550,8 +4639,8 @@
         </p:nvCxnSpPr>
         <p:spPr>
           <a:xfrm flipV="1">
-            <a:off x="7277995" y="3030108"/>
-            <a:ext cx="434402" cy="4783"/>
+            <a:off x="7371186" y="2864965"/>
+            <a:ext cx="455348" cy="180840"/>
           </a:xfrm>
           <a:prstGeom prst="bentConnector3">
             <a:avLst/>
@@ -4588,8 +4677,8 @@
         </p:nvSpPr>
         <p:spPr>
           <a:xfrm>
-            <a:off x="7712397" y="3210194"/>
-            <a:ext cx="708186" cy="285783"/>
+            <a:off x="7826534" y="3045051"/>
+            <a:ext cx="889446" cy="285783"/>
           </a:xfrm>
           <a:prstGeom prst="rect">
             <a:avLst/>
@@ -4621,12 +4710,12 @@
           <a:p>
             <a:pPr algn="ctr"/>
             <a:r>
-              <a:rPr lang="en-US" sz="1050" dirty="0">
+              <a:rPr lang="en-US" sz="1050" dirty="0" err="1">
                 <a:solidFill>
                   <a:srgbClr val="7030A0"/>
                 </a:solidFill>
               </a:rPr>
-              <a:t>Email</a:t>
+              <a:t>TaskDate</a:t>
             </a:r>
             <a:endParaRPr lang="en-SG" sz="1050" dirty="0">
               <a:solidFill>
@@ -4640,6 +4729,7 @@
         <p:nvCxnSpPr>
           <p:cNvPr id="84" name="Elbow Connector 83"/>
           <p:cNvCxnSpPr>
+            <a:cxnSpLocks/>
             <a:stCxn id="78" idx="3"/>
             <a:endCxn id="83" idx="1"/>
           </p:cNvCxnSpPr>
@@ -4647,8 +4737,8 @@
         </p:nvCxnSpPr>
         <p:spPr>
           <a:xfrm>
-            <a:off x="7277995" y="3034891"/>
-            <a:ext cx="434402" cy="318195"/>
+            <a:off x="7371186" y="3045805"/>
+            <a:ext cx="455348" cy="142138"/>
           </a:xfrm>
           <a:prstGeom prst="bentConnector3">
             <a:avLst/>
@@ -4685,8 +4775,8 @@
         </p:nvSpPr>
         <p:spPr>
           <a:xfrm>
-            <a:off x="7712397" y="3533171"/>
-            <a:ext cx="708186" cy="285783"/>
+            <a:off x="7826533" y="3368028"/>
+            <a:ext cx="889447" cy="285783"/>
           </a:xfrm>
           <a:prstGeom prst="rect">
             <a:avLst/>
@@ -4718,12 +4808,12 @@
           <a:p>
             <a:pPr algn="ctr"/>
             <a:r>
-              <a:rPr lang="en-US" sz="1050" dirty="0">
+              <a:rPr lang="en-US" sz="1050" dirty="0" err="1">
                 <a:solidFill>
                   <a:srgbClr val="7030A0"/>
                 </a:solidFill>
               </a:rPr>
-              <a:t>Address</a:t>
+              <a:t>TaskPriority</a:t>
             </a:r>
             <a:endParaRPr lang="en-SG" sz="1050" dirty="0">
               <a:solidFill>
@@ -4737,6 +4827,7 @@
         <p:nvCxnSpPr>
           <p:cNvPr id="86" name="Elbow Connector 85"/>
           <p:cNvCxnSpPr>
+            <a:cxnSpLocks/>
             <a:stCxn id="78" idx="3"/>
             <a:endCxn id="85" idx="1"/>
           </p:cNvCxnSpPr>
@@ -4744,8 +4835,8 @@
         </p:nvCxnSpPr>
         <p:spPr>
           <a:xfrm>
-            <a:off x="7277995" y="3034891"/>
-            <a:ext cx="434402" cy="641172"/>
+            <a:off x="7371186" y="3045805"/>
+            <a:ext cx="455347" cy="465115"/>
           </a:xfrm>
           <a:prstGeom prst="bentConnector3">
             <a:avLst/>
@@ -4778,14 +4869,16 @@
         <p:nvCxnSpPr>
           <p:cNvPr id="97" name="Elbow Connector 63"/>
           <p:cNvCxnSpPr>
+            <a:cxnSpLocks/>
             <a:stCxn id="99" idx="3"/>
+            <a:endCxn id="46" idx="0"/>
           </p:cNvCxnSpPr>
           <p:nvPr/>
         </p:nvCxnSpPr>
         <p:spPr>
-          <a:xfrm rot="5400000">
-            <a:off x="3553611" y="2687559"/>
-            <a:ext cx="293825" cy="5938"/>
+          <a:xfrm rot="16200000" flipH="1">
+            <a:off x="3159876" y="2711611"/>
+            <a:ext cx="384701" cy="1"/>
           </a:xfrm>
           <a:prstGeom prst="bentConnector3">
             <a:avLst>
@@ -4825,7 +4918,7 @@
         </p:nvSpPr>
         <p:spPr>
           <a:xfrm rot="10800000" flipV="1">
-            <a:off x="3562299" y="2386554"/>
+            <a:off x="3211033" y="2362200"/>
             <a:ext cx="282387" cy="157062"/>
           </a:xfrm>
           <a:prstGeom prst="triangle">
@@ -4857,7 +4950,7 @@
           <a:lstStyle/>
           <a:p>
             <a:pPr algn="ctr"/>
-            <a:endParaRPr lang="en-SG" sz="1050" b="1">
+            <a:endParaRPr lang="en-SG" sz="1050" b="1" dirty="0">
               <a:solidFill>
                 <a:srgbClr val="92D050"/>
               </a:solidFill>
@@ -4873,7 +4966,7 @@
         </p:nvSpPr>
         <p:spPr>
           <a:xfrm>
-            <a:off x="1260922" y="1998350"/>
+            <a:off x="884231" y="1998350"/>
             <a:ext cx="1443661" cy="364396"/>
           </a:xfrm>
           <a:prstGeom prst="rect">
@@ -4926,7 +5019,7 @@
                   <a:srgbClr val="7030A0"/>
                 </a:solidFill>
               </a:rPr>
-              <a:t>ReadOnlyAddressBook</a:t>
+              <a:t>ReadOnlyTodoList</a:t>
             </a:r>
             <a:endParaRPr lang="en-SG" sz="1050" dirty="0">
               <a:solidFill>
@@ -4943,8 +5036,8 @@
           <p:nvPr/>
         </p:nvSpPr>
         <p:spPr>
-          <a:xfrm rot="16200000">
-            <a:off x="6362886" y="3586305"/>
+          <a:xfrm>
+            <a:off x="5732776" y="3395336"/>
             <a:ext cx="881018" cy="261610"/>
           </a:xfrm>
           <a:prstGeom prst="rect">
@@ -4983,7 +5076,7 @@
         </p:nvSpPr>
         <p:spPr>
           <a:xfrm>
-            <a:off x="2057401" y="4239491"/>
+            <a:off x="1568428" y="5823420"/>
             <a:ext cx="1066800" cy="346760"/>
           </a:xfrm>
           <a:prstGeom prst="rect">
@@ -5023,23 +5116,15 @@
               </a:rPr>
               <a:t>&lt;&lt;interface&gt;&gt;</a:t>
             </a:r>
-            <a:r>
-              <a:rPr lang="en-US" sz="1050">
-                <a:solidFill>
-                  <a:srgbClr val="7030A0"/>
-                </a:solidFill>
-              </a:rPr>
-              <a:t/>
-            </a:r>
             <a:br>
-              <a:rPr lang="en-US" sz="1050">
+              <a:rPr lang="en-US" sz="1050" dirty="0">
                 <a:solidFill>
                   <a:srgbClr val="7030A0"/>
                 </a:solidFill>
               </a:rPr>
             </a:br>
             <a:r>
-              <a:rPr lang="en-US" sz="1050" dirty="0" err="1">
+              <a:rPr lang="en-US" sz="1050" dirty="0">
                 <a:solidFill>
                   <a:srgbClr val="7030A0"/>
                 </a:solidFill>
@@ -5065,8 +5150,8 @@
         </p:nvCxnSpPr>
         <p:spPr>
           <a:xfrm rot="16200000" flipH="1">
-            <a:off x="1364475" y="3719944"/>
-            <a:ext cx="831471" cy="554381"/>
+            <a:off x="139678" y="4568050"/>
+            <a:ext cx="2415400" cy="442099"/>
           </a:xfrm>
           <a:prstGeom prst="bentConnector2">
             <a:avLst/>
@@ -5104,7 +5189,7 @@
         </p:nvSpPr>
         <p:spPr>
           <a:xfrm>
-            <a:off x="4429979" y="3111479"/>
+            <a:off x="4399254" y="3137961"/>
             <a:ext cx="189257" cy="178683"/>
           </a:xfrm>
           <a:prstGeom prst="rect">
@@ -5143,7 +5228,7 @@
         </p:nvSpPr>
         <p:spPr>
           <a:xfrm>
-            <a:off x="6135256" y="3097917"/>
+            <a:off x="6104531" y="3124399"/>
             <a:ext cx="189257" cy="178683"/>
           </a:xfrm>
           <a:prstGeom prst="rect">
@@ -5182,7 +5267,7 @@
         </p:nvSpPr>
         <p:spPr>
           <a:xfrm>
-            <a:off x="2573394" y="2756715"/>
+            <a:off x="2208961" y="2801406"/>
             <a:ext cx="170110" cy="137542"/>
           </a:xfrm>
           <a:prstGeom prst="rect">
@@ -5221,7 +5306,7 @@
         </p:nvSpPr>
         <p:spPr>
           <a:xfrm>
-            <a:off x="2707070" y="3667737"/>
+            <a:off x="2208260" y="3647217"/>
             <a:ext cx="189257" cy="178683"/>
           </a:xfrm>
           <a:prstGeom prst="rect">
@@ -5260,7 +5345,7 @@
         </p:nvSpPr>
         <p:spPr>
           <a:xfrm>
-            <a:off x="6449896" y="3204826"/>
+            <a:off x="6419171" y="3231308"/>
             <a:ext cx="189257" cy="178683"/>
           </a:xfrm>
           <a:prstGeom prst="rect">
@@ -5293,20 +5378,14 @@
       </p:sp>
       <p:sp>
         <p:nvSpPr>
-          <p:cNvPr id="52" name="Rectangle 8">
-            <a:extLst>
-              <a:ext uri="{FF2B5EF4-FFF2-40B4-BE49-F238E27FC236}">
-                <a16:creationId xmlns:a16="http://schemas.microsoft.com/office/drawing/2014/main" id="{ABDCDBD2-131A-4B66-A2F2-43BBEE82C773}"/>
-              </a:ext>
-            </a:extLst>
-          </p:cNvPr>
+          <p:cNvPr id="55" name="Rectangle 8"/>
           <p:cNvSpPr/>
           <p:nvPr/>
         </p:nvSpPr>
         <p:spPr>
           <a:xfrm>
-            <a:off x="7712397" y="2228817"/>
-            <a:ext cx="708186" cy="285783"/>
+            <a:off x="2690312" y="1997804"/>
+            <a:ext cx="1299908" cy="364396"/>
           </a:xfrm>
           <a:prstGeom prst="rect">
             <a:avLst/>
@@ -5338,12 +5417,12 @@
           <a:p>
             <a:pPr algn="ctr"/>
             <a:r>
-              <a:rPr lang="en-US" sz="1050" dirty="0">
+              <a:rPr lang="en-US" sz="1050" dirty="0" err="1">
                 <a:solidFill>
                   <a:srgbClr val="7030A0"/>
                 </a:solidFill>
               </a:rPr>
-              <a:t>Tag</a:t>
+              <a:t>TodoList</a:t>
             </a:r>
             <a:endParaRPr lang="en-SG" sz="1050" dirty="0">
               <a:solidFill>
@@ -5355,29 +5434,21 @@
       </p:sp>
       <p:cxnSp>
         <p:nvCxnSpPr>
-          <p:cNvPr id="53" name="Elbow Connector 78">
-            <a:extLst>
-              <a:ext uri="{FF2B5EF4-FFF2-40B4-BE49-F238E27FC236}">
-                <a16:creationId xmlns:a16="http://schemas.microsoft.com/office/drawing/2014/main" id="{B97967F8-618A-448B-81FD-CDFD4AF0EC64}"/>
-              </a:ext>
-            </a:extLst>
-          </p:cNvPr>
+          <p:cNvPr id="60" name="Straight Arrow Connector 59"/>
           <p:cNvCxnSpPr>
             <a:cxnSpLocks/>
-            <a:stCxn id="78" idx="3"/>
-            <a:endCxn id="52" idx="1"/>
+            <a:stCxn id="51" idx="3"/>
+            <a:endCxn id="49" idx="1"/>
           </p:cNvCxnSpPr>
           <p:nvPr/>
         </p:nvCxnSpPr>
         <p:spPr>
-          <a:xfrm flipV="1">
-            <a:off x="7277995" y="2371709"/>
-            <a:ext cx="434402" cy="663182"/>
-          </a:xfrm>
-          <a:prstGeom prst="bentConnector3">
-            <a:avLst>
-              <a:gd name="adj1" fmla="val 50000"/>
-            </a:avLst>
+          <a:xfrm>
+            <a:off x="4499395" y="3064980"/>
+            <a:ext cx="150700" cy="0"/>
+          </a:xfrm>
+          <a:prstGeom prst="straightConnector1">
+            <a:avLst/>
           </a:prstGeom>
           <a:ln w="19050">
             <a:solidFill>
@@ -5405,59 +5476,117 @@
       </p:cxnSp>
       <p:sp>
         <p:nvSpPr>
-          <p:cNvPr id="50" name="TextBox 49">
+          <p:cNvPr id="68" name="Isosceles Triangle 102"/>
+          <p:cNvSpPr/>
+          <p:nvPr/>
+        </p:nvSpPr>
+        <p:spPr>
+          <a:xfrm rot="16200000">
+            <a:off x="2289693" y="2069158"/>
+            <a:ext cx="271014" cy="187417"/>
+          </a:xfrm>
+          <a:prstGeom prst="triangle">
+            <a:avLst>
+              <a:gd name="adj" fmla="val 44517"/>
+            </a:avLst>
+          </a:prstGeom>
+          <a:solidFill>
+            <a:schemeClr val="accent4">
+              <a:lumMod val="20000"/>
+              <a:lumOff val="80000"/>
+            </a:schemeClr>
+          </a:solidFill>
+          <a:ln w="19050">
+            <a:solidFill>
+              <a:srgbClr val="7030A0"/>
+            </a:solidFill>
+          </a:ln>
+          <a:effectLst/>
+        </p:spPr>
+        <p:style>
+          <a:lnRef idx="1">
+            <a:schemeClr val="accent6"/>
+          </a:lnRef>
+          <a:fillRef idx="2">
+            <a:schemeClr val="accent6"/>
+          </a:fillRef>
+          <a:effectRef idx="1">
+            <a:schemeClr val="accent6"/>
+          </a:effectRef>
+          <a:fontRef idx="minor">
+            <a:schemeClr val="dk1"/>
+          </a:fontRef>
+        </p:style>
+        <p:txBody>
+          <a:bodyPr rtlCol="0" anchor="ctr"/>
+          <a:lstStyle/>
+          <a:p>
+            <a:pPr algn="ctr"/>
+            <a:endParaRPr lang="en-SG" sz="1050" dirty="0"/>
+          </a:p>
+        </p:txBody>
+      </p:sp>
+      <p:cxnSp>
+        <p:nvCxnSpPr>
+          <p:cNvPr id="69" name="Elbow Connector 63"/>
+          <p:cNvCxnSpPr>
+            <a:cxnSpLocks/>
+            <a:stCxn id="68" idx="3"/>
+            <a:endCxn id="55" idx="1"/>
+          </p:cNvCxnSpPr>
+          <p:nvPr/>
+        </p:nvCxnSpPr>
+        <p:spPr>
+          <a:xfrm>
+            <a:off x="2518909" y="2177727"/>
+            <a:ext cx="171403" cy="2275"/>
+          </a:xfrm>
+          <a:prstGeom prst="bentConnector3">
+            <a:avLst>
+              <a:gd name="adj1" fmla="val 50000"/>
+            </a:avLst>
+          </a:prstGeom>
+          <a:ln w="19050">
+            <a:solidFill>
+              <a:srgbClr val="7030A0"/>
+            </a:solidFill>
+            <a:prstDash val="sysDot"/>
+            <a:headEnd type="none" w="med" len="med"/>
+            <a:tailEnd type="none" w="med" len="med"/>
+          </a:ln>
+          <a:effectLst/>
+        </p:spPr>
+        <p:style>
+          <a:lnRef idx="1">
+            <a:schemeClr val="accent2"/>
+          </a:lnRef>
+          <a:fillRef idx="2">
+            <a:schemeClr val="accent2"/>
+          </a:fillRef>
+          <a:effectRef idx="1">
+            <a:schemeClr val="accent2"/>
+          </a:effectRef>
+          <a:fontRef idx="minor">
+            <a:schemeClr val="dk1"/>
+          </a:fontRef>
+        </p:style>
+      </p:cxnSp>
+      <p:sp>
+        <p:nvSpPr>
+          <p:cNvPr id="56" name="Rectangle 8">
             <a:extLst>
               <a:ext uri="{FF2B5EF4-FFF2-40B4-BE49-F238E27FC236}">
-                <a16:creationId xmlns:a16="http://schemas.microsoft.com/office/drawing/2014/main" id="{B3FA9D57-880F-49C4-AD0B-A64E30D6F403}"/>
+                <a16:creationId xmlns:a16="http://schemas.microsoft.com/office/drawing/2014/main" id="{A923551C-3F62-419E-9567-B5468F3183A0}"/>
               </a:ext>
             </a:extLst>
           </p:cNvPr>
-          <p:cNvSpPr txBox="1"/>
-          <p:nvPr/>
-        </p:nvSpPr>
-        <p:spPr>
-          <a:xfrm>
-            <a:off x="7466243" y="2255711"/>
-            <a:ext cx="189257" cy="178683"/>
-          </a:xfrm>
-          <a:prstGeom prst="rect">
-            <a:avLst/>
-          </a:prstGeom>
-          <a:noFill/>
-        </p:spPr>
-        <p:txBody>
-          <a:bodyPr wrap="square" lIns="0" tIns="0" rIns="0" bIns="0" rtlCol="0">
-            <a:noAutofit/>
-          </a:bodyPr>
-          <a:lstStyle/>
-          <a:p>
-            <a:pPr algn="ctr"/>
-            <a:r>
-              <a:rPr lang="en-US" sz="1100" dirty="0">
-                <a:solidFill>
-                  <a:srgbClr val="7030A0"/>
-                </a:solidFill>
-              </a:rPr>
-              <a:t>*</a:t>
-            </a:r>
-            <a:endParaRPr lang="en-SG" sz="1100" dirty="0">
-              <a:solidFill>
-                <a:srgbClr val="7030A0"/>
-              </a:solidFill>
-            </a:endParaRPr>
-          </a:p>
-        </p:txBody>
-      </p:sp>
-      <p:sp>
-        <p:nvSpPr>
-          <p:cNvPr id="55" name="Rectangle 8"/>
           <p:cNvSpPr/>
           <p:nvPr/>
         </p:nvSpPr>
         <p:spPr>
           <a:xfrm>
-            <a:off x="3170181" y="1998350"/>
-            <a:ext cx="1060683" cy="364396"/>
+            <a:off x="2454598" y="4484495"/>
+            <a:ext cx="1793956" cy="334856"/>
           </a:xfrm>
           <a:prstGeom prst="rect">
             <a:avLst/>
@@ -5494,7 +5623,7 @@
                   <a:srgbClr val="7030A0"/>
                 </a:solidFill>
               </a:rPr>
-              <a:t>AddressBook</a:t>
+              <a:t>VersionedExpenditureTracker</a:t>
             </a:r>
             <a:endParaRPr lang="en-SG" sz="1050" dirty="0">
               <a:solidFill>
@@ -5506,17 +5635,24 @@
       </p:sp>
       <p:cxnSp>
         <p:nvCxnSpPr>
-          <p:cNvPr id="60" name="Straight Arrow Connector 59"/>
+          <p:cNvPr id="57" name="Straight Arrow Connector 56">
+            <a:extLst>
+              <a:ext uri="{FF2B5EF4-FFF2-40B4-BE49-F238E27FC236}">
+                <a16:creationId xmlns:a16="http://schemas.microsoft.com/office/drawing/2014/main" id="{35A5BBF9-A953-4A08-953E-72B9A05F9D99}"/>
+              </a:ext>
+            </a:extLst>
+          </p:cNvPr>
           <p:cNvCxnSpPr>
-            <a:stCxn id="51" idx="1"/>
-            <a:endCxn id="49" idx="1"/>
+            <a:cxnSpLocks/>
+            <a:stCxn id="91" idx="3"/>
+            <a:endCxn id="56" idx="1"/>
           </p:cNvCxnSpPr>
           <p:nvPr/>
         </p:nvCxnSpPr>
         <p:spPr>
-          <a:xfrm>
-            <a:off x="4324972" y="3007222"/>
-            <a:ext cx="367678" cy="12320"/>
+          <a:xfrm flipV="1">
+            <a:off x="2224288" y="4651923"/>
+            <a:ext cx="230310" cy="7049"/>
           </a:xfrm>
           <a:prstGeom prst="straightConnector1">
             <a:avLst/>
@@ -5547,25 +5683,88 @@
       </p:cxnSp>
       <p:sp>
         <p:nvSpPr>
-          <p:cNvPr id="68" name="Isosceles Triangle 102"/>
+          <p:cNvPr id="59" name="Rectangle 8">
+            <a:extLst>
+              <a:ext uri="{FF2B5EF4-FFF2-40B4-BE49-F238E27FC236}">
+                <a16:creationId xmlns:a16="http://schemas.microsoft.com/office/drawing/2014/main" id="{83C89260-275E-4D92-A457-7C734DC6159E}"/>
+              </a:ext>
+            </a:extLst>
+          </p:cNvPr>
           <p:cNvSpPr/>
           <p:nvPr/>
         </p:nvSpPr>
         <p:spPr>
-          <a:xfrm rot="16200000">
-            <a:off x="2669073" y="2069158"/>
-            <a:ext cx="271014" cy="187417"/>
-          </a:xfrm>
-          <a:prstGeom prst="triangle">
-            <a:avLst>
-              <a:gd name="adj" fmla="val 44517"/>
-            </a:avLst>
+          <a:xfrm>
+            <a:off x="4657897" y="4470885"/>
+            <a:ext cx="1156969" cy="346760"/>
+          </a:xfrm>
+          <a:prstGeom prst="rect">
+            <a:avLst/>
+          </a:prstGeom>
+          <a:ln w="19050">
+            <a:solidFill>
+              <a:srgbClr val="7030A0"/>
+            </a:solidFill>
+          </a:ln>
+          <a:effectLst/>
+        </p:spPr>
+        <p:style>
+          <a:lnRef idx="1">
+            <a:schemeClr val="accent4"/>
+          </a:lnRef>
+          <a:fillRef idx="2">
+            <a:schemeClr val="accent4"/>
+          </a:fillRef>
+          <a:effectRef idx="1">
+            <a:schemeClr val="accent4"/>
+          </a:effectRef>
+          <a:fontRef idx="minor">
+            <a:schemeClr val="dk1"/>
+          </a:fontRef>
+        </p:style>
+        <p:txBody>
+          <a:bodyPr rtlCol="0" anchor="ctr"/>
+          <a:lstStyle/>
+          <a:p>
+            <a:pPr algn="ctr"/>
+            <a:r>
+              <a:rPr lang="en-US" sz="1050" dirty="0" err="1">
+                <a:solidFill>
+                  <a:srgbClr val="7030A0"/>
+                </a:solidFill>
+              </a:rPr>
+              <a:t>ExpenditureList</a:t>
+            </a:r>
+            <a:endParaRPr lang="en-SG" sz="1050" dirty="0">
+              <a:solidFill>
+                <a:srgbClr val="7030A0"/>
+              </a:solidFill>
+            </a:endParaRPr>
+          </a:p>
+        </p:txBody>
+      </p:sp>
+      <p:sp>
+        <p:nvSpPr>
+          <p:cNvPr id="67" name="Flowchart: Decision 96">
+            <a:extLst>
+              <a:ext uri="{FF2B5EF4-FFF2-40B4-BE49-F238E27FC236}">
+                <a16:creationId xmlns:a16="http://schemas.microsoft.com/office/drawing/2014/main" id="{4E31F4BB-7254-4A00-BB38-52AE48D94125}"/>
+              </a:ext>
+            </a:extLst>
+          </p:cNvPr>
+          <p:cNvSpPr/>
+          <p:nvPr/>
+        </p:nvSpPr>
+        <p:spPr>
+          <a:xfrm>
+            <a:off x="4267432" y="4561382"/>
+            <a:ext cx="236048" cy="173380"/>
+          </a:xfrm>
+          <a:prstGeom prst="flowChartDecision">
+            <a:avLst/>
           </a:prstGeom>
           <a:solidFill>
-            <a:schemeClr val="accent4">
-              <a:lumMod val="20000"/>
-              <a:lumOff val="80000"/>
-            </a:schemeClr>
+            <a:srgbClr val="7030A0"/>
           </a:solidFill>
           <a:ln w="19050">
             <a:solidFill>
@@ -5593,23 +5792,331 @@
           <a:lstStyle/>
           <a:p>
             <a:pPr algn="ctr"/>
-            <a:endParaRPr lang="en-SG" sz="1050"/>
+            <a:endParaRPr lang="en-US" sz="1050" dirty="0"/>
+          </a:p>
+        </p:txBody>
+      </p:sp>
+      <p:sp>
+        <p:nvSpPr>
+          <p:cNvPr id="71" name="TextBox 70">
+            <a:extLst>
+              <a:ext uri="{FF2B5EF4-FFF2-40B4-BE49-F238E27FC236}">
+                <a16:creationId xmlns:a16="http://schemas.microsoft.com/office/drawing/2014/main" id="{D729B390-9EF4-4318-90CF-F615EE934033}"/>
+              </a:ext>
+            </a:extLst>
+          </p:cNvPr>
+          <p:cNvSpPr txBox="1"/>
+          <p:nvPr/>
+        </p:nvSpPr>
+        <p:spPr>
+          <a:xfrm>
+            <a:off x="4434024" y="4734762"/>
+            <a:ext cx="189257" cy="178683"/>
+          </a:xfrm>
+          <a:prstGeom prst="rect">
+            <a:avLst/>
+          </a:prstGeom>
+          <a:noFill/>
+        </p:spPr>
+        <p:txBody>
+          <a:bodyPr wrap="square" lIns="0" tIns="0" rIns="0" bIns="0" rtlCol="0">
+            <a:noAutofit/>
+          </a:bodyPr>
+          <a:lstStyle/>
+          <a:p>
+            <a:pPr algn="ctr"/>
+            <a:r>
+              <a:rPr lang="en-US" sz="1100" dirty="0">
+                <a:solidFill>
+                  <a:srgbClr val="7030A0"/>
+                </a:solidFill>
+              </a:rPr>
+              <a:t>1</a:t>
+            </a:r>
+            <a:endParaRPr lang="en-SG" sz="1100" dirty="0">
+              <a:solidFill>
+                <a:srgbClr val="7030A0"/>
+              </a:solidFill>
+            </a:endParaRPr>
+          </a:p>
+        </p:txBody>
+      </p:sp>
+      <p:sp>
+        <p:nvSpPr>
+          <p:cNvPr id="72" name="TextBox 71">
+            <a:extLst>
+              <a:ext uri="{FF2B5EF4-FFF2-40B4-BE49-F238E27FC236}">
+                <a16:creationId xmlns:a16="http://schemas.microsoft.com/office/drawing/2014/main" id="{8B0491A5-1191-45D0-BB24-69DC2C21D660}"/>
+              </a:ext>
+            </a:extLst>
+          </p:cNvPr>
+          <p:cNvSpPr txBox="1"/>
+          <p:nvPr/>
+        </p:nvSpPr>
+        <p:spPr>
+          <a:xfrm>
+            <a:off x="2242709" y="4414105"/>
+            <a:ext cx="170110" cy="137542"/>
+          </a:xfrm>
+          <a:prstGeom prst="rect">
+            <a:avLst/>
+          </a:prstGeom>
+          <a:noFill/>
+        </p:spPr>
+        <p:txBody>
+          <a:bodyPr wrap="square" lIns="0" tIns="0" rIns="0" bIns="0" rtlCol="0">
+            <a:noAutofit/>
+          </a:bodyPr>
+          <a:lstStyle/>
+          <a:p>
+            <a:pPr algn="ctr"/>
+            <a:r>
+              <a:rPr lang="en-US" sz="1100" dirty="0">
+                <a:solidFill>
+                  <a:srgbClr val="7030A0"/>
+                </a:solidFill>
+              </a:rPr>
+              <a:t>1</a:t>
+            </a:r>
+            <a:endParaRPr lang="en-SG" sz="1100" dirty="0">
+              <a:solidFill>
+                <a:srgbClr val="7030A0"/>
+              </a:solidFill>
+            </a:endParaRPr>
           </a:p>
         </p:txBody>
       </p:sp>
       <p:cxnSp>
         <p:nvCxnSpPr>
-          <p:cNvPr id="69" name="Elbow Connector 63"/>
+          <p:cNvPr id="73" name="Straight Arrow Connector 72">
+            <a:extLst>
+              <a:ext uri="{FF2B5EF4-FFF2-40B4-BE49-F238E27FC236}">
+                <a16:creationId xmlns:a16="http://schemas.microsoft.com/office/drawing/2014/main" id="{51A8F569-B1C5-4D83-9F55-D86B501E4D0B}"/>
+              </a:ext>
+            </a:extLst>
+          </p:cNvPr>
           <p:cNvCxnSpPr>
-            <a:stCxn id="68" idx="3"/>
-            <a:endCxn id="55" idx="1"/>
+            <a:cxnSpLocks/>
+            <a:stCxn id="67" idx="3"/>
+            <a:endCxn id="59" idx="1"/>
           </p:cNvCxnSpPr>
           <p:nvPr/>
         </p:nvCxnSpPr>
         <p:spPr>
-          <a:xfrm>
-            <a:off x="2898289" y="2177727"/>
-            <a:ext cx="271892" cy="2821"/>
+          <a:xfrm flipV="1">
+            <a:off x="4503480" y="4644265"/>
+            <a:ext cx="154417" cy="3807"/>
+          </a:xfrm>
+          <a:prstGeom prst="straightConnector1">
+            <a:avLst/>
+          </a:prstGeom>
+          <a:ln w="19050">
+            <a:solidFill>
+              <a:srgbClr val="7030A0"/>
+            </a:solidFill>
+            <a:headEnd type="none" w="med" len="med"/>
+            <a:tailEnd type="arrow" w="med" len="med"/>
+          </a:ln>
+          <a:effectLst/>
+        </p:spPr>
+        <p:style>
+          <a:lnRef idx="1">
+            <a:schemeClr val="accent2"/>
+          </a:lnRef>
+          <a:fillRef idx="2">
+            <a:schemeClr val="accent2"/>
+          </a:fillRef>
+          <a:effectRef idx="1">
+            <a:schemeClr val="accent2"/>
+          </a:effectRef>
+          <a:fontRef idx="minor">
+            <a:schemeClr val="dk1"/>
+          </a:fontRef>
+        </p:style>
+      </p:cxnSp>
+      <p:sp>
+        <p:nvSpPr>
+          <p:cNvPr id="91" name="Flowchart: Decision 96">
+            <a:extLst>
+              <a:ext uri="{FF2B5EF4-FFF2-40B4-BE49-F238E27FC236}">
+                <a16:creationId xmlns:a16="http://schemas.microsoft.com/office/drawing/2014/main" id="{EF0FC241-BF07-4405-A24D-246EE6D30779}"/>
+              </a:ext>
+            </a:extLst>
+          </p:cNvPr>
+          <p:cNvSpPr/>
+          <p:nvPr/>
+        </p:nvSpPr>
+        <p:spPr>
+          <a:xfrm>
+            <a:off x="1988240" y="4572282"/>
+            <a:ext cx="236048" cy="173380"/>
+          </a:xfrm>
+          <a:prstGeom prst="flowChartDecision">
+            <a:avLst/>
+          </a:prstGeom>
+          <a:noFill/>
+          <a:ln w="19050">
+            <a:solidFill>
+              <a:srgbClr val="7030A0"/>
+            </a:solidFill>
+          </a:ln>
+          <a:effectLst/>
+        </p:spPr>
+        <p:style>
+          <a:lnRef idx="1">
+            <a:schemeClr val="accent6"/>
+          </a:lnRef>
+          <a:fillRef idx="2">
+            <a:schemeClr val="accent6"/>
+          </a:fillRef>
+          <a:effectRef idx="1">
+            <a:schemeClr val="accent6"/>
+          </a:effectRef>
+          <a:fontRef idx="minor">
+            <a:schemeClr val="dk1"/>
+          </a:fontRef>
+        </p:style>
+        <p:txBody>
+          <a:bodyPr rtlCol="0" anchor="ctr"/>
+          <a:lstStyle/>
+          <a:p>
+            <a:pPr algn="ctr"/>
+            <a:endParaRPr lang="en-US" sz="1050" dirty="0"/>
+          </a:p>
+        </p:txBody>
+      </p:sp>
+      <p:sp>
+        <p:nvSpPr>
+          <p:cNvPr id="92" name="Isosceles Triangle 102">
+            <a:extLst>
+              <a:ext uri="{FF2B5EF4-FFF2-40B4-BE49-F238E27FC236}">
+                <a16:creationId xmlns:a16="http://schemas.microsoft.com/office/drawing/2014/main" id="{6196F66C-2921-49B0-B1EF-9A0DA9CC230A}"/>
+              </a:ext>
+            </a:extLst>
+          </p:cNvPr>
+          <p:cNvSpPr/>
+          <p:nvPr/>
+        </p:nvSpPr>
+        <p:spPr>
+          <a:xfrm flipV="1">
+            <a:off x="4006234" y="5066281"/>
+            <a:ext cx="282387" cy="157062"/>
+          </a:xfrm>
+          <a:prstGeom prst="triangle">
+            <a:avLst/>
+          </a:prstGeom>
+          <a:ln w="19050">
+            <a:solidFill>
+              <a:srgbClr val="7030A0"/>
+            </a:solidFill>
+          </a:ln>
+          <a:effectLst/>
+        </p:spPr>
+        <p:style>
+          <a:lnRef idx="1">
+            <a:schemeClr val="accent4"/>
+          </a:lnRef>
+          <a:fillRef idx="2">
+            <a:schemeClr val="accent4"/>
+          </a:fillRef>
+          <a:effectRef idx="1">
+            <a:schemeClr val="accent4"/>
+          </a:effectRef>
+          <a:fontRef idx="minor">
+            <a:schemeClr val="dk1"/>
+          </a:fontRef>
+        </p:style>
+        <p:txBody>
+          <a:bodyPr rtlCol="0" anchor="ctr"/>
+          <a:lstStyle/>
+          <a:p>
+            <a:pPr algn="ctr"/>
+            <a:endParaRPr lang="en-SG" sz="1050" b="1" dirty="0">
+              <a:solidFill>
+                <a:srgbClr val="92D050"/>
+              </a:solidFill>
+            </a:endParaRPr>
+          </a:p>
+        </p:txBody>
+      </p:sp>
+      <p:sp>
+        <p:nvSpPr>
+          <p:cNvPr id="93" name="Isosceles Triangle 102">
+            <a:extLst>
+              <a:ext uri="{FF2B5EF4-FFF2-40B4-BE49-F238E27FC236}">
+                <a16:creationId xmlns:a16="http://schemas.microsoft.com/office/drawing/2014/main" id="{9D841C0C-88FE-47AF-823A-E17714250081}"/>
+              </a:ext>
+            </a:extLst>
+          </p:cNvPr>
+          <p:cNvSpPr/>
+          <p:nvPr/>
+        </p:nvSpPr>
+        <p:spPr>
+          <a:xfrm rot="16200000">
+            <a:off x="3048924" y="5307385"/>
+            <a:ext cx="271014" cy="187417"/>
+          </a:xfrm>
+          <a:prstGeom prst="triangle">
+            <a:avLst>
+              <a:gd name="adj" fmla="val 44517"/>
+            </a:avLst>
+          </a:prstGeom>
+          <a:solidFill>
+            <a:schemeClr val="accent4">
+              <a:lumMod val="20000"/>
+              <a:lumOff val="80000"/>
+            </a:schemeClr>
+          </a:solidFill>
+          <a:ln w="19050">
+            <a:solidFill>
+              <a:srgbClr val="7030A0"/>
+            </a:solidFill>
+          </a:ln>
+          <a:effectLst/>
+        </p:spPr>
+        <p:style>
+          <a:lnRef idx="1">
+            <a:schemeClr val="accent6"/>
+          </a:lnRef>
+          <a:fillRef idx="2">
+            <a:schemeClr val="accent6"/>
+          </a:fillRef>
+          <a:effectRef idx="1">
+            <a:schemeClr val="accent6"/>
+          </a:effectRef>
+          <a:fontRef idx="minor">
+            <a:schemeClr val="dk1"/>
+          </a:fontRef>
+        </p:style>
+        <p:txBody>
+          <a:bodyPr rtlCol="0" anchor="ctr"/>
+          <a:lstStyle/>
+          <a:p>
+            <a:pPr algn="ctr"/>
+            <a:endParaRPr lang="en-SG" sz="1050" dirty="0"/>
+          </a:p>
+        </p:txBody>
+      </p:sp>
+      <p:cxnSp>
+        <p:nvCxnSpPr>
+          <p:cNvPr id="94" name="Elbow Connector 63">
+            <a:extLst>
+              <a:ext uri="{FF2B5EF4-FFF2-40B4-BE49-F238E27FC236}">
+                <a16:creationId xmlns:a16="http://schemas.microsoft.com/office/drawing/2014/main" id="{4F14810B-2B73-48E6-9195-EA80232B0EF0}"/>
+              </a:ext>
+            </a:extLst>
+          </p:cNvPr>
+          <p:cNvCxnSpPr>
+            <a:cxnSpLocks/>
+            <a:stCxn id="93" idx="3"/>
+            <a:endCxn id="95" idx="1"/>
+          </p:cNvCxnSpPr>
+          <p:nvPr/>
+        </p:nvCxnSpPr>
+        <p:spPr>
+          <a:xfrm flipV="1">
+            <a:off x="3278140" y="5414987"/>
+            <a:ext cx="215280" cy="967"/>
           </a:xfrm>
           <a:prstGeom prst="bentConnector3">
             <a:avLst>
@@ -5641,6 +6148,923 @@
           </a:fontRef>
         </p:style>
       </p:cxnSp>
+      <p:sp>
+        <p:nvSpPr>
+          <p:cNvPr id="95" name="Rectangle 8">
+            <a:extLst>
+              <a:ext uri="{FF2B5EF4-FFF2-40B4-BE49-F238E27FC236}">
+                <a16:creationId xmlns:a16="http://schemas.microsoft.com/office/drawing/2014/main" id="{D7034DB6-F1E6-4B08-BE01-5763991A7BDD}"/>
+              </a:ext>
+            </a:extLst>
+          </p:cNvPr>
+          <p:cNvSpPr/>
+          <p:nvPr/>
+        </p:nvSpPr>
+        <p:spPr>
+          <a:xfrm>
+            <a:off x="3493420" y="5232789"/>
+            <a:ext cx="1299908" cy="364396"/>
+          </a:xfrm>
+          <a:prstGeom prst="rect">
+            <a:avLst/>
+          </a:prstGeom>
+          <a:ln w="19050">
+            <a:solidFill>
+              <a:srgbClr val="7030A0"/>
+            </a:solidFill>
+          </a:ln>
+          <a:effectLst/>
+        </p:spPr>
+        <p:style>
+          <a:lnRef idx="1">
+            <a:schemeClr val="accent4"/>
+          </a:lnRef>
+          <a:fillRef idx="2">
+            <a:schemeClr val="accent4"/>
+          </a:fillRef>
+          <a:effectRef idx="1">
+            <a:schemeClr val="accent4"/>
+          </a:effectRef>
+          <a:fontRef idx="minor">
+            <a:schemeClr val="dk1"/>
+          </a:fontRef>
+        </p:style>
+        <p:txBody>
+          <a:bodyPr rtlCol="0" anchor="ctr"/>
+          <a:lstStyle/>
+          <a:p>
+            <a:pPr algn="ctr"/>
+            <a:r>
+              <a:rPr lang="en-US" sz="1050" dirty="0" err="1">
+                <a:solidFill>
+                  <a:srgbClr val="7030A0"/>
+                </a:solidFill>
+              </a:rPr>
+              <a:t>ExpenditureTracker</a:t>
+            </a:r>
+            <a:endParaRPr lang="en-SG" sz="1050" dirty="0">
+              <a:solidFill>
+                <a:srgbClr val="7030A0"/>
+              </a:solidFill>
+            </a:endParaRPr>
+          </a:p>
+        </p:txBody>
+      </p:sp>
+      <p:cxnSp>
+        <p:nvCxnSpPr>
+          <p:cNvPr id="96" name="Elbow Connector 63">
+            <a:extLst>
+              <a:ext uri="{FF2B5EF4-FFF2-40B4-BE49-F238E27FC236}">
+                <a16:creationId xmlns:a16="http://schemas.microsoft.com/office/drawing/2014/main" id="{F21B410E-C4A4-4556-9405-17B1571A3B17}"/>
+              </a:ext>
+            </a:extLst>
+          </p:cNvPr>
+          <p:cNvCxnSpPr>
+            <a:cxnSpLocks/>
+            <a:stCxn id="92" idx="3"/>
+            <a:endCxn id="56" idx="2"/>
+          </p:cNvCxnSpPr>
+          <p:nvPr/>
+        </p:nvCxnSpPr>
+        <p:spPr>
+          <a:xfrm rot="16200000" flipV="1">
+            <a:off x="3626037" y="4544890"/>
+            <a:ext cx="246930" cy="795852"/>
+          </a:xfrm>
+          <a:prstGeom prst="bentConnector3">
+            <a:avLst>
+              <a:gd name="adj1" fmla="val 50000"/>
+            </a:avLst>
+          </a:prstGeom>
+          <a:ln w="19050">
+            <a:solidFill>
+              <a:srgbClr val="7030A0"/>
+            </a:solidFill>
+            <a:prstDash val="sysDot"/>
+            <a:headEnd type="none" w="med" len="med"/>
+            <a:tailEnd type="none" w="med" len="med"/>
+          </a:ln>
+          <a:effectLst/>
+        </p:spPr>
+        <p:style>
+          <a:lnRef idx="1">
+            <a:schemeClr val="accent2"/>
+          </a:lnRef>
+          <a:fillRef idx="2">
+            <a:schemeClr val="accent2"/>
+          </a:fillRef>
+          <a:effectRef idx="1">
+            <a:schemeClr val="accent2"/>
+          </a:effectRef>
+          <a:fontRef idx="minor">
+            <a:schemeClr val="dk1"/>
+          </a:fontRef>
+        </p:style>
+      </p:cxnSp>
+      <p:sp>
+        <p:nvSpPr>
+          <p:cNvPr id="98" name="Rectangle 8">
+            <a:extLst>
+              <a:ext uri="{FF2B5EF4-FFF2-40B4-BE49-F238E27FC236}">
+                <a16:creationId xmlns:a16="http://schemas.microsoft.com/office/drawing/2014/main" id="{843B4809-8CD3-4D9D-8F47-5EA1202223D3}"/>
+              </a:ext>
+            </a:extLst>
+          </p:cNvPr>
+          <p:cNvSpPr/>
+          <p:nvPr/>
+        </p:nvSpPr>
+        <p:spPr>
+          <a:xfrm>
+            <a:off x="1318897" y="5232789"/>
+            <a:ext cx="1771825" cy="364396"/>
+          </a:xfrm>
+          <a:prstGeom prst="rect">
+            <a:avLst/>
+          </a:prstGeom>
+          <a:ln w="19050">
+            <a:solidFill>
+              <a:srgbClr val="7030A0"/>
+            </a:solidFill>
+          </a:ln>
+          <a:effectLst/>
+        </p:spPr>
+        <p:style>
+          <a:lnRef idx="1">
+            <a:schemeClr val="accent4"/>
+          </a:lnRef>
+          <a:fillRef idx="2">
+            <a:schemeClr val="accent4"/>
+          </a:fillRef>
+          <a:effectRef idx="1">
+            <a:schemeClr val="accent4"/>
+          </a:effectRef>
+          <a:fontRef idx="minor">
+            <a:schemeClr val="dk1"/>
+          </a:fontRef>
+        </p:style>
+        <p:txBody>
+          <a:bodyPr rtlCol="0" anchor="ctr"/>
+          <a:lstStyle/>
+          <a:p>
+            <a:pPr algn="ctr"/>
+            <a:r>
+              <a:rPr lang="en-US" sz="1050" dirty="0">
+                <a:solidFill>
+                  <a:srgbClr val="7030A0"/>
+                </a:solidFill>
+              </a:rPr>
+              <a:t>&lt;&lt;interface&gt;&gt;</a:t>
+            </a:r>
+            <a:br>
+              <a:rPr lang="en-US" sz="1050" dirty="0">
+                <a:solidFill>
+                  <a:srgbClr val="7030A0"/>
+                </a:solidFill>
+              </a:rPr>
+            </a:br>
+            <a:r>
+              <a:rPr lang="en-US" sz="1050" dirty="0" err="1">
+                <a:solidFill>
+                  <a:srgbClr val="7030A0"/>
+                </a:solidFill>
+              </a:rPr>
+              <a:t>ReadOnlyExpenditureTracker</a:t>
+            </a:r>
+            <a:endParaRPr lang="en-SG" sz="1050" dirty="0">
+              <a:solidFill>
+                <a:srgbClr val="7030A0"/>
+              </a:solidFill>
+            </a:endParaRPr>
+          </a:p>
+        </p:txBody>
+      </p:sp>
+      <p:sp>
+        <p:nvSpPr>
+          <p:cNvPr id="163" name="Rectangle 8">
+            <a:extLst>
+              <a:ext uri="{FF2B5EF4-FFF2-40B4-BE49-F238E27FC236}">
+                <a16:creationId xmlns:a16="http://schemas.microsoft.com/office/drawing/2014/main" id="{67DA65A7-2F76-42ED-AE76-56B6494FDBF4}"/>
+              </a:ext>
+            </a:extLst>
+          </p:cNvPr>
+          <p:cNvSpPr/>
+          <p:nvPr/>
+        </p:nvSpPr>
+        <p:spPr>
+          <a:xfrm>
+            <a:off x="6286251" y="4472213"/>
+            <a:ext cx="841335" cy="346760"/>
+          </a:xfrm>
+          <a:prstGeom prst="rect">
+            <a:avLst/>
+          </a:prstGeom>
+          <a:ln w="19050">
+            <a:solidFill>
+              <a:srgbClr val="7030A0"/>
+            </a:solidFill>
+          </a:ln>
+          <a:effectLst/>
+        </p:spPr>
+        <p:style>
+          <a:lnRef idx="1">
+            <a:schemeClr val="accent4"/>
+          </a:lnRef>
+          <a:fillRef idx="2">
+            <a:schemeClr val="accent4"/>
+          </a:fillRef>
+          <a:effectRef idx="1">
+            <a:schemeClr val="accent4"/>
+          </a:effectRef>
+          <a:fontRef idx="minor">
+            <a:schemeClr val="dk1"/>
+          </a:fontRef>
+        </p:style>
+        <p:txBody>
+          <a:bodyPr rtlCol="0" anchor="ctr"/>
+          <a:lstStyle/>
+          <a:p>
+            <a:pPr algn="ctr"/>
+            <a:r>
+              <a:rPr lang="en-US" sz="1050" dirty="0">
+                <a:solidFill>
+                  <a:srgbClr val="7030A0"/>
+                </a:solidFill>
+              </a:rPr>
+              <a:t>Expenditure</a:t>
+            </a:r>
+            <a:endParaRPr lang="en-SG" sz="1050" dirty="0">
+              <a:solidFill>
+                <a:srgbClr val="7030A0"/>
+              </a:solidFill>
+            </a:endParaRPr>
+          </a:p>
+        </p:txBody>
+      </p:sp>
+      <p:cxnSp>
+        <p:nvCxnSpPr>
+          <p:cNvPr id="164" name="Elbow Connector 63">
+            <a:extLst>
+              <a:ext uri="{FF2B5EF4-FFF2-40B4-BE49-F238E27FC236}">
+                <a16:creationId xmlns:a16="http://schemas.microsoft.com/office/drawing/2014/main" id="{9A38C5E8-2D31-40D6-99C3-9FB60E09F36A}"/>
+              </a:ext>
+            </a:extLst>
+          </p:cNvPr>
+          <p:cNvCxnSpPr>
+            <a:cxnSpLocks/>
+            <a:stCxn id="176" idx="3"/>
+            <a:endCxn id="163" idx="1"/>
+          </p:cNvCxnSpPr>
+          <p:nvPr/>
+        </p:nvCxnSpPr>
+        <p:spPr>
+          <a:xfrm flipV="1">
+            <a:off x="6064074" y="4645593"/>
+            <a:ext cx="222177" cy="2479"/>
+          </a:xfrm>
+          <a:prstGeom prst="bentConnector3">
+            <a:avLst/>
+          </a:prstGeom>
+          <a:ln w="19050">
+            <a:solidFill>
+              <a:srgbClr val="7030A0"/>
+            </a:solidFill>
+            <a:headEnd type="none" w="med" len="med"/>
+            <a:tailEnd type="arrow" w="med" len="med"/>
+          </a:ln>
+          <a:effectLst/>
+        </p:spPr>
+        <p:style>
+          <a:lnRef idx="1">
+            <a:schemeClr val="accent2"/>
+          </a:lnRef>
+          <a:fillRef idx="2">
+            <a:schemeClr val="accent2"/>
+          </a:fillRef>
+          <a:effectRef idx="1">
+            <a:schemeClr val="accent2"/>
+          </a:effectRef>
+          <a:fontRef idx="minor">
+            <a:schemeClr val="dk1"/>
+          </a:fontRef>
+        </p:style>
+      </p:cxnSp>
+      <p:sp>
+        <p:nvSpPr>
+          <p:cNvPr id="166" name="Flowchart: Decision 96">
+            <a:extLst>
+              <a:ext uri="{FF2B5EF4-FFF2-40B4-BE49-F238E27FC236}">
+                <a16:creationId xmlns:a16="http://schemas.microsoft.com/office/drawing/2014/main" id="{2E17F6FC-F621-4A04-B5C4-9FDF5EDDE2E2}"/>
+              </a:ext>
+            </a:extLst>
+          </p:cNvPr>
+          <p:cNvSpPr/>
+          <p:nvPr/>
+        </p:nvSpPr>
+        <p:spPr>
+          <a:xfrm>
+            <a:off x="7140089" y="4551805"/>
+            <a:ext cx="236048" cy="173380"/>
+          </a:xfrm>
+          <a:prstGeom prst="flowChartDecision">
+            <a:avLst/>
+          </a:prstGeom>
+          <a:solidFill>
+            <a:srgbClr val="7030A0"/>
+          </a:solidFill>
+          <a:ln w="19050">
+            <a:solidFill>
+              <a:srgbClr val="7030A0"/>
+            </a:solidFill>
+          </a:ln>
+          <a:effectLst/>
+        </p:spPr>
+        <p:style>
+          <a:lnRef idx="1">
+            <a:schemeClr val="accent6"/>
+          </a:lnRef>
+          <a:fillRef idx="2">
+            <a:schemeClr val="accent6"/>
+          </a:fillRef>
+          <a:effectRef idx="1">
+            <a:schemeClr val="accent6"/>
+          </a:effectRef>
+          <a:fontRef idx="minor">
+            <a:schemeClr val="dk1"/>
+          </a:fontRef>
+        </p:style>
+        <p:txBody>
+          <a:bodyPr rtlCol="0" anchor="ctr"/>
+          <a:lstStyle/>
+          <a:p>
+            <a:pPr algn="ctr"/>
+            <a:endParaRPr lang="en-US" sz="1050" dirty="0"/>
+          </a:p>
+        </p:txBody>
+      </p:sp>
+      <p:sp>
+        <p:nvSpPr>
+          <p:cNvPr id="168" name="Rectangle 8">
+            <a:extLst>
+              <a:ext uri="{FF2B5EF4-FFF2-40B4-BE49-F238E27FC236}">
+                <a16:creationId xmlns:a16="http://schemas.microsoft.com/office/drawing/2014/main" id="{8F79A2BA-D302-487F-8F39-194B52295A1F}"/>
+              </a:ext>
+            </a:extLst>
+          </p:cNvPr>
+          <p:cNvSpPr/>
+          <p:nvPr/>
+        </p:nvSpPr>
+        <p:spPr>
+          <a:xfrm>
+            <a:off x="7825080" y="4180935"/>
+            <a:ext cx="889446" cy="285783"/>
+          </a:xfrm>
+          <a:prstGeom prst="rect">
+            <a:avLst/>
+          </a:prstGeom>
+          <a:ln w="19050">
+            <a:solidFill>
+              <a:srgbClr val="7030A0"/>
+            </a:solidFill>
+          </a:ln>
+          <a:effectLst/>
+        </p:spPr>
+        <p:style>
+          <a:lnRef idx="1">
+            <a:schemeClr val="accent4"/>
+          </a:lnRef>
+          <a:fillRef idx="2">
+            <a:schemeClr val="accent4"/>
+          </a:fillRef>
+          <a:effectRef idx="1">
+            <a:schemeClr val="accent4"/>
+          </a:effectRef>
+          <a:fontRef idx="minor">
+            <a:schemeClr val="dk1"/>
+          </a:fontRef>
+        </p:style>
+        <p:txBody>
+          <a:bodyPr rtlCol="0" anchor="ctr"/>
+          <a:lstStyle/>
+          <a:p>
+            <a:pPr algn="ctr"/>
+            <a:r>
+              <a:rPr lang="en-US" sz="1050" dirty="0">
+                <a:solidFill>
+                  <a:srgbClr val="7030A0"/>
+                </a:solidFill>
+              </a:rPr>
+              <a:t>Date</a:t>
+            </a:r>
+            <a:endParaRPr lang="en-SG" sz="1050" dirty="0">
+              <a:solidFill>
+                <a:srgbClr val="7030A0"/>
+              </a:solidFill>
+            </a:endParaRPr>
+          </a:p>
+        </p:txBody>
+      </p:sp>
+      <p:cxnSp>
+        <p:nvCxnSpPr>
+          <p:cNvPr id="169" name="Elbow Connector 80">
+            <a:extLst>
+              <a:ext uri="{FF2B5EF4-FFF2-40B4-BE49-F238E27FC236}">
+                <a16:creationId xmlns:a16="http://schemas.microsoft.com/office/drawing/2014/main" id="{AF11E4BA-FA72-49C4-9676-81B485B6276B}"/>
+              </a:ext>
+            </a:extLst>
+          </p:cNvPr>
+          <p:cNvCxnSpPr>
+            <a:cxnSpLocks/>
+            <a:stCxn id="166" idx="3"/>
+            <a:endCxn id="168" idx="1"/>
+          </p:cNvCxnSpPr>
+          <p:nvPr/>
+        </p:nvCxnSpPr>
+        <p:spPr>
+          <a:xfrm flipV="1">
+            <a:off x="7376137" y="4323827"/>
+            <a:ext cx="448943" cy="314668"/>
+          </a:xfrm>
+          <a:prstGeom prst="bentConnector3">
+            <a:avLst/>
+          </a:prstGeom>
+          <a:ln w="19050">
+            <a:solidFill>
+              <a:srgbClr val="7030A0"/>
+            </a:solidFill>
+            <a:headEnd type="none" w="med" len="med"/>
+            <a:tailEnd type="arrow" w="med" len="med"/>
+          </a:ln>
+          <a:effectLst/>
+        </p:spPr>
+        <p:style>
+          <a:lnRef idx="1">
+            <a:schemeClr val="accent2"/>
+          </a:lnRef>
+          <a:fillRef idx="2">
+            <a:schemeClr val="accent2"/>
+          </a:fillRef>
+          <a:effectRef idx="1">
+            <a:schemeClr val="accent2"/>
+          </a:effectRef>
+          <a:fontRef idx="minor">
+            <a:schemeClr val="dk1"/>
+          </a:fontRef>
+        </p:style>
+      </p:cxnSp>
+      <p:sp>
+        <p:nvSpPr>
+          <p:cNvPr id="170" name="Rectangle 8">
+            <a:extLst>
+              <a:ext uri="{FF2B5EF4-FFF2-40B4-BE49-F238E27FC236}">
+                <a16:creationId xmlns:a16="http://schemas.microsoft.com/office/drawing/2014/main" id="{E0787A47-CF69-41CB-AAFB-29624C55D1E9}"/>
+              </a:ext>
+            </a:extLst>
+          </p:cNvPr>
+          <p:cNvSpPr/>
+          <p:nvPr/>
+        </p:nvSpPr>
+        <p:spPr>
+          <a:xfrm>
+            <a:off x="7825080" y="4503913"/>
+            <a:ext cx="889446" cy="285783"/>
+          </a:xfrm>
+          <a:prstGeom prst="rect">
+            <a:avLst/>
+          </a:prstGeom>
+          <a:ln w="19050">
+            <a:solidFill>
+              <a:srgbClr val="7030A0"/>
+            </a:solidFill>
+          </a:ln>
+          <a:effectLst/>
+        </p:spPr>
+        <p:style>
+          <a:lnRef idx="1">
+            <a:schemeClr val="accent4"/>
+          </a:lnRef>
+          <a:fillRef idx="2">
+            <a:schemeClr val="accent4"/>
+          </a:fillRef>
+          <a:effectRef idx="1">
+            <a:schemeClr val="accent4"/>
+          </a:effectRef>
+          <a:fontRef idx="minor">
+            <a:schemeClr val="dk1"/>
+          </a:fontRef>
+        </p:style>
+        <p:txBody>
+          <a:bodyPr rtlCol="0" anchor="ctr"/>
+          <a:lstStyle/>
+          <a:p>
+            <a:pPr algn="ctr"/>
+            <a:r>
+              <a:rPr lang="en-US" sz="1050" dirty="0">
+                <a:solidFill>
+                  <a:srgbClr val="7030A0"/>
+                </a:solidFill>
+              </a:rPr>
+              <a:t>Money</a:t>
+            </a:r>
+            <a:endParaRPr lang="en-SG" sz="1050" dirty="0">
+              <a:solidFill>
+                <a:srgbClr val="7030A0"/>
+              </a:solidFill>
+            </a:endParaRPr>
+          </a:p>
+        </p:txBody>
+      </p:sp>
+      <p:cxnSp>
+        <p:nvCxnSpPr>
+          <p:cNvPr id="171" name="Elbow Connector 83">
+            <a:extLst>
+              <a:ext uri="{FF2B5EF4-FFF2-40B4-BE49-F238E27FC236}">
+                <a16:creationId xmlns:a16="http://schemas.microsoft.com/office/drawing/2014/main" id="{FE545DED-D0E8-488E-887A-6EACD7104128}"/>
+              </a:ext>
+            </a:extLst>
+          </p:cNvPr>
+          <p:cNvCxnSpPr>
+            <a:cxnSpLocks/>
+            <a:stCxn id="166" idx="3"/>
+            <a:endCxn id="170" idx="1"/>
+          </p:cNvCxnSpPr>
+          <p:nvPr/>
+        </p:nvCxnSpPr>
+        <p:spPr>
+          <a:xfrm>
+            <a:off x="7376137" y="4638495"/>
+            <a:ext cx="448943" cy="8310"/>
+          </a:xfrm>
+          <a:prstGeom prst="bentConnector3">
+            <a:avLst/>
+          </a:prstGeom>
+          <a:ln w="19050">
+            <a:solidFill>
+              <a:srgbClr val="7030A0"/>
+            </a:solidFill>
+            <a:headEnd type="none" w="med" len="med"/>
+            <a:tailEnd type="arrow" w="med" len="med"/>
+          </a:ln>
+          <a:effectLst/>
+        </p:spPr>
+        <p:style>
+          <a:lnRef idx="1">
+            <a:schemeClr val="accent2"/>
+          </a:lnRef>
+          <a:fillRef idx="2">
+            <a:schemeClr val="accent2"/>
+          </a:fillRef>
+          <a:effectRef idx="1">
+            <a:schemeClr val="accent2"/>
+          </a:effectRef>
+          <a:fontRef idx="minor">
+            <a:schemeClr val="dk1"/>
+          </a:fontRef>
+        </p:style>
+      </p:cxnSp>
+      <p:sp>
+        <p:nvSpPr>
+          <p:cNvPr id="172" name="Rectangle 8">
+            <a:extLst>
+              <a:ext uri="{FF2B5EF4-FFF2-40B4-BE49-F238E27FC236}">
+                <a16:creationId xmlns:a16="http://schemas.microsoft.com/office/drawing/2014/main" id="{7D220B73-EB09-4039-9EAE-9EA88D0AB328}"/>
+              </a:ext>
+            </a:extLst>
+          </p:cNvPr>
+          <p:cNvSpPr/>
+          <p:nvPr/>
+        </p:nvSpPr>
+        <p:spPr>
+          <a:xfrm>
+            <a:off x="7825079" y="4826890"/>
+            <a:ext cx="889447" cy="285783"/>
+          </a:xfrm>
+          <a:prstGeom prst="rect">
+            <a:avLst/>
+          </a:prstGeom>
+          <a:ln w="19050">
+            <a:solidFill>
+              <a:srgbClr val="7030A0"/>
+            </a:solidFill>
+          </a:ln>
+          <a:effectLst/>
+        </p:spPr>
+        <p:style>
+          <a:lnRef idx="1">
+            <a:schemeClr val="accent4"/>
+          </a:lnRef>
+          <a:fillRef idx="2">
+            <a:schemeClr val="accent4"/>
+          </a:fillRef>
+          <a:effectRef idx="1">
+            <a:schemeClr val="accent4"/>
+          </a:effectRef>
+          <a:fontRef idx="minor">
+            <a:schemeClr val="dk1"/>
+          </a:fontRef>
+        </p:style>
+        <p:txBody>
+          <a:bodyPr rtlCol="0" anchor="ctr"/>
+          <a:lstStyle/>
+          <a:p>
+            <a:pPr algn="ctr"/>
+            <a:r>
+              <a:rPr lang="en-US" sz="1050" dirty="0">
+                <a:solidFill>
+                  <a:srgbClr val="7030A0"/>
+                </a:solidFill>
+              </a:rPr>
+              <a:t>Category</a:t>
+            </a:r>
+            <a:endParaRPr lang="en-SG" sz="1050" dirty="0">
+              <a:solidFill>
+                <a:srgbClr val="7030A0"/>
+              </a:solidFill>
+            </a:endParaRPr>
+          </a:p>
+        </p:txBody>
+      </p:sp>
+      <p:cxnSp>
+        <p:nvCxnSpPr>
+          <p:cNvPr id="173" name="Elbow Connector 85">
+            <a:extLst>
+              <a:ext uri="{FF2B5EF4-FFF2-40B4-BE49-F238E27FC236}">
+                <a16:creationId xmlns:a16="http://schemas.microsoft.com/office/drawing/2014/main" id="{BA73E85D-551E-4139-BD4F-2D6A3D780E3D}"/>
+              </a:ext>
+            </a:extLst>
+          </p:cNvPr>
+          <p:cNvCxnSpPr>
+            <a:cxnSpLocks/>
+            <a:stCxn id="166" idx="3"/>
+            <a:endCxn id="172" idx="1"/>
+          </p:cNvCxnSpPr>
+          <p:nvPr/>
+        </p:nvCxnSpPr>
+        <p:spPr>
+          <a:xfrm>
+            <a:off x="7376137" y="4638495"/>
+            <a:ext cx="448942" cy="331287"/>
+          </a:xfrm>
+          <a:prstGeom prst="bentConnector3">
+            <a:avLst/>
+          </a:prstGeom>
+          <a:ln w="19050">
+            <a:solidFill>
+              <a:srgbClr val="7030A0"/>
+            </a:solidFill>
+            <a:headEnd type="none" w="med" len="med"/>
+            <a:tailEnd type="arrow" w="med" len="med"/>
+          </a:ln>
+          <a:effectLst/>
+        </p:spPr>
+        <p:style>
+          <a:lnRef idx="1">
+            <a:schemeClr val="accent2"/>
+          </a:lnRef>
+          <a:fillRef idx="2">
+            <a:schemeClr val="accent2"/>
+          </a:fillRef>
+          <a:effectRef idx="1">
+            <a:schemeClr val="accent2"/>
+          </a:effectRef>
+          <a:fontRef idx="minor">
+            <a:schemeClr val="dk1"/>
+          </a:fontRef>
+        </p:style>
+      </p:cxnSp>
+      <p:sp>
+        <p:nvSpPr>
+          <p:cNvPr id="174" name="TextBox 173">
+            <a:extLst>
+              <a:ext uri="{FF2B5EF4-FFF2-40B4-BE49-F238E27FC236}">
+                <a16:creationId xmlns:a16="http://schemas.microsoft.com/office/drawing/2014/main" id="{664EFEA8-7F73-490D-B086-40DDCF53AD39}"/>
+              </a:ext>
+            </a:extLst>
+          </p:cNvPr>
+          <p:cNvSpPr txBox="1"/>
+          <p:nvPr/>
+        </p:nvSpPr>
+        <p:spPr>
+          <a:xfrm>
+            <a:off x="6123084" y="4755030"/>
+            <a:ext cx="189257" cy="178683"/>
+          </a:xfrm>
+          <a:prstGeom prst="rect">
+            <a:avLst/>
+          </a:prstGeom>
+          <a:noFill/>
+        </p:spPr>
+        <p:txBody>
+          <a:bodyPr wrap="square" lIns="0" tIns="0" rIns="0" bIns="0" rtlCol="0">
+            <a:noAutofit/>
+          </a:bodyPr>
+          <a:lstStyle/>
+          <a:p>
+            <a:pPr algn="ctr"/>
+            <a:r>
+              <a:rPr lang="en-US" sz="1100" dirty="0">
+                <a:solidFill>
+                  <a:srgbClr val="7030A0"/>
+                </a:solidFill>
+              </a:rPr>
+              <a:t>*</a:t>
+            </a:r>
+            <a:endParaRPr lang="en-SG" sz="1100" dirty="0">
+              <a:solidFill>
+                <a:srgbClr val="7030A0"/>
+              </a:solidFill>
+            </a:endParaRPr>
+          </a:p>
+        </p:txBody>
+      </p:sp>
+      <p:sp>
+        <p:nvSpPr>
+          <p:cNvPr id="175" name="TextBox 174">
+            <a:extLst>
+              <a:ext uri="{FF2B5EF4-FFF2-40B4-BE49-F238E27FC236}">
+                <a16:creationId xmlns:a16="http://schemas.microsoft.com/office/drawing/2014/main" id="{902CC4A4-F4DA-4BDA-A97F-64A5F58B4AF8}"/>
+              </a:ext>
+            </a:extLst>
+          </p:cNvPr>
+          <p:cNvSpPr txBox="1"/>
+          <p:nvPr/>
+        </p:nvSpPr>
+        <p:spPr>
+          <a:xfrm>
+            <a:off x="6430788" y="4300494"/>
+            <a:ext cx="189257" cy="178683"/>
+          </a:xfrm>
+          <a:prstGeom prst="rect">
+            <a:avLst/>
+          </a:prstGeom>
+          <a:noFill/>
+        </p:spPr>
+        <p:txBody>
+          <a:bodyPr wrap="square" lIns="0" tIns="0" rIns="0" bIns="0" rtlCol="0">
+            <a:noAutofit/>
+          </a:bodyPr>
+          <a:lstStyle/>
+          <a:p>
+            <a:pPr algn="ctr"/>
+            <a:r>
+              <a:rPr lang="en-US" sz="1100" dirty="0">
+                <a:solidFill>
+                  <a:srgbClr val="7030A0"/>
+                </a:solidFill>
+              </a:rPr>
+              <a:t>1</a:t>
+            </a:r>
+            <a:endParaRPr lang="en-SG" sz="1100" dirty="0">
+              <a:solidFill>
+                <a:srgbClr val="7030A0"/>
+              </a:solidFill>
+            </a:endParaRPr>
+          </a:p>
+        </p:txBody>
+      </p:sp>
+      <p:sp>
+        <p:nvSpPr>
+          <p:cNvPr id="176" name="Flowchart: Decision 96">
+            <a:extLst>
+              <a:ext uri="{FF2B5EF4-FFF2-40B4-BE49-F238E27FC236}">
+                <a16:creationId xmlns:a16="http://schemas.microsoft.com/office/drawing/2014/main" id="{32EB7E01-53E4-450E-8572-324FB14FD77C}"/>
+              </a:ext>
+            </a:extLst>
+          </p:cNvPr>
+          <p:cNvSpPr/>
+          <p:nvPr/>
+        </p:nvSpPr>
+        <p:spPr>
+          <a:xfrm>
+            <a:off x="5828026" y="4561382"/>
+            <a:ext cx="236048" cy="173380"/>
+          </a:xfrm>
+          <a:prstGeom prst="flowChartDecision">
+            <a:avLst/>
+          </a:prstGeom>
+          <a:noFill/>
+          <a:ln w="19050">
+            <a:solidFill>
+              <a:srgbClr val="7030A0"/>
+            </a:solidFill>
+          </a:ln>
+          <a:effectLst/>
+        </p:spPr>
+        <p:style>
+          <a:lnRef idx="1">
+            <a:schemeClr val="accent6"/>
+          </a:lnRef>
+          <a:fillRef idx="2">
+            <a:schemeClr val="accent6"/>
+          </a:fillRef>
+          <a:effectRef idx="1">
+            <a:schemeClr val="accent6"/>
+          </a:effectRef>
+          <a:fontRef idx="minor">
+            <a:schemeClr val="dk1"/>
+          </a:fontRef>
+        </p:style>
+        <p:txBody>
+          <a:bodyPr rtlCol="0" anchor="ctr"/>
+          <a:lstStyle/>
+          <a:p>
+            <a:pPr algn="ctr"/>
+            <a:endParaRPr lang="en-US" sz="1050" dirty="0"/>
+          </a:p>
+        </p:txBody>
+      </p:sp>
+      <p:cxnSp>
+        <p:nvCxnSpPr>
+          <p:cNvPr id="191" name="Elbow Connector 106">
+            <a:extLst>
+              <a:ext uri="{FF2B5EF4-FFF2-40B4-BE49-F238E27FC236}">
+                <a16:creationId xmlns:a16="http://schemas.microsoft.com/office/drawing/2014/main" id="{49D7C7A4-D217-47D8-9927-B0A82AB48696}"/>
+              </a:ext>
+            </a:extLst>
+          </p:cNvPr>
+          <p:cNvCxnSpPr>
+            <a:cxnSpLocks/>
+            <a:endCxn id="163" idx="0"/>
+          </p:cNvCxnSpPr>
+          <p:nvPr/>
+        </p:nvCxnSpPr>
+        <p:spPr>
+          <a:xfrm>
+            <a:off x="1981194" y="4313672"/>
+            <a:ext cx="4725725" cy="158541"/>
+          </a:xfrm>
+          <a:prstGeom prst="bentConnector2">
+            <a:avLst/>
+          </a:prstGeom>
+          <a:ln w="19050">
+            <a:solidFill>
+              <a:srgbClr val="7030A0"/>
+            </a:solidFill>
+            <a:prstDash val="solid"/>
+            <a:headEnd type="none" w="med" len="med"/>
+            <a:tailEnd type="arrow" w="med" len="med"/>
+          </a:ln>
+          <a:effectLst/>
+        </p:spPr>
+        <p:style>
+          <a:lnRef idx="1">
+            <a:schemeClr val="accent2"/>
+          </a:lnRef>
+          <a:fillRef idx="2">
+            <a:schemeClr val="accent2"/>
+          </a:fillRef>
+          <a:effectRef idx="1">
+            <a:schemeClr val="accent2"/>
+          </a:effectRef>
+          <a:fontRef idx="minor">
+            <a:schemeClr val="dk1"/>
+          </a:fontRef>
+        </p:style>
+      </p:cxnSp>
+      <p:sp>
+        <p:nvSpPr>
+          <p:cNvPr id="196" name="TextBox 195">
+            <a:extLst>
+              <a:ext uri="{FF2B5EF4-FFF2-40B4-BE49-F238E27FC236}">
+                <a16:creationId xmlns:a16="http://schemas.microsoft.com/office/drawing/2014/main" id="{B496E4B7-9CB4-4517-B1BD-97DE409B1B6E}"/>
+              </a:ext>
+            </a:extLst>
+          </p:cNvPr>
+          <p:cNvSpPr txBox="1"/>
+          <p:nvPr/>
+        </p:nvSpPr>
+        <p:spPr>
+          <a:xfrm>
+            <a:off x="5732776" y="4068424"/>
+            <a:ext cx="881018" cy="261610"/>
+          </a:xfrm>
+          <a:prstGeom prst="rect">
+            <a:avLst/>
+          </a:prstGeom>
+          <a:noFill/>
+        </p:spPr>
+        <p:txBody>
+          <a:bodyPr wrap="square" rtlCol="0">
+            <a:spAutoFit/>
+          </a:bodyPr>
+          <a:lstStyle/>
+          <a:p>
+            <a:pPr algn="r"/>
+            <a:r>
+              <a:rPr lang="en-US" sz="1100" dirty="0">
+                <a:solidFill>
+                  <a:srgbClr val="7030A0"/>
+                </a:solidFill>
+              </a:rPr>
+              <a:t>filtered list</a:t>
+            </a:r>
+            <a:endParaRPr lang="en-SG" sz="1100" dirty="0">
+              <a:solidFill>
+                <a:srgbClr val="7030A0"/>
+              </a:solidFill>
+            </a:endParaRPr>
+          </a:p>
+        </p:txBody>
+      </p:sp>
     </p:spTree>
     <p:extLst>
       <p:ext uri="{BB962C8B-B14F-4D97-AF65-F5344CB8AC3E}">

--- a/docs/diagrams/ModelComponentClassDiagram.pptx
+++ b/docs/diagrams/ModelComponentClassDiagram.pptx
@@ -208,7 +208,7 @@
           <a:p>
             <a:fld id="{F5CC4B3F-88C1-4FFA-B1B6-F41C21DC6924}" type="datetimeFigureOut">
               <a:rPr lang="en-US" smtClean="0"/>
-              <a:t>6/27/2018</a:t>
+              <a:t>10/16/2018</a:t>
             </a:fld>
             <a:endParaRPr lang="en-US"/>
           </a:p>
@@ -654,7 +654,7 @@
           <a:p>
             <a:fld id="{78C97017-6FC3-485B-9764-EAC9E56C1D49}" type="datetimeFigureOut">
               <a:rPr lang="en-US" smtClean="0"/>
-              <a:t>6/27/2018</a:t>
+              <a:t>10/16/2018</a:t>
             </a:fld>
             <a:endParaRPr lang="en-US"/>
           </a:p>
@@ -822,7 +822,7 @@
           <a:p>
             <a:fld id="{78C97017-6FC3-485B-9764-EAC9E56C1D49}" type="datetimeFigureOut">
               <a:rPr lang="en-US" smtClean="0"/>
-              <a:t>6/27/2018</a:t>
+              <a:t>10/16/2018</a:t>
             </a:fld>
             <a:endParaRPr lang="en-US"/>
           </a:p>
@@ -1000,7 +1000,7 @@
           <a:p>
             <a:fld id="{78C97017-6FC3-485B-9764-EAC9E56C1D49}" type="datetimeFigureOut">
               <a:rPr lang="en-US" smtClean="0"/>
-              <a:t>6/27/2018</a:t>
+              <a:t>10/16/2018</a:t>
             </a:fld>
             <a:endParaRPr lang="en-US"/>
           </a:p>
@@ -1168,7 +1168,7 @@
           <a:p>
             <a:fld id="{78C97017-6FC3-485B-9764-EAC9E56C1D49}" type="datetimeFigureOut">
               <a:rPr lang="en-US" smtClean="0"/>
-              <a:t>6/27/2018</a:t>
+              <a:t>10/16/2018</a:t>
             </a:fld>
             <a:endParaRPr lang="en-US"/>
           </a:p>
@@ -1413,7 +1413,7 @@
           <a:p>
             <a:fld id="{78C97017-6FC3-485B-9764-EAC9E56C1D49}" type="datetimeFigureOut">
               <a:rPr lang="en-US" smtClean="0"/>
-              <a:t>6/27/2018</a:t>
+              <a:t>10/16/2018</a:t>
             </a:fld>
             <a:endParaRPr lang="en-US"/>
           </a:p>
@@ -1698,7 +1698,7 @@
           <a:p>
             <a:fld id="{78C97017-6FC3-485B-9764-EAC9E56C1D49}" type="datetimeFigureOut">
               <a:rPr lang="en-US" smtClean="0"/>
-              <a:t>6/27/2018</a:t>
+              <a:t>10/16/2018</a:t>
             </a:fld>
             <a:endParaRPr lang="en-US"/>
           </a:p>
@@ -2117,7 +2117,7 @@
           <a:p>
             <a:fld id="{78C97017-6FC3-485B-9764-EAC9E56C1D49}" type="datetimeFigureOut">
               <a:rPr lang="en-US" smtClean="0"/>
-              <a:t>6/27/2018</a:t>
+              <a:t>10/16/2018</a:t>
             </a:fld>
             <a:endParaRPr lang="en-US"/>
           </a:p>
@@ -2234,7 +2234,7 @@
           <a:p>
             <a:fld id="{78C97017-6FC3-485B-9764-EAC9E56C1D49}" type="datetimeFigureOut">
               <a:rPr lang="en-US" smtClean="0"/>
-              <a:t>6/27/2018</a:t>
+              <a:t>10/16/2018</a:t>
             </a:fld>
             <a:endParaRPr lang="en-US"/>
           </a:p>
@@ -2329,7 +2329,7 @@
           <a:p>
             <a:fld id="{78C97017-6FC3-485B-9764-EAC9E56C1D49}" type="datetimeFigureOut">
               <a:rPr lang="en-US" smtClean="0"/>
-              <a:t>6/27/2018</a:t>
+              <a:t>10/16/2018</a:t>
             </a:fld>
             <a:endParaRPr lang="en-US"/>
           </a:p>
@@ -2604,7 +2604,7 @@
           <a:p>
             <a:fld id="{78C97017-6FC3-485B-9764-EAC9E56C1D49}" type="datetimeFigureOut">
               <a:rPr lang="en-US" smtClean="0"/>
-              <a:t>6/27/2018</a:t>
+              <a:t>10/16/2018</a:t>
             </a:fld>
             <a:endParaRPr lang="en-US"/>
           </a:p>
@@ -2856,7 +2856,7 @@
           <a:p>
             <a:fld id="{78C97017-6FC3-485B-9764-EAC9E56C1D49}" type="datetimeFigureOut">
               <a:rPr lang="en-US" smtClean="0"/>
-              <a:t>6/27/2018</a:t>
+              <a:t>10/16/2018</a:t>
             </a:fld>
             <a:endParaRPr lang="en-US"/>
           </a:p>
@@ -3067,7 +3067,7 @@
           <a:p>
             <a:fld id="{78C97017-6FC3-485B-9764-EAC9E56C1D49}" type="datetimeFigureOut">
               <a:rPr lang="en-US" smtClean="0"/>
-              <a:t>6/27/2018</a:t>
+              <a:t>10/16/2018</a:t>
             </a:fld>
             <a:endParaRPr lang="en-US"/>
           </a:p>
@@ -3450,8 +3450,8 @@
         </p:nvSpPr>
         <p:spPr>
           <a:xfrm>
-            <a:off x="1119865" y="1600200"/>
-            <a:ext cx="7490735" cy="3124200"/>
+            <a:off x="381000" y="354623"/>
+            <a:ext cx="8024135" cy="4554840"/>
           </a:xfrm>
           <a:prstGeom prst="roundRect">
             <a:avLst>
@@ -3511,7 +3511,7 @@
         </p:nvSpPr>
         <p:spPr>
           <a:xfrm>
-            <a:off x="2877180" y="3463240"/>
+            <a:off x="2671715" y="2124526"/>
             <a:ext cx="1093635" cy="346760"/>
           </a:xfrm>
           <a:prstGeom prst="rect">
@@ -3570,8 +3570,8 @@
         </p:nvSpPr>
         <p:spPr>
           <a:xfrm rot="16200000">
-            <a:off x="1661548" y="3097750"/>
-            <a:ext cx="1093635" cy="346760"/>
+            <a:off x="1133600" y="2081519"/>
+            <a:ext cx="1738601" cy="346760"/>
           </a:xfrm>
           <a:prstGeom prst="rect">
             <a:avLst/>
@@ -3633,12 +3633,12 @@
         </p:nvCxnSpPr>
         <p:spPr>
           <a:xfrm rot="5400000" flipH="1" flipV="1">
-            <a:off x="4131507" y="1281685"/>
-            <a:ext cx="613122" cy="4459404"/>
+            <a:off x="3603559" y="265454"/>
+            <a:ext cx="1258088" cy="4459404"/>
           </a:xfrm>
           <a:prstGeom prst="bentConnector3">
             <a:avLst>
-              <a:gd name="adj1" fmla="val -26668"/>
+              <a:gd name="adj1" fmla="val 37145"/>
             </a:avLst>
           </a:prstGeom>
           <a:ln w="19050">
@@ -3674,7 +3674,7 @@
         </p:nvSpPr>
         <p:spPr>
           <a:xfrm rot="16200000">
-            <a:off x="956202" y="2861202"/>
+            <a:off x="750737" y="1522488"/>
             <a:ext cx="1093635" cy="346760"/>
           </a:xfrm>
           <a:prstGeom prst="rect">
@@ -3744,7 +3744,7 @@
         </p:nvSpPr>
         <p:spPr>
           <a:xfrm rot="16200000">
-            <a:off x="1626910" y="2952291"/>
+            <a:off x="1421445" y="1613577"/>
             <a:ext cx="270504" cy="175523"/>
           </a:xfrm>
           <a:prstGeom prst="triangle">
@@ -3787,14 +3787,13 @@
         <p:nvCxnSpPr>
           <p:cNvPr id="58" name="Straight Arrow Connector 57"/>
           <p:cNvCxnSpPr>
-            <a:stCxn id="42" idx="3"/>
-            <a:endCxn id="2" idx="1"/>
+            <a:cxnSpLocks/>
           </p:cNvCxnSpPr>
           <p:nvPr/>
         </p:nvCxnSpPr>
         <p:spPr>
           <a:xfrm>
-            <a:off x="2609828" y="3636620"/>
+            <a:off x="2404363" y="2324283"/>
             <a:ext cx="267352" cy="0"/>
           </a:xfrm>
           <a:prstGeom prst="straightConnector1">
@@ -3827,13 +3826,15 @@
       <p:cxnSp>
         <p:nvCxnSpPr>
           <p:cNvPr id="75" name="Elbow Connector 122"/>
-          <p:cNvCxnSpPr/>
+          <p:cNvCxnSpPr>
+            <a:cxnSpLocks/>
+          </p:cNvCxnSpPr>
           <p:nvPr/>
         </p:nvCxnSpPr>
         <p:spPr>
           <a:xfrm>
-            <a:off x="910091" y="3040053"/>
-            <a:ext cx="419548" cy="2860"/>
+            <a:off x="180080" y="1696177"/>
+            <a:ext cx="944094" cy="8022"/>
           </a:xfrm>
           <a:prstGeom prst="bentConnector3">
             <a:avLst>
@@ -3877,7 +3878,7 @@
         </p:nvCxnSpPr>
         <p:spPr>
           <a:xfrm flipV="1">
-            <a:off x="1849924" y="3040052"/>
+            <a:off x="1644459" y="1701338"/>
             <a:ext cx="216105" cy="1"/>
           </a:xfrm>
           <a:prstGeom prst="line">
@@ -3916,7 +3917,7 @@
         </p:nvSpPr>
         <p:spPr>
           <a:xfrm>
-            <a:off x="2373780" y="3549930"/>
+            <a:off x="2168315" y="2211216"/>
             <a:ext cx="236048" cy="173380"/>
           </a:xfrm>
           <a:prstGeom prst="flowChartDecision">
@@ -3961,7 +3962,7 @@
         </p:nvSpPr>
         <p:spPr>
           <a:xfrm>
-            <a:off x="2825280" y="2846162"/>
+            <a:off x="2619815" y="1507448"/>
             <a:ext cx="1490560" cy="334856"/>
           </a:xfrm>
           <a:prstGeom prst="rect">
@@ -3994,7 +3995,7 @@
           <a:p>
             <a:pPr algn="ctr"/>
             <a:r>
-              <a:rPr lang="en-US" sz="1050" dirty="0" err="1" smtClean="0">
+              <a:rPr lang="en-US" sz="1050" dirty="0" err="1">
                 <a:solidFill>
                   <a:srgbClr val="7030A0"/>
                 </a:solidFill>
@@ -4020,7 +4021,7 @@
         </p:nvCxnSpPr>
         <p:spPr>
           <a:xfrm>
-            <a:off x="2624360" y="3003033"/>
+            <a:off x="2418895" y="1664319"/>
             <a:ext cx="200920" cy="10557"/>
           </a:xfrm>
           <a:prstGeom prst="straightConnector1">
@@ -4058,7 +4059,7 @@
         </p:nvSpPr>
         <p:spPr>
           <a:xfrm>
-            <a:off x="2388312" y="2916343"/>
+            <a:off x="2182847" y="1577629"/>
             <a:ext cx="236048" cy="173380"/>
           </a:xfrm>
           <a:prstGeom prst="flowChartDecision">
@@ -4103,7 +4104,7 @@
         </p:nvSpPr>
         <p:spPr>
           <a:xfrm>
-            <a:off x="4692650" y="2846162"/>
+            <a:off x="4487185" y="1507448"/>
             <a:ext cx="1156969" cy="346760"/>
           </a:xfrm>
           <a:prstGeom prst="rect">
@@ -4159,7 +4160,7 @@
         </p:nvSpPr>
         <p:spPr>
           <a:xfrm>
-            <a:off x="4324972" y="2920532"/>
+            <a:off x="4119507" y="1581818"/>
             <a:ext cx="236048" cy="173380"/>
           </a:xfrm>
           <a:prstGeom prst="flowChartDecision">
@@ -4206,7 +4207,7 @@
         </p:nvSpPr>
         <p:spPr>
           <a:xfrm>
-            <a:off x="6313677" y="2858066"/>
+            <a:off x="6108212" y="1519352"/>
             <a:ext cx="708186" cy="346760"/>
           </a:xfrm>
           <a:prstGeom prst="rect">
@@ -4262,7 +4263,7 @@
         </p:nvSpPr>
         <p:spPr>
           <a:xfrm>
-            <a:off x="5858751" y="2941676"/>
+            <a:off x="5653286" y="1602962"/>
             <a:ext cx="236048" cy="173380"/>
           </a:xfrm>
           <a:prstGeom prst="flowChartDecision">
@@ -4310,7 +4311,7 @@
         </p:nvCxnSpPr>
         <p:spPr>
           <a:xfrm>
-            <a:off x="6094799" y="3028366"/>
+            <a:off x="5889334" y="1689652"/>
             <a:ext cx="218878" cy="3080"/>
           </a:xfrm>
           <a:prstGeom prst="bentConnector3">
@@ -4348,7 +4349,7 @@
         </p:nvSpPr>
         <p:spPr>
           <a:xfrm>
-            <a:off x="7712397" y="2564238"/>
+            <a:off x="7506932" y="1225524"/>
             <a:ext cx="708186" cy="285783"/>
           </a:xfrm>
           <a:prstGeom prst="rect">
@@ -4404,7 +4405,7 @@
         </p:nvSpPr>
         <p:spPr>
           <a:xfrm>
-            <a:off x="7041947" y="2948201"/>
+            <a:off x="6836482" y="1609487"/>
             <a:ext cx="236048" cy="173380"/>
           </a:xfrm>
           <a:prstGeom prst="flowChartDecision">
@@ -4453,7 +4454,7 @@
         </p:nvCxnSpPr>
         <p:spPr>
           <a:xfrm flipV="1">
-            <a:off x="7277995" y="2706821"/>
+            <a:off x="7072530" y="1368107"/>
             <a:ext cx="434402" cy="327761"/>
           </a:xfrm>
           <a:prstGeom prst="bentConnector3">
@@ -4491,7 +4492,7 @@
         </p:nvSpPr>
         <p:spPr>
           <a:xfrm>
-            <a:off x="7712397" y="2887216"/>
+            <a:off x="7506932" y="1548502"/>
             <a:ext cx="708186" cy="285783"/>
           </a:xfrm>
           <a:prstGeom prst="rect">
@@ -4550,7 +4551,7 @@
         </p:nvCxnSpPr>
         <p:spPr>
           <a:xfrm flipV="1">
-            <a:off x="7277995" y="3030108"/>
+            <a:off x="7072530" y="1691394"/>
             <a:ext cx="434402" cy="4783"/>
           </a:xfrm>
           <a:prstGeom prst="bentConnector3">
@@ -4588,7 +4589,7 @@
         </p:nvSpPr>
         <p:spPr>
           <a:xfrm>
-            <a:off x="7712397" y="3210194"/>
+            <a:off x="7506932" y="1871480"/>
             <a:ext cx="708186" cy="285783"/>
           </a:xfrm>
           <a:prstGeom prst="rect">
@@ -4647,7 +4648,7 @@
         </p:nvCxnSpPr>
         <p:spPr>
           <a:xfrm>
-            <a:off x="7277995" y="3034891"/>
+            <a:off x="7072530" y="1696177"/>
             <a:ext cx="434402" cy="318195"/>
           </a:xfrm>
           <a:prstGeom prst="bentConnector3">
@@ -4685,7 +4686,7 @@
         </p:nvSpPr>
         <p:spPr>
           <a:xfrm>
-            <a:off x="7712397" y="3533171"/>
+            <a:off x="7506932" y="2194457"/>
             <a:ext cx="708186" cy="285783"/>
           </a:xfrm>
           <a:prstGeom prst="rect">
@@ -4744,7 +4745,7 @@
         </p:nvCxnSpPr>
         <p:spPr>
           <a:xfrm>
-            <a:off x="7277995" y="3034891"/>
+            <a:off x="7072530" y="1696177"/>
             <a:ext cx="434402" cy="641172"/>
           </a:xfrm>
           <a:prstGeom prst="bentConnector3">
@@ -4784,7 +4785,7 @@
         </p:nvCxnSpPr>
         <p:spPr>
           <a:xfrm rot="5400000">
-            <a:off x="3553611" y="2687559"/>
+            <a:off x="3348146" y="1348845"/>
             <a:ext cx="293825" cy="5938"/>
           </a:xfrm>
           <a:prstGeom prst="bentConnector3">
@@ -4825,7 +4826,7 @@
         </p:nvSpPr>
         <p:spPr>
           <a:xfrm rot="10800000" flipV="1">
-            <a:off x="3562299" y="2386554"/>
+            <a:off x="3356834" y="1047840"/>
             <a:ext cx="282387" cy="157062"/>
           </a:xfrm>
           <a:prstGeom prst="triangle">
@@ -4873,7 +4874,7 @@
         </p:nvSpPr>
         <p:spPr>
           <a:xfrm>
-            <a:off x="1260922" y="1998350"/>
+            <a:off x="1055457" y="659636"/>
             <a:ext cx="1443661" cy="364396"/>
           </a:xfrm>
           <a:prstGeom prst="rect">
@@ -4944,7 +4945,7 @@
         </p:nvSpPr>
         <p:spPr>
           <a:xfrm rot="16200000">
-            <a:off x="6362886" y="3586305"/>
+            <a:off x="6157421" y="2247591"/>
             <a:ext cx="881018" cy="261610"/>
           </a:xfrm>
           <a:prstGeom prst="rect">
@@ -4983,7 +4984,7 @@
         </p:nvSpPr>
         <p:spPr>
           <a:xfrm>
-            <a:off x="2057401" y="4239491"/>
+            <a:off x="818695" y="3198127"/>
             <a:ext cx="1066800" cy="346760"/>
           </a:xfrm>
           <a:prstGeom prst="rect">
@@ -5023,16 +5024,8 @@
               </a:rPr>
               <a:t>&lt;&lt;interface&gt;&gt;</a:t>
             </a:r>
-            <a:r>
-              <a:rPr lang="en-US" sz="1050">
-                <a:solidFill>
-                  <a:srgbClr val="7030A0"/>
-                </a:solidFill>
-              </a:rPr>
-              <a:t/>
-            </a:r>
             <a:br>
-              <a:rPr lang="en-US" sz="1050">
+              <a:rPr lang="en-US" sz="1050" dirty="0">
                 <a:solidFill>
                   <a:srgbClr val="7030A0"/>
                 </a:solidFill>
@@ -5064,12 +5057,15 @@
           <p:nvPr/>
         </p:nvCxnSpPr>
         <p:spPr>
-          <a:xfrm rot="16200000" flipH="1">
-            <a:off x="1364475" y="3719944"/>
-            <a:ext cx="831471" cy="554381"/>
-          </a:xfrm>
-          <a:prstGeom prst="bentConnector2">
-            <a:avLst/>
+          <a:xfrm rot="5400000">
+            <a:off x="493715" y="2567666"/>
+            <a:ext cx="1128821" cy="478860"/>
+          </a:xfrm>
+          <a:prstGeom prst="bentConnector4">
+            <a:avLst>
+              <a:gd name="adj1" fmla="val 58861"/>
+              <a:gd name="adj2" fmla="val 147738"/>
+            </a:avLst>
           </a:prstGeom>
           <a:ln w="19050">
             <a:solidFill>
@@ -5104,7 +5100,7 @@
         </p:nvSpPr>
         <p:spPr>
           <a:xfrm>
-            <a:off x="4429979" y="3111479"/>
+            <a:off x="4224514" y="1772765"/>
             <a:ext cx="189257" cy="178683"/>
           </a:xfrm>
           <a:prstGeom prst="rect">
@@ -5143,7 +5139,7 @@
         </p:nvSpPr>
         <p:spPr>
           <a:xfrm>
-            <a:off x="6135256" y="3097917"/>
+            <a:off x="5929791" y="1759203"/>
             <a:ext cx="189257" cy="178683"/>
           </a:xfrm>
           <a:prstGeom prst="rect">
@@ -5182,7 +5178,7 @@
         </p:nvSpPr>
         <p:spPr>
           <a:xfrm>
-            <a:off x="2573394" y="2756715"/>
+            <a:off x="2367929" y="1418001"/>
             <a:ext cx="170110" cy="137542"/>
           </a:xfrm>
           <a:prstGeom prst="rect">
@@ -5221,7 +5217,7 @@
         </p:nvSpPr>
         <p:spPr>
           <a:xfrm>
-            <a:off x="2707070" y="3667737"/>
+            <a:off x="2501605" y="2329023"/>
             <a:ext cx="189257" cy="178683"/>
           </a:xfrm>
           <a:prstGeom prst="rect">
@@ -5260,7 +5256,7 @@
         </p:nvSpPr>
         <p:spPr>
           <a:xfrm>
-            <a:off x="6449896" y="3204826"/>
+            <a:off x="6244431" y="1866112"/>
             <a:ext cx="189257" cy="178683"/>
           </a:xfrm>
           <a:prstGeom prst="rect">
@@ -5305,7 +5301,7 @@
         </p:nvSpPr>
         <p:spPr>
           <a:xfrm>
-            <a:off x="7712397" y="2228817"/>
+            <a:off x="7506932" y="890103"/>
             <a:ext cx="708186" cy="285783"/>
           </a:xfrm>
           <a:prstGeom prst="rect">
@@ -5371,7 +5367,7 @@
         </p:nvCxnSpPr>
         <p:spPr>
           <a:xfrm flipV="1">
-            <a:off x="7277995" y="2371709"/>
+            <a:off x="7072530" y="1032995"/>
             <a:ext cx="434402" cy="663182"/>
           </a:xfrm>
           <a:prstGeom prst="bentConnector3">
@@ -5417,7 +5413,7 @@
         </p:nvSpPr>
         <p:spPr>
           <a:xfrm>
-            <a:off x="7466243" y="2255711"/>
+            <a:off x="7260778" y="916997"/>
             <a:ext cx="189257" cy="178683"/>
           </a:xfrm>
           <a:prstGeom prst="rect">
@@ -5456,7 +5452,7 @@
         </p:nvSpPr>
         <p:spPr>
           <a:xfrm>
-            <a:off x="3170181" y="1998350"/>
+            <a:off x="2964716" y="659636"/>
             <a:ext cx="1060683" cy="364396"/>
           </a:xfrm>
           <a:prstGeom prst="rect">
@@ -5515,7 +5511,7 @@
         </p:nvCxnSpPr>
         <p:spPr>
           <a:xfrm>
-            <a:off x="4324972" y="3007222"/>
+            <a:off x="4119507" y="1668508"/>
             <a:ext cx="367678" cy="12320"/>
           </a:xfrm>
           <a:prstGeom prst="straightConnector1">
@@ -5553,7 +5549,7 @@
         </p:nvSpPr>
         <p:spPr>
           <a:xfrm rot="16200000">
-            <a:off x="2669073" y="2069158"/>
+            <a:off x="2463608" y="730444"/>
             <a:ext cx="271014" cy="187417"/>
           </a:xfrm>
           <a:prstGeom prst="triangle">
@@ -5608,7 +5604,7 @@
         </p:nvCxnSpPr>
         <p:spPr>
           <a:xfrm>
-            <a:off x="2898289" y="2177727"/>
+            <a:off x="2692824" y="839013"/>
             <a:ext cx="271892" cy="2821"/>
           </a:xfrm>
           <a:prstGeom prst="bentConnector3">
@@ -5641,6 +5637,1419 @@
           </a:fontRef>
         </p:style>
       </p:cxnSp>
+      <p:cxnSp>
+        <p:nvCxnSpPr>
+          <p:cNvPr id="56" name="Elbow Connector 106">
+            <a:extLst>
+              <a:ext uri="{FF2B5EF4-FFF2-40B4-BE49-F238E27FC236}">
+                <a16:creationId xmlns:a16="http://schemas.microsoft.com/office/drawing/2014/main" id="{7D84E55C-EBD3-432F-9599-0D52D4EF426D}"/>
+              </a:ext>
+            </a:extLst>
+          </p:cNvPr>
+          <p:cNvCxnSpPr>
+            <a:cxnSpLocks/>
+            <a:stCxn id="9" idx="1"/>
+            <a:endCxn id="93" idx="2"/>
+          </p:cNvCxnSpPr>
+          <p:nvPr/>
+        </p:nvCxnSpPr>
+        <p:spPr>
+          <a:xfrm rot="5400000" flipH="1" flipV="1">
+            <a:off x="4324079" y="797718"/>
+            <a:ext cx="5303" cy="4647661"/>
+          </a:xfrm>
+          <a:prstGeom prst="bentConnector3">
+            <a:avLst>
+              <a:gd name="adj1" fmla="val -18966868"/>
+            </a:avLst>
+          </a:prstGeom>
+          <a:ln w="19050">
+            <a:solidFill>
+              <a:srgbClr val="7030A0"/>
+            </a:solidFill>
+            <a:prstDash val="solid"/>
+            <a:headEnd type="none" w="med" len="med"/>
+            <a:tailEnd type="arrow" w="med" len="med"/>
+          </a:ln>
+          <a:effectLst/>
+        </p:spPr>
+        <p:style>
+          <a:lnRef idx="1">
+            <a:schemeClr val="accent2"/>
+          </a:lnRef>
+          <a:fillRef idx="2">
+            <a:schemeClr val="accent2"/>
+          </a:fillRef>
+          <a:effectRef idx="1">
+            <a:schemeClr val="accent2"/>
+          </a:effectRef>
+          <a:fontRef idx="minor">
+            <a:schemeClr val="dk1"/>
+          </a:fontRef>
+        </p:style>
+      </p:cxnSp>
+      <p:sp>
+        <p:nvSpPr>
+          <p:cNvPr id="57" name="TextBox 56">
+            <a:extLst>
+              <a:ext uri="{FF2B5EF4-FFF2-40B4-BE49-F238E27FC236}">
+                <a16:creationId xmlns:a16="http://schemas.microsoft.com/office/drawing/2014/main" id="{797E99C8-7788-4037-8D90-4EC81F1CEDBD}"/>
+              </a:ext>
+            </a:extLst>
+          </p:cNvPr>
+          <p:cNvSpPr txBox="1"/>
+          <p:nvPr/>
+        </p:nvSpPr>
+        <p:spPr>
+          <a:xfrm>
+            <a:off x="5864877" y="3352712"/>
+            <a:ext cx="881018" cy="261610"/>
+          </a:xfrm>
+          <a:prstGeom prst="rect">
+            <a:avLst/>
+          </a:prstGeom>
+          <a:noFill/>
+        </p:spPr>
+        <p:txBody>
+          <a:bodyPr wrap="square" rtlCol="0">
+            <a:spAutoFit/>
+          </a:bodyPr>
+          <a:lstStyle/>
+          <a:p>
+            <a:pPr algn="r"/>
+            <a:r>
+              <a:rPr lang="en-US" sz="1100" dirty="0">
+                <a:solidFill>
+                  <a:srgbClr val="7030A0"/>
+                </a:solidFill>
+              </a:rPr>
+              <a:t>filtered list</a:t>
+            </a:r>
+            <a:endParaRPr lang="en-SG" sz="1100" dirty="0">
+              <a:solidFill>
+                <a:srgbClr val="7030A0"/>
+              </a:solidFill>
+            </a:endParaRPr>
+          </a:p>
+        </p:txBody>
+      </p:sp>
+      <p:sp>
+        <p:nvSpPr>
+          <p:cNvPr id="67" name="TextBox 66">
+            <a:extLst>
+              <a:ext uri="{FF2B5EF4-FFF2-40B4-BE49-F238E27FC236}">
+                <a16:creationId xmlns:a16="http://schemas.microsoft.com/office/drawing/2014/main" id="{8973446F-9443-463F-8C7C-798B9AD24D1D}"/>
+              </a:ext>
+            </a:extLst>
+          </p:cNvPr>
+          <p:cNvSpPr txBox="1"/>
+          <p:nvPr/>
+        </p:nvSpPr>
+        <p:spPr>
+          <a:xfrm>
+            <a:off x="6419009" y="3138513"/>
+            <a:ext cx="189257" cy="178683"/>
+          </a:xfrm>
+          <a:prstGeom prst="rect">
+            <a:avLst/>
+          </a:prstGeom>
+          <a:noFill/>
+        </p:spPr>
+        <p:txBody>
+          <a:bodyPr wrap="square" lIns="0" tIns="0" rIns="0" bIns="0" rtlCol="0">
+            <a:noAutofit/>
+          </a:bodyPr>
+          <a:lstStyle/>
+          <a:p>
+            <a:pPr algn="ctr"/>
+            <a:r>
+              <a:rPr lang="en-US" sz="1100" dirty="0">
+                <a:solidFill>
+                  <a:srgbClr val="7030A0"/>
+                </a:solidFill>
+              </a:rPr>
+              <a:t>1</a:t>
+            </a:r>
+            <a:endParaRPr lang="en-SG" sz="1100" dirty="0">
+              <a:solidFill>
+                <a:srgbClr val="7030A0"/>
+              </a:solidFill>
+            </a:endParaRPr>
+          </a:p>
+        </p:txBody>
+      </p:sp>
+      <p:sp>
+        <p:nvSpPr>
+          <p:cNvPr id="71" name="Flowchart: Decision 96">
+            <a:extLst>
+              <a:ext uri="{FF2B5EF4-FFF2-40B4-BE49-F238E27FC236}">
+                <a16:creationId xmlns:a16="http://schemas.microsoft.com/office/drawing/2014/main" id="{96B85B47-4ABF-4A1F-AF84-D9089AC793DF}"/>
+              </a:ext>
+            </a:extLst>
+          </p:cNvPr>
+          <p:cNvSpPr/>
+          <p:nvPr/>
+        </p:nvSpPr>
+        <p:spPr>
+          <a:xfrm>
+            <a:off x="2182847" y="2806193"/>
+            <a:ext cx="236048" cy="173380"/>
+          </a:xfrm>
+          <a:prstGeom prst="flowChartDecision">
+            <a:avLst/>
+          </a:prstGeom>
+          <a:noFill/>
+          <a:ln w="19050">
+            <a:solidFill>
+              <a:srgbClr val="7030A0"/>
+            </a:solidFill>
+          </a:ln>
+          <a:effectLst/>
+        </p:spPr>
+        <p:style>
+          <a:lnRef idx="1">
+            <a:schemeClr val="accent6"/>
+          </a:lnRef>
+          <a:fillRef idx="2">
+            <a:schemeClr val="accent6"/>
+          </a:fillRef>
+          <a:effectRef idx="1">
+            <a:schemeClr val="accent6"/>
+          </a:effectRef>
+          <a:fontRef idx="minor">
+            <a:schemeClr val="dk1"/>
+          </a:fontRef>
+        </p:style>
+        <p:txBody>
+          <a:bodyPr rtlCol="0" anchor="ctr"/>
+          <a:lstStyle/>
+          <a:p>
+            <a:pPr algn="ctr"/>
+            <a:endParaRPr lang="en-US" sz="1050"/>
+          </a:p>
+        </p:txBody>
+      </p:sp>
+      <p:cxnSp>
+        <p:nvCxnSpPr>
+          <p:cNvPr id="72" name="Straight Arrow Connector 71">
+            <a:extLst>
+              <a:ext uri="{FF2B5EF4-FFF2-40B4-BE49-F238E27FC236}">
+                <a16:creationId xmlns:a16="http://schemas.microsoft.com/office/drawing/2014/main" id="{72551120-FDA0-495F-9056-3767ACBEA029}"/>
+              </a:ext>
+            </a:extLst>
+          </p:cNvPr>
+          <p:cNvCxnSpPr>
+            <a:cxnSpLocks/>
+          </p:cNvCxnSpPr>
+          <p:nvPr/>
+        </p:nvCxnSpPr>
+        <p:spPr>
+          <a:xfrm>
+            <a:off x="2418895" y="2892883"/>
+            <a:ext cx="324997" cy="5397"/>
+          </a:xfrm>
+          <a:prstGeom prst="straightConnector1">
+            <a:avLst/>
+          </a:prstGeom>
+          <a:ln w="19050">
+            <a:solidFill>
+              <a:srgbClr val="7030A0"/>
+            </a:solidFill>
+            <a:headEnd type="none" w="med" len="med"/>
+            <a:tailEnd type="arrow" w="med" len="med"/>
+          </a:ln>
+          <a:effectLst/>
+        </p:spPr>
+        <p:style>
+          <a:lnRef idx="1">
+            <a:schemeClr val="accent2"/>
+          </a:lnRef>
+          <a:fillRef idx="2">
+            <a:schemeClr val="accent2"/>
+          </a:fillRef>
+          <a:effectRef idx="1">
+            <a:schemeClr val="accent2"/>
+          </a:effectRef>
+          <a:fontRef idx="minor">
+            <a:schemeClr val="dk1"/>
+          </a:fontRef>
+        </p:style>
+      </p:cxnSp>
+      <p:sp>
+        <p:nvSpPr>
+          <p:cNvPr id="74" name="TextBox 73">
+            <a:extLst>
+              <a:ext uri="{FF2B5EF4-FFF2-40B4-BE49-F238E27FC236}">
+                <a16:creationId xmlns:a16="http://schemas.microsoft.com/office/drawing/2014/main" id="{50AAC571-71D3-4D54-AC23-22D250ECDE1B}"/>
+              </a:ext>
+            </a:extLst>
+          </p:cNvPr>
+          <p:cNvSpPr txBox="1"/>
+          <p:nvPr/>
+        </p:nvSpPr>
+        <p:spPr>
+          <a:xfrm>
+            <a:off x="2515206" y="2945517"/>
+            <a:ext cx="189257" cy="178683"/>
+          </a:xfrm>
+          <a:prstGeom prst="rect">
+            <a:avLst/>
+          </a:prstGeom>
+          <a:noFill/>
+        </p:spPr>
+        <p:txBody>
+          <a:bodyPr wrap="square" lIns="0" tIns="0" rIns="0" bIns="0" rtlCol="0">
+            <a:noAutofit/>
+          </a:bodyPr>
+          <a:lstStyle/>
+          <a:p>
+            <a:pPr algn="ctr"/>
+            <a:r>
+              <a:rPr lang="en-US" sz="1100" dirty="0">
+                <a:solidFill>
+                  <a:srgbClr val="7030A0"/>
+                </a:solidFill>
+              </a:rPr>
+              <a:t>1</a:t>
+            </a:r>
+            <a:endParaRPr lang="en-SG" sz="1100" dirty="0">
+              <a:solidFill>
+                <a:srgbClr val="7030A0"/>
+              </a:solidFill>
+            </a:endParaRPr>
+          </a:p>
+        </p:txBody>
+      </p:sp>
+      <p:sp>
+        <p:nvSpPr>
+          <p:cNvPr id="77" name="Rectangle 8">
+            <a:extLst>
+              <a:ext uri="{FF2B5EF4-FFF2-40B4-BE49-F238E27FC236}">
+                <a16:creationId xmlns:a16="http://schemas.microsoft.com/office/drawing/2014/main" id="{208E5541-FDF5-4913-8C45-1703FF80A0D0}"/>
+              </a:ext>
+            </a:extLst>
+          </p:cNvPr>
+          <p:cNvSpPr/>
+          <p:nvPr/>
+        </p:nvSpPr>
+        <p:spPr>
+          <a:xfrm>
+            <a:off x="2733954" y="2742670"/>
+            <a:ext cx="1490560" cy="334856"/>
+          </a:xfrm>
+          <a:prstGeom prst="rect">
+            <a:avLst/>
+          </a:prstGeom>
+          <a:ln w="19050">
+            <a:solidFill>
+              <a:srgbClr val="7030A0"/>
+            </a:solidFill>
+          </a:ln>
+          <a:effectLst/>
+        </p:spPr>
+        <p:style>
+          <a:lnRef idx="1">
+            <a:schemeClr val="accent4"/>
+          </a:lnRef>
+          <a:fillRef idx="2">
+            <a:schemeClr val="accent4"/>
+          </a:fillRef>
+          <a:effectRef idx="1">
+            <a:schemeClr val="accent4"/>
+          </a:effectRef>
+          <a:fontRef idx="minor">
+            <a:schemeClr val="dk1"/>
+          </a:fontRef>
+        </p:style>
+        <p:txBody>
+          <a:bodyPr rtlCol="0" anchor="ctr"/>
+          <a:lstStyle/>
+          <a:p>
+            <a:pPr algn="ctr"/>
+            <a:r>
+              <a:rPr lang="en-US" sz="1050" dirty="0" err="1">
+                <a:solidFill>
+                  <a:srgbClr val="7030A0"/>
+                </a:solidFill>
+              </a:rPr>
+              <a:t>VersionedLoginBook</a:t>
+            </a:r>
+            <a:endParaRPr lang="en-SG" sz="1050" dirty="0">
+              <a:solidFill>
+                <a:srgbClr val="7030A0"/>
+              </a:solidFill>
+            </a:endParaRPr>
+          </a:p>
+        </p:txBody>
+      </p:sp>
+      <p:sp>
+        <p:nvSpPr>
+          <p:cNvPr id="82" name="TextBox 81">
+            <a:extLst>
+              <a:ext uri="{FF2B5EF4-FFF2-40B4-BE49-F238E27FC236}">
+                <a16:creationId xmlns:a16="http://schemas.microsoft.com/office/drawing/2014/main" id="{DEA766C1-87CE-4879-8605-14E87A6F21AB}"/>
+              </a:ext>
+            </a:extLst>
+          </p:cNvPr>
+          <p:cNvSpPr txBox="1"/>
+          <p:nvPr/>
+        </p:nvSpPr>
+        <p:spPr>
+          <a:xfrm>
+            <a:off x="4489927" y="2997561"/>
+            <a:ext cx="189257" cy="178683"/>
+          </a:xfrm>
+          <a:prstGeom prst="rect">
+            <a:avLst/>
+          </a:prstGeom>
+          <a:noFill/>
+        </p:spPr>
+        <p:txBody>
+          <a:bodyPr wrap="square" lIns="0" tIns="0" rIns="0" bIns="0" rtlCol="0">
+            <a:noAutofit/>
+          </a:bodyPr>
+          <a:lstStyle/>
+          <a:p>
+            <a:pPr algn="ctr"/>
+            <a:r>
+              <a:rPr lang="en-US" sz="1100" dirty="0">
+                <a:solidFill>
+                  <a:srgbClr val="7030A0"/>
+                </a:solidFill>
+              </a:rPr>
+              <a:t>1</a:t>
+            </a:r>
+            <a:endParaRPr lang="en-SG" sz="1100" dirty="0">
+              <a:solidFill>
+                <a:srgbClr val="7030A0"/>
+              </a:solidFill>
+            </a:endParaRPr>
+          </a:p>
+        </p:txBody>
+      </p:sp>
+      <p:cxnSp>
+        <p:nvCxnSpPr>
+          <p:cNvPr id="87" name="Straight Arrow Connector 86">
+            <a:extLst>
+              <a:ext uri="{FF2B5EF4-FFF2-40B4-BE49-F238E27FC236}">
+                <a16:creationId xmlns:a16="http://schemas.microsoft.com/office/drawing/2014/main" id="{9E3BBED0-4985-449E-BAE1-ED65DC70FA62}"/>
+              </a:ext>
+            </a:extLst>
+          </p:cNvPr>
+          <p:cNvCxnSpPr>
+            <a:cxnSpLocks/>
+          </p:cNvCxnSpPr>
+          <p:nvPr/>
+        </p:nvCxnSpPr>
+        <p:spPr>
+          <a:xfrm>
+            <a:off x="4428487" y="2910098"/>
+            <a:ext cx="250697" cy="0"/>
+          </a:xfrm>
+          <a:prstGeom prst="straightConnector1">
+            <a:avLst/>
+          </a:prstGeom>
+          <a:ln w="19050">
+            <a:solidFill>
+              <a:srgbClr val="7030A0"/>
+            </a:solidFill>
+            <a:headEnd type="none" w="med" len="med"/>
+            <a:tailEnd type="arrow" w="med" len="med"/>
+          </a:ln>
+          <a:effectLst/>
+        </p:spPr>
+        <p:style>
+          <a:lnRef idx="1">
+            <a:schemeClr val="accent2"/>
+          </a:lnRef>
+          <a:fillRef idx="2">
+            <a:schemeClr val="accent2"/>
+          </a:fillRef>
+          <a:effectRef idx="1">
+            <a:schemeClr val="accent2"/>
+          </a:effectRef>
+          <a:fontRef idx="minor">
+            <a:schemeClr val="dk1"/>
+          </a:fontRef>
+        </p:style>
+      </p:cxnSp>
+      <p:sp>
+        <p:nvSpPr>
+          <p:cNvPr id="88" name="Flowchart: Decision 96">
+            <a:extLst>
+              <a:ext uri="{FF2B5EF4-FFF2-40B4-BE49-F238E27FC236}">
+                <a16:creationId xmlns:a16="http://schemas.microsoft.com/office/drawing/2014/main" id="{BE9BEE43-1DED-4980-ACD9-FC943FC36F62}"/>
+              </a:ext>
+            </a:extLst>
+          </p:cNvPr>
+          <p:cNvSpPr/>
+          <p:nvPr/>
+        </p:nvSpPr>
+        <p:spPr>
+          <a:xfrm>
+            <a:off x="4227167" y="2824181"/>
+            <a:ext cx="236048" cy="173380"/>
+          </a:xfrm>
+          <a:prstGeom prst="flowChartDecision">
+            <a:avLst/>
+          </a:prstGeom>
+          <a:solidFill>
+            <a:srgbClr val="7030A0"/>
+          </a:solidFill>
+          <a:ln w="19050">
+            <a:solidFill>
+              <a:srgbClr val="7030A0"/>
+            </a:solidFill>
+          </a:ln>
+          <a:effectLst/>
+        </p:spPr>
+        <p:style>
+          <a:lnRef idx="1">
+            <a:schemeClr val="accent6"/>
+          </a:lnRef>
+          <a:fillRef idx="2">
+            <a:schemeClr val="accent6"/>
+          </a:fillRef>
+          <a:effectRef idx="1">
+            <a:schemeClr val="accent6"/>
+          </a:effectRef>
+          <a:fontRef idx="minor">
+            <a:schemeClr val="dk1"/>
+          </a:fontRef>
+        </p:style>
+        <p:txBody>
+          <a:bodyPr rtlCol="0" anchor="ctr"/>
+          <a:lstStyle/>
+          <a:p>
+            <a:pPr algn="ctr"/>
+            <a:endParaRPr lang="en-US" sz="1050"/>
+          </a:p>
+        </p:txBody>
+      </p:sp>
+      <p:sp>
+        <p:nvSpPr>
+          <p:cNvPr id="89" name="Rectangle 8">
+            <a:extLst>
+              <a:ext uri="{FF2B5EF4-FFF2-40B4-BE49-F238E27FC236}">
+                <a16:creationId xmlns:a16="http://schemas.microsoft.com/office/drawing/2014/main" id="{1A7C413D-9C8F-49A9-9D21-5032021F7B25}"/>
+              </a:ext>
+            </a:extLst>
+          </p:cNvPr>
+          <p:cNvSpPr/>
+          <p:nvPr/>
+        </p:nvSpPr>
+        <p:spPr>
+          <a:xfrm>
+            <a:off x="4679184" y="2749210"/>
+            <a:ext cx="1156969" cy="346760"/>
+          </a:xfrm>
+          <a:prstGeom prst="rect">
+            <a:avLst/>
+          </a:prstGeom>
+          <a:ln w="19050">
+            <a:solidFill>
+              <a:srgbClr val="7030A0"/>
+            </a:solidFill>
+          </a:ln>
+          <a:effectLst/>
+        </p:spPr>
+        <p:style>
+          <a:lnRef idx="1">
+            <a:schemeClr val="accent4"/>
+          </a:lnRef>
+          <a:fillRef idx="2">
+            <a:schemeClr val="accent4"/>
+          </a:fillRef>
+          <a:effectRef idx="1">
+            <a:schemeClr val="accent4"/>
+          </a:effectRef>
+          <a:fontRef idx="minor">
+            <a:schemeClr val="dk1"/>
+          </a:fontRef>
+        </p:style>
+        <p:txBody>
+          <a:bodyPr rtlCol="0" anchor="ctr"/>
+          <a:lstStyle/>
+          <a:p>
+            <a:pPr algn="ctr"/>
+            <a:r>
+              <a:rPr lang="en-US" sz="1050" dirty="0" err="1">
+                <a:solidFill>
+                  <a:srgbClr val="7030A0"/>
+                </a:solidFill>
+              </a:rPr>
+              <a:t>UniqueAccount</a:t>
+            </a:r>
+            <a:endParaRPr lang="en-US" sz="1050" dirty="0">
+              <a:solidFill>
+                <a:srgbClr val="7030A0"/>
+              </a:solidFill>
+            </a:endParaRPr>
+          </a:p>
+          <a:p>
+            <a:pPr algn="ctr"/>
+            <a:r>
+              <a:rPr lang="en-US" sz="1050" dirty="0">
+                <a:solidFill>
+                  <a:srgbClr val="7030A0"/>
+                </a:solidFill>
+              </a:rPr>
+              <a:t>List</a:t>
+            </a:r>
+            <a:endParaRPr lang="en-SG" sz="1050" dirty="0">
+              <a:solidFill>
+                <a:srgbClr val="7030A0"/>
+              </a:solidFill>
+            </a:endParaRPr>
+          </a:p>
+        </p:txBody>
+      </p:sp>
+      <p:sp>
+        <p:nvSpPr>
+          <p:cNvPr id="90" name="Flowchart: Decision 96">
+            <a:extLst>
+              <a:ext uri="{FF2B5EF4-FFF2-40B4-BE49-F238E27FC236}">
+                <a16:creationId xmlns:a16="http://schemas.microsoft.com/office/drawing/2014/main" id="{36FF33D8-420A-4FCA-B9D6-442ABFDEAEFC}"/>
+              </a:ext>
+            </a:extLst>
+          </p:cNvPr>
+          <p:cNvSpPr/>
+          <p:nvPr/>
+        </p:nvSpPr>
+        <p:spPr>
+          <a:xfrm>
+            <a:off x="5839624" y="2836559"/>
+            <a:ext cx="236048" cy="173380"/>
+          </a:xfrm>
+          <a:prstGeom prst="flowChartDecision">
+            <a:avLst/>
+          </a:prstGeom>
+          <a:noFill/>
+          <a:ln w="19050">
+            <a:solidFill>
+              <a:srgbClr val="7030A0"/>
+            </a:solidFill>
+          </a:ln>
+          <a:effectLst/>
+        </p:spPr>
+        <p:style>
+          <a:lnRef idx="1">
+            <a:schemeClr val="accent6"/>
+          </a:lnRef>
+          <a:fillRef idx="2">
+            <a:schemeClr val="accent6"/>
+          </a:fillRef>
+          <a:effectRef idx="1">
+            <a:schemeClr val="accent6"/>
+          </a:effectRef>
+          <a:fontRef idx="minor">
+            <a:schemeClr val="dk1"/>
+          </a:fontRef>
+        </p:style>
+        <p:txBody>
+          <a:bodyPr rtlCol="0" anchor="ctr"/>
+          <a:lstStyle/>
+          <a:p>
+            <a:pPr algn="ctr"/>
+            <a:endParaRPr lang="en-US" sz="1050"/>
+          </a:p>
+        </p:txBody>
+      </p:sp>
+      <p:cxnSp>
+        <p:nvCxnSpPr>
+          <p:cNvPr id="91" name="Elbow Connector 63">
+            <a:extLst>
+              <a:ext uri="{FF2B5EF4-FFF2-40B4-BE49-F238E27FC236}">
+                <a16:creationId xmlns:a16="http://schemas.microsoft.com/office/drawing/2014/main" id="{E9C1CB01-5B81-40D5-9DEC-3E28C0DE2477}"/>
+              </a:ext>
+            </a:extLst>
+          </p:cNvPr>
+          <p:cNvCxnSpPr>
+            <a:stCxn id="90" idx="3"/>
+          </p:cNvCxnSpPr>
+          <p:nvPr/>
+        </p:nvCxnSpPr>
+        <p:spPr>
+          <a:xfrm>
+            <a:off x="6075672" y="2923249"/>
+            <a:ext cx="218878" cy="3080"/>
+          </a:xfrm>
+          <a:prstGeom prst="bentConnector3">
+            <a:avLst/>
+          </a:prstGeom>
+          <a:ln w="19050">
+            <a:solidFill>
+              <a:srgbClr val="7030A0"/>
+            </a:solidFill>
+            <a:headEnd type="none" w="med" len="med"/>
+            <a:tailEnd type="arrow" w="med" len="med"/>
+          </a:ln>
+          <a:effectLst/>
+        </p:spPr>
+        <p:style>
+          <a:lnRef idx="1">
+            <a:schemeClr val="accent2"/>
+          </a:lnRef>
+          <a:fillRef idx="2">
+            <a:schemeClr val="accent2"/>
+          </a:fillRef>
+          <a:effectRef idx="1">
+            <a:schemeClr val="accent2"/>
+          </a:effectRef>
+          <a:fontRef idx="minor">
+            <a:schemeClr val="dk1"/>
+          </a:fontRef>
+        </p:style>
+      </p:cxnSp>
+      <p:sp>
+        <p:nvSpPr>
+          <p:cNvPr id="92" name="TextBox 91">
+            <a:extLst>
+              <a:ext uri="{FF2B5EF4-FFF2-40B4-BE49-F238E27FC236}">
+                <a16:creationId xmlns:a16="http://schemas.microsoft.com/office/drawing/2014/main" id="{F5EB3CFD-B411-468F-80E7-A061B51F896D}"/>
+              </a:ext>
+            </a:extLst>
+          </p:cNvPr>
+          <p:cNvSpPr txBox="1"/>
+          <p:nvPr/>
+        </p:nvSpPr>
+        <p:spPr>
+          <a:xfrm>
+            <a:off x="6116129" y="2992800"/>
+            <a:ext cx="189257" cy="178683"/>
+          </a:xfrm>
+          <a:prstGeom prst="rect">
+            <a:avLst/>
+          </a:prstGeom>
+          <a:noFill/>
+        </p:spPr>
+        <p:txBody>
+          <a:bodyPr wrap="square" lIns="0" tIns="0" rIns="0" bIns="0" rtlCol="0">
+            <a:noAutofit/>
+          </a:bodyPr>
+          <a:lstStyle/>
+          <a:p>
+            <a:pPr algn="ctr"/>
+            <a:r>
+              <a:rPr lang="en-US" sz="1100" dirty="0">
+                <a:solidFill>
+                  <a:srgbClr val="7030A0"/>
+                </a:solidFill>
+              </a:rPr>
+              <a:t>*</a:t>
+            </a:r>
+            <a:endParaRPr lang="en-SG" sz="1100" dirty="0">
+              <a:solidFill>
+                <a:srgbClr val="7030A0"/>
+              </a:solidFill>
+            </a:endParaRPr>
+          </a:p>
+        </p:txBody>
+      </p:sp>
+      <p:sp>
+        <p:nvSpPr>
+          <p:cNvPr id="93" name="Rectangle 8">
+            <a:extLst>
+              <a:ext uri="{FF2B5EF4-FFF2-40B4-BE49-F238E27FC236}">
+                <a16:creationId xmlns:a16="http://schemas.microsoft.com/office/drawing/2014/main" id="{7EC4E4B7-9DA3-4FA0-B4BD-5C83445026F3}"/>
+              </a:ext>
+            </a:extLst>
+          </p:cNvPr>
+          <p:cNvSpPr/>
+          <p:nvPr/>
+        </p:nvSpPr>
+        <p:spPr>
+          <a:xfrm>
+            <a:off x="6296469" y="2772137"/>
+            <a:ext cx="708186" cy="346760"/>
+          </a:xfrm>
+          <a:prstGeom prst="rect">
+            <a:avLst/>
+          </a:prstGeom>
+          <a:ln w="19050">
+            <a:solidFill>
+              <a:srgbClr val="7030A0"/>
+            </a:solidFill>
+          </a:ln>
+          <a:effectLst/>
+        </p:spPr>
+        <p:style>
+          <a:lnRef idx="1">
+            <a:schemeClr val="accent4"/>
+          </a:lnRef>
+          <a:fillRef idx="2">
+            <a:schemeClr val="accent4"/>
+          </a:fillRef>
+          <a:effectRef idx="1">
+            <a:schemeClr val="accent4"/>
+          </a:effectRef>
+          <a:fontRef idx="minor">
+            <a:schemeClr val="dk1"/>
+          </a:fontRef>
+        </p:style>
+        <p:txBody>
+          <a:bodyPr rtlCol="0" anchor="ctr"/>
+          <a:lstStyle/>
+          <a:p>
+            <a:pPr algn="ctr"/>
+            <a:r>
+              <a:rPr lang="en-US" sz="1050" dirty="0">
+                <a:solidFill>
+                  <a:srgbClr val="7030A0"/>
+                </a:solidFill>
+              </a:rPr>
+              <a:t>Login</a:t>
+            </a:r>
+          </a:p>
+          <a:p>
+            <a:pPr algn="ctr"/>
+            <a:r>
+              <a:rPr lang="en-US" sz="1050" dirty="0">
+                <a:solidFill>
+                  <a:srgbClr val="7030A0"/>
+                </a:solidFill>
+              </a:rPr>
+              <a:t>Details</a:t>
+            </a:r>
+            <a:endParaRPr lang="en-SG" sz="1050" dirty="0">
+              <a:solidFill>
+                <a:srgbClr val="7030A0"/>
+              </a:solidFill>
+            </a:endParaRPr>
+          </a:p>
+        </p:txBody>
+      </p:sp>
+      <p:sp>
+        <p:nvSpPr>
+          <p:cNvPr id="94" name="Flowchart: Decision 96">
+            <a:extLst>
+              <a:ext uri="{FF2B5EF4-FFF2-40B4-BE49-F238E27FC236}">
+                <a16:creationId xmlns:a16="http://schemas.microsoft.com/office/drawing/2014/main" id="{FAA52FF0-A9E5-49B4-9D6E-07F229414992}"/>
+              </a:ext>
+            </a:extLst>
+          </p:cNvPr>
+          <p:cNvSpPr/>
+          <p:nvPr/>
+        </p:nvSpPr>
+        <p:spPr>
+          <a:xfrm>
+            <a:off x="7017200" y="2858827"/>
+            <a:ext cx="236048" cy="173380"/>
+          </a:xfrm>
+          <a:prstGeom prst="flowChartDecision">
+            <a:avLst/>
+          </a:prstGeom>
+          <a:solidFill>
+            <a:srgbClr val="7030A0"/>
+          </a:solidFill>
+          <a:ln w="19050">
+            <a:solidFill>
+              <a:srgbClr val="7030A0"/>
+            </a:solidFill>
+          </a:ln>
+          <a:effectLst/>
+        </p:spPr>
+        <p:style>
+          <a:lnRef idx="1">
+            <a:schemeClr val="accent6"/>
+          </a:lnRef>
+          <a:fillRef idx="2">
+            <a:schemeClr val="accent6"/>
+          </a:fillRef>
+          <a:effectRef idx="1">
+            <a:schemeClr val="accent6"/>
+          </a:effectRef>
+          <a:fontRef idx="minor">
+            <a:schemeClr val="dk1"/>
+          </a:fontRef>
+        </p:style>
+        <p:txBody>
+          <a:bodyPr rtlCol="0" anchor="ctr"/>
+          <a:lstStyle/>
+          <a:p>
+            <a:pPr algn="ctr"/>
+            <a:endParaRPr lang="en-US" sz="1050"/>
+          </a:p>
+        </p:txBody>
+      </p:sp>
+      <p:cxnSp>
+        <p:nvCxnSpPr>
+          <p:cNvPr id="95" name="Elbow Connector 78">
+            <a:extLst>
+              <a:ext uri="{FF2B5EF4-FFF2-40B4-BE49-F238E27FC236}">
+                <a16:creationId xmlns:a16="http://schemas.microsoft.com/office/drawing/2014/main" id="{48DEA5A8-AF14-48AB-80C2-DFC6B6253258}"/>
+              </a:ext>
+            </a:extLst>
+          </p:cNvPr>
+          <p:cNvCxnSpPr>
+            <a:cxnSpLocks/>
+            <a:endCxn id="96" idx="1"/>
+          </p:cNvCxnSpPr>
+          <p:nvPr/>
+        </p:nvCxnSpPr>
+        <p:spPr>
+          <a:xfrm flipV="1">
+            <a:off x="7260778" y="2763620"/>
+            <a:ext cx="369518" cy="181898"/>
+          </a:xfrm>
+          <a:prstGeom prst="bentConnector3">
+            <a:avLst>
+              <a:gd name="adj1" fmla="val 50000"/>
+            </a:avLst>
+          </a:prstGeom>
+          <a:ln w="19050">
+            <a:solidFill>
+              <a:srgbClr val="7030A0"/>
+            </a:solidFill>
+            <a:headEnd type="none" w="med" len="med"/>
+            <a:tailEnd type="arrow" w="med" len="med"/>
+          </a:ln>
+          <a:effectLst/>
+        </p:spPr>
+        <p:style>
+          <a:lnRef idx="1">
+            <a:schemeClr val="accent2"/>
+          </a:lnRef>
+          <a:fillRef idx="2">
+            <a:schemeClr val="accent2"/>
+          </a:fillRef>
+          <a:effectRef idx="1">
+            <a:schemeClr val="accent2"/>
+          </a:effectRef>
+          <a:fontRef idx="minor">
+            <a:schemeClr val="dk1"/>
+          </a:fontRef>
+        </p:style>
+      </p:cxnSp>
+      <p:sp>
+        <p:nvSpPr>
+          <p:cNvPr id="96" name="Rectangle 8">
+            <a:extLst>
+              <a:ext uri="{FF2B5EF4-FFF2-40B4-BE49-F238E27FC236}">
+                <a16:creationId xmlns:a16="http://schemas.microsoft.com/office/drawing/2014/main" id="{27AC559B-CBE8-4F50-8332-F4B77159CBA4}"/>
+              </a:ext>
+            </a:extLst>
+          </p:cNvPr>
+          <p:cNvSpPr/>
+          <p:nvPr/>
+        </p:nvSpPr>
+        <p:spPr>
+          <a:xfrm>
+            <a:off x="7630296" y="2620728"/>
+            <a:ext cx="708186" cy="285783"/>
+          </a:xfrm>
+          <a:prstGeom prst="rect">
+            <a:avLst/>
+          </a:prstGeom>
+          <a:ln w="19050">
+            <a:solidFill>
+              <a:srgbClr val="7030A0"/>
+            </a:solidFill>
+          </a:ln>
+          <a:effectLst/>
+        </p:spPr>
+        <p:style>
+          <a:lnRef idx="1">
+            <a:schemeClr val="accent4"/>
+          </a:lnRef>
+          <a:fillRef idx="2">
+            <a:schemeClr val="accent4"/>
+          </a:fillRef>
+          <a:effectRef idx="1">
+            <a:schemeClr val="accent4"/>
+          </a:effectRef>
+          <a:fontRef idx="minor">
+            <a:schemeClr val="dk1"/>
+          </a:fontRef>
+        </p:style>
+        <p:txBody>
+          <a:bodyPr rtlCol="0" anchor="ctr"/>
+          <a:lstStyle/>
+          <a:p>
+            <a:pPr algn="ctr"/>
+            <a:r>
+              <a:rPr lang="en-US" sz="1050" dirty="0" err="1">
+                <a:solidFill>
+                  <a:srgbClr val="7030A0"/>
+                </a:solidFill>
+              </a:rPr>
+              <a:t>UserId</a:t>
+            </a:r>
+            <a:endParaRPr lang="en-SG" sz="1050" dirty="0">
+              <a:solidFill>
+                <a:srgbClr val="7030A0"/>
+              </a:solidFill>
+            </a:endParaRPr>
+          </a:p>
+        </p:txBody>
+      </p:sp>
+      <p:sp>
+        <p:nvSpPr>
+          <p:cNvPr id="98" name="Rectangle 8">
+            <a:extLst>
+              <a:ext uri="{FF2B5EF4-FFF2-40B4-BE49-F238E27FC236}">
+                <a16:creationId xmlns:a16="http://schemas.microsoft.com/office/drawing/2014/main" id="{4CF0505C-7E19-4123-8E24-55C089FD19A9}"/>
+              </a:ext>
+            </a:extLst>
+          </p:cNvPr>
+          <p:cNvSpPr/>
+          <p:nvPr/>
+        </p:nvSpPr>
+        <p:spPr>
+          <a:xfrm>
+            <a:off x="7625698" y="3046999"/>
+            <a:ext cx="708186" cy="346760"/>
+          </a:xfrm>
+          <a:prstGeom prst="rect">
+            <a:avLst/>
+          </a:prstGeom>
+          <a:ln w="19050">
+            <a:solidFill>
+              <a:srgbClr val="7030A0"/>
+            </a:solidFill>
+          </a:ln>
+          <a:effectLst/>
+        </p:spPr>
+        <p:style>
+          <a:lnRef idx="1">
+            <a:schemeClr val="accent4"/>
+          </a:lnRef>
+          <a:fillRef idx="2">
+            <a:schemeClr val="accent4"/>
+          </a:fillRef>
+          <a:effectRef idx="1">
+            <a:schemeClr val="accent4"/>
+          </a:effectRef>
+          <a:fontRef idx="minor">
+            <a:schemeClr val="dk1"/>
+          </a:fontRef>
+        </p:style>
+        <p:txBody>
+          <a:bodyPr rtlCol="0" anchor="ctr"/>
+          <a:lstStyle/>
+          <a:p>
+            <a:pPr algn="ctr"/>
+            <a:r>
+              <a:rPr lang="en-US" sz="1050" dirty="0">
+                <a:solidFill>
+                  <a:srgbClr val="7030A0"/>
+                </a:solidFill>
+              </a:rPr>
+              <a:t>User</a:t>
+            </a:r>
+          </a:p>
+          <a:p>
+            <a:pPr algn="ctr"/>
+            <a:r>
+              <a:rPr lang="en-US" sz="1050" dirty="0">
+                <a:solidFill>
+                  <a:srgbClr val="7030A0"/>
+                </a:solidFill>
+              </a:rPr>
+              <a:t>Password</a:t>
+            </a:r>
+            <a:endParaRPr lang="en-SG" sz="1050" dirty="0">
+              <a:solidFill>
+                <a:srgbClr val="7030A0"/>
+              </a:solidFill>
+            </a:endParaRPr>
+          </a:p>
+        </p:txBody>
+      </p:sp>
+      <p:cxnSp>
+        <p:nvCxnSpPr>
+          <p:cNvPr id="101" name="Elbow Connector 83">
+            <a:extLst>
+              <a:ext uri="{FF2B5EF4-FFF2-40B4-BE49-F238E27FC236}">
+                <a16:creationId xmlns:a16="http://schemas.microsoft.com/office/drawing/2014/main" id="{7B39F98F-B55C-4B15-AC29-B28043FB6ADC}"/>
+              </a:ext>
+            </a:extLst>
+          </p:cNvPr>
+          <p:cNvCxnSpPr>
+            <a:cxnSpLocks/>
+            <a:endCxn id="98" idx="1"/>
+          </p:cNvCxnSpPr>
+          <p:nvPr/>
+        </p:nvCxnSpPr>
+        <p:spPr>
+          <a:xfrm>
+            <a:off x="7225452" y="2948488"/>
+            <a:ext cx="400246" cy="271891"/>
+          </a:xfrm>
+          <a:prstGeom prst="bentConnector3">
+            <a:avLst/>
+          </a:prstGeom>
+          <a:ln w="19050">
+            <a:solidFill>
+              <a:srgbClr val="7030A0"/>
+            </a:solidFill>
+            <a:headEnd type="none" w="med" len="med"/>
+            <a:tailEnd type="arrow" w="med" len="med"/>
+          </a:ln>
+          <a:effectLst/>
+        </p:spPr>
+        <p:style>
+          <a:lnRef idx="1">
+            <a:schemeClr val="accent2"/>
+          </a:lnRef>
+          <a:fillRef idx="2">
+            <a:schemeClr val="accent2"/>
+          </a:fillRef>
+          <a:effectRef idx="1">
+            <a:schemeClr val="accent2"/>
+          </a:effectRef>
+          <a:fontRef idx="minor">
+            <a:schemeClr val="dk1"/>
+          </a:fontRef>
+        </p:style>
+      </p:cxnSp>
+      <p:cxnSp>
+        <p:nvCxnSpPr>
+          <p:cNvPr id="103" name="Elbow Connector 63">
+            <a:extLst>
+              <a:ext uri="{FF2B5EF4-FFF2-40B4-BE49-F238E27FC236}">
+                <a16:creationId xmlns:a16="http://schemas.microsoft.com/office/drawing/2014/main" id="{7E46E0B8-F55F-4904-A145-30AF5B5752D5}"/>
+              </a:ext>
+            </a:extLst>
+          </p:cNvPr>
+          <p:cNvCxnSpPr>
+            <a:cxnSpLocks/>
+          </p:cNvCxnSpPr>
+          <p:nvPr/>
+        </p:nvCxnSpPr>
+        <p:spPr>
+          <a:xfrm rot="5400000">
+            <a:off x="3219531" y="3224885"/>
+            <a:ext cx="293825" cy="5938"/>
+          </a:xfrm>
+          <a:prstGeom prst="bentConnector3">
+            <a:avLst>
+              <a:gd name="adj1" fmla="val 50000"/>
+            </a:avLst>
+          </a:prstGeom>
+          <a:ln w="19050">
+            <a:solidFill>
+              <a:srgbClr val="7030A0"/>
+            </a:solidFill>
+            <a:prstDash val="sysDot"/>
+            <a:headEnd type="none" w="med" len="med"/>
+            <a:tailEnd type="none" w="med" len="med"/>
+          </a:ln>
+          <a:effectLst/>
+        </p:spPr>
+        <p:style>
+          <a:lnRef idx="1">
+            <a:schemeClr val="accent2"/>
+          </a:lnRef>
+          <a:fillRef idx="2">
+            <a:schemeClr val="accent2"/>
+          </a:fillRef>
+          <a:effectRef idx="1">
+            <a:schemeClr val="accent2"/>
+          </a:effectRef>
+          <a:fontRef idx="minor">
+            <a:schemeClr val="dk1"/>
+          </a:fontRef>
+        </p:style>
+      </p:cxnSp>
+      <p:sp>
+        <p:nvSpPr>
+          <p:cNvPr id="104" name="Isosceles Triangle 102">
+            <a:extLst>
+              <a:ext uri="{FF2B5EF4-FFF2-40B4-BE49-F238E27FC236}">
+                <a16:creationId xmlns:a16="http://schemas.microsoft.com/office/drawing/2014/main" id="{4F85C52D-CE4A-4509-9F3B-0F067FE8AFE9}"/>
+              </a:ext>
+            </a:extLst>
+          </p:cNvPr>
+          <p:cNvSpPr/>
+          <p:nvPr/>
+        </p:nvSpPr>
+        <p:spPr>
+          <a:xfrm flipV="1">
+            <a:off x="3225497" y="3401628"/>
+            <a:ext cx="282387" cy="157062"/>
+          </a:xfrm>
+          <a:prstGeom prst="triangle">
+            <a:avLst/>
+          </a:prstGeom>
+          <a:ln w="19050">
+            <a:solidFill>
+              <a:srgbClr val="7030A0"/>
+            </a:solidFill>
+          </a:ln>
+          <a:effectLst/>
+        </p:spPr>
+        <p:style>
+          <a:lnRef idx="1">
+            <a:schemeClr val="accent4"/>
+          </a:lnRef>
+          <a:fillRef idx="2">
+            <a:schemeClr val="accent4"/>
+          </a:fillRef>
+          <a:effectRef idx="1">
+            <a:schemeClr val="accent4"/>
+          </a:effectRef>
+          <a:fontRef idx="minor">
+            <a:schemeClr val="dk1"/>
+          </a:fontRef>
+        </p:style>
+        <p:txBody>
+          <a:bodyPr rtlCol="0" anchor="ctr"/>
+          <a:lstStyle/>
+          <a:p>
+            <a:pPr algn="ctr"/>
+            <a:endParaRPr lang="en-SG" sz="1050" b="1">
+              <a:solidFill>
+                <a:srgbClr val="92D050"/>
+              </a:solidFill>
+            </a:endParaRPr>
+          </a:p>
+        </p:txBody>
+      </p:sp>
+      <p:sp>
+        <p:nvSpPr>
+          <p:cNvPr id="105" name="Rectangle 8">
+            <a:extLst>
+              <a:ext uri="{FF2B5EF4-FFF2-40B4-BE49-F238E27FC236}">
+                <a16:creationId xmlns:a16="http://schemas.microsoft.com/office/drawing/2014/main" id="{025A3FCA-D9C8-46B6-9976-3E38E0A2AA53}"/>
+              </a:ext>
+            </a:extLst>
+          </p:cNvPr>
+          <p:cNvSpPr/>
+          <p:nvPr/>
+        </p:nvSpPr>
+        <p:spPr>
+          <a:xfrm>
+            <a:off x="2833132" y="3583565"/>
+            <a:ext cx="1060683" cy="364396"/>
+          </a:xfrm>
+          <a:prstGeom prst="rect">
+            <a:avLst/>
+          </a:prstGeom>
+          <a:ln w="19050">
+            <a:solidFill>
+              <a:srgbClr val="7030A0"/>
+            </a:solidFill>
+          </a:ln>
+          <a:effectLst/>
+        </p:spPr>
+        <p:style>
+          <a:lnRef idx="1">
+            <a:schemeClr val="accent4"/>
+          </a:lnRef>
+          <a:fillRef idx="2">
+            <a:schemeClr val="accent4"/>
+          </a:fillRef>
+          <a:effectRef idx="1">
+            <a:schemeClr val="accent4"/>
+          </a:effectRef>
+          <a:fontRef idx="minor">
+            <a:schemeClr val="dk1"/>
+          </a:fontRef>
+        </p:style>
+        <p:txBody>
+          <a:bodyPr rtlCol="0" anchor="ctr"/>
+          <a:lstStyle/>
+          <a:p>
+            <a:pPr algn="ctr"/>
+            <a:r>
+              <a:rPr lang="en-US" sz="1050" dirty="0" err="1">
+                <a:solidFill>
+                  <a:srgbClr val="7030A0"/>
+                </a:solidFill>
+              </a:rPr>
+              <a:t>LoginBook</a:t>
+            </a:r>
+            <a:endParaRPr lang="en-SG" sz="1050" dirty="0">
+              <a:solidFill>
+                <a:srgbClr val="7030A0"/>
+              </a:solidFill>
+            </a:endParaRPr>
+          </a:p>
+        </p:txBody>
+      </p:sp>
+      <p:sp>
+        <p:nvSpPr>
+          <p:cNvPr id="106" name="Isosceles Triangle 102">
+            <a:extLst>
+              <a:ext uri="{FF2B5EF4-FFF2-40B4-BE49-F238E27FC236}">
+                <a16:creationId xmlns:a16="http://schemas.microsoft.com/office/drawing/2014/main" id="{A6122181-94AD-4C61-BAEB-134CB4D5B7F5}"/>
+              </a:ext>
+            </a:extLst>
+          </p:cNvPr>
+          <p:cNvSpPr/>
+          <p:nvPr/>
+        </p:nvSpPr>
+        <p:spPr>
+          <a:xfrm rot="5400000">
+            <a:off x="4131790" y="3672055"/>
+            <a:ext cx="271014" cy="187417"/>
+          </a:xfrm>
+          <a:prstGeom prst="triangle">
+            <a:avLst>
+              <a:gd name="adj" fmla="val 44517"/>
+            </a:avLst>
+          </a:prstGeom>
+          <a:solidFill>
+            <a:schemeClr val="accent4">
+              <a:lumMod val="20000"/>
+              <a:lumOff val="80000"/>
+            </a:schemeClr>
+          </a:solidFill>
+          <a:ln w="19050">
+            <a:solidFill>
+              <a:srgbClr val="7030A0"/>
+            </a:solidFill>
+          </a:ln>
+          <a:effectLst/>
+        </p:spPr>
+        <p:style>
+          <a:lnRef idx="1">
+            <a:schemeClr val="accent6"/>
+          </a:lnRef>
+          <a:fillRef idx="2">
+            <a:schemeClr val="accent6"/>
+          </a:fillRef>
+          <a:effectRef idx="1">
+            <a:schemeClr val="accent6"/>
+          </a:effectRef>
+          <a:fontRef idx="minor">
+            <a:schemeClr val="dk1"/>
+          </a:fontRef>
+        </p:style>
+        <p:txBody>
+          <a:bodyPr rtlCol="0" anchor="ctr"/>
+          <a:lstStyle/>
+          <a:p>
+            <a:pPr algn="ctr"/>
+            <a:endParaRPr lang="en-SG" sz="1050"/>
+          </a:p>
+        </p:txBody>
+      </p:sp>
+      <p:cxnSp>
+        <p:nvCxnSpPr>
+          <p:cNvPr id="109" name="Elbow Connector 63">
+            <a:extLst>
+              <a:ext uri="{FF2B5EF4-FFF2-40B4-BE49-F238E27FC236}">
+                <a16:creationId xmlns:a16="http://schemas.microsoft.com/office/drawing/2014/main" id="{09A3BAFC-F9BC-4C6A-B42F-7CD2333ACE48}"/>
+              </a:ext>
+            </a:extLst>
+          </p:cNvPr>
+          <p:cNvCxnSpPr/>
+          <p:nvPr/>
+        </p:nvCxnSpPr>
+        <p:spPr>
+          <a:xfrm>
+            <a:off x="3905177" y="3780089"/>
+            <a:ext cx="271892" cy="2821"/>
+          </a:xfrm>
+          <a:prstGeom prst="bentConnector3">
+            <a:avLst>
+              <a:gd name="adj1" fmla="val 50000"/>
+            </a:avLst>
+          </a:prstGeom>
+          <a:ln w="19050">
+            <a:solidFill>
+              <a:srgbClr val="7030A0"/>
+            </a:solidFill>
+            <a:prstDash val="sysDot"/>
+            <a:headEnd type="none" w="med" len="med"/>
+            <a:tailEnd type="none" w="med" len="med"/>
+          </a:ln>
+          <a:effectLst/>
+        </p:spPr>
+        <p:style>
+          <a:lnRef idx="1">
+            <a:schemeClr val="accent2"/>
+          </a:lnRef>
+          <a:fillRef idx="2">
+            <a:schemeClr val="accent2"/>
+          </a:fillRef>
+          <a:effectRef idx="1">
+            <a:schemeClr val="accent2"/>
+          </a:effectRef>
+          <a:fontRef idx="minor">
+            <a:schemeClr val="dk1"/>
+          </a:fontRef>
+        </p:style>
+      </p:cxnSp>
+      <p:sp>
+        <p:nvSpPr>
+          <p:cNvPr id="110" name="Rectangle 8">
+            <a:extLst>
+              <a:ext uri="{FF2B5EF4-FFF2-40B4-BE49-F238E27FC236}">
+                <a16:creationId xmlns:a16="http://schemas.microsoft.com/office/drawing/2014/main" id="{4B4381BF-0F63-4F2B-BE33-15844B18492D}"/>
+              </a:ext>
+            </a:extLst>
+          </p:cNvPr>
+          <p:cNvSpPr/>
+          <p:nvPr/>
+        </p:nvSpPr>
+        <p:spPr>
+          <a:xfrm>
+            <a:off x="4377989" y="3597891"/>
+            <a:ext cx="1443661" cy="364396"/>
+          </a:xfrm>
+          <a:prstGeom prst="rect">
+            <a:avLst/>
+          </a:prstGeom>
+          <a:ln w="19050">
+            <a:solidFill>
+              <a:srgbClr val="7030A0"/>
+            </a:solidFill>
+          </a:ln>
+          <a:effectLst/>
+        </p:spPr>
+        <p:style>
+          <a:lnRef idx="1">
+            <a:schemeClr val="accent4"/>
+          </a:lnRef>
+          <a:fillRef idx="2">
+            <a:schemeClr val="accent4"/>
+          </a:fillRef>
+          <a:effectRef idx="1">
+            <a:schemeClr val="accent4"/>
+          </a:effectRef>
+          <a:fontRef idx="minor">
+            <a:schemeClr val="dk1"/>
+          </a:fontRef>
+        </p:style>
+        <p:txBody>
+          <a:bodyPr rtlCol="0" anchor="ctr"/>
+          <a:lstStyle/>
+          <a:p>
+            <a:pPr algn="ctr"/>
+            <a:r>
+              <a:rPr lang="en-US" sz="1050" dirty="0">
+                <a:solidFill>
+                  <a:srgbClr val="7030A0"/>
+                </a:solidFill>
+              </a:rPr>
+              <a:t>&lt;&lt;interface&gt;&gt;</a:t>
+            </a:r>
+            <a:br>
+              <a:rPr lang="en-US" sz="1050" dirty="0">
+                <a:solidFill>
+                  <a:srgbClr val="7030A0"/>
+                </a:solidFill>
+              </a:rPr>
+            </a:br>
+            <a:r>
+              <a:rPr lang="en-US" sz="1050" dirty="0" err="1">
+                <a:solidFill>
+                  <a:srgbClr val="7030A0"/>
+                </a:solidFill>
+              </a:rPr>
+              <a:t>ReadOnlyLoginBook</a:t>
+            </a:r>
+            <a:endParaRPr lang="en-SG" sz="1050" dirty="0">
+              <a:solidFill>
+                <a:srgbClr val="7030A0"/>
+              </a:solidFill>
+            </a:endParaRPr>
+          </a:p>
+        </p:txBody>
+      </p:sp>
     </p:spTree>
     <p:extLst>
       <p:ext uri="{BB962C8B-B14F-4D97-AF65-F5344CB8AC3E}">

--- a/docs/diagrams/ModelComponentClassDiagram.pptx
+++ b/docs/diagrams/ModelComponentClassDiagram.pptx
@@ -208,7 +208,7 @@
           <a:p>
             <a:fld id="{F5CC4B3F-88C1-4FFA-B1B6-F41C21DC6924}" type="datetimeFigureOut">
               <a:rPr lang="en-US" smtClean="0"/>
-              <a:t>6/27/2018</a:t>
+              <a:t>10/21/2018</a:t>
             </a:fld>
             <a:endParaRPr lang="en-US"/>
           </a:p>
@@ -654,7 +654,7 @@
           <a:p>
             <a:fld id="{78C97017-6FC3-485B-9764-EAC9E56C1D49}" type="datetimeFigureOut">
               <a:rPr lang="en-US" smtClean="0"/>
-              <a:t>6/27/2018</a:t>
+              <a:t>10/21/2018</a:t>
             </a:fld>
             <a:endParaRPr lang="en-US"/>
           </a:p>
@@ -822,7 +822,7 @@
           <a:p>
             <a:fld id="{78C97017-6FC3-485B-9764-EAC9E56C1D49}" type="datetimeFigureOut">
               <a:rPr lang="en-US" smtClean="0"/>
-              <a:t>6/27/2018</a:t>
+              <a:t>10/21/2018</a:t>
             </a:fld>
             <a:endParaRPr lang="en-US"/>
           </a:p>
@@ -1000,7 +1000,7 @@
           <a:p>
             <a:fld id="{78C97017-6FC3-485B-9764-EAC9E56C1D49}" type="datetimeFigureOut">
               <a:rPr lang="en-US" smtClean="0"/>
-              <a:t>6/27/2018</a:t>
+              <a:t>10/21/2018</a:t>
             </a:fld>
             <a:endParaRPr lang="en-US"/>
           </a:p>
@@ -1168,7 +1168,7 @@
           <a:p>
             <a:fld id="{78C97017-6FC3-485B-9764-EAC9E56C1D49}" type="datetimeFigureOut">
               <a:rPr lang="en-US" smtClean="0"/>
-              <a:t>6/27/2018</a:t>
+              <a:t>10/21/2018</a:t>
             </a:fld>
             <a:endParaRPr lang="en-US"/>
           </a:p>
@@ -1413,7 +1413,7 @@
           <a:p>
             <a:fld id="{78C97017-6FC3-485B-9764-EAC9E56C1D49}" type="datetimeFigureOut">
               <a:rPr lang="en-US" smtClean="0"/>
-              <a:t>6/27/2018</a:t>
+              <a:t>10/21/2018</a:t>
             </a:fld>
             <a:endParaRPr lang="en-US"/>
           </a:p>
@@ -1698,7 +1698,7 @@
           <a:p>
             <a:fld id="{78C97017-6FC3-485B-9764-EAC9E56C1D49}" type="datetimeFigureOut">
               <a:rPr lang="en-US" smtClean="0"/>
-              <a:t>6/27/2018</a:t>
+              <a:t>10/21/2018</a:t>
             </a:fld>
             <a:endParaRPr lang="en-US"/>
           </a:p>
@@ -2117,7 +2117,7 @@
           <a:p>
             <a:fld id="{78C97017-6FC3-485B-9764-EAC9E56C1D49}" type="datetimeFigureOut">
               <a:rPr lang="en-US" smtClean="0"/>
-              <a:t>6/27/2018</a:t>
+              <a:t>10/21/2018</a:t>
             </a:fld>
             <a:endParaRPr lang="en-US"/>
           </a:p>
@@ -2234,7 +2234,7 @@
           <a:p>
             <a:fld id="{78C97017-6FC3-485B-9764-EAC9E56C1D49}" type="datetimeFigureOut">
               <a:rPr lang="en-US" smtClean="0"/>
-              <a:t>6/27/2018</a:t>
+              <a:t>10/21/2018</a:t>
             </a:fld>
             <a:endParaRPr lang="en-US"/>
           </a:p>
@@ -2329,7 +2329,7 @@
           <a:p>
             <a:fld id="{78C97017-6FC3-485B-9764-EAC9E56C1D49}" type="datetimeFigureOut">
               <a:rPr lang="en-US" smtClean="0"/>
-              <a:t>6/27/2018</a:t>
+              <a:t>10/21/2018</a:t>
             </a:fld>
             <a:endParaRPr lang="en-US"/>
           </a:p>
@@ -2604,7 +2604,7 @@
           <a:p>
             <a:fld id="{78C97017-6FC3-485B-9764-EAC9E56C1D49}" type="datetimeFigureOut">
               <a:rPr lang="en-US" smtClean="0"/>
-              <a:t>6/27/2018</a:t>
+              <a:t>10/21/2018</a:t>
             </a:fld>
             <a:endParaRPr lang="en-US"/>
           </a:p>
@@ -2856,7 +2856,7 @@
           <a:p>
             <a:fld id="{78C97017-6FC3-485B-9764-EAC9E56C1D49}" type="datetimeFigureOut">
               <a:rPr lang="en-US" smtClean="0"/>
-              <a:t>6/27/2018</a:t>
+              <a:t>10/21/2018</a:t>
             </a:fld>
             <a:endParaRPr lang="en-US"/>
           </a:p>
@@ -3067,7 +3067,7 @@
           <a:p>
             <a:fld id="{78C97017-6FC3-485B-9764-EAC9E56C1D49}" type="datetimeFigureOut">
               <a:rPr lang="en-US" smtClean="0"/>
-              <a:t>6/27/2018</a:t>
+              <a:t>10/21/2018</a:t>
             </a:fld>
             <a:endParaRPr lang="en-US"/>
           </a:p>
@@ -3994,12 +3994,12 @@
           <a:p>
             <a:pPr algn="ctr"/>
             <a:r>
-              <a:rPr lang="en-US" sz="1050" dirty="0" err="1" smtClean="0">
+              <a:rPr lang="en-US" sz="1050" dirty="0" err="1">
                 <a:solidFill>
                   <a:srgbClr val="7030A0"/>
                 </a:solidFill>
               </a:rPr>
-              <a:t>VersionedAddressBook</a:t>
+              <a:t>VersionedTaskBook</a:t>
             </a:r>
             <a:endParaRPr lang="en-SG" sz="1050" dirty="0">
               <a:solidFill>
@@ -4141,7 +4141,7 @@
                   <a:srgbClr val="7030A0"/>
                 </a:solidFill>
               </a:rPr>
-              <a:t>UniquePersonList</a:t>
+              <a:t>UniqueTaskList</a:t>
             </a:r>
             <a:endParaRPr lang="en-SG" sz="1050" dirty="0">
               <a:solidFill>
@@ -4244,7 +4244,7 @@
                   <a:srgbClr val="7030A0"/>
                 </a:solidFill>
               </a:rPr>
-              <a:t>Person</a:t>
+              <a:t>Task</a:t>
             </a:r>
             <a:endParaRPr lang="en-SG" sz="1050" dirty="0">
               <a:solidFill>
@@ -4386,7 +4386,7 @@
                   <a:srgbClr val="7030A0"/>
                 </a:solidFill>
               </a:rPr>
-              <a:t>Name</a:t>
+              <a:t>Deadline</a:t>
             </a:r>
             <a:endParaRPr lang="en-SG" sz="1050" dirty="0">
               <a:solidFill>
@@ -4529,7 +4529,7 @@
                   <a:srgbClr val="7030A0"/>
                 </a:solidFill>
               </a:rPr>
-              <a:t>Phone</a:t>
+              <a:t>Action</a:t>
             </a:r>
             <a:endParaRPr lang="en-SG" sz="1050" dirty="0">
               <a:solidFill>
@@ -4588,8 +4588,8 @@
         </p:nvSpPr>
         <p:spPr>
           <a:xfrm>
-            <a:off x="7712397" y="3210194"/>
-            <a:ext cx="708186" cy="285783"/>
+            <a:off x="7712396" y="3210194"/>
+            <a:ext cx="822003" cy="285783"/>
           </a:xfrm>
           <a:prstGeom prst="rect">
             <a:avLst/>
@@ -4626,7 +4626,7 @@
                   <a:srgbClr val="7030A0"/>
                 </a:solidFill>
               </a:rPr>
-              <a:t>Email</a:t>
+              <a:t>Description</a:t>
             </a:r>
             <a:endParaRPr lang="en-SG" sz="1050" dirty="0">
               <a:solidFill>
@@ -4640,6 +4640,7 @@
         <p:nvCxnSpPr>
           <p:cNvPr id="84" name="Elbow Connector 83"/>
           <p:cNvCxnSpPr>
+            <a:cxnSpLocks/>
             <a:stCxn id="78" idx="3"/>
             <a:endCxn id="83" idx="1"/>
           </p:cNvCxnSpPr>
@@ -4648,7 +4649,7 @@
         <p:spPr>
           <a:xfrm>
             <a:off x="7277995" y="3034891"/>
-            <a:ext cx="434402" cy="318195"/>
+            <a:ext cx="434401" cy="318195"/>
           </a:xfrm>
           <a:prstGeom prst="bentConnector3">
             <a:avLst/>
@@ -4686,7 +4687,7 @@
         <p:spPr>
           <a:xfrm>
             <a:off x="7712397" y="3533171"/>
-            <a:ext cx="708186" cy="285783"/>
+            <a:ext cx="873606" cy="285783"/>
           </a:xfrm>
           <a:prstGeom prst="rect">
             <a:avLst/>
@@ -4718,12 +4719,12 @@
           <a:p>
             <a:pPr algn="ctr"/>
             <a:r>
-              <a:rPr lang="en-US" sz="1050" dirty="0">
+              <a:rPr lang="en-US" sz="1050" dirty="0" err="1">
                 <a:solidFill>
                   <a:srgbClr val="7030A0"/>
                 </a:solidFill>
               </a:rPr>
-              <a:t>Address</a:t>
+              <a:t>PriorityLevel</a:t>
             </a:r>
             <a:endParaRPr lang="en-SG" sz="1050" dirty="0">
               <a:solidFill>
@@ -4737,6 +4738,7 @@
         <p:nvCxnSpPr>
           <p:cNvPr id="86" name="Elbow Connector 85"/>
           <p:cNvCxnSpPr>
+            <a:cxnSpLocks/>
             <a:stCxn id="78" idx="3"/>
             <a:endCxn id="85" idx="1"/>
           </p:cNvCxnSpPr>
@@ -4926,7 +4928,7 @@
                   <a:srgbClr val="7030A0"/>
                 </a:solidFill>
               </a:rPr>
-              <a:t>ReadOnlyAddressBook</a:t>
+              <a:t>ReadOnlyTaskBook</a:t>
             </a:r>
             <a:endParaRPr lang="en-SG" sz="1050" dirty="0">
               <a:solidFill>
@@ -5022,14 +5024,6 @@
                 </a:solidFill>
               </a:rPr>
               <a:t>&lt;&lt;interface&gt;&gt;</a:t>
-            </a:r>
-            <a:r>
-              <a:rPr lang="en-US" sz="1050">
-                <a:solidFill>
-                  <a:srgbClr val="7030A0"/>
-                </a:solidFill>
-              </a:rPr>
-              <a:t/>
             </a:r>
             <a:br>
               <a:rPr lang="en-US" sz="1050">
@@ -5494,7 +5488,7 @@
                   <a:srgbClr val="7030A0"/>
                 </a:solidFill>
               </a:rPr>
-              <a:t>AddressBook</a:t>
+              <a:t>TaskBook</a:t>
             </a:r>
             <a:endParaRPr lang="en-SG" sz="1050" dirty="0">
               <a:solidFill>

--- a/docs/diagrams/ModelComponentClassDiagram.pptx
+++ b/docs/diagrams/ModelComponentClassDiagram.pptx
@@ -208,7 +208,7 @@
           <a:p>
             <a:fld id="{F5CC4B3F-88C1-4FFA-B1B6-F41C21DC6924}" type="datetimeFigureOut">
               <a:rPr lang="en-US" smtClean="0"/>
-              <a:t>10/16/18</a:t>
+              <a:t>10/23/18</a:t>
             </a:fld>
             <a:endParaRPr lang="en-US"/>
           </a:p>
@@ -654,7 +654,7 @@
           <a:p>
             <a:fld id="{78C97017-6FC3-485B-9764-EAC9E56C1D49}" type="datetimeFigureOut">
               <a:rPr lang="en-US" smtClean="0"/>
-              <a:t>10/16/18</a:t>
+              <a:t>10/23/18</a:t>
             </a:fld>
             <a:endParaRPr lang="en-US"/>
           </a:p>
@@ -822,7 +822,7 @@
           <a:p>
             <a:fld id="{78C97017-6FC3-485B-9764-EAC9E56C1D49}" type="datetimeFigureOut">
               <a:rPr lang="en-US" smtClean="0"/>
-              <a:t>10/16/18</a:t>
+              <a:t>10/23/18</a:t>
             </a:fld>
             <a:endParaRPr lang="en-US"/>
           </a:p>
@@ -1000,7 +1000,7 @@
           <a:p>
             <a:fld id="{78C97017-6FC3-485B-9764-EAC9E56C1D49}" type="datetimeFigureOut">
               <a:rPr lang="en-US" smtClean="0"/>
-              <a:t>10/16/18</a:t>
+              <a:t>10/23/18</a:t>
             </a:fld>
             <a:endParaRPr lang="en-US"/>
           </a:p>
@@ -1168,7 +1168,7 @@
           <a:p>
             <a:fld id="{78C97017-6FC3-485B-9764-EAC9E56C1D49}" type="datetimeFigureOut">
               <a:rPr lang="en-US" smtClean="0"/>
-              <a:t>10/16/18</a:t>
+              <a:t>10/23/18</a:t>
             </a:fld>
             <a:endParaRPr lang="en-US"/>
           </a:p>
@@ -1413,7 +1413,7 @@
           <a:p>
             <a:fld id="{78C97017-6FC3-485B-9764-EAC9E56C1D49}" type="datetimeFigureOut">
               <a:rPr lang="en-US" smtClean="0"/>
-              <a:t>10/16/18</a:t>
+              <a:t>10/23/18</a:t>
             </a:fld>
             <a:endParaRPr lang="en-US"/>
           </a:p>
@@ -1698,7 +1698,7 @@
           <a:p>
             <a:fld id="{78C97017-6FC3-485B-9764-EAC9E56C1D49}" type="datetimeFigureOut">
               <a:rPr lang="en-US" smtClean="0"/>
-              <a:t>10/16/18</a:t>
+              <a:t>10/23/18</a:t>
             </a:fld>
             <a:endParaRPr lang="en-US"/>
           </a:p>
@@ -2117,7 +2117,7 @@
           <a:p>
             <a:fld id="{78C97017-6FC3-485B-9764-EAC9E56C1D49}" type="datetimeFigureOut">
               <a:rPr lang="en-US" smtClean="0"/>
-              <a:t>10/16/18</a:t>
+              <a:t>10/23/18</a:t>
             </a:fld>
             <a:endParaRPr lang="en-US"/>
           </a:p>
@@ -2234,7 +2234,7 @@
           <a:p>
             <a:fld id="{78C97017-6FC3-485B-9764-EAC9E56C1D49}" type="datetimeFigureOut">
               <a:rPr lang="en-US" smtClean="0"/>
-              <a:t>10/16/18</a:t>
+              <a:t>10/23/18</a:t>
             </a:fld>
             <a:endParaRPr lang="en-US"/>
           </a:p>
@@ -2329,7 +2329,7 @@
           <a:p>
             <a:fld id="{78C97017-6FC3-485B-9764-EAC9E56C1D49}" type="datetimeFigureOut">
               <a:rPr lang="en-US" smtClean="0"/>
-              <a:t>10/16/18</a:t>
+              <a:t>10/23/18</a:t>
             </a:fld>
             <a:endParaRPr lang="en-US"/>
           </a:p>
@@ -2604,7 +2604,7 @@
           <a:p>
             <a:fld id="{78C97017-6FC3-485B-9764-EAC9E56C1D49}" type="datetimeFigureOut">
               <a:rPr lang="en-US" smtClean="0"/>
-              <a:t>10/16/18</a:t>
+              <a:t>10/23/18</a:t>
             </a:fld>
             <a:endParaRPr lang="en-US"/>
           </a:p>
@@ -2856,7 +2856,7 @@
           <a:p>
             <a:fld id="{78C97017-6FC3-485B-9764-EAC9E56C1D49}" type="datetimeFigureOut">
               <a:rPr lang="en-US" smtClean="0"/>
-              <a:t>10/16/18</a:t>
+              <a:t>10/23/18</a:t>
             </a:fld>
             <a:endParaRPr lang="en-US"/>
           </a:p>
@@ -3067,7 +3067,7 @@
           <a:p>
             <a:fld id="{78C97017-6FC3-485B-9764-EAC9E56C1D49}" type="datetimeFigureOut">
               <a:rPr lang="en-US" smtClean="0"/>
-              <a:t>10/16/18</a:t>
+              <a:t>10/23/18</a:t>
             </a:fld>
             <a:endParaRPr lang="en-US"/>
           </a:p>
@@ -5680,12 +5680,12 @@
           <a:p>
             <a:pPr algn="ctr"/>
             <a:r>
-              <a:rPr lang="en-US" sz="760" dirty="0" err="1">
+              <a:rPr lang="en-US" sz="600" dirty="0" err="1">
                 <a:solidFill>
                   <a:srgbClr val="7030A0"/>
                 </a:solidFill>
               </a:rPr>
-              <a:t>EnrolledClass</a:t>
+              <a:t>EnrolledModule</a:t>
             </a:r>
             <a:endParaRPr lang="en-SG" sz="760" dirty="0">
               <a:solidFill>

--- a/docs/diagrams/ModelComponentClassDiagram.pptx
+++ b/docs/diagrams/ModelComponentClassDiagram.pptx
@@ -208,7 +208,7 @@
           <a:p>
             <a:fld id="{F5CC4B3F-88C1-4FFA-B1B6-F41C21DC6924}" type="datetimeFigureOut">
               <a:rPr lang="en-US" smtClean="0"/>
-              <a:t>10/15/2018</a:t>
+              <a:t>10/24/2018</a:t>
             </a:fld>
             <a:endParaRPr lang="en-US" dirty="0"/>
           </a:p>
@@ -738,7 +738,7 @@
           <a:p>
             <a:fld id="{78C97017-6FC3-485B-9764-EAC9E56C1D49}" type="datetimeFigureOut">
               <a:rPr lang="en-US" smtClean="0"/>
-              <a:t>10/15/2018</a:t>
+              <a:t>10/24/2018</a:t>
             </a:fld>
             <a:endParaRPr lang="en-US" dirty="0"/>
           </a:p>
@@ -906,7 +906,7 @@
           <a:p>
             <a:fld id="{78C97017-6FC3-485B-9764-EAC9E56C1D49}" type="datetimeFigureOut">
               <a:rPr lang="en-US" smtClean="0"/>
-              <a:t>10/15/2018</a:t>
+              <a:t>10/24/2018</a:t>
             </a:fld>
             <a:endParaRPr lang="en-US" dirty="0"/>
           </a:p>
@@ -1084,7 +1084,7 @@
           <a:p>
             <a:fld id="{78C97017-6FC3-485B-9764-EAC9E56C1D49}" type="datetimeFigureOut">
               <a:rPr lang="en-US" smtClean="0"/>
-              <a:t>10/15/2018</a:t>
+              <a:t>10/24/2018</a:t>
             </a:fld>
             <a:endParaRPr lang="en-US" dirty="0"/>
           </a:p>
@@ -1252,7 +1252,7 @@
           <a:p>
             <a:fld id="{78C97017-6FC3-485B-9764-EAC9E56C1D49}" type="datetimeFigureOut">
               <a:rPr lang="en-US" smtClean="0"/>
-              <a:t>10/15/2018</a:t>
+              <a:t>10/24/2018</a:t>
             </a:fld>
             <a:endParaRPr lang="en-US" dirty="0"/>
           </a:p>
@@ -1497,7 +1497,7 @@
           <a:p>
             <a:fld id="{78C97017-6FC3-485B-9764-EAC9E56C1D49}" type="datetimeFigureOut">
               <a:rPr lang="en-US" smtClean="0"/>
-              <a:t>10/15/2018</a:t>
+              <a:t>10/24/2018</a:t>
             </a:fld>
             <a:endParaRPr lang="en-US" dirty="0"/>
           </a:p>
@@ -1782,7 +1782,7 @@
           <a:p>
             <a:fld id="{78C97017-6FC3-485B-9764-EAC9E56C1D49}" type="datetimeFigureOut">
               <a:rPr lang="en-US" smtClean="0"/>
-              <a:t>10/15/2018</a:t>
+              <a:t>10/24/2018</a:t>
             </a:fld>
             <a:endParaRPr lang="en-US" dirty="0"/>
           </a:p>
@@ -2201,7 +2201,7 @@
           <a:p>
             <a:fld id="{78C97017-6FC3-485B-9764-EAC9E56C1D49}" type="datetimeFigureOut">
               <a:rPr lang="en-US" smtClean="0"/>
-              <a:t>10/15/2018</a:t>
+              <a:t>10/24/2018</a:t>
             </a:fld>
             <a:endParaRPr lang="en-US" dirty="0"/>
           </a:p>
@@ -2318,7 +2318,7 @@
           <a:p>
             <a:fld id="{78C97017-6FC3-485B-9764-EAC9E56C1D49}" type="datetimeFigureOut">
               <a:rPr lang="en-US" smtClean="0"/>
-              <a:t>10/15/2018</a:t>
+              <a:t>10/24/2018</a:t>
             </a:fld>
             <a:endParaRPr lang="en-US" dirty="0"/>
           </a:p>
@@ -2413,7 +2413,7 @@
           <a:p>
             <a:fld id="{78C97017-6FC3-485B-9764-EAC9E56C1D49}" type="datetimeFigureOut">
               <a:rPr lang="en-US" smtClean="0"/>
-              <a:t>10/15/2018</a:t>
+              <a:t>10/24/2018</a:t>
             </a:fld>
             <a:endParaRPr lang="en-US" dirty="0"/>
           </a:p>
@@ -2688,7 +2688,7 @@
           <a:p>
             <a:fld id="{78C97017-6FC3-485B-9764-EAC9E56C1D49}" type="datetimeFigureOut">
               <a:rPr lang="en-US" smtClean="0"/>
-              <a:t>10/15/2018</a:t>
+              <a:t>10/24/2018</a:t>
             </a:fld>
             <a:endParaRPr lang="en-US" dirty="0"/>
           </a:p>
@@ -2940,7 +2940,7 @@
           <a:p>
             <a:fld id="{78C97017-6FC3-485B-9764-EAC9E56C1D49}" type="datetimeFigureOut">
               <a:rPr lang="en-US" smtClean="0"/>
-              <a:t>10/15/2018</a:t>
+              <a:t>10/24/2018</a:t>
             </a:fld>
             <a:endParaRPr lang="en-US" dirty="0"/>
           </a:p>
@@ -3151,7 +3151,7 @@
           <a:p>
             <a:fld id="{78C97017-6FC3-485B-9764-EAC9E56C1D49}" type="datetimeFigureOut">
               <a:rPr lang="en-US" smtClean="0"/>
-              <a:t>10/15/2018</a:t>
+              <a:t>10/24/2018</a:t>
             </a:fld>
             <a:endParaRPr lang="en-US" dirty="0"/>
           </a:p>
@@ -3534,7 +3534,7 @@
         </p:nvSpPr>
         <p:spPr>
           <a:xfrm>
-            <a:off x="707524" y="1517007"/>
+            <a:off x="651290" y="1442046"/>
             <a:ext cx="8284076" cy="4878072"/>
           </a:xfrm>
           <a:prstGeom prst="roundRect">
@@ -4076,7 +4076,7 @@
           <a:p>
             <a:pPr algn="ctr"/>
             <a:r>
-              <a:rPr lang="en-US" sz="1050" dirty="0" err="1">
+              <a:rPr lang="en-US" sz="1050" dirty="0">
                 <a:solidFill>
                   <a:srgbClr val="7030A0"/>
                 </a:solidFill>
@@ -4219,7 +4219,7 @@
           <a:p>
             <a:pPr algn="ctr"/>
             <a:r>
-              <a:rPr lang="en-US" sz="1050" dirty="0" err="1">
+              <a:rPr lang="en-US" sz="1050" dirty="0">
                 <a:solidFill>
                   <a:srgbClr val="7030A0"/>
                 </a:solidFill>
@@ -4465,7 +4465,7 @@
           <a:p>
             <a:pPr algn="ctr"/>
             <a:r>
-              <a:rPr lang="en-US" sz="1050" dirty="0" err="1">
+              <a:rPr lang="en-US" sz="1050" dirty="0">
                 <a:solidFill>
                   <a:srgbClr val="7030A0"/>
                 </a:solidFill>
@@ -4612,7 +4612,7 @@
           <a:p>
             <a:pPr algn="ctr"/>
             <a:r>
-              <a:rPr lang="en-US" sz="1050" dirty="0" err="1">
+              <a:rPr lang="en-US" sz="1050" dirty="0">
                 <a:solidFill>
                   <a:srgbClr val="7030A0"/>
                 </a:solidFill>
@@ -4710,7 +4710,7 @@
           <a:p>
             <a:pPr algn="ctr"/>
             <a:r>
-              <a:rPr lang="en-US" sz="1050" dirty="0" err="1">
+              <a:rPr lang="en-US" sz="1050" dirty="0">
                 <a:solidFill>
                   <a:srgbClr val="7030A0"/>
                 </a:solidFill>
@@ -4808,7 +4808,7 @@
           <a:p>
             <a:pPr algn="ctr"/>
             <a:r>
-              <a:rPr lang="en-US" sz="1050" dirty="0" err="1">
+              <a:rPr lang="en-US" sz="1050" dirty="0">
                 <a:solidFill>
                   <a:srgbClr val="7030A0"/>
                 </a:solidFill>
@@ -5014,7 +5014,7 @@
               </a:rPr>
             </a:br>
             <a:r>
-              <a:rPr lang="en-US" sz="1050" dirty="0" err="1">
+              <a:rPr lang="en-US" sz="1050" dirty="0">
                 <a:solidFill>
                   <a:srgbClr val="7030A0"/>
                 </a:solidFill>
@@ -5417,7 +5417,7 @@
           <a:p>
             <a:pPr algn="ctr"/>
             <a:r>
-              <a:rPr lang="en-US" sz="1050" dirty="0" err="1">
+              <a:rPr lang="en-US" sz="1050" dirty="0">
                 <a:solidFill>
                   <a:srgbClr val="7030A0"/>
                 </a:solidFill>
@@ -5618,7 +5618,7 @@
           <a:p>
             <a:pPr algn="ctr"/>
             <a:r>
-              <a:rPr lang="en-US" sz="1050" dirty="0" err="1">
+              <a:rPr lang="en-US" sz="1050" dirty="0">
                 <a:solidFill>
                   <a:srgbClr val="7030A0"/>
                 </a:solidFill>
@@ -5728,7 +5728,7 @@
           <a:p>
             <a:pPr algn="ctr"/>
             <a:r>
-              <a:rPr lang="en-US" sz="1050" dirty="0" err="1">
+              <a:rPr lang="en-US" sz="1050" dirty="0">
                 <a:solidFill>
                   <a:srgbClr val="7030A0"/>
                 </a:solidFill>
@@ -6195,7 +6195,7 @@
           <a:p>
             <a:pPr algn="ctr"/>
             <a:r>
-              <a:rPr lang="en-US" sz="1050" dirty="0" err="1">
+              <a:rPr lang="en-US" sz="1050" dirty="0">
                 <a:solidFill>
                   <a:srgbClr val="7030A0"/>
                 </a:solidFill>
@@ -6323,7 +6323,7 @@
               </a:rPr>
             </a:br>
             <a:r>
-              <a:rPr lang="en-US" sz="1050" dirty="0" err="1">
+              <a:rPr lang="en-US" sz="1050" dirty="0">
                 <a:solidFill>
                   <a:srgbClr val="7030A0"/>
                 </a:solidFill>
@@ -6515,7 +6515,7 @@
         </p:nvSpPr>
         <p:spPr>
           <a:xfrm>
-            <a:off x="7825080" y="4180935"/>
+            <a:off x="7828038" y="4014494"/>
             <a:ext cx="889446" cy="285783"/>
           </a:xfrm>
           <a:prstGeom prst="rect">
@@ -6553,7 +6553,7 @@
                   <a:srgbClr val="7030A0"/>
                 </a:solidFill>
               </a:rPr>
-              <a:t>Date</a:t>
+              <a:t>Description</a:t>
             </a:r>
             <a:endParaRPr lang="en-SG" sz="1050" dirty="0">
               <a:solidFill>
@@ -6581,8 +6581,8 @@
         </p:nvCxnSpPr>
         <p:spPr>
           <a:xfrm flipV="1">
-            <a:off x="7376137" y="4323827"/>
-            <a:ext cx="448943" cy="314668"/>
+            <a:off x="7376137" y="4157386"/>
+            <a:ext cx="451901" cy="481109"/>
           </a:xfrm>
           <a:prstGeom prst="bentConnector3">
             <a:avLst/>
@@ -6625,7 +6625,7 @@
         </p:nvSpPr>
         <p:spPr>
           <a:xfrm>
-            <a:off x="7825080" y="4503913"/>
+            <a:off x="7825080" y="4337689"/>
             <a:ext cx="889446" cy="285783"/>
           </a:xfrm>
           <a:prstGeom prst="rect">
@@ -6663,7 +6663,7 @@
                   <a:srgbClr val="7030A0"/>
                 </a:solidFill>
               </a:rPr>
-              <a:t>Money</a:t>
+              <a:t>Date</a:t>
             </a:r>
             <a:endParaRPr lang="en-SG" sz="1050" dirty="0">
               <a:solidFill>
@@ -6690,9 +6690,9 @@
           <p:nvPr/>
         </p:nvCxnSpPr>
         <p:spPr>
-          <a:xfrm>
-            <a:off x="7376137" y="4638495"/>
-            <a:ext cx="448943" cy="8310"/>
+          <a:xfrm flipV="1">
+            <a:off x="7376137" y="4480581"/>
+            <a:ext cx="448943" cy="157914"/>
           </a:xfrm>
           <a:prstGeom prst="bentConnector3">
             <a:avLst/>
@@ -6735,7 +6735,7 @@
         </p:nvSpPr>
         <p:spPr>
           <a:xfrm>
-            <a:off x="7825079" y="4826890"/>
+            <a:off x="7825079" y="4660666"/>
             <a:ext cx="889447" cy="285783"/>
           </a:xfrm>
           <a:prstGeom prst="rect">
@@ -6773,7 +6773,7 @@
                   <a:srgbClr val="7030A0"/>
                 </a:solidFill>
               </a:rPr>
-              <a:t>Category</a:t>
+              <a:t>Money</a:t>
             </a:r>
             <a:endParaRPr lang="en-SG" sz="1050" dirty="0">
               <a:solidFill>
@@ -6802,7 +6802,7 @@
         <p:spPr>
           <a:xfrm>
             <a:off x="7376137" y="4638495"/>
-            <a:ext cx="448942" cy="331287"/>
+            <a:ext cx="448942" cy="165063"/>
           </a:xfrm>
           <a:prstGeom prst="bentConnector3">
             <a:avLst/>
@@ -7065,6 +7065,118 @@
           </a:p>
         </p:txBody>
       </p:sp>
+      <p:sp>
+        <p:nvSpPr>
+          <p:cNvPr id="74" name="Rectangle 8">
+            <a:extLst>
+              <a:ext uri="{FF2B5EF4-FFF2-40B4-BE49-F238E27FC236}">
+                <a16:creationId xmlns:a16="http://schemas.microsoft.com/office/drawing/2014/main" id="{4F6B2738-96D0-478A-962E-26A411C38361}"/>
+              </a:ext>
+            </a:extLst>
+          </p:cNvPr>
+          <p:cNvSpPr/>
+          <p:nvPr/>
+        </p:nvSpPr>
+        <p:spPr>
+          <a:xfrm>
+            <a:off x="7825079" y="4985179"/>
+            <a:ext cx="889447" cy="285783"/>
+          </a:xfrm>
+          <a:prstGeom prst="rect">
+            <a:avLst/>
+          </a:prstGeom>
+          <a:ln w="19050">
+            <a:solidFill>
+              <a:srgbClr val="7030A0"/>
+            </a:solidFill>
+          </a:ln>
+          <a:effectLst/>
+        </p:spPr>
+        <p:style>
+          <a:lnRef idx="1">
+            <a:schemeClr val="accent4"/>
+          </a:lnRef>
+          <a:fillRef idx="2">
+            <a:schemeClr val="accent4"/>
+          </a:fillRef>
+          <a:effectRef idx="1">
+            <a:schemeClr val="accent4"/>
+          </a:effectRef>
+          <a:fontRef idx="minor">
+            <a:schemeClr val="dk1"/>
+          </a:fontRef>
+        </p:style>
+        <p:txBody>
+          <a:bodyPr rtlCol="0" anchor="ctr"/>
+          <a:lstStyle/>
+          <a:p>
+            <a:pPr algn="ctr"/>
+            <a:r>
+              <a:rPr lang="en-US" sz="1050" dirty="0">
+                <a:solidFill>
+                  <a:srgbClr val="7030A0"/>
+                </a:solidFill>
+              </a:rPr>
+              <a:t>Category</a:t>
+            </a:r>
+            <a:endParaRPr lang="en-SG" sz="1050" dirty="0">
+              <a:solidFill>
+                <a:srgbClr val="7030A0"/>
+              </a:solidFill>
+            </a:endParaRPr>
+          </a:p>
+        </p:txBody>
+      </p:sp>
+      <p:cxnSp>
+        <p:nvCxnSpPr>
+          <p:cNvPr id="77" name="Elbow Connector 85">
+            <a:extLst>
+              <a:ext uri="{FF2B5EF4-FFF2-40B4-BE49-F238E27FC236}">
+                <a16:creationId xmlns:a16="http://schemas.microsoft.com/office/drawing/2014/main" id="{D757AF11-EA73-4DB8-AF46-0AE832070B43}"/>
+              </a:ext>
+            </a:extLst>
+          </p:cNvPr>
+          <p:cNvCxnSpPr>
+            <a:cxnSpLocks/>
+            <a:stCxn id="166" idx="3"/>
+            <a:endCxn id="74" idx="1"/>
+          </p:cNvCxnSpPr>
+          <p:nvPr/>
+        </p:nvCxnSpPr>
+        <p:spPr>
+          <a:xfrm>
+            <a:off x="7376137" y="4638495"/>
+            <a:ext cx="448942" cy="489576"/>
+          </a:xfrm>
+          <a:prstGeom prst="bentConnector3">
+            <a:avLst>
+              <a:gd name="adj1" fmla="val 50000"/>
+            </a:avLst>
+          </a:prstGeom>
+          <a:ln w="19050">
+            <a:solidFill>
+              <a:srgbClr val="7030A0"/>
+            </a:solidFill>
+            <a:headEnd type="none" w="med" len="med"/>
+            <a:tailEnd type="arrow" w="med" len="med"/>
+          </a:ln>
+          <a:effectLst/>
+        </p:spPr>
+        <p:style>
+          <a:lnRef idx="1">
+            <a:schemeClr val="accent2"/>
+          </a:lnRef>
+          <a:fillRef idx="2">
+            <a:schemeClr val="accent2"/>
+          </a:fillRef>
+          <a:effectRef idx="1">
+            <a:schemeClr val="accent2"/>
+          </a:effectRef>
+          <a:fontRef idx="minor">
+            <a:schemeClr val="dk1"/>
+          </a:fontRef>
+        </p:style>
+      </p:cxnSp>
     </p:spTree>
     <p:extLst>
       <p:ext uri="{BB962C8B-B14F-4D97-AF65-F5344CB8AC3E}">

--- a/docs/diagrams/ModelComponentClassDiagram.pptx
+++ b/docs/diagrams/ModelComponentClassDiagram.pptx
@@ -208,7 +208,7 @@
           <a:p>
             <a:fld id="{F5CC4B3F-88C1-4FFA-B1B6-F41C21DC6924}" type="datetimeFigureOut">
               <a:rPr lang="en-US" smtClean="0"/>
-              <a:t>6/27/2018</a:t>
+              <a:t>10/29/2018</a:t>
             </a:fld>
             <a:endParaRPr lang="en-US"/>
           </a:p>
@@ -654,7 +654,7 @@
           <a:p>
             <a:fld id="{78C97017-6FC3-485B-9764-EAC9E56C1D49}" type="datetimeFigureOut">
               <a:rPr lang="en-US" smtClean="0"/>
-              <a:t>6/27/2018</a:t>
+              <a:t>10/29/2018</a:t>
             </a:fld>
             <a:endParaRPr lang="en-US"/>
           </a:p>
@@ -822,7 +822,7 @@
           <a:p>
             <a:fld id="{78C97017-6FC3-485B-9764-EAC9E56C1D49}" type="datetimeFigureOut">
               <a:rPr lang="en-US" smtClean="0"/>
-              <a:t>6/27/2018</a:t>
+              <a:t>10/29/2018</a:t>
             </a:fld>
             <a:endParaRPr lang="en-US"/>
           </a:p>
@@ -1000,7 +1000,7 @@
           <a:p>
             <a:fld id="{78C97017-6FC3-485B-9764-EAC9E56C1D49}" type="datetimeFigureOut">
               <a:rPr lang="en-US" smtClean="0"/>
-              <a:t>6/27/2018</a:t>
+              <a:t>10/29/2018</a:t>
             </a:fld>
             <a:endParaRPr lang="en-US"/>
           </a:p>
@@ -1168,7 +1168,7 @@
           <a:p>
             <a:fld id="{78C97017-6FC3-485B-9764-EAC9E56C1D49}" type="datetimeFigureOut">
               <a:rPr lang="en-US" smtClean="0"/>
-              <a:t>6/27/2018</a:t>
+              <a:t>10/29/2018</a:t>
             </a:fld>
             <a:endParaRPr lang="en-US"/>
           </a:p>
@@ -1413,7 +1413,7 @@
           <a:p>
             <a:fld id="{78C97017-6FC3-485B-9764-EAC9E56C1D49}" type="datetimeFigureOut">
               <a:rPr lang="en-US" smtClean="0"/>
-              <a:t>6/27/2018</a:t>
+              <a:t>10/29/2018</a:t>
             </a:fld>
             <a:endParaRPr lang="en-US"/>
           </a:p>
@@ -1698,7 +1698,7 @@
           <a:p>
             <a:fld id="{78C97017-6FC3-485B-9764-EAC9E56C1D49}" type="datetimeFigureOut">
               <a:rPr lang="en-US" smtClean="0"/>
-              <a:t>6/27/2018</a:t>
+              <a:t>10/29/2018</a:t>
             </a:fld>
             <a:endParaRPr lang="en-US"/>
           </a:p>
@@ -2117,7 +2117,7 @@
           <a:p>
             <a:fld id="{78C97017-6FC3-485B-9764-EAC9E56C1D49}" type="datetimeFigureOut">
               <a:rPr lang="en-US" smtClean="0"/>
-              <a:t>6/27/2018</a:t>
+              <a:t>10/29/2018</a:t>
             </a:fld>
             <a:endParaRPr lang="en-US"/>
           </a:p>
@@ -2234,7 +2234,7 @@
           <a:p>
             <a:fld id="{78C97017-6FC3-485B-9764-EAC9E56C1D49}" type="datetimeFigureOut">
               <a:rPr lang="en-US" smtClean="0"/>
-              <a:t>6/27/2018</a:t>
+              <a:t>10/29/2018</a:t>
             </a:fld>
             <a:endParaRPr lang="en-US"/>
           </a:p>
@@ -2329,7 +2329,7 @@
           <a:p>
             <a:fld id="{78C97017-6FC3-485B-9764-EAC9E56C1D49}" type="datetimeFigureOut">
               <a:rPr lang="en-US" smtClean="0"/>
-              <a:t>6/27/2018</a:t>
+              <a:t>10/29/2018</a:t>
             </a:fld>
             <a:endParaRPr lang="en-US"/>
           </a:p>
@@ -2604,7 +2604,7 @@
           <a:p>
             <a:fld id="{78C97017-6FC3-485B-9764-EAC9E56C1D49}" type="datetimeFigureOut">
               <a:rPr lang="en-US" smtClean="0"/>
-              <a:t>6/27/2018</a:t>
+              <a:t>10/29/2018</a:t>
             </a:fld>
             <a:endParaRPr lang="en-US"/>
           </a:p>
@@ -2856,7 +2856,7 @@
           <a:p>
             <a:fld id="{78C97017-6FC3-485B-9764-EAC9E56C1D49}" type="datetimeFigureOut">
               <a:rPr lang="en-US" smtClean="0"/>
-              <a:t>6/27/2018</a:t>
+              <a:t>10/29/2018</a:t>
             </a:fld>
             <a:endParaRPr lang="en-US"/>
           </a:p>
@@ -3067,7 +3067,7 @@
           <a:p>
             <a:fld id="{78C97017-6FC3-485B-9764-EAC9E56C1D49}" type="datetimeFigureOut">
               <a:rPr lang="en-US" smtClean="0"/>
-              <a:t>6/27/2018</a:t>
+              <a:t>10/29/2018</a:t>
             </a:fld>
             <a:endParaRPr lang="en-US"/>
           </a:p>
@@ -3451,7 +3451,7 @@
         <p:spPr>
           <a:xfrm>
             <a:off x="1119865" y="1600200"/>
-            <a:ext cx="7490735" cy="3124200"/>
+            <a:ext cx="7643135" cy="3880480"/>
           </a:xfrm>
           <a:prstGeom prst="roundRect">
             <a:avLst>
@@ -3547,7 +3547,7 @@
           <a:p>
             <a:pPr algn="ctr"/>
             <a:r>
-              <a:rPr lang="en-US" sz="1050" dirty="0" err="1">
+              <a:rPr lang="en-US" sz="1050" dirty="0">
                 <a:solidFill>
                   <a:schemeClr val="bg1"/>
                 </a:solidFill>
@@ -3606,7 +3606,7 @@
           <a:p>
             <a:pPr algn="ctr"/>
             <a:r>
-              <a:rPr lang="en-US" sz="1050" dirty="0" err="1">
+              <a:rPr lang="en-US" sz="1050" dirty="0">
                 <a:solidFill>
                   <a:schemeClr val="bg1"/>
                 </a:solidFill>
@@ -3633,12 +3633,12 @@
         </p:nvCxnSpPr>
         <p:spPr>
           <a:xfrm rot="5400000" flipH="1" flipV="1">
-            <a:off x="4131507" y="1281685"/>
-            <a:ext cx="613122" cy="4459404"/>
+            <a:off x="4154923" y="1094612"/>
+            <a:ext cx="776779" cy="4669894"/>
           </a:xfrm>
           <a:prstGeom prst="bentConnector3">
             <a:avLst>
-              <a:gd name="adj1" fmla="val -26668"/>
+              <a:gd name="adj1" fmla="val -22498"/>
             </a:avLst>
           </a:prstGeom>
           <a:ln w="19050">
@@ -3962,7 +3962,7 @@
         <p:spPr>
           <a:xfrm>
             <a:off x="2825280" y="2846162"/>
-            <a:ext cx="1490560" cy="334856"/>
+            <a:ext cx="1490560" cy="548598"/>
           </a:xfrm>
           <a:prstGeom prst="rect">
             <a:avLst/>
@@ -3994,7 +3994,7 @@
           <a:p>
             <a:pPr algn="ctr"/>
             <a:r>
-              <a:rPr lang="en-US" sz="1050" dirty="0" err="1" smtClean="0">
+              <a:rPr lang="en-US" sz="1050" dirty="0">
                 <a:solidFill>
                   <a:srgbClr val="7030A0"/>
                 </a:solidFill>
@@ -4013,6 +4013,7 @@
         <p:nvCxnSpPr>
           <p:cNvPr id="47" name="Straight Arrow Connector 46"/>
           <p:cNvCxnSpPr>
+            <a:cxnSpLocks/>
             <a:stCxn id="48" idx="3"/>
             <a:endCxn id="46" idx="1"/>
           </p:cNvCxnSpPr>
@@ -4020,8 +4021,8 @@
         </p:nvCxnSpPr>
         <p:spPr>
           <a:xfrm>
-            <a:off x="2624360" y="3003033"/>
-            <a:ext cx="200920" cy="10557"/>
+            <a:off x="2589232" y="3119189"/>
+            <a:ext cx="236048" cy="1272"/>
           </a:xfrm>
           <a:prstGeom prst="straightConnector1">
             <a:avLst/>
@@ -4058,7 +4059,7 @@
         </p:nvSpPr>
         <p:spPr>
           <a:xfrm>
-            <a:off x="2388312" y="2916343"/>
+            <a:off x="2353184" y="3032499"/>
             <a:ext cx="236048" cy="173380"/>
           </a:xfrm>
           <a:prstGeom prst="flowChartDecision">
@@ -4103,7 +4104,7 @@
         </p:nvSpPr>
         <p:spPr>
           <a:xfrm>
-            <a:off x="4692650" y="2846162"/>
+            <a:off x="4767809" y="2570772"/>
             <a:ext cx="1156969" cy="346760"/>
           </a:xfrm>
           <a:prstGeom prst="rect">
@@ -4136,7 +4137,7 @@
           <a:p>
             <a:pPr algn="ctr"/>
             <a:r>
-              <a:rPr lang="en-US" sz="1050" dirty="0" err="1">
+              <a:rPr lang="en-US" sz="1050" dirty="0">
                 <a:solidFill>
                   <a:srgbClr val="7030A0"/>
                 </a:solidFill>
@@ -4206,7 +4207,7 @@
         </p:nvSpPr>
         <p:spPr>
           <a:xfrm>
-            <a:off x="6313677" y="2858066"/>
+            <a:off x="6524167" y="2694409"/>
             <a:ext cx="708186" cy="346760"/>
           </a:xfrm>
           <a:prstGeom prst="rect">
@@ -4262,7 +4263,7 @@
         </p:nvSpPr>
         <p:spPr>
           <a:xfrm>
-            <a:off x="5858751" y="2941676"/>
+            <a:off x="5924778" y="2637622"/>
             <a:ext cx="236048" cy="173380"/>
           </a:xfrm>
           <a:prstGeom prst="flowChartDecision">
@@ -4310,8 +4311,8 @@
         </p:nvCxnSpPr>
         <p:spPr>
           <a:xfrm>
-            <a:off x="6094799" y="3028366"/>
-            <a:ext cx="218878" cy="3080"/>
+            <a:off x="6160826" y="2724312"/>
+            <a:ext cx="363341" cy="143477"/>
           </a:xfrm>
           <a:prstGeom prst="bentConnector3">
             <a:avLst/>
@@ -4404,7 +4405,7 @@
         </p:nvSpPr>
         <p:spPr>
           <a:xfrm>
-            <a:off x="7041947" y="2948201"/>
+            <a:off x="7227991" y="2788997"/>
             <a:ext cx="236048" cy="173380"/>
           </a:xfrm>
           <a:prstGeom prst="flowChartDecision">
@@ -4448,13 +4449,14 @@
           <p:cNvPr id="79" name="Elbow Connector 78"/>
           <p:cNvCxnSpPr>
             <a:cxnSpLocks/>
+            <a:stCxn id="78" idx="3"/>
           </p:cNvCxnSpPr>
           <p:nvPr/>
         </p:nvCxnSpPr>
         <p:spPr>
           <a:xfrm flipV="1">
-            <a:off x="7277995" y="2706821"/>
-            <a:ext cx="434402" cy="327761"/>
+            <a:off x="7464039" y="2706823"/>
+            <a:ext cx="248358" cy="168864"/>
           </a:xfrm>
           <a:prstGeom prst="bentConnector3">
             <a:avLst/>
@@ -4549,9 +4551,9 @@
           <p:nvPr/>
         </p:nvCxnSpPr>
         <p:spPr>
-          <a:xfrm flipV="1">
-            <a:off x="7277995" y="3030108"/>
-            <a:ext cx="434402" cy="4783"/>
+          <a:xfrm>
+            <a:off x="7464039" y="2875687"/>
+            <a:ext cx="248358" cy="154421"/>
           </a:xfrm>
           <a:prstGeom prst="bentConnector3">
             <a:avLst/>
@@ -4647,8 +4649,8 @@
         </p:nvCxnSpPr>
         <p:spPr>
           <a:xfrm>
-            <a:off x="7277995" y="3034891"/>
-            <a:ext cx="434402" cy="318195"/>
+            <a:off x="7464039" y="2875687"/>
+            <a:ext cx="248358" cy="477399"/>
           </a:xfrm>
           <a:prstGeom prst="bentConnector3">
             <a:avLst/>
@@ -4744,8 +4746,8 @@
         </p:nvCxnSpPr>
         <p:spPr>
           <a:xfrm>
-            <a:off x="7277995" y="3034891"/>
-            <a:ext cx="434402" cy="641172"/>
+            <a:off x="7464039" y="2875687"/>
+            <a:ext cx="248358" cy="800376"/>
           </a:xfrm>
           <a:prstGeom prst="bentConnector3">
             <a:avLst/>
@@ -4921,7 +4923,7 @@
               </a:rPr>
             </a:br>
             <a:r>
-              <a:rPr lang="en-US" sz="1050" dirty="0" err="1">
+              <a:rPr lang="en-US" sz="1050" dirty="0">
                 <a:solidFill>
                   <a:srgbClr val="7030A0"/>
                 </a:solidFill>
@@ -4943,8 +4945,8 @@
           <p:nvPr/>
         </p:nvSpPr>
         <p:spPr>
-          <a:xfrm rot="16200000">
-            <a:off x="6362886" y="3586305"/>
+          <a:xfrm>
+            <a:off x="5282621" y="3718881"/>
             <a:ext cx="881018" cy="261610"/>
           </a:xfrm>
           <a:prstGeom prst="rect">
@@ -5023,23 +5025,15 @@
               </a:rPr>
               <a:t>&lt;&lt;interface&gt;&gt;</a:t>
             </a:r>
-            <a:r>
-              <a:rPr lang="en-US" sz="1050">
-                <a:solidFill>
-                  <a:srgbClr val="7030A0"/>
-                </a:solidFill>
-              </a:rPr>
-              <a:t/>
-            </a:r>
             <a:br>
-              <a:rPr lang="en-US" sz="1050">
+              <a:rPr lang="en-US" sz="1050" dirty="0">
                 <a:solidFill>
                   <a:srgbClr val="7030A0"/>
                 </a:solidFill>
               </a:rPr>
             </a:br>
             <a:r>
-              <a:rPr lang="en-US" sz="1050" dirty="0" err="1">
+              <a:rPr lang="en-US" sz="1050" dirty="0">
                 <a:solidFill>
                   <a:srgbClr val="7030A0"/>
                 </a:solidFill>
@@ -5104,7 +5098,7 @@
         </p:nvSpPr>
         <p:spPr>
           <a:xfrm>
-            <a:off x="4429979" y="3111479"/>
+            <a:off x="4447196" y="2775084"/>
             <a:ext cx="189257" cy="178683"/>
           </a:xfrm>
           <a:prstGeom prst="rect">
@@ -5143,7 +5137,7 @@
         </p:nvSpPr>
         <p:spPr>
           <a:xfrm>
-            <a:off x="6135256" y="3097917"/>
+            <a:off x="6322621" y="2654810"/>
             <a:ext cx="189257" cy="178683"/>
           </a:xfrm>
           <a:prstGeom prst="rect">
@@ -5182,7 +5176,7 @@
         </p:nvSpPr>
         <p:spPr>
           <a:xfrm>
-            <a:off x="2573394" y="2756715"/>
+            <a:off x="2537146" y="2881814"/>
             <a:ext cx="170110" cy="137542"/>
           </a:xfrm>
           <a:prstGeom prst="rect">
@@ -5260,7 +5254,7 @@
         </p:nvSpPr>
         <p:spPr>
           <a:xfrm>
-            <a:off x="6449896" y="3204826"/>
+            <a:off x="6679671" y="3090363"/>
             <a:ext cx="189257" cy="178683"/>
           </a:xfrm>
           <a:prstGeom prst="rect">
@@ -5371,8 +5365,8 @@
         </p:nvCxnSpPr>
         <p:spPr>
           <a:xfrm flipV="1">
-            <a:off x="7277995" y="2371709"/>
-            <a:ext cx="434402" cy="663182"/>
+            <a:off x="7464039" y="2371709"/>
+            <a:ext cx="248358" cy="503978"/>
           </a:xfrm>
           <a:prstGeom prst="bentConnector3">
             <a:avLst>
@@ -5489,7 +5483,7 @@
           <a:p>
             <a:pPr algn="ctr"/>
             <a:r>
-              <a:rPr lang="en-US" sz="1050" dirty="0" err="1">
+              <a:rPr lang="en-US" sz="1050" dirty="0">
                 <a:solidFill>
                   <a:srgbClr val="7030A0"/>
                 </a:solidFill>
@@ -5514,12 +5508,14 @@
           <p:nvPr/>
         </p:nvCxnSpPr>
         <p:spPr>
-          <a:xfrm>
-            <a:off x="4324972" y="3007222"/>
-            <a:ext cx="367678" cy="12320"/>
-          </a:xfrm>
-          <a:prstGeom prst="straightConnector1">
-            <a:avLst/>
+          <a:xfrm rot="10800000" flipH="1">
+            <a:off x="4324971" y="2744152"/>
+            <a:ext cx="442837" cy="263070"/>
+          </a:xfrm>
+          <a:prstGeom prst="bentConnector3">
+            <a:avLst>
+              <a:gd name="adj1" fmla="val 64652"/>
+            </a:avLst>
           </a:prstGeom>
           <a:ln w="19050">
             <a:solidFill>
@@ -5623,6 +5619,1100 @@
             <a:prstDash val="sysDot"/>
             <a:headEnd type="none" w="med" len="med"/>
             <a:tailEnd type="none" w="med" len="med"/>
+          </a:ln>
+          <a:effectLst/>
+        </p:spPr>
+        <p:style>
+          <a:lnRef idx="1">
+            <a:schemeClr val="accent2"/>
+          </a:lnRef>
+          <a:fillRef idx="2">
+            <a:schemeClr val="accent2"/>
+          </a:fillRef>
+          <a:effectRef idx="1">
+            <a:schemeClr val="accent2"/>
+          </a:effectRef>
+          <a:fontRef idx="minor">
+            <a:schemeClr val="dk1"/>
+          </a:fontRef>
+        </p:style>
+      </p:cxnSp>
+      <p:sp>
+        <p:nvSpPr>
+          <p:cNvPr id="56" name="Flowchart: Decision 96">
+            <a:extLst>
+              <a:ext uri="{FF2B5EF4-FFF2-40B4-BE49-F238E27FC236}">
+                <a16:creationId xmlns:a16="http://schemas.microsoft.com/office/drawing/2014/main" id="{AD942427-B037-4950-BB6A-8A398F111667}"/>
+              </a:ext>
+            </a:extLst>
+          </p:cNvPr>
+          <p:cNvSpPr/>
+          <p:nvPr/>
+        </p:nvSpPr>
+        <p:spPr>
+          <a:xfrm>
+            <a:off x="4344925" y="3179705"/>
+            <a:ext cx="236048" cy="173380"/>
+          </a:xfrm>
+          <a:prstGeom prst="flowChartDecision">
+            <a:avLst/>
+          </a:prstGeom>
+          <a:solidFill>
+            <a:srgbClr val="7030A0"/>
+          </a:solidFill>
+          <a:ln w="19050">
+            <a:solidFill>
+              <a:srgbClr val="7030A0"/>
+            </a:solidFill>
+          </a:ln>
+          <a:effectLst/>
+        </p:spPr>
+        <p:style>
+          <a:lnRef idx="1">
+            <a:schemeClr val="accent6"/>
+          </a:lnRef>
+          <a:fillRef idx="2">
+            <a:schemeClr val="accent6"/>
+          </a:fillRef>
+          <a:effectRef idx="1">
+            <a:schemeClr val="accent6"/>
+          </a:effectRef>
+          <a:fontRef idx="minor">
+            <a:schemeClr val="dk1"/>
+          </a:fontRef>
+        </p:style>
+        <p:txBody>
+          <a:bodyPr rtlCol="0" anchor="ctr"/>
+          <a:lstStyle/>
+          <a:p>
+            <a:pPr algn="ctr"/>
+            <a:endParaRPr lang="en-US" sz="1050"/>
+          </a:p>
+        </p:txBody>
+      </p:sp>
+      <p:cxnSp>
+        <p:nvCxnSpPr>
+          <p:cNvPr id="67" name="Straight Arrow Connector 59">
+            <a:extLst>
+              <a:ext uri="{FF2B5EF4-FFF2-40B4-BE49-F238E27FC236}">
+                <a16:creationId xmlns:a16="http://schemas.microsoft.com/office/drawing/2014/main" id="{A54CDAA1-10A6-4815-B077-C39815CFCB04}"/>
+              </a:ext>
+            </a:extLst>
+          </p:cNvPr>
+          <p:cNvCxnSpPr>
+            <a:cxnSpLocks/>
+            <a:stCxn id="56" idx="3"/>
+            <a:endCxn id="88" idx="1"/>
+          </p:cNvCxnSpPr>
+          <p:nvPr/>
+        </p:nvCxnSpPr>
+        <p:spPr>
+          <a:xfrm>
+            <a:off x="4580973" y="3266395"/>
+            <a:ext cx="304860" cy="1183466"/>
+          </a:xfrm>
+          <a:prstGeom prst="bentConnector3">
+            <a:avLst>
+              <a:gd name="adj1" fmla="val 50000"/>
+            </a:avLst>
+          </a:prstGeom>
+          <a:ln w="19050">
+            <a:solidFill>
+              <a:srgbClr val="7030A0"/>
+            </a:solidFill>
+            <a:headEnd type="none" w="med" len="med"/>
+            <a:tailEnd type="arrow" w="med" len="med"/>
+          </a:ln>
+          <a:effectLst/>
+        </p:spPr>
+        <p:style>
+          <a:lnRef idx="1">
+            <a:schemeClr val="accent2"/>
+          </a:lnRef>
+          <a:fillRef idx="2">
+            <a:schemeClr val="accent2"/>
+          </a:fillRef>
+          <a:effectRef idx="1">
+            <a:schemeClr val="accent2"/>
+          </a:effectRef>
+          <a:fontRef idx="minor">
+            <a:schemeClr val="dk1"/>
+          </a:fontRef>
+        </p:style>
+      </p:cxnSp>
+      <p:sp>
+        <p:nvSpPr>
+          <p:cNvPr id="82" name="TextBox 81">
+            <a:extLst>
+              <a:ext uri="{FF2B5EF4-FFF2-40B4-BE49-F238E27FC236}">
+                <a16:creationId xmlns:a16="http://schemas.microsoft.com/office/drawing/2014/main" id="{815FAC9A-8276-4FAD-AA8B-A6EFBEFA114E}"/>
+              </a:ext>
+            </a:extLst>
+          </p:cNvPr>
+          <p:cNvSpPr txBox="1"/>
+          <p:nvPr/>
+        </p:nvSpPr>
+        <p:spPr>
+          <a:xfrm>
+            <a:off x="4536770" y="3069503"/>
+            <a:ext cx="189257" cy="178683"/>
+          </a:xfrm>
+          <a:prstGeom prst="rect">
+            <a:avLst/>
+          </a:prstGeom>
+          <a:noFill/>
+        </p:spPr>
+        <p:txBody>
+          <a:bodyPr wrap="square" lIns="0" tIns="0" rIns="0" bIns="0" rtlCol="0">
+            <a:noAutofit/>
+          </a:bodyPr>
+          <a:lstStyle/>
+          <a:p>
+            <a:pPr algn="ctr"/>
+            <a:r>
+              <a:rPr lang="en-US" sz="1100" dirty="0">
+                <a:solidFill>
+                  <a:srgbClr val="7030A0"/>
+                </a:solidFill>
+              </a:rPr>
+              <a:t>1</a:t>
+            </a:r>
+            <a:endParaRPr lang="en-SG" sz="1100" dirty="0">
+              <a:solidFill>
+                <a:srgbClr val="7030A0"/>
+              </a:solidFill>
+            </a:endParaRPr>
+          </a:p>
+        </p:txBody>
+      </p:sp>
+      <p:sp>
+        <p:nvSpPr>
+          <p:cNvPr id="88" name="Rectangle 8">
+            <a:extLst>
+              <a:ext uri="{FF2B5EF4-FFF2-40B4-BE49-F238E27FC236}">
+                <a16:creationId xmlns:a16="http://schemas.microsoft.com/office/drawing/2014/main" id="{2BDD1E2F-7E04-405A-BE7E-54F89F47039B}"/>
+              </a:ext>
+            </a:extLst>
+          </p:cNvPr>
+          <p:cNvSpPr/>
+          <p:nvPr/>
+        </p:nvSpPr>
+        <p:spPr>
+          <a:xfrm>
+            <a:off x="4885833" y="4276481"/>
+            <a:ext cx="1156969" cy="346760"/>
+          </a:xfrm>
+          <a:prstGeom prst="rect">
+            <a:avLst/>
+          </a:prstGeom>
+          <a:ln w="19050">
+            <a:solidFill>
+              <a:srgbClr val="7030A0"/>
+            </a:solidFill>
+          </a:ln>
+          <a:effectLst/>
+        </p:spPr>
+        <p:style>
+          <a:lnRef idx="1">
+            <a:schemeClr val="accent4"/>
+          </a:lnRef>
+          <a:fillRef idx="2">
+            <a:schemeClr val="accent4"/>
+          </a:fillRef>
+          <a:effectRef idx="1">
+            <a:schemeClr val="accent4"/>
+          </a:effectRef>
+          <a:fontRef idx="minor">
+            <a:schemeClr val="dk1"/>
+          </a:fontRef>
+        </p:style>
+        <p:txBody>
+          <a:bodyPr rtlCol="0" anchor="ctr"/>
+          <a:lstStyle/>
+          <a:p>
+            <a:pPr algn="ctr"/>
+            <a:r>
+              <a:rPr lang="en-US" sz="1050" dirty="0">
+                <a:solidFill>
+                  <a:srgbClr val="7030A0"/>
+                </a:solidFill>
+              </a:rPr>
+              <a:t>UniqueGroupList</a:t>
+            </a:r>
+            <a:endParaRPr lang="en-SG" sz="1050" dirty="0">
+              <a:solidFill>
+                <a:srgbClr val="7030A0"/>
+              </a:solidFill>
+            </a:endParaRPr>
+          </a:p>
+        </p:txBody>
+      </p:sp>
+      <p:sp>
+        <p:nvSpPr>
+          <p:cNvPr id="98" name="Flowchart: Decision 96">
+            <a:extLst>
+              <a:ext uri="{FF2B5EF4-FFF2-40B4-BE49-F238E27FC236}">
+                <a16:creationId xmlns:a16="http://schemas.microsoft.com/office/drawing/2014/main" id="{368FB3D0-E277-4954-8241-B398876D05CE}"/>
+              </a:ext>
+            </a:extLst>
+          </p:cNvPr>
+          <p:cNvSpPr/>
+          <p:nvPr/>
+        </p:nvSpPr>
+        <p:spPr>
+          <a:xfrm>
+            <a:off x="6041409" y="4363171"/>
+            <a:ext cx="236048" cy="173380"/>
+          </a:xfrm>
+          <a:prstGeom prst="flowChartDecision">
+            <a:avLst/>
+          </a:prstGeom>
+          <a:noFill/>
+          <a:ln w="19050">
+            <a:solidFill>
+              <a:srgbClr val="7030A0"/>
+            </a:solidFill>
+          </a:ln>
+          <a:effectLst/>
+        </p:spPr>
+        <p:style>
+          <a:lnRef idx="1">
+            <a:schemeClr val="accent6"/>
+          </a:lnRef>
+          <a:fillRef idx="2">
+            <a:schemeClr val="accent6"/>
+          </a:fillRef>
+          <a:effectRef idx="1">
+            <a:schemeClr val="accent6"/>
+          </a:effectRef>
+          <a:fontRef idx="minor">
+            <a:schemeClr val="dk1"/>
+          </a:fontRef>
+        </p:style>
+        <p:txBody>
+          <a:bodyPr rtlCol="0" anchor="ctr"/>
+          <a:lstStyle/>
+          <a:p>
+            <a:pPr algn="ctr"/>
+            <a:endParaRPr lang="en-US" sz="1050"/>
+          </a:p>
+        </p:txBody>
+      </p:sp>
+      <p:cxnSp>
+        <p:nvCxnSpPr>
+          <p:cNvPr id="101" name="Elbow Connector 63">
+            <a:extLst>
+              <a:ext uri="{FF2B5EF4-FFF2-40B4-BE49-F238E27FC236}">
+                <a16:creationId xmlns:a16="http://schemas.microsoft.com/office/drawing/2014/main" id="{CB5757CF-4FFC-44CE-859A-415D874F92A9}"/>
+              </a:ext>
+            </a:extLst>
+          </p:cNvPr>
+          <p:cNvCxnSpPr>
+            <a:cxnSpLocks/>
+          </p:cNvCxnSpPr>
+          <p:nvPr/>
+        </p:nvCxnSpPr>
+        <p:spPr>
+          <a:xfrm>
+            <a:off x="6287099" y="4440065"/>
+            <a:ext cx="200132" cy="0"/>
+          </a:xfrm>
+          <a:prstGeom prst="straightConnector1">
+            <a:avLst/>
+          </a:prstGeom>
+          <a:ln w="19050">
+            <a:solidFill>
+              <a:srgbClr val="7030A0"/>
+            </a:solidFill>
+            <a:headEnd type="none" w="med" len="med"/>
+            <a:tailEnd type="arrow" w="med" len="med"/>
+          </a:ln>
+          <a:effectLst/>
+        </p:spPr>
+        <p:style>
+          <a:lnRef idx="1">
+            <a:schemeClr val="accent2"/>
+          </a:lnRef>
+          <a:fillRef idx="2">
+            <a:schemeClr val="accent2"/>
+          </a:fillRef>
+          <a:effectRef idx="1">
+            <a:schemeClr val="accent2"/>
+          </a:effectRef>
+          <a:fontRef idx="minor">
+            <a:schemeClr val="dk1"/>
+          </a:fontRef>
+        </p:style>
+      </p:cxnSp>
+      <p:sp>
+        <p:nvSpPr>
+          <p:cNvPr id="102" name="TextBox 101">
+            <a:extLst>
+              <a:ext uri="{FF2B5EF4-FFF2-40B4-BE49-F238E27FC236}">
+                <a16:creationId xmlns:a16="http://schemas.microsoft.com/office/drawing/2014/main" id="{64EC9B50-DDC8-4E86-A384-1D4E015D7BC4}"/>
+              </a:ext>
+            </a:extLst>
+          </p:cNvPr>
+          <p:cNvSpPr txBox="1"/>
+          <p:nvPr/>
+        </p:nvSpPr>
+        <p:spPr>
+          <a:xfrm>
+            <a:off x="6263829" y="4253905"/>
+            <a:ext cx="189257" cy="178683"/>
+          </a:xfrm>
+          <a:prstGeom prst="rect">
+            <a:avLst/>
+          </a:prstGeom>
+          <a:noFill/>
+        </p:spPr>
+        <p:txBody>
+          <a:bodyPr wrap="square" lIns="0" tIns="0" rIns="0" bIns="0" rtlCol="0">
+            <a:noAutofit/>
+          </a:bodyPr>
+          <a:lstStyle/>
+          <a:p>
+            <a:pPr algn="ctr"/>
+            <a:r>
+              <a:rPr lang="en-US" sz="1100" dirty="0">
+                <a:solidFill>
+                  <a:srgbClr val="7030A0"/>
+                </a:solidFill>
+              </a:rPr>
+              <a:t>*</a:t>
+            </a:r>
+            <a:endParaRPr lang="en-SG" sz="1100" dirty="0">
+              <a:solidFill>
+                <a:srgbClr val="7030A0"/>
+              </a:solidFill>
+            </a:endParaRPr>
+          </a:p>
+        </p:txBody>
+      </p:sp>
+      <p:sp>
+        <p:nvSpPr>
+          <p:cNvPr id="103" name="Rectangle 8">
+            <a:extLst>
+              <a:ext uri="{FF2B5EF4-FFF2-40B4-BE49-F238E27FC236}">
+                <a16:creationId xmlns:a16="http://schemas.microsoft.com/office/drawing/2014/main" id="{47C467E5-FE35-4DC1-9DA6-879A4DEBBD99}"/>
+              </a:ext>
+            </a:extLst>
+          </p:cNvPr>
+          <p:cNvSpPr/>
+          <p:nvPr/>
+        </p:nvSpPr>
+        <p:spPr>
+          <a:xfrm>
+            <a:off x="6490192" y="4266685"/>
+            <a:ext cx="708186" cy="346760"/>
+          </a:xfrm>
+          <a:prstGeom prst="rect">
+            <a:avLst/>
+          </a:prstGeom>
+          <a:ln w="19050">
+            <a:solidFill>
+              <a:srgbClr val="7030A0"/>
+            </a:solidFill>
+          </a:ln>
+          <a:effectLst/>
+        </p:spPr>
+        <p:style>
+          <a:lnRef idx="1">
+            <a:schemeClr val="accent4"/>
+          </a:lnRef>
+          <a:fillRef idx="2">
+            <a:schemeClr val="accent4"/>
+          </a:fillRef>
+          <a:effectRef idx="1">
+            <a:schemeClr val="accent4"/>
+          </a:effectRef>
+          <a:fontRef idx="minor">
+            <a:schemeClr val="dk1"/>
+          </a:fontRef>
+        </p:style>
+        <p:txBody>
+          <a:bodyPr rtlCol="0" anchor="ctr"/>
+          <a:lstStyle/>
+          <a:p>
+            <a:pPr algn="ctr"/>
+            <a:r>
+              <a:rPr lang="en-US" sz="1050" dirty="0">
+                <a:solidFill>
+                  <a:srgbClr val="7030A0"/>
+                </a:solidFill>
+              </a:rPr>
+              <a:t>Group</a:t>
+            </a:r>
+            <a:endParaRPr lang="en-SG" sz="1050" dirty="0">
+              <a:solidFill>
+                <a:srgbClr val="7030A0"/>
+              </a:solidFill>
+            </a:endParaRPr>
+          </a:p>
+        </p:txBody>
+      </p:sp>
+      <p:sp>
+        <p:nvSpPr>
+          <p:cNvPr id="104" name="Flowchart: Decision 96">
+            <a:extLst>
+              <a:ext uri="{FF2B5EF4-FFF2-40B4-BE49-F238E27FC236}">
+                <a16:creationId xmlns:a16="http://schemas.microsoft.com/office/drawing/2014/main" id="{D228881C-F0D1-40B7-A294-C2E20AE2FFC6}"/>
+              </a:ext>
+            </a:extLst>
+          </p:cNvPr>
+          <p:cNvSpPr/>
+          <p:nvPr/>
+        </p:nvSpPr>
+        <p:spPr>
+          <a:xfrm>
+            <a:off x="7214115" y="4369564"/>
+            <a:ext cx="236048" cy="173380"/>
+          </a:xfrm>
+          <a:prstGeom prst="flowChartDecision">
+            <a:avLst/>
+          </a:prstGeom>
+          <a:solidFill>
+            <a:srgbClr val="7030A0"/>
+          </a:solidFill>
+          <a:ln w="19050">
+            <a:solidFill>
+              <a:srgbClr val="7030A0"/>
+            </a:solidFill>
+          </a:ln>
+          <a:effectLst/>
+        </p:spPr>
+        <p:style>
+          <a:lnRef idx="1">
+            <a:schemeClr val="accent6"/>
+          </a:lnRef>
+          <a:fillRef idx="2">
+            <a:schemeClr val="accent6"/>
+          </a:fillRef>
+          <a:effectRef idx="1">
+            <a:schemeClr val="accent6"/>
+          </a:effectRef>
+          <a:fontRef idx="minor">
+            <a:schemeClr val="dk1"/>
+          </a:fontRef>
+        </p:style>
+        <p:txBody>
+          <a:bodyPr rtlCol="0" anchor="ctr"/>
+          <a:lstStyle/>
+          <a:p>
+            <a:pPr algn="ctr"/>
+            <a:endParaRPr lang="en-US" sz="1050"/>
+          </a:p>
+        </p:txBody>
+      </p:sp>
+      <p:cxnSp>
+        <p:nvCxnSpPr>
+          <p:cNvPr id="105" name="Elbow Connector 85">
+            <a:extLst>
+              <a:ext uri="{FF2B5EF4-FFF2-40B4-BE49-F238E27FC236}">
+                <a16:creationId xmlns:a16="http://schemas.microsoft.com/office/drawing/2014/main" id="{4491426D-04C4-4BE3-9FFE-03E2CA827D29}"/>
+              </a:ext>
+            </a:extLst>
+          </p:cNvPr>
+          <p:cNvCxnSpPr>
+            <a:cxnSpLocks/>
+            <a:stCxn id="104" idx="3"/>
+            <a:endCxn id="121" idx="1"/>
+          </p:cNvCxnSpPr>
+          <p:nvPr/>
+        </p:nvCxnSpPr>
+        <p:spPr>
+          <a:xfrm>
+            <a:off x="7450163" y="4456254"/>
+            <a:ext cx="256734" cy="333249"/>
+          </a:xfrm>
+          <a:prstGeom prst="bentConnector3">
+            <a:avLst>
+              <a:gd name="adj1" fmla="val 50000"/>
+            </a:avLst>
+          </a:prstGeom>
+          <a:ln w="19050">
+            <a:solidFill>
+              <a:srgbClr val="7030A0"/>
+            </a:solidFill>
+            <a:headEnd type="none" w="med" len="med"/>
+            <a:tailEnd type="arrow" w="med" len="med"/>
+          </a:ln>
+          <a:effectLst/>
+        </p:spPr>
+        <p:style>
+          <a:lnRef idx="1">
+            <a:schemeClr val="accent2"/>
+          </a:lnRef>
+          <a:fillRef idx="2">
+            <a:schemeClr val="accent2"/>
+          </a:fillRef>
+          <a:effectRef idx="1">
+            <a:schemeClr val="accent2"/>
+          </a:effectRef>
+          <a:fontRef idx="minor">
+            <a:schemeClr val="dk1"/>
+          </a:fontRef>
+        </p:style>
+      </p:cxnSp>
+      <p:cxnSp>
+        <p:nvCxnSpPr>
+          <p:cNvPr id="106" name="Elbow Connector 78">
+            <a:extLst>
+              <a:ext uri="{FF2B5EF4-FFF2-40B4-BE49-F238E27FC236}">
+                <a16:creationId xmlns:a16="http://schemas.microsoft.com/office/drawing/2014/main" id="{9E762DB8-C2A4-4BFF-8FDE-30943AED8763}"/>
+              </a:ext>
+            </a:extLst>
+          </p:cNvPr>
+          <p:cNvCxnSpPr>
+            <a:cxnSpLocks/>
+            <a:stCxn id="104" idx="3"/>
+            <a:endCxn id="108" idx="1"/>
+          </p:cNvCxnSpPr>
+          <p:nvPr/>
+        </p:nvCxnSpPr>
+        <p:spPr>
+          <a:xfrm flipV="1">
+            <a:off x="7450163" y="4066158"/>
+            <a:ext cx="256734" cy="390096"/>
+          </a:xfrm>
+          <a:prstGeom prst="bentConnector3">
+            <a:avLst>
+              <a:gd name="adj1" fmla="val 50000"/>
+            </a:avLst>
+          </a:prstGeom>
+          <a:ln w="19050">
+            <a:solidFill>
+              <a:srgbClr val="7030A0"/>
+            </a:solidFill>
+            <a:headEnd type="none" w="med" len="med"/>
+            <a:tailEnd type="arrow" w="med" len="med"/>
+          </a:ln>
+          <a:effectLst/>
+        </p:spPr>
+        <p:style>
+          <a:lnRef idx="1">
+            <a:schemeClr val="accent2"/>
+          </a:lnRef>
+          <a:fillRef idx="2">
+            <a:schemeClr val="accent2"/>
+          </a:fillRef>
+          <a:effectRef idx="1">
+            <a:schemeClr val="accent2"/>
+          </a:effectRef>
+          <a:fontRef idx="minor">
+            <a:schemeClr val="dk1"/>
+          </a:fontRef>
+        </p:style>
+      </p:cxnSp>
+      <p:sp>
+        <p:nvSpPr>
+          <p:cNvPr id="108" name="Rectangle 8">
+            <a:extLst>
+              <a:ext uri="{FF2B5EF4-FFF2-40B4-BE49-F238E27FC236}">
+                <a16:creationId xmlns:a16="http://schemas.microsoft.com/office/drawing/2014/main" id="{BEA635A1-2943-44DE-BBE9-766EDFAEFADA}"/>
+              </a:ext>
+            </a:extLst>
+          </p:cNvPr>
+          <p:cNvSpPr/>
+          <p:nvPr/>
+        </p:nvSpPr>
+        <p:spPr>
+          <a:xfrm>
+            <a:off x="7706897" y="3923266"/>
+            <a:ext cx="708186" cy="285783"/>
+          </a:xfrm>
+          <a:prstGeom prst="rect">
+            <a:avLst/>
+          </a:prstGeom>
+          <a:ln w="19050">
+            <a:solidFill>
+              <a:srgbClr val="7030A0"/>
+            </a:solidFill>
+          </a:ln>
+          <a:effectLst/>
+        </p:spPr>
+        <p:style>
+          <a:lnRef idx="1">
+            <a:schemeClr val="accent4"/>
+          </a:lnRef>
+          <a:fillRef idx="2">
+            <a:schemeClr val="accent4"/>
+          </a:fillRef>
+          <a:effectRef idx="1">
+            <a:schemeClr val="accent4"/>
+          </a:effectRef>
+          <a:fontRef idx="minor">
+            <a:schemeClr val="dk1"/>
+          </a:fontRef>
+        </p:style>
+        <p:txBody>
+          <a:bodyPr rtlCol="0" anchor="ctr"/>
+          <a:lstStyle/>
+          <a:p>
+            <a:pPr algn="ctr"/>
+            <a:r>
+              <a:rPr lang="en-US" sz="1050" dirty="0">
+                <a:solidFill>
+                  <a:srgbClr val="7030A0"/>
+                </a:solidFill>
+              </a:rPr>
+              <a:t>Person</a:t>
+            </a:r>
+            <a:endParaRPr lang="en-SG" sz="1050" dirty="0">
+              <a:solidFill>
+                <a:srgbClr val="7030A0"/>
+              </a:solidFill>
+            </a:endParaRPr>
+          </a:p>
+        </p:txBody>
+      </p:sp>
+      <p:sp>
+        <p:nvSpPr>
+          <p:cNvPr id="113" name="Rectangle 8">
+            <a:extLst>
+              <a:ext uri="{FF2B5EF4-FFF2-40B4-BE49-F238E27FC236}">
+                <a16:creationId xmlns:a16="http://schemas.microsoft.com/office/drawing/2014/main" id="{A56A6644-43F8-4067-92F1-B5434BA2A943}"/>
+              </a:ext>
+            </a:extLst>
+          </p:cNvPr>
+          <p:cNvSpPr/>
+          <p:nvPr/>
+        </p:nvSpPr>
+        <p:spPr>
+          <a:xfrm>
+            <a:off x="7712397" y="4276481"/>
+            <a:ext cx="708186" cy="285783"/>
+          </a:xfrm>
+          <a:prstGeom prst="rect">
+            <a:avLst/>
+          </a:prstGeom>
+          <a:ln w="19050">
+            <a:solidFill>
+              <a:srgbClr val="7030A0"/>
+            </a:solidFill>
+          </a:ln>
+          <a:effectLst/>
+        </p:spPr>
+        <p:style>
+          <a:lnRef idx="1">
+            <a:schemeClr val="accent4"/>
+          </a:lnRef>
+          <a:fillRef idx="2">
+            <a:schemeClr val="accent4"/>
+          </a:fillRef>
+          <a:effectRef idx="1">
+            <a:schemeClr val="accent4"/>
+          </a:effectRef>
+          <a:fontRef idx="minor">
+            <a:schemeClr val="dk1"/>
+          </a:fontRef>
+        </p:style>
+        <p:txBody>
+          <a:bodyPr rtlCol="0" anchor="ctr"/>
+          <a:lstStyle/>
+          <a:p>
+            <a:pPr algn="ctr"/>
+            <a:r>
+              <a:rPr lang="en-US" sz="1050" dirty="0">
+                <a:solidFill>
+                  <a:srgbClr val="7030A0"/>
+                </a:solidFill>
+              </a:rPr>
+              <a:t>Tag</a:t>
+            </a:r>
+            <a:endParaRPr lang="en-SG" sz="1050" dirty="0">
+              <a:solidFill>
+                <a:srgbClr val="7030A0"/>
+              </a:solidFill>
+            </a:endParaRPr>
+          </a:p>
+        </p:txBody>
+      </p:sp>
+      <p:cxnSp>
+        <p:nvCxnSpPr>
+          <p:cNvPr id="115" name="Elbow Connector 78">
+            <a:extLst>
+              <a:ext uri="{FF2B5EF4-FFF2-40B4-BE49-F238E27FC236}">
+                <a16:creationId xmlns:a16="http://schemas.microsoft.com/office/drawing/2014/main" id="{30C8B651-47E8-4B88-A6C0-398C3D16828A}"/>
+              </a:ext>
+            </a:extLst>
+          </p:cNvPr>
+          <p:cNvCxnSpPr>
+            <a:cxnSpLocks/>
+            <a:stCxn id="104" idx="3"/>
+            <a:endCxn id="113" idx="1"/>
+          </p:cNvCxnSpPr>
+          <p:nvPr/>
+        </p:nvCxnSpPr>
+        <p:spPr>
+          <a:xfrm flipV="1">
+            <a:off x="7450163" y="4419373"/>
+            <a:ext cx="262234" cy="36881"/>
+          </a:xfrm>
+          <a:prstGeom prst="bentConnector3">
+            <a:avLst>
+              <a:gd name="adj1" fmla="val 50000"/>
+            </a:avLst>
+          </a:prstGeom>
+          <a:ln w="19050">
+            <a:solidFill>
+              <a:srgbClr val="7030A0"/>
+            </a:solidFill>
+            <a:headEnd type="none" w="med" len="med"/>
+            <a:tailEnd type="arrow" w="med" len="med"/>
+          </a:ln>
+          <a:effectLst/>
+        </p:spPr>
+        <p:style>
+          <a:lnRef idx="1">
+            <a:schemeClr val="accent2"/>
+          </a:lnRef>
+          <a:fillRef idx="2">
+            <a:schemeClr val="accent2"/>
+          </a:fillRef>
+          <a:effectRef idx="1">
+            <a:schemeClr val="accent2"/>
+          </a:effectRef>
+          <a:fontRef idx="minor">
+            <a:schemeClr val="dk1"/>
+          </a:fontRef>
+        </p:style>
+      </p:cxnSp>
+      <p:sp>
+        <p:nvSpPr>
+          <p:cNvPr id="121" name="Rectangle 8">
+            <a:extLst>
+              <a:ext uri="{FF2B5EF4-FFF2-40B4-BE49-F238E27FC236}">
+                <a16:creationId xmlns:a16="http://schemas.microsoft.com/office/drawing/2014/main" id="{BA277858-16BF-4963-BE12-82E1546F86BF}"/>
+              </a:ext>
+            </a:extLst>
+          </p:cNvPr>
+          <p:cNvSpPr/>
+          <p:nvPr/>
+        </p:nvSpPr>
+        <p:spPr>
+          <a:xfrm>
+            <a:off x="7706897" y="4646611"/>
+            <a:ext cx="708186" cy="285783"/>
+          </a:xfrm>
+          <a:prstGeom prst="rect">
+            <a:avLst/>
+          </a:prstGeom>
+          <a:ln w="19050">
+            <a:solidFill>
+              <a:srgbClr val="7030A0"/>
+            </a:solidFill>
+          </a:ln>
+          <a:effectLst/>
+        </p:spPr>
+        <p:style>
+          <a:lnRef idx="1">
+            <a:schemeClr val="accent4"/>
+          </a:lnRef>
+          <a:fillRef idx="2">
+            <a:schemeClr val="accent4"/>
+          </a:fillRef>
+          <a:effectRef idx="1">
+            <a:schemeClr val="accent4"/>
+          </a:effectRef>
+          <a:fontRef idx="minor">
+            <a:schemeClr val="dk1"/>
+          </a:fontRef>
+        </p:style>
+        <p:txBody>
+          <a:bodyPr rtlCol="0" anchor="ctr"/>
+          <a:lstStyle/>
+          <a:p>
+            <a:pPr algn="ctr"/>
+            <a:r>
+              <a:rPr lang="en-US" sz="1050" dirty="0">
+                <a:solidFill>
+                  <a:srgbClr val="7030A0"/>
+                </a:solidFill>
+              </a:rPr>
+              <a:t>Location</a:t>
+            </a:r>
+            <a:endParaRPr lang="en-SG" sz="1050" dirty="0">
+              <a:solidFill>
+                <a:srgbClr val="7030A0"/>
+              </a:solidFill>
+            </a:endParaRPr>
+          </a:p>
+        </p:txBody>
+      </p:sp>
+      <p:sp>
+        <p:nvSpPr>
+          <p:cNvPr id="123" name="Rectangle 8">
+            <a:extLst>
+              <a:ext uri="{FF2B5EF4-FFF2-40B4-BE49-F238E27FC236}">
+                <a16:creationId xmlns:a16="http://schemas.microsoft.com/office/drawing/2014/main" id="{93BCEC57-5E81-41D7-B55C-D5ED58121453}"/>
+              </a:ext>
+            </a:extLst>
+          </p:cNvPr>
+          <p:cNvSpPr/>
+          <p:nvPr/>
+        </p:nvSpPr>
+        <p:spPr>
+          <a:xfrm>
+            <a:off x="7706897" y="5042382"/>
+            <a:ext cx="708186" cy="285783"/>
+          </a:xfrm>
+          <a:prstGeom prst="rect">
+            <a:avLst/>
+          </a:prstGeom>
+          <a:ln w="19050">
+            <a:solidFill>
+              <a:srgbClr val="7030A0"/>
+            </a:solidFill>
+          </a:ln>
+          <a:effectLst/>
+        </p:spPr>
+        <p:style>
+          <a:lnRef idx="1">
+            <a:schemeClr val="accent4"/>
+          </a:lnRef>
+          <a:fillRef idx="2">
+            <a:schemeClr val="accent4"/>
+          </a:fillRef>
+          <a:effectRef idx="1">
+            <a:schemeClr val="accent4"/>
+          </a:effectRef>
+          <a:fontRef idx="minor">
+            <a:schemeClr val="dk1"/>
+          </a:fontRef>
+        </p:style>
+        <p:txBody>
+          <a:bodyPr rtlCol="0" anchor="ctr"/>
+          <a:lstStyle/>
+          <a:p>
+            <a:pPr algn="ctr"/>
+            <a:r>
+              <a:rPr lang="en-US" sz="1050" dirty="0">
+                <a:solidFill>
+                  <a:srgbClr val="7030A0"/>
+                </a:solidFill>
+              </a:rPr>
+              <a:t>Name</a:t>
+            </a:r>
+            <a:endParaRPr lang="en-SG" sz="1050" dirty="0">
+              <a:solidFill>
+                <a:srgbClr val="7030A0"/>
+              </a:solidFill>
+            </a:endParaRPr>
+          </a:p>
+        </p:txBody>
+      </p:sp>
+      <p:cxnSp>
+        <p:nvCxnSpPr>
+          <p:cNvPr id="125" name="Elbow Connector 85">
+            <a:extLst>
+              <a:ext uri="{FF2B5EF4-FFF2-40B4-BE49-F238E27FC236}">
+                <a16:creationId xmlns:a16="http://schemas.microsoft.com/office/drawing/2014/main" id="{80A2F7F9-FF29-4ECE-A2D2-97C5731496C1}"/>
+              </a:ext>
+            </a:extLst>
+          </p:cNvPr>
+          <p:cNvCxnSpPr>
+            <a:cxnSpLocks/>
+            <a:stCxn id="104" idx="3"/>
+            <a:endCxn id="123" idx="1"/>
+          </p:cNvCxnSpPr>
+          <p:nvPr/>
+        </p:nvCxnSpPr>
+        <p:spPr>
+          <a:xfrm>
+            <a:off x="7450163" y="4456254"/>
+            <a:ext cx="256734" cy="729020"/>
+          </a:xfrm>
+          <a:prstGeom prst="bentConnector3">
+            <a:avLst/>
+          </a:prstGeom>
+          <a:ln w="19050">
+            <a:solidFill>
+              <a:srgbClr val="7030A0"/>
+            </a:solidFill>
+            <a:headEnd type="none" w="med" len="med"/>
+            <a:tailEnd type="arrow" w="med" len="med"/>
+          </a:ln>
+          <a:effectLst/>
+        </p:spPr>
+        <p:style>
+          <a:lnRef idx="1">
+            <a:schemeClr val="accent2"/>
+          </a:lnRef>
+          <a:fillRef idx="2">
+            <a:schemeClr val="accent2"/>
+          </a:fillRef>
+          <a:effectRef idx="1">
+            <a:schemeClr val="accent2"/>
+          </a:effectRef>
+          <a:fontRef idx="minor">
+            <a:schemeClr val="dk1"/>
+          </a:fontRef>
+        </p:style>
+      </p:cxnSp>
+      <p:sp>
+        <p:nvSpPr>
+          <p:cNvPr id="127" name="TextBox 126">
+            <a:extLst>
+              <a:ext uri="{FF2B5EF4-FFF2-40B4-BE49-F238E27FC236}">
+                <a16:creationId xmlns:a16="http://schemas.microsoft.com/office/drawing/2014/main" id="{37FBCD33-7E9C-4192-9F55-44B9B0C13BD5}"/>
+              </a:ext>
+            </a:extLst>
+          </p:cNvPr>
+          <p:cNvSpPr txBox="1"/>
+          <p:nvPr/>
+        </p:nvSpPr>
+        <p:spPr>
+          <a:xfrm>
+            <a:off x="7535102" y="3869034"/>
+            <a:ext cx="189257" cy="178683"/>
+          </a:xfrm>
+          <a:prstGeom prst="rect">
+            <a:avLst/>
+          </a:prstGeom>
+          <a:noFill/>
+        </p:spPr>
+        <p:txBody>
+          <a:bodyPr wrap="square" lIns="0" tIns="0" rIns="0" bIns="0" rtlCol="0">
+            <a:noAutofit/>
+          </a:bodyPr>
+          <a:lstStyle/>
+          <a:p>
+            <a:pPr algn="ctr"/>
+            <a:r>
+              <a:rPr lang="en-US" sz="1100" dirty="0">
+                <a:solidFill>
+                  <a:srgbClr val="7030A0"/>
+                </a:solidFill>
+              </a:rPr>
+              <a:t>*</a:t>
+            </a:r>
+            <a:endParaRPr lang="en-SG" sz="1100" dirty="0">
+              <a:solidFill>
+                <a:srgbClr val="7030A0"/>
+              </a:solidFill>
+            </a:endParaRPr>
+          </a:p>
+        </p:txBody>
+      </p:sp>
+      <p:sp>
+        <p:nvSpPr>
+          <p:cNvPr id="128" name="TextBox 127">
+            <a:extLst>
+              <a:ext uri="{FF2B5EF4-FFF2-40B4-BE49-F238E27FC236}">
+                <a16:creationId xmlns:a16="http://schemas.microsoft.com/office/drawing/2014/main" id="{74365617-AC94-4133-AB44-1039D08B2199}"/>
+              </a:ext>
+            </a:extLst>
+          </p:cNvPr>
+          <p:cNvSpPr txBox="1"/>
+          <p:nvPr/>
+        </p:nvSpPr>
+        <p:spPr>
+          <a:xfrm>
+            <a:off x="7537635" y="4245930"/>
+            <a:ext cx="189257" cy="178683"/>
+          </a:xfrm>
+          <a:prstGeom prst="rect">
+            <a:avLst/>
+          </a:prstGeom>
+          <a:noFill/>
+        </p:spPr>
+        <p:txBody>
+          <a:bodyPr wrap="square" lIns="0" tIns="0" rIns="0" bIns="0" rtlCol="0">
+            <a:noAutofit/>
+          </a:bodyPr>
+          <a:lstStyle/>
+          <a:p>
+            <a:pPr algn="ctr"/>
+            <a:r>
+              <a:rPr lang="en-US" sz="1100" dirty="0">
+                <a:solidFill>
+                  <a:srgbClr val="7030A0"/>
+                </a:solidFill>
+              </a:rPr>
+              <a:t>*</a:t>
+            </a:r>
+            <a:endParaRPr lang="en-SG" sz="1100" dirty="0">
+              <a:solidFill>
+                <a:srgbClr val="7030A0"/>
+              </a:solidFill>
+            </a:endParaRPr>
+          </a:p>
+        </p:txBody>
+      </p:sp>
+      <p:sp>
+        <p:nvSpPr>
+          <p:cNvPr id="147" name="TextBox 146">
+            <a:extLst>
+              <a:ext uri="{FF2B5EF4-FFF2-40B4-BE49-F238E27FC236}">
+                <a16:creationId xmlns:a16="http://schemas.microsoft.com/office/drawing/2014/main" id="{2D2EC995-DD44-4299-99C8-C60BA385BCF4}"/>
+              </a:ext>
+            </a:extLst>
+          </p:cNvPr>
+          <p:cNvSpPr txBox="1"/>
+          <p:nvPr/>
+        </p:nvSpPr>
+        <p:spPr>
+          <a:xfrm>
+            <a:off x="6656214" y="4030366"/>
+            <a:ext cx="189257" cy="178683"/>
+          </a:xfrm>
+          <a:prstGeom prst="rect">
+            <a:avLst/>
+          </a:prstGeom>
+          <a:noFill/>
+        </p:spPr>
+        <p:txBody>
+          <a:bodyPr wrap="square" lIns="0" tIns="0" rIns="0" bIns="0" rtlCol="0">
+            <a:noAutofit/>
+          </a:bodyPr>
+          <a:lstStyle/>
+          <a:p>
+            <a:pPr algn="ctr"/>
+            <a:r>
+              <a:rPr lang="en-US" sz="1100" dirty="0">
+                <a:solidFill>
+                  <a:srgbClr val="7030A0"/>
+                </a:solidFill>
+              </a:rPr>
+              <a:t>1</a:t>
+            </a:r>
+            <a:endParaRPr lang="en-SG" sz="1100" dirty="0">
+              <a:solidFill>
+                <a:srgbClr val="7030A0"/>
+              </a:solidFill>
+            </a:endParaRPr>
+          </a:p>
+        </p:txBody>
+      </p:sp>
+      <p:cxnSp>
+        <p:nvCxnSpPr>
+          <p:cNvPr id="148" name="Elbow Connector 63">
+            <a:extLst>
+              <a:ext uri="{FF2B5EF4-FFF2-40B4-BE49-F238E27FC236}">
+                <a16:creationId xmlns:a16="http://schemas.microsoft.com/office/drawing/2014/main" id="{7A437043-6AF4-4FEC-B031-121B4FAACBD8}"/>
+              </a:ext>
+            </a:extLst>
+          </p:cNvPr>
+          <p:cNvCxnSpPr>
+            <a:cxnSpLocks/>
+          </p:cNvCxnSpPr>
+          <p:nvPr/>
+        </p:nvCxnSpPr>
+        <p:spPr>
+          <a:xfrm>
+            <a:off x="6878260" y="3991920"/>
+            <a:ext cx="0" cy="275356"/>
+          </a:xfrm>
+          <a:prstGeom prst="straightConnector1">
+            <a:avLst/>
+          </a:prstGeom>
+          <a:ln w="19050">
+            <a:solidFill>
+              <a:srgbClr val="7030A0"/>
+            </a:solidFill>
+            <a:headEnd type="none" w="med" len="med"/>
+            <a:tailEnd type="arrow" w="med" len="med"/>
           </a:ln>
           <a:effectLst/>
         </p:spPr>

--- a/docs/diagrams/ModelComponentClassDiagram.pptx
+++ b/docs/diagrams/ModelComponentClassDiagram.pptx
@@ -208,7 +208,7 @@
           <a:p>
             <a:fld id="{F5CC4B3F-88C1-4FFA-B1B6-F41C21DC6924}" type="datetimeFigureOut">
               <a:rPr lang="en-US" smtClean="0"/>
-              <a:t>6/27/2018</a:t>
+              <a:t>11/2/18</a:t>
             </a:fld>
             <a:endParaRPr lang="en-US"/>
           </a:p>
@@ -654,7 +654,7 @@
           <a:p>
             <a:fld id="{78C97017-6FC3-485B-9764-EAC9E56C1D49}" type="datetimeFigureOut">
               <a:rPr lang="en-US" smtClean="0"/>
-              <a:t>6/27/2018</a:t>
+              <a:t>11/2/18</a:t>
             </a:fld>
             <a:endParaRPr lang="en-US"/>
           </a:p>
@@ -822,7 +822,7 @@
           <a:p>
             <a:fld id="{78C97017-6FC3-485B-9764-EAC9E56C1D49}" type="datetimeFigureOut">
               <a:rPr lang="en-US" smtClean="0"/>
-              <a:t>6/27/2018</a:t>
+              <a:t>11/2/18</a:t>
             </a:fld>
             <a:endParaRPr lang="en-US"/>
           </a:p>
@@ -1000,7 +1000,7 @@
           <a:p>
             <a:fld id="{78C97017-6FC3-485B-9764-EAC9E56C1D49}" type="datetimeFigureOut">
               <a:rPr lang="en-US" smtClean="0"/>
-              <a:t>6/27/2018</a:t>
+              <a:t>11/2/18</a:t>
             </a:fld>
             <a:endParaRPr lang="en-US"/>
           </a:p>
@@ -1168,7 +1168,7 @@
           <a:p>
             <a:fld id="{78C97017-6FC3-485B-9764-EAC9E56C1D49}" type="datetimeFigureOut">
               <a:rPr lang="en-US" smtClean="0"/>
-              <a:t>6/27/2018</a:t>
+              <a:t>11/2/18</a:t>
             </a:fld>
             <a:endParaRPr lang="en-US"/>
           </a:p>
@@ -1413,7 +1413,7 @@
           <a:p>
             <a:fld id="{78C97017-6FC3-485B-9764-EAC9E56C1D49}" type="datetimeFigureOut">
               <a:rPr lang="en-US" smtClean="0"/>
-              <a:t>6/27/2018</a:t>
+              <a:t>11/2/18</a:t>
             </a:fld>
             <a:endParaRPr lang="en-US"/>
           </a:p>
@@ -1698,7 +1698,7 @@
           <a:p>
             <a:fld id="{78C97017-6FC3-485B-9764-EAC9E56C1D49}" type="datetimeFigureOut">
               <a:rPr lang="en-US" smtClean="0"/>
-              <a:t>6/27/2018</a:t>
+              <a:t>11/2/18</a:t>
             </a:fld>
             <a:endParaRPr lang="en-US"/>
           </a:p>
@@ -2117,7 +2117,7 @@
           <a:p>
             <a:fld id="{78C97017-6FC3-485B-9764-EAC9E56C1D49}" type="datetimeFigureOut">
               <a:rPr lang="en-US" smtClean="0"/>
-              <a:t>6/27/2018</a:t>
+              <a:t>11/2/18</a:t>
             </a:fld>
             <a:endParaRPr lang="en-US"/>
           </a:p>
@@ -2234,7 +2234,7 @@
           <a:p>
             <a:fld id="{78C97017-6FC3-485B-9764-EAC9E56C1D49}" type="datetimeFigureOut">
               <a:rPr lang="en-US" smtClean="0"/>
-              <a:t>6/27/2018</a:t>
+              <a:t>11/2/18</a:t>
             </a:fld>
             <a:endParaRPr lang="en-US"/>
           </a:p>
@@ -2329,7 +2329,7 @@
           <a:p>
             <a:fld id="{78C97017-6FC3-485B-9764-EAC9E56C1D49}" type="datetimeFigureOut">
               <a:rPr lang="en-US" smtClean="0"/>
-              <a:t>6/27/2018</a:t>
+              <a:t>11/2/18</a:t>
             </a:fld>
             <a:endParaRPr lang="en-US"/>
           </a:p>
@@ -2604,7 +2604,7 @@
           <a:p>
             <a:fld id="{78C97017-6FC3-485B-9764-EAC9E56C1D49}" type="datetimeFigureOut">
               <a:rPr lang="en-US" smtClean="0"/>
-              <a:t>6/27/2018</a:t>
+              <a:t>11/2/18</a:t>
             </a:fld>
             <a:endParaRPr lang="en-US"/>
           </a:p>
@@ -2856,7 +2856,7 @@
           <a:p>
             <a:fld id="{78C97017-6FC3-485B-9764-EAC9E56C1D49}" type="datetimeFigureOut">
               <a:rPr lang="en-US" smtClean="0"/>
-              <a:t>6/27/2018</a:t>
+              <a:t>11/2/18</a:t>
             </a:fld>
             <a:endParaRPr lang="en-US"/>
           </a:p>
@@ -3067,7 +3067,7 @@
           <a:p>
             <a:fld id="{78C97017-6FC3-485B-9764-EAC9E56C1D49}" type="datetimeFigureOut">
               <a:rPr lang="en-US" smtClean="0"/>
-              <a:t>6/27/2018</a:t>
+              <a:t>11/2/18</a:t>
             </a:fld>
             <a:endParaRPr lang="en-US"/>
           </a:p>
@@ -3994,14 +3994,14 @@
           <a:p>
             <a:pPr algn="ctr"/>
             <a:r>
-              <a:rPr lang="en-US" sz="1050" dirty="0" err="1" smtClean="0">
+              <a:rPr lang="en-US" sz="1000" dirty="0" err="1">
                 <a:solidFill>
                   <a:srgbClr val="7030A0"/>
                 </a:solidFill>
               </a:rPr>
-              <a:t>VersionedAddressBook</a:t>
-            </a:r>
-            <a:endParaRPr lang="en-SG" sz="1050" dirty="0">
+              <a:t>VersionedEventManager</a:t>
+            </a:r>
+            <a:endParaRPr lang="en-SG" sz="1000" dirty="0">
               <a:solidFill>
                 <a:srgbClr val="7030A0"/>
               </a:solidFill>
@@ -4141,7 +4141,7 @@
                   <a:srgbClr val="7030A0"/>
                 </a:solidFill>
               </a:rPr>
-              <a:t>UniquePersonList</a:t>
+              <a:t>UniqueEventList</a:t>
             </a:r>
             <a:endParaRPr lang="en-SG" sz="1050" dirty="0">
               <a:solidFill>
@@ -4244,7 +4244,7 @@
                   <a:srgbClr val="7030A0"/>
                 </a:solidFill>
               </a:rPr>
-              <a:t>Person</a:t>
+              <a:t>Event</a:t>
             </a:r>
             <a:endParaRPr lang="en-SG" sz="1050" dirty="0">
               <a:solidFill>
@@ -4906,7 +4906,7 @@
           <a:p>
             <a:pPr algn="ctr"/>
             <a:r>
-              <a:rPr lang="en-US" sz="1050" dirty="0">
+              <a:rPr lang="en-US" sz="1000" dirty="0">
                 <a:solidFill>
                   <a:srgbClr val="7030A0"/>
                 </a:solidFill>
@@ -4914,21 +4914,21 @@
               <a:t>&lt;&lt;interface&gt;&gt;</a:t>
             </a:r>
             <a:br>
-              <a:rPr lang="en-US" sz="1050" dirty="0">
+              <a:rPr lang="en-US" sz="1000" dirty="0">
                 <a:solidFill>
                   <a:srgbClr val="7030A0"/>
                 </a:solidFill>
               </a:rPr>
             </a:br>
             <a:r>
-              <a:rPr lang="en-US" sz="1050" dirty="0" err="1">
+              <a:rPr lang="en-US" sz="1000" dirty="0" err="1">
                 <a:solidFill>
                   <a:srgbClr val="7030A0"/>
                 </a:solidFill>
               </a:rPr>
-              <a:t>ReadOnlyAddressBook</a:t>
-            </a:r>
-            <a:endParaRPr lang="en-SG" sz="1050" dirty="0">
+              <a:t>ReadOnlyEventManager</a:t>
+            </a:r>
+            <a:endParaRPr lang="en-SG" sz="1000" dirty="0">
               <a:solidFill>
                 <a:srgbClr val="7030A0"/>
               </a:solidFill>
@@ -5022,14 +5022,6 @@
                 </a:solidFill>
               </a:rPr>
               <a:t>&lt;&lt;interface&gt;&gt;</a:t>
-            </a:r>
-            <a:r>
-              <a:rPr lang="en-US" sz="1050">
-                <a:solidFill>
-                  <a:srgbClr val="7030A0"/>
-                </a:solidFill>
-              </a:rPr>
-              <a:t/>
             </a:r>
             <a:br>
               <a:rPr lang="en-US" sz="1050">
@@ -5494,7 +5486,7 @@
                   <a:srgbClr val="7030A0"/>
                 </a:solidFill>
               </a:rPr>
-              <a:t>AddressBook</a:t>
+              <a:t>EventManager</a:t>
             </a:r>
             <a:endParaRPr lang="en-SG" sz="1050" dirty="0">
               <a:solidFill>

--- a/docs/diagrams/ModelComponentClassDiagram.pptx
+++ b/docs/diagrams/ModelComponentClassDiagram.pptx
@@ -208,7 +208,7 @@
           <a:p>
             <a:fld id="{F5CC4B3F-88C1-4FFA-B1B6-F41C21DC6924}" type="datetimeFigureOut">
               <a:rPr lang="en-US" smtClean="0"/>
-              <a:t>6/27/2018</a:t>
+              <a:t>11/7/2018</a:t>
             </a:fld>
             <a:endParaRPr lang="en-US"/>
           </a:p>
@@ -654,7 +654,7 @@
           <a:p>
             <a:fld id="{78C97017-6FC3-485B-9764-EAC9E56C1D49}" type="datetimeFigureOut">
               <a:rPr lang="en-US" smtClean="0"/>
-              <a:t>6/27/2018</a:t>
+              <a:t>11/7/2018</a:t>
             </a:fld>
             <a:endParaRPr lang="en-US"/>
           </a:p>
@@ -822,7 +822,7 @@
           <a:p>
             <a:fld id="{78C97017-6FC3-485B-9764-EAC9E56C1D49}" type="datetimeFigureOut">
               <a:rPr lang="en-US" smtClean="0"/>
-              <a:t>6/27/2018</a:t>
+              <a:t>11/7/2018</a:t>
             </a:fld>
             <a:endParaRPr lang="en-US"/>
           </a:p>
@@ -1000,7 +1000,7 @@
           <a:p>
             <a:fld id="{78C97017-6FC3-485B-9764-EAC9E56C1D49}" type="datetimeFigureOut">
               <a:rPr lang="en-US" smtClean="0"/>
-              <a:t>6/27/2018</a:t>
+              <a:t>11/7/2018</a:t>
             </a:fld>
             <a:endParaRPr lang="en-US"/>
           </a:p>
@@ -1168,7 +1168,7 @@
           <a:p>
             <a:fld id="{78C97017-6FC3-485B-9764-EAC9E56C1D49}" type="datetimeFigureOut">
               <a:rPr lang="en-US" smtClean="0"/>
-              <a:t>6/27/2018</a:t>
+              <a:t>11/7/2018</a:t>
             </a:fld>
             <a:endParaRPr lang="en-US"/>
           </a:p>
@@ -1413,7 +1413,7 @@
           <a:p>
             <a:fld id="{78C97017-6FC3-485B-9764-EAC9E56C1D49}" type="datetimeFigureOut">
               <a:rPr lang="en-US" smtClean="0"/>
-              <a:t>6/27/2018</a:t>
+              <a:t>11/7/2018</a:t>
             </a:fld>
             <a:endParaRPr lang="en-US"/>
           </a:p>
@@ -1698,7 +1698,7 @@
           <a:p>
             <a:fld id="{78C97017-6FC3-485B-9764-EAC9E56C1D49}" type="datetimeFigureOut">
               <a:rPr lang="en-US" smtClean="0"/>
-              <a:t>6/27/2018</a:t>
+              <a:t>11/7/2018</a:t>
             </a:fld>
             <a:endParaRPr lang="en-US"/>
           </a:p>
@@ -2117,7 +2117,7 @@
           <a:p>
             <a:fld id="{78C97017-6FC3-485B-9764-EAC9E56C1D49}" type="datetimeFigureOut">
               <a:rPr lang="en-US" smtClean="0"/>
-              <a:t>6/27/2018</a:t>
+              <a:t>11/7/2018</a:t>
             </a:fld>
             <a:endParaRPr lang="en-US"/>
           </a:p>
@@ -2234,7 +2234,7 @@
           <a:p>
             <a:fld id="{78C97017-6FC3-485B-9764-EAC9E56C1D49}" type="datetimeFigureOut">
               <a:rPr lang="en-US" smtClean="0"/>
-              <a:t>6/27/2018</a:t>
+              <a:t>11/7/2018</a:t>
             </a:fld>
             <a:endParaRPr lang="en-US"/>
           </a:p>
@@ -2329,7 +2329,7 @@
           <a:p>
             <a:fld id="{78C97017-6FC3-485B-9764-EAC9E56C1D49}" type="datetimeFigureOut">
               <a:rPr lang="en-US" smtClean="0"/>
-              <a:t>6/27/2018</a:t>
+              <a:t>11/7/2018</a:t>
             </a:fld>
             <a:endParaRPr lang="en-US"/>
           </a:p>
@@ -2604,7 +2604,7 @@
           <a:p>
             <a:fld id="{78C97017-6FC3-485B-9764-EAC9E56C1D49}" type="datetimeFigureOut">
               <a:rPr lang="en-US" smtClean="0"/>
-              <a:t>6/27/2018</a:t>
+              <a:t>11/7/2018</a:t>
             </a:fld>
             <a:endParaRPr lang="en-US"/>
           </a:p>
@@ -2856,7 +2856,7 @@
           <a:p>
             <a:fld id="{78C97017-6FC3-485B-9764-EAC9E56C1D49}" type="datetimeFigureOut">
               <a:rPr lang="en-US" smtClean="0"/>
-              <a:t>6/27/2018</a:t>
+              <a:t>11/7/2018</a:t>
             </a:fld>
             <a:endParaRPr lang="en-US"/>
           </a:p>
@@ -3067,7 +3067,7 @@
           <a:p>
             <a:fld id="{78C97017-6FC3-485B-9764-EAC9E56C1D49}" type="datetimeFigureOut">
               <a:rPr lang="en-US" smtClean="0"/>
-              <a:t>6/27/2018</a:t>
+              <a:t>11/7/2018</a:t>
             </a:fld>
             <a:endParaRPr lang="en-US"/>
           </a:p>
@@ -3450,8 +3450,8 @@
         </p:nvSpPr>
         <p:spPr>
           <a:xfrm>
-            <a:off x="1119865" y="1600200"/>
-            <a:ext cx="7490735" cy="3124200"/>
+            <a:off x="1119865" y="1318280"/>
+            <a:ext cx="7719335" cy="4777720"/>
           </a:xfrm>
           <a:prstGeom prst="roundRect">
             <a:avLst>
@@ -3511,7 +3511,7 @@
         </p:nvSpPr>
         <p:spPr>
           <a:xfrm>
-            <a:off x="2877180" y="3463240"/>
+            <a:off x="2877180" y="3405461"/>
             <a:ext cx="1093635" cy="346760"/>
           </a:xfrm>
           <a:prstGeom prst="rect">
@@ -3570,8 +3570,8 @@
         </p:nvSpPr>
         <p:spPr>
           <a:xfrm rot="16200000">
-            <a:off x="1661548" y="3097750"/>
-            <a:ext cx="1093635" cy="346760"/>
+            <a:off x="1175298" y="3347454"/>
+            <a:ext cx="2066136" cy="346760"/>
           </a:xfrm>
           <a:prstGeom prst="rect">
             <a:avLst/>
@@ -3626,20 +3626,17 @@
           <p:cNvPr id="107" name="Elbow Connector 106"/>
           <p:cNvCxnSpPr>
             <a:cxnSpLocks/>
-            <a:stCxn id="9" idx="1"/>
             <a:endCxn id="62" idx="2"/>
           </p:cNvCxnSpPr>
           <p:nvPr/>
         </p:nvCxnSpPr>
         <p:spPr>
-          <a:xfrm rot="5400000" flipH="1" flipV="1">
-            <a:off x="4131507" y="1281685"/>
-            <a:ext cx="613122" cy="4459404"/>
-          </a:xfrm>
-          <a:prstGeom prst="bentConnector3">
-            <a:avLst>
-              <a:gd name="adj1" fmla="val -26668"/>
-            </a:avLst>
+          <a:xfrm flipV="1">
+            <a:off x="2220076" y="3072520"/>
+            <a:ext cx="4447694" cy="192452"/>
+          </a:xfrm>
+          <a:prstGeom prst="bentConnector2">
+            <a:avLst/>
           </a:prstGeom>
           <a:ln w="19050">
             <a:solidFill>
@@ -3794,7 +3791,7 @@
         </p:nvCxnSpPr>
         <p:spPr>
           <a:xfrm>
-            <a:off x="2609828" y="3636620"/>
+            <a:off x="2609828" y="3578841"/>
             <a:ext cx="267352" cy="0"/>
           </a:xfrm>
           <a:prstGeom prst="straightConnector1">
@@ -3916,7 +3913,7 @@
         </p:nvSpPr>
         <p:spPr>
           <a:xfrm>
-            <a:off x="2373780" y="3549930"/>
+            <a:off x="2373780" y="3492151"/>
             <a:ext cx="236048" cy="173380"/>
           </a:xfrm>
           <a:prstGeom prst="flowChartDecision">
@@ -3961,7 +3958,7 @@
         </p:nvSpPr>
         <p:spPr>
           <a:xfrm>
-            <a:off x="2825280" y="2846162"/>
+            <a:off x="2825280" y="2713856"/>
             <a:ext cx="1490560" cy="334856"/>
           </a:xfrm>
           <a:prstGeom prst="rect">
@@ -3994,7 +3991,7 @@
           <a:p>
             <a:pPr algn="ctr"/>
             <a:r>
-              <a:rPr lang="en-US" sz="1050" dirty="0" err="1" smtClean="0">
+              <a:rPr lang="en-US" sz="1050" dirty="0" err="1">
                 <a:solidFill>
                   <a:srgbClr val="7030A0"/>
                 </a:solidFill>
@@ -4020,7 +4017,7 @@
         </p:nvCxnSpPr>
         <p:spPr>
           <a:xfrm>
-            <a:off x="2624360" y="3003033"/>
+            <a:off x="2624360" y="2870727"/>
             <a:ext cx="200920" cy="10557"/>
           </a:xfrm>
           <a:prstGeom prst="straightConnector1">
@@ -4058,7 +4055,7 @@
         </p:nvSpPr>
         <p:spPr>
           <a:xfrm>
-            <a:off x="2388312" y="2916343"/>
+            <a:off x="2388312" y="2784037"/>
             <a:ext cx="236048" cy="173380"/>
           </a:xfrm>
           <a:prstGeom prst="flowChartDecision">
@@ -4103,7 +4100,7 @@
         </p:nvSpPr>
         <p:spPr>
           <a:xfrm>
-            <a:off x="4692650" y="2846162"/>
+            <a:off x="4692650" y="2713856"/>
             <a:ext cx="1156969" cy="346760"/>
           </a:xfrm>
           <a:prstGeom prst="rect">
@@ -4159,7 +4156,7 @@
         </p:nvSpPr>
         <p:spPr>
           <a:xfrm>
-            <a:off x="4324972" y="2920532"/>
+            <a:off x="4324972" y="2800762"/>
             <a:ext cx="236048" cy="173380"/>
           </a:xfrm>
           <a:prstGeom prst="flowChartDecision">
@@ -4206,7 +4203,7 @@
         </p:nvSpPr>
         <p:spPr>
           <a:xfrm>
-            <a:off x="6313677" y="2858066"/>
+            <a:off x="6313677" y="2725760"/>
             <a:ext cx="708186" cy="346760"/>
           </a:xfrm>
           <a:prstGeom prst="rect">
@@ -4262,7 +4259,7 @@
         </p:nvSpPr>
         <p:spPr>
           <a:xfrm>
-            <a:off x="5858751" y="2941676"/>
+            <a:off x="5858751" y="2809370"/>
             <a:ext cx="236048" cy="173380"/>
           </a:xfrm>
           <a:prstGeom prst="flowChartDecision">
@@ -4310,7 +4307,7 @@
         </p:nvCxnSpPr>
         <p:spPr>
           <a:xfrm>
-            <a:off x="6094799" y="3028366"/>
+            <a:off x="6094799" y="2896060"/>
             <a:ext cx="218878" cy="3080"/>
           </a:xfrm>
           <a:prstGeom prst="bentConnector3">
@@ -4348,7 +4345,7 @@
         </p:nvSpPr>
         <p:spPr>
           <a:xfrm>
-            <a:off x="7712397" y="2564238"/>
+            <a:off x="7712397" y="2431932"/>
             <a:ext cx="708186" cy="285783"/>
           </a:xfrm>
           <a:prstGeom prst="rect">
@@ -4404,7 +4401,7 @@
         </p:nvSpPr>
         <p:spPr>
           <a:xfrm>
-            <a:off x="7041947" y="2948201"/>
+            <a:off x="7041947" y="2815895"/>
             <a:ext cx="236048" cy="173380"/>
           </a:xfrm>
           <a:prstGeom prst="flowChartDecision">
@@ -4453,7 +4450,7 @@
         </p:nvCxnSpPr>
         <p:spPr>
           <a:xfrm flipV="1">
-            <a:off x="7277995" y="2706821"/>
+            <a:off x="7277995" y="2574515"/>
             <a:ext cx="434402" cy="327761"/>
           </a:xfrm>
           <a:prstGeom prst="bentConnector3">
@@ -4491,7 +4488,7 @@
         </p:nvSpPr>
         <p:spPr>
           <a:xfrm>
-            <a:off x="7712397" y="2887216"/>
+            <a:off x="7712397" y="2754910"/>
             <a:ext cx="708186" cy="285783"/>
           </a:xfrm>
           <a:prstGeom prst="rect">
@@ -4550,7 +4547,7 @@
         </p:nvCxnSpPr>
         <p:spPr>
           <a:xfrm flipV="1">
-            <a:off x="7277995" y="3030108"/>
+            <a:off x="7277995" y="2897802"/>
             <a:ext cx="434402" cy="4783"/>
           </a:xfrm>
           <a:prstGeom prst="bentConnector3">
@@ -4588,7 +4585,7 @@
         </p:nvSpPr>
         <p:spPr>
           <a:xfrm>
-            <a:off x="7712397" y="3210194"/>
+            <a:off x="7712397" y="3077888"/>
             <a:ext cx="708186" cy="285783"/>
           </a:xfrm>
           <a:prstGeom prst="rect">
@@ -4647,7 +4644,7 @@
         </p:nvCxnSpPr>
         <p:spPr>
           <a:xfrm>
-            <a:off x="7277995" y="3034891"/>
+            <a:off x="7277995" y="2902585"/>
             <a:ext cx="434402" cy="318195"/>
           </a:xfrm>
           <a:prstGeom prst="bentConnector3">
@@ -4685,7 +4682,7 @@
         </p:nvSpPr>
         <p:spPr>
           <a:xfrm>
-            <a:off x="7712397" y="3533171"/>
+            <a:off x="7712397" y="3400865"/>
             <a:ext cx="708186" cy="285783"/>
           </a:xfrm>
           <a:prstGeom prst="rect">
@@ -4744,7 +4741,7 @@
         </p:nvCxnSpPr>
         <p:spPr>
           <a:xfrm>
-            <a:off x="7277995" y="3034891"/>
+            <a:off x="7277995" y="2902585"/>
             <a:ext cx="434402" cy="641172"/>
           </a:xfrm>
           <a:prstGeom prst="bentConnector3">
@@ -4784,7 +4781,7 @@
         </p:nvCxnSpPr>
         <p:spPr>
           <a:xfrm rot="5400000">
-            <a:off x="3553611" y="2687559"/>
+            <a:off x="3553611" y="2572450"/>
             <a:ext cx="293825" cy="5938"/>
           </a:xfrm>
           <a:prstGeom prst="bentConnector3">
@@ -4825,7 +4822,7 @@
         </p:nvSpPr>
         <p:spPr>
           <a:xfrm rot="10800000" flipV="1">
-            <a:off x="3562299" y="2386554"/>
+            <a:off x="3562299" y="2271445"/>
             <a:ext cx="282387" cy="157062"/>
           </a:xfrm>
           <a:prstGeom prst="triangle">
@@ -4873,7 +4870,7 @@
         </p:nvSpPr>
         <p:spPr>
           <a:xfrm>
-            <a:off x="1260922" y="1998350"/>
+            <a:off x="1260922" y="1883241"/>
             <a:ext cx="1443661" cy="364396"/>
           </a:xfrm>
           <a:prstGeom prst="rect">
@@ -4943,8 +4940,8 @@
           <p:nvPr/>
         </p:nvSpPr>
         <p:spPr>
-          <a:xfrm rot="16200000">
-            <a:off x="6362886" y="3586305"/>
+          <a:xfrm>
+            <a:off x="6302294" y="3270060"/>
             <a:ext cx="881018" cy="261610"/>
           </a:xfrm>
           <a:prstGeom prst="rect">
@@ -4983,7 +4980,7 @@
         </p:nvSpPr>
         <p:spPr>
           <a:xfrm>
-            <a:off x="2057401" y="4239491"/>
+            <a:off x="2049126" y="5486400"/>
             <a:ext cx="1066800" cy="346760"/>
           </a:xfrm>
           <a:prstGeom prst="rect">
@@ -5023,16 +5020,8 @@
               </a:rPr>
               <a:t>&lt;&lt;interface&gt;&gt;</a:t>
             </a:r>
-            <a:r>
-              <a:rPr lang="en-US" sz="1050">
-                <a:solidFill>
-                  <a:srgbClr val="7030A0"/>
-                </a:solidFill>
-              </a:rPr>
-              <a:t/>
-            </a:r>
             <a:br>
-              <a:rPr lang="en-US" sz="1050">
+              <a:rPr lang="en-US" sz="1050" dirty="0">
                 <a:solidFill>
                   <a:srgbClr val="7030A0"/>
                 </a:solidFill>
@@ -5065,8 +5054,8 @@
         </p:nvCxnSpPr>
         <p:spPr>
           <a:xfrm rot="16200000" flipH="1">
-            <a:off x="1364475" y="3719944"/>
-            <a:ext cx="831471" cy="554381"/>
+            <a:off x="736883" y="4347537"/>
+            <a:ext cx="2078380" cy="546106"/>
           </a:xfrm>
           <a:prstGeom prst="bentConnector2">
             <a:avLst/>
@@ -5104,7 +5093,7 @@
         </p:nvSpPr>
         <p:spPr>
           <a:xfrm>
-            <a:off x="4429979" y="3111479"/>
+            <a:off x="4468106" y="2948984"/>
             <a:ext cx="189257" cy="178683"/>
           </a:xfrm>
           <a:prstGeom prst="rect">
@@ -5143,7 +5132,7 @@
         </p:nvSpPr>
         <p:spPr>
           <a:xfrm>
-            <a:off x="6135256" y="3097917"/>
+            <a:off x="6135256" y="2965611"/>
             <a:ext cx="189257" cy="178683"/>
           </a:xfrm>
           <a:prstGeom prst="rect">
@@ -5182,7 +5171,7 @@
         </p:nvSpPr>
         <p:spPr>
           <a:xfrm>
-            <a:off x="2573394" y="2756715"/>
+            <a:off x="2573394" y="2624409"/>
             <a:ext cx="170110" cy="137542"/>
           </a:xfrm>
           <a:prstGeom prst="rect">
@@ -5221,7 +5210,7 @@
         </p:nvSpPr>
         <p:spPr>
           <a:xfrm>
-            <a:off x="2707070" y="3667737"/>
+            <a:off x="2707070" y="3609958"/>
             <a:ext cx="189257" cy="178683"/>
           </a:xfrm>
           <a:prstGeom prst="rect">
@@ -5260,7 +5249,7 @@
         </p:nvSpPr>
         <p:spPr>
           <a:xfrm>
-            <a:off x="6449896" y="3204826"/>
+            <a:off x="6449896" y="3072520"/>
             <a:ext cx="189257" cy="178683"/>
           </a:xfrm>
           <a:prstGeom prst="rect">
@@ -5305,7 +5294,7 @@
         </p:nvSpPr>
         <p:spPr>
           <a:xfrm>
-            <a:off x="7712397" y="2228817"/>
+            <a:off x="7712397" y="2096511"/>
             <a:ext cx="708186" cy="285783"/>
           </a:xfrm>
           <a:prstGeom prst="rect">
@@ -5371,7 +5360,7 @@
         </p:nvCxnSpPr>
         <p:spPr>
           <a:xfrm flipV="1">
-            <a:off x="7277995" y="2371709"/>
+            <a:off x="7277995" y="2239403"/>
             <a:ext cx="434402" cy="663182"/>
           </a:xfrm>
           <a:prstGeom prst="bentConnector3">
@@ -5456,7 +5445,7 @@
         </p:nvSpPr>
         <p:spPr>
           <a:xfrm>
-            <a:off x="3170181" y="1998350"/>
+            <a:off x="3170181" y="1883241"/>
             <a:ext cx="1060683" cy="364396"/>
           </a:xfrm>
           <a:prstGeom prst="rect">
@@ -5508,14 +5497,14 @@
         <p:nvCxnSpPr>
           <p:cNvPr id="60" name="Straight Arrow Connector 59"/>
           <p:cNvCxnSpPr>
-            <a:stCxn id="51" idx="1"/>
+            <a:cxnSpLocks/>
             <a:endCxn id="49" idx="1"/>
           </p:cNvCxnSpPr>
           <p:nvPr/>
         </p:nvCxnSpPr>
         <p:spPr>
           <a:xfrm>
-            <a:off x="4324972" y="3007222"/>
+            <a:off x="4324972" y="2874916"/>
             <a:ext cx="367678" cy="12320"/>
           </a:xfrm>
           <a:prstGeom prst="straightConnector1">
@@ -5553,7 +5542,7 @@
         </p:nvSpPr>
         <p:spPr>
           <a:xfrm rot="16200000">
-            <a:off x="2669073" y="2069158"/>
+            <a:off x="2669073" y="1954049"/>
             <a:ext cx="271014" cy="187417"/>
           </a:xfrm>
           <a:prstGeom prst="triangle">
@@ -5608,7 +5597,7 @@
         </p:nvCxnSpPr>
         <p:spPr>
           <a:xfrm>
-            <a:off x="2898289" y="2177727"/>
+            <a:off x="2898289" y="2062618"/>
             <a:ext cx="271892" cy="2821"/>
           </a:xfrm>
           <a:prstGeom prst="bentConnector3">
@@ -5641,6 +5630,2099 @@
           </a:fontRef>
         </p:style>
       </p:cxnSp>
+      <p:sp>
+        <p:nvSpPr>
+          <p:cNvPr id="71" name="Rectangle 8">
+            <a:extLst>
+              <a:ext uri="{FF2B5EF4-FFF2-40B4-BE49-F238E27FC236}">
+                <a16:creationId xmlns:a16="http://schemas.microsoft.com/office/drawing/2014/main" id="{82CD5987-D240-4F87-91A8-19BF5D7B75F5}"/>
+              </a:ext>
+            </a:extLst>
+          </p:cNvPr>
+          <p:cNvSpPr/>
+          <p:nvPr/>
+        </p:nvSpPr>
+        <p:spPr>
+          <a:xfrm>
+            <a:off x="7712396" y="1764616"/>
+            <a:ext cx="898204" cy="285783"/>
+          </a:xfrm>
+          <a:prstGeom prst="rect">
+            <a:avLst/>
+          </a:prstGeom>
+          <a:ln w="19050">
+            <a:solidFill>
+              <a:srgbClr val="7030A0"/>
+            </a:solidFill>
+          </a:ln>
+          <a:effectLst/>
+        </p:spPr>
+        <p:style>
+          <a:lnRef idx="1">
+            <a:schemeClr val="accent4"/>
+          </a:lnRef>
+          <a:fillRef idx="2">
+            <a:schemeClr val="accent4"/>
+          </a:fillRef>
+          <a:effectRef idx="1">
+            <a:schemeClr val="accent4"/>
+          </a:effectRef>
+          <a:fontRef idx="minor">
+            <a:schemeClr val="dk1"/>
+          </a:fontRef>
+        </p:style>
+        <p:txBody>
+          <a:bodyPr rtlCol="0" anchor="ctr"/>
+          <a:lstStyle/>
+          <a:p>
+            <a:pPr algn="ctr"/>
+            <a:r>
+              <a:rPr lang="en-US" sz="1050" dirty="0">
+                <a:solidFill>
+                  <a:srgbClr val="7030A0"/>
+                </a:solidFill>
+              </a:rPr>
+              <a:t>Department</a:t>
+            </a:r>
+            <a:endParaRPr lang="en-SG" sz="1050" dirty="0">
+              <a:solidFill>
+                <a:srgbClr val="7030A0"/>
+              </a:solidFill>
+            </a:endParaRPr>
+          </a:p>
+        </p:txBody>
+      </p:sp>
+      <p:sp>
+        <p:nvSpPr>
+          <p:cNvPr id="72" name="Rectangle 8">
+            <a:extLst>
+              <a:ext uri="{FF2B5EF4-FFF2-40B4-BE49-F238E27FC236}">
+                <a16:creationId xmlns:a16="http://schemas.microsoft.com/office/drawing/2014/main" id="{3BA994AA-36E3-49F8-89B8-60005CE50DC3}"/>
+              </a:ext>
+            </a:extLst>
+          </p:cNvPr>
+          <p:cNvSpPr/>
+          <p:nvPr/>
+        </p:nvSpPr>
+        <p:spPr>
+          <a:xfrm>
+            <a:off x="7712396" y="1429195"/>
+            <a:ext cx="898204" cy="285783"/>
+          </a:xfrm>
+          <a:prstGeom prst="rect">
+            <a:avLst/>
+          </a:prstGeom>
+          <a:ln w="19050">
+            <a:solidFill>
+              <a:srgbClr val="7030A0"/>
+            </a:solidFill>
+          </a:ln>
+          <a:effectLst/>
+        </p:spPr>
+        <p:style>
+          <a:lnRef idx="1">
+            <a:schemeClr val="accent4"/>
+          </a:lnRef>
+          <a:fillRef idx="2">
+            <a:schemeClr val="accent4"/>
+          </a:fillRef>
+          <a:effectRef idx="1">
+            <a:schemeClr val="accent4"/>
+          </a:effectRef>
+          <a:fontRef idx="minor">
+            <a:schemeClr val="dk1"/>
+          </a:fontRef>
+        </p:style>
+        <p:txBody>
+          <a:bodyPr rtlCol="0" anchor="ctr"/>
+          <a:lstStyle/>
+          <a:p>
+            <a:pPr algn="ctr"/>
+            <a:r>
+              <a:rPr lang="en-US" sz="1050" dirty="0">
+                <a:solidFill>
+                  <a:srgbClr val="7030A0"/>
+                </a:solidFill>
+              </a:rPr>
+              <a:t>Designation</a:t>
+            </a:r>
+            <a:endParaRPr lang="en-SG" sz="1050" dirty="0">
+              <a:solidFill>
+                <a:srgbClr val="7030A0"/>
+              </a:solidFill>
+            </a:endParaRPr>
+          </a:p>
+        </p:txBody>
+      </p:sp>
+      <p:cxnSp>
+        <p:nvCxnSpPr>
+          <p:cNvPr id="73" name="Elbow Connector 78">
+            <a:extLst>
+              <a:ext uri="{FF2B5EF4-FFF2-40B4-BE49-F238E27FC236}">
+                <a16:creationId xmlns:a16="http://schemas.microsoft.com/office/drawing/2014/main" id="{1C89C614-63AE-43D6-B9B0-5A31DA4977F3}"/>
+              </a:ext>
+            </a:extLst>
+          </p:cNvPr>
+          <p:cNvCxnSpPr>
+            <a:cxnSpLocks/>
+          </p:cNvCxnSpPr>
+          <p:nvPr/>
+        </p:nvCxnSpPr>
+        <p:spPr>
+          <a:xfrm flipV="1">
+            <a:off x="7270103" y="2232878"/>
+            <a:ext cx="434402" cy="663182"/>
+          </a:xfrm>
+          <a:prstGeom prst="bentConnector3">
+            <a:avLst>
+              <a:gd name="adj1" fmla="val 50000"/>
+            </a:avLst>
+          </a:prstGeom>
+          <a:ln w="19050">
+            <a:solidFill>
+              <a:srgbClr val="7030A0"/>
+            </a:solidFill>
+            <a:headEnd type="none" w="med" len="med"/>
+            <a:tailEnd type="arrow" w="med" len="med"/>
+          </a:ln>
+          <a:effectLst/>
+        </p:spPr>
+        <p:style>
+          <a:lnRef idx="1">
+            <a:schemeClr val="accent2"/>
+          </a:lnRef>
+          <a:fillRef idx="2">
+            <a:schemeClr val="accent2"/>
+          </a:fillRef>
+          <a:effectRef idx="1">
+            <a:schemeClr val="accent2"/>
+          </a:effectRef>
+          <a:fontRef idx="minor">
+            <a:schemeClr val="dk1"/>
+          </a:fontRef>
+        </p:style>
+      </p:cxnSp>
+      <p:cxnSp>
+        <p:nvCxnSpPr>
+          <p:cNvPr id="74" name="Elbow Connector 78">
+            <a:extLst>
+              <a:ext uri="{FF2B5EF4-FFF2-40B4-BE49-F238E27FC236}">
+                <a16:creationId xmlns:a16="http://schemas.microsoft.com/office/drawing/2014/main" id="{3D34BE80-7CA5-4C94-93B7-EC9A99C04949}"/>
+              </a:ext>
+            </a:extLst>
+          </p:cNvPr>
+          <p:cNvCxnSpPr>
+            <a:cxnSpLocks/>
+            <a:stCxn id="78" idx="3"/>
+            <a:endCxn id="71" idx="1"/>
+          </p:cNvCxnSpPr>
+          <p:nvPr/>
+        </p:nvCxnSpPr>
+        <p:spPr>
+          <a:xfrm flipV="1">
+            <a:off x="7277995" y="1907508"/>
+            <a:ext cx="434401" cy="995077"/>
+          </a:xfrm>
+          <a:prstGeom prst="bentConnector3">
+            <a:avLst>
+              <a:gd name="adj1" fmla="val 50000"/>
+            </a:avLst>
+          </a:prstGeom>
+          <a:ln w="19050">
+            <a:solidFill>
+              <a:srgbClr val="7030A0"/>
+            </a:solidFill>
+            <a:headEnd type="none" w="med" len="med"/>
+            <a:tailEnd type="arrow" w="med" len="med"/>
+          </a:ln>
+          <a:effectLst/>
+        </p:spPr>
+        <p:style>
+          <a:lnRef idx="1">
+            <a:schemeClr val="accent2"/>
+          </a:lnRef>
+          <a:fillRef idx="2">
+            <a:schemeClr val="accent2"/>
+          </a:fillRef>
+          <a:effectRef idx="1">
+            <a:schemeClr val="accent2"/>
+          </a:effectRef>
+          <a:fontRef idx="minor">
+            <a:schemeClr val="dk1"/>
+          </a:fontRef>
+        </p:style>
+      </p:cxnSp>
+      <p:cxnSp>
+        <p:nvCxnSpPr>
+          <p:cNvPr id="77" name="Elbow Connector 78">
+            <a:extLst>
+              <a:ext uri="{FF2B5EF4-FFF2-40B4-BE49-F238E27FC236}">
+                <a16:creationId xmlns:a16="http://schemas.microsoft.com/office/drawing/2014/main" id="{E56497DB-C427-4BA6-847C-0EBE1B1584A9}"/>
+              </a:ext>
+            </a:extLst>
+          </p:cNvPr>
+          <p:cNvCxnSpPr>
+            <a:cxnSpLocks/>
+            <a:stCxn id="78" idx="3"/>
+            <a:endCxn id="72" idx="1"/>
+          </p:cNvCxnSpPr>
+          <p:nvPr/>
+        </p:nvCxnSpPr>
+        <p:spPr>
+          <a:xfrm flipV="1">
+            <a:off x="7277995" y="1572087"/>
+            <a:ext cx="434401" cy="1330498"/>
+          </a:xfrm>
+          <a:prstGeom prst="bentConnector3">
+            <a:avLst>
+              <a:gd name="adj1" fmla="val 50000"/>
+            </a:avLst>
+          </a:prstGeom>
+          <a:ln w="19050">
+            <a:solidFill>
+              <a:srgbClr val="7030A0"/>
+            </a:solidFill>
+            <a:headEnd type="none" w="med" len="med"/>
+            <a:tailEnd type="arrow" w="med" len="med"/>
+          </a:ln>
+          <a:effectLst/>
+        </p:spPr>
+        <p:style>
+          <a:lnRef idx="1">
+            <a:schemeClr val="accent2"/>
+          </a:lnRef>
+          <a:fillRef idx="2">
+            <a:schemeClr val="accent2"/>
+          </a:fillRef>
+          <a:effectRef idx="1">
+            <a:schemeClr val="accent2"/>
+          </a:effectRef>
+          <a:fontRef idx="minor">
+            <a:schemeClr val="dk1"/>
+          </a:fontRef>
+        </p:style>
+      </p:cxnSp>
+      <p:sp>
+        <p:nvSpPr>
+          <p:cNvPr id="82" name="Rectangle 8">
+            <a:extLst>
+              <a:ext uri="{FF2B5EF4-FFF2-40B4-BE49-F238E27FC236}">
+                <a16:creationId xmlns:a16="http://schemas.microsoft.com/office/drawing/2014/main" id="{0BC6A0D1-DF95-431F-BC36-015CA1D443FB}"/>
+              </a:ext>
+            </a:extLst>
+          </p:cNvPr>
+          <p:cNvSpPr/>
+          <p:nvPr/>
+        </p:nvSpPr>
+        <p:spPr>
+          <a:xfrm>
+            <a:off x="2834412" y="4123465"/>
+            <a:ext cx="1490560" cy="334856"/>
+          </a:xfrm>
+          <a:prstGeom prst="rect">
+            <a:avLst/>
+          </a:prstGeom>
+          <a:ln w="19050">
+            <a:solidFill>
+              <a:srgbClr val="7030A0"/>
+            </a:solidFill>
+          </a:ln>
+          <a:effectLst/>
+        </p:spPr>
+        <p:style>
+          <a:lnRef idx="1">
+            <a:schemeClr val="accent4"/>
+          </a:lnRef>
+          <a:fillRef idx="2">
+            <a:schemeClr val="accent4"/>
+          </a:fillRef>
+          <a:effectRef idx="1">
+            <a:schemeClr val="accent4"/>
+          </a:effectRef>
+          <a:fontRef idx="minor">
+            <a:schemeClr val="dk1"/>
+          </a:fontRef>
+        </p:style>
+        <p:txBody>
+          <a:bodyPr rtlCol="0" anchor="ctr"/>
+          <a:lstStyle/>
+          <a:p>
+            <a:pPr algn="ctr"/>
+            <a:r>
+              <a:rPr lang="en-US" sz="1050" dirty="0" err="1">
+                <a:solidFill>
+                  <a:srgbClr val="7030A0"/>
+                </a:solidFill>
+              </a:rPr>
+              <a:t>VersionedEventList</a:t>
+            </a:r>
+            <a:endParaRPr lang="en-SG" sz="1050" dirty="0">
+              <a:solidFill>
+                <a:srgbClr val="7030A0"/>
+              </a:solidFill>
+            </a:endParaRPr>
+          </a:p>
+        </p:txBody>
+      </p:sp>
+      <p:cxnSp>
+        <p:nvCxnSpPr>
+          <p:cNvPr id="87" name="Straight Arrow Connector 86">
+            <a:extLst>
+              <a:ext uri="{FF2B5EF4-FFF2-40B4-BE49-F238E27FC236}">
+                <a16:creationId xmlns:a16="http://schemas.microsoft.com/office/drawing/2014/main" id="{955A681A-F4CB-4950-8520-9ADBBD9E1E7F}"/>
+              </a:ext>
+            </a:extLst>
+          </p:cNvPr>
+          <p:cNvCxnSpPr>
+            <a:stCxn id="88" idx="3"/>
+            <a:endCxn id="82" idx="1"/>
+          </p:cNvCxnSpPr>
+          <p:nvPr/>
+        </p:nvCxnSpPr>
+        <p:spPr>
+          <a:xfrm>
+            <a:off x="2633492" y="4280336"/>
+            <a:ext cx="200920" cy="10557"/>
+          </a:xfrm>
+          <a:prstGeom prst="straightConnector1">
+            <a:avLst/>
+          </a:prstGeom>
+          <a:ln w="19050">
+            <a:solidFill>
+              <a:srgbClr val="7030A0"/>
+            </a:solidFill>
+            <a:headEnd type="none" w="med" len="med"/>
+            <a:tailEnd type="arrow" w="med" len="med"/>
+          </a:ln>
+          <a:effectLst/>
+        </p:spPr>
+        <p:style>
+          <a:lnRef idx="1">
+            <a:schemeClr val="accent2"/>
+          </a:lnRef>
+          <a:fillRef idx="2">
+            <a:schemeClr val="accent2"/>
+          </a:fillRef>
+          <a:effectRef idx="1">
+            <a:schemeClr val="accent2"/>
+          </a:effectRef>
+          <a:fontRef idx="minor">
+            <a:schemeClr val="dk1"/>
+          </a:fontRef>
+        </p:style>
+      </p:cxnSp>
+      <p:sp>
+        <p:nvSpPr>
+          <p:cNvPr id="88" name="Flowchart: Decision 96">
+            <a:extLst>
+              <a:ext uri="{FF2B5EF4-FFF2-40B4-BE49-F238E27FC236}">
+                <a16:creationId xmlns:a16="http://schemas.microsoft.com/office/drawing/2014/main" id="{0A810C40-68C8-41F7-BE5D-67D0ED3A0DC5}"/>
+              </a:ext>
+            </a:extLst>
+          </p:cNvPr>
+          <p:cNvSpPr/>
+          <p:nvPr/>
+        </p:nvSpPr>
+        <p:spPr>
+          <a:xfrm>
+            <a:off x="2397444" y="4193646"/>
+            <a:ext cx="236048" cy="173380"/>
+          </a:xfrm>
+          <a:prstGeom prst="flowChartDecision">
+            <a:avLst/>
+          </a:prstGeom>
+          <a:noFill/>
+          <a:ln w="19050">
+            <a:solidFill>
+              <a:srgbClr val="7030A0"/>
+            </a:solidFill>
+          </a:ln>
+          <a:effectLst/>
+        </p:spPr>
+        <p:style>
+          <a:lnRef idx="1">
+            <a:schemeClr val="accent6"/>
+          </a:lnRef>
+          <a:fillRef idx="2">
+            <a:schemeClr val="accent6"/>
+          </a:fillRef>
+          <a:effectRef idx="1">
+            <a:schemeClr val="accent6"/>
+          </a:effectRef>
+          <a:fontRef idx="minor">
+            <a:schemeClr val="dk1"/>
+          </a:fontRef>
+        </p:style>
+        <p:txBody>
+          <a:bodyPr rtlCol="0" anchor="ctr"/>
+          <a:lstStyle/>
+          <a:p>
+            <a:pPr algn="ctr"/>
+            <a:endParaRPr lang="en-US" sz="1050"/>
+          </a:p>
+        </p:txBody>
+      </p:sp>
+      <p:sp>
+        <p:nvSpPr>
+          <p:cNvPr id="89" name="Rectangle 8">
+            <a:extLst>
+              <a:ext uri="{FF2B5EF4-FFF2-40B4-BE49-F238E27FC236}">
+                <a16:creationId xmlns:a16="http://schemas.microsoft.com/office/drawing/2014/main" id="{A87B8A3B-C51B-4CB1-A2EA-3A751D7EDA99}"/>
+              </a:ext>
+            </a:extLst>
+          </p:cNvPr>
+          <p:cNvSpPr/>
+          <p:nvPr/>
+        </p:nvSpPr>
+        <p:spPr>
+          <a:xfrm>
+            <a:off x="4701782" y="4123465"/>
+            <a:ext cx="1156969" cy="346760"/>
+          </a:xfrm>
+          <a:prstGeom prst="rect">
+            <a:avLst/>
+          </a:prstGeom>
+          <a:ln w="19050">
+            <a:solidFill>
+              <a:srgbClr val="7030A0"/>
+            </a:solidFill>
+          </a:ln>
+          <a:effectLst/>
+        </p:spPr>
+        <p:style>
+          <a:lnRef idx="1">
+            <a:schemeClr val="accent4"/>
+          </a:lnRef>
+          <a:fillRef idx="2">
+            <a:schemeClr val="accent4"/>
+          </a:fillRef>
+          <a:effectRef idx="1">
+            <a:schemeClr val="accent4"/>
+          </a:effectRef>
+          <a:fontRef idx="minor">
+            <a:schemeClr val="dk1"/>
+          </a:fontRef>
+        </p:style>
+        <p:txBody>
+          <a:bodyPr rtlCol="0" anchor="ctr"/>
+          <a:lstStyle/>
+          <a:p>
+            <a:pPr algn="ctr"/>
+            <a:r>
+              <a:rPr lang="en-US" sz="1050" dirty="0" err="1">
+                <a:solidFill>
+                  <a:srgbClr val="7030A0"/>
+                </a:solidFill>
+              </a:rPr>
+              <a:t>UniqueEventList</a:t>
+            </a:r>
+            <a:endParaRPr lang="en-SG" sz="1050" dirty="0">
+              <a:solidFill>
+                <a:srgbClr val="7030A0"/>
+              </a:solidFill>
+            </a:endParaRPr>
+          </a:p>
+        </p:txBody>
+      </p:sp>
+      <p:sp>
+        <p:nvSpPr>
+          <p:cNvPr id="90" name="Flowchart: Decision 96">
+            <a:extLst>
+              <a:ext uri="{FF2B5EF4-FFF2-40B4-BE49-F238E27FC236}">
+                <a16:creationId xmlns:a16="http://schemas.microsoft.com/office/drawing/2014/main" id="{9991870D-2A22-4927-8DA3-C9E1D03B73EC}"/>
+              </a:ext>
+            </a:extLst>
+          </p:cNvPr>
+          <p:cNvSpPr/>
+          <p:nvPr/>
+        </p:nvSpPr>
+        <p:spPr>
+          <a:xfrm>
+            <a:off x="4326686" y="4203995"/>
+            <a:ext cx="236048" cy="173380"/>
+          </a:xfrm>
+          <a:prstGeom prst="flowChartDecision">
+            <a:avLst/>
+          </a:prstGeom>
+          <a:solidFill>
+            <a:srgbClr val="7030A0"/>
+          </a:solidFill>
+          <a:ln w="19050">
+            <a:solidFill>
+              <a:srgbClr val="7030A0"/>
+            </a:solidFill>
+          </a:ln>
+          <a:effectLst/>
+        </p:spPr>
+        <p:style>
+          <a:lnRef idx="1">
+            <a:schemeClr val="accent6"/>
+          </a:lnRef>
+          <a:fillRef idx="2">
+            <a:schemeClr val="accent6"/>
+          </a:fillRef>
+          <a:effectRef idx="1">
+            <a:schemeClr val="accent6"/>
+          </a:effectRef>
+          <a:fontRef idx="minor">
+            <a:schemeClr val="dk1"/>
+          </a:fontRef>
+        </p:style>
+        <p:txBody>
+          <a:bodyPr rtlCol="0" anchor="ctr"/>
+          <a:lstStyle/>
+          <a:p>
+            <a:pPr algn="ctr"/>
+            <a:endParaRPr lang="en-US" sz="1050"/>
+          </a:p>
+        </p:txBody>
+      </p:sp>
+      <p:sp>
+        <p:nvSpPr>
+          <p:cNvPr id="91" name="Rectangle 8">
+            <a:extLst>
+              <a:ext uri="{FF2B5EF4-FFF2-40B4-BE49-F238E27FC236}">
+                <a16:creationId xmlns:a16="http://schemas.microsoft.com/office/drawing/2014/main" id="{DB33A765-C113-42D4-80D3-5CE7CAA42211}"/>
+              </a:ext>
+            </a:extLst>
+          </p:cNvPr>
+          <p:cNvSpPr/>
+          <p:nvPr/>
+        </p:nvSpPr>
+        <p:spPr>
+          <a:xfrm>
+            <a:off x="6322809" y="4135369"/>
+            <a:ext cx="708186" cy="346760"/>
+          </a:xfrm>
+          <a:prstGeom prst="rect">
+            <a:avLst/>
+          </a:prstGeom>
+          <a:ln w="19050">
+            <a:solidFill>
+              <a:srgbClr val="7030A0"/>
+            </a:solidFill>
+          </a:ln>
+          <a:effectLst/>
+        </p:spPr>
+        <p:style>
+          <a:lnRef idx="1">
+            <a:schemeClr val="accent4"/>
+          </a:lnRef>
+          <a:fillRef idx="2">
+            <a:schemeClr val="accent4"/>
+          </a:fillRef>
+          <a:effectRef idx="1">
+            <a:schemeClr val="accent4"/>
+          </a:effectRef>
+          <a:fontRef idx="minor">
+            <a:schemeClr val="dk1"/>
+          </a:fontRef>
+        </p:style>
+        <p:txBody>
+          <a:bodyPr rtlCol="0" anchor="ctr"/>
+          <a:lstStyle/>
+          <a:p>
+            <a:pPr algn="ctr"/>
+            <a:r>
+              <a:rPr lang="en-US" sz="1050" dirty="0">
+                <a:solidFill>
+                  <a:srgbClr val="7030A0"/>
+                </a:solidFill>
+              </a:rPr>
+              <a:t>Event</a:t>
+            </a:r>
+            <a:endParaRPr lang="en-SG" sz="1050" dirty="0">
+              <a:solidFill>
+                <a:srgbClr val="7030A0"/>
+              </a:solidFill>
+            </a:endParaRPr>
+          </a:p>
+        </p:txBody>
+      </p:sp>
+      <p:sp>
+        <p:nvSpPr>
+          <p:cNvPr id="92" name="Flowchart: Decision 96">
+            <a:extLst>
+              <a:ext uri="{FF2B5EF4-FFF2-40B4-BE49-F238E27FC236}">
+                <a16:creationId xmlns:a16="http://schemas.microsoft.com/office/drawing/2014/main" id="{F8D590EE-1DA0-4862-9451-B35BFA5860F9}"/>
+              </a:ext>
+            </a:extLst>
+          </p:cNvPr>
+          <p:cNvSpPr/>
+          <p:nvPr/>
+        </p:nvSpPr>
+        <p:spPr>
+          <a:xfrm>
+            <a:off x="5867883" y="4218979"/>
+            <a:ext cx="236048" cy="173380"/>
+          </a:xfrm>
+          <a:prstGeom prst="flowChartDecision">
+            <a:avLst/>
+          </a:prstGeom>
+          <a:noFill/>
+          <a:ln w="19050">
+            <a:solidFill>
+              <a:srgbClr val="7030A0"/>
+            </a:solidFill>
+          </a:ln>
+          <a:effectLst/>
+        </p:spPr>
+        <p:style>
+          <a:lnRef idx="1">
+            <a:schemeClr val="accent6"/>
+          </a:lnRef>
+          <a:fillRef idx="2">
+            <a:schemeClr val="accent6"/>
+          </a:fillRef>
+          <a:effectRef idx="1">
+            <a:schemeClr val="accent6"/>
+          </a:effectRef>
+          <a:fontRef idx="minor">
+            <a:schemeClr val="dk1"/>
+          </a:fontRef>
+        </p:style>
+        <p:txBody>
+          <a:bodyPr rtlCol="0" anchor="ctr"/>
+          <a:lstStyle/>
+          <a:p>
+            <a:pPr algn="ctr"/>
+            <a:endParaRPr lang="en-US" sz="1050"/>
+          </a:p>
+        </p:txBody>
+      </p:sp>
+      <p:cxnSp>
+        <p:nvCxnSpPr>
+          <p:cNvPr id="93" name="Elbow Connector 63">
+            <a:extLst>
+              <a:ext uri="{FF2B5EF4-FFF2-40B4-BE49-F238E27FC236}">
+                <a16:creationId xmlns:a16="http://schemas.microsoft.com/office/drawing/2014/main" id="{13BFE626-A1F4-490B-A962-E8BE9292724A}"/>
+              </a:ext>
+            </a:extLst>
+          </p:cNvPr>
+          <p:cNvCxnSpPr>
+            <a:stCxn id="92" idx="3"/>
+            <a:endCxn id="91" idx="1"/>
+          </p:cNvCxnSpPr>
+          <p:nvPr/>
+        </p:nvCxnSpPr>
+        <p:spPr>
+          <a:xfrm>
+            <a:off x="6103931" y="4305669"/>
+            <a:ext cx="218878" cy="3080"/>
+          </a:xfrm>
+          <a:prstGeom prst="bentConnector3">
+            <a:avLst/>
+          </a:prstGeom>
+          <a:ln w="19050">
+            <a:solidFill>
+              <a:srgbClr val="7030A0"/>
+            </a:solidFill>
+            <a:headEnd type="none" w="med" len="med"/>
+            <a:tailEnd type="arrow" w="med" len="med"/>
+          </a:ln>
+          <a:effectLst/>
+        </p:spPr>
+        <p:style>
+          <a:lnRef idx="1">
+            <a:schemeClr val="accent2"/>
+          </a:lnRef>
+          <a:fillRef idx="2">
+            <a:schemeClr val="accent2"/>
+          </a:fillRef>
+          <a:effectRef idx="1">
+            <a:schemeClr val="accent2"/>
+          </a:effectRef>
+          <a:fontRef idx="minor">
+            <a:schemeClr val="dk1"/>
+          </a:fontRef>
+        </p:style>
+      </p:cxnSp>
+      <p:sp>
+        <p:nvSpPr>
+          <p:cNvPr id="94" name="TextBox 93">
+            <a:extLst>
+              <a:ext uri="{FF2B5EF4-FFF2-40B4-BE49-F238E27FC236}">
+                <a16:creationId xmlns:a16="http://schemas.microsoft.com/office/drawing/2014/main" id="{540731D8-40A5-4092-BA0D-604DE11A6E61}"/>
+              </a:ext>
+            </a:extLst>
+          </p:cNvPr>
+          <p:cNvSpPr txBox="1"/>
+          <p:nvPr/>
+        </p:nvSpPr>
+        <p:spPr>
+          <a:xfrm>
+            <a:off x="4464021" y="4357502"/>
+            <a:ext cx="189257" cy="178683"/>
+          </a:xfrm>
+          <a:prstGeom prst="rect">
+            <a:avLst/>
+          </a:prstGeom>
+          <a:noFill/>
+        </p:spPr>
+        <p:txBody>
+          <a:bodyPr wrap="square" lIns="0" tIns="0" rIns="0" bIns="0" rtlCol="0">
+            <a:noAutofit/>
+          </a:bodyPr>
+          <a:lstStyle/>
+          <a:p>
+            <a:pPr algn="ctr"/>
+            <a:r>
+              <a:rPr lang="en-US" sz="1100" dirty="0">
+                <a:solidFill>
+                  <a:srgbClr val="7030A0"/>
+                </a:solidFill>
+              </a:rPr>
+              <a:t>1</a:t>
+            </a:r>
+            <a:endParaRPr lang="en-SG" sz="1100" dirty="0">
+              <a:solidFill>
+                <a:srgbClr val="7030A0"/>
+              </a:solidFill>
+            </a:endParaRPr>
+          </a:p>
+        </p:txBody>
+      </p:sp>
+      <p:sp>
+        <p:nvSpPr>
+          <p:cNvPr id="95" name="TextBox 94">
+            <a:extLst>
+              <a:ext uri="{FF2B5EF4-FFF2-40B4-BE49-F238E27FC236}">
+                <a16:creationId xmlns:a16="http://schemas.microsoft.com/office/drawing/2014/main" id="{69F69648-D498-44AC-9560-86F648445454}"/>
+              </a:ext>
+            </a:extLst>
+          </p:cNvPr>
+          <p:cNvSpPr txBox="1"/>
+          <p:nvPr/>
+        </p:nvSpPr>
+        <p:spPr>
+          <a:xfrm>
+            <a:off x="6144388" y="4375220"/>
+            <a:ext cx="189257" cy="178683"/>
+          </a:xfrm>
+          <a:prstGeom prst="rect">
+            <a:avLst/>
+          </a:prstGeom>
+          <a:noFill/>
+        </p:spPr>
+        <p:txBody>
+          <a:bodyPr wrap="square" lIns="0" tIns="0" rIns="0" bIns="0" rtlCol="0">
+            <a:noAutofit/>
+          </a:bodyPr>
+          <a:lstStyle/>
+          <a:p>
+            <a:pPr algn="ctr"/>
+            <a:r>
+              <a:rPr lang="en-US" sz="1100" dirty="0">
+                <a:solidFill>
+                  <a:srgbClr val="7030A0"/>
+                </a:solidFill>
+              </a:rPr>
+              <a:t>*</a:t>
+            </a:r>
+            <a:endParaRPr lang="en-SG" sz="1100" dirty="0">
+              <a:solidFill>
+                <a:srgbClr val="7030A0"/>
+              </a:solidFill>
+            </a:endParaRPr>
+          </a:p>
+        </p:txBody>
+      </p:sp>
+      <p:sp>
+        <p:nvSpPr>
+          <p:cNvPr id="96" name="TextBox 95">
+            <a:extLst>
+              <a:ext uri="{FF2B5EF4-FFF2-40B4-BE49-F238E27FC236}">
+                <a16:creationId xmlns:a16="http://schemas.microsoft.com/office/drawing/2014/main" id="{D159331B-61BD-472E-AA8B-AC072F96F122}"/>
+              </a:ext>
+            </a:extLst>
+          </p:cNvPr>
+          <p:cNvSpPr txBox="1"/>
+          <p:nvPr/>
+        </p:nvSpPr>
+        <p:spPr>
+          <a:xfrm>
+            <a:off x="2582526" y="4034018"/>
+            <a:ext cx="170110" cy="137542"/>
+          </a:xfrm>
+          <a:prstGeom prst="rect">
+            <a:avLst/>
+          </a:prstGeom>
+          <a:noFill/>
+        </p:spPr>
+        <p:txBody>
+          <a:bodyPr wrap="square" lIns="0" tIns="0" rIns="0" bIns="0" rtlCol="0">
+            <a:noAutofit/>
+          </a:bodyPr>
+          <a:lstStyle/>
+          <a:p>
+            <a:pPr algn="ctr"/>
+            <a:r>
+              <a:rPr lang="en-US" sz="1100" dirty="0">
+                <a:solidFill>
+                  <a:srgbClr val="7030A0"/>
+                </a:solidFill>
+              </a:rPr>
+              <a:t>1</a:t>
+            </a:r>
+            <a:endParaRPr lang="en-SG" sz="1100" dirty="0">
+              <a:solidFill>
+                <a:srgbClr val="7030A0"/>
+              </a:solidFill>
+            </a:endParaRPr>
+          </a:p>
+        </p:txBody>
+      </p:sp>
+      <p:cxnSp>
+        <p:nvCxnSpPr>
+          <p:cNvPr id="98" name="Straight Arrow Connector 97">
+            <a:extLst>
+              <a:ext uri="{FF2B5EF4-FFF2-40B4-BE49-F238E27FC236}">
+                <a16:creationId xmlns:a16="http://schemas.microsoft.com/office/drawing/2014/main" id="{0C4B1349-1EBD-4C76-82D7-4EBF510FE78D}"/>
+              </a:ext>
+            </a:extLst>
+          </p:cNvPr>
+          <p:cNvCxnSpPr>
+            <a:cxnSpLocks/>
+            <a:endCxn id="89" idx="1"/>
+          </p:cNvCxnSpPr>
+          <p:nvPr/>
+        </p:nvCxnSpPr>
+        <p:spPr>
+          <a:xfrm>
+            <a:off x="4334104" y="4284525"/>
+            <a:ext cx="367678" cy="12320"/>
+          </a:xfrm>
+          <a:prstGeom prst="straightConnector1">
+            <a:avLst/>
+          </a:prstGeom>
+          <a:ln w="19050">
+            <a:solidFill>
+              <a:srgbClr val="7030A0"/>
+            </a:solidFill>
+            <a:headEnd type="none" w="med" len="med"/>
+            <a:tailEnd type="arrow" w="med" len="med"/>
+          </a:ln>
+          <a:effectLst/>
+        </p:spPr>
+        <p:style>
+          <a:lnRef idx="1">
+            <a:schemeClr val="accent2"/>
+          </a:lnRef>
+          <a:fillRef idx="2">
+            <a:schemeClr val="accent2"/>
+          </a:fillRef>
+          <a:effectRef idx="1">
+            <a:schemeClr val="accent2"/>
+          </a:effectRef>
+          <a:fontRef idx="minor">
+            <a:schemeClr val="dk1"/>
+          </a:fontRef>
+        </p:style>
+      </p:cxnSp>
+      <p:cxnSp>
+        <p:nvCxnSpPr>
+          <p:cNvPr id="101" name="Elbow Connector 106">
+            <a:extLst>
+              <a:ext uri="{FF2B5EF4-FFF2-40B4-BE49-F238E27FC236}">
+                <a16:creationId xmlns:a16="http://schemas.microsoft.com/office/drawing/2014/main" id="{EE6016FB-ECE5-4585-95DC-8ED1DB36B27B}"/>
+              </a:ext>
+            </a:extLst>
+          </p:cNvPr>
+          <p:cNvCxnSpPr>
+            <a:cxnSpLocks/>
+            <a:endCxn id="91" idx="0"/>
+          </p:cNvCxnSpPr>
+          <p:nvPr/>
+        </p:nvCxnSpPr>
+        <p:spPr>
+          <a:xfrm>
+            <a:off x="2220076" y="3938972"/>
+            <a:ext cx="4456826" cy="196397"/>
+          </a:xfrm>
+          <a:prstGeom prst="bentConnector2">
+            <a:avLst/>
+          </a:prstGeom>
+          <a:ln w="19050">
+            <a:solidFill>
+              <a:srgbClr val="7030A0"/>
+            </a:solidFill>
+            <a:prstDash val="solid"/>
+            <a:headEnd type="none" w="med" len="med"/>
+            <a:tailEnd type="arrow" w="med" len="med"/>
+          </a:ln>
+          <a:effectLst/>
+        </p:spPr>
+        <p:style>
+          <a:lnRef idx="1">
+            <a:schemeClr val="accent2"/>
+          </a:lnRef>
+          <a:fillRef idx="2">
+            <a:schemeClr val="accent2"/>
+          </a:fillRef>
+          <a:effectRef idx="1">
+            <a:schemeClr val="accent2"/>
+          </a:effectRef>
+          <a:fontRef idx="minor">
+            <a:schemeClr val="dk1"/>
+          </a:fontRef>
+        </p:style>
+      </p:cxnSp>
+      <p:sp>
+        <p:nvSpPr>
+          <p:cNvPr id="102" name="TextBox 101">
+            <a:extLst>
+              <a:ext uri="{FF2B5EF4-FFF2-40B4-BE49-F238E27FC236}">
+                <a16:creationId xmlns:a16="http://schemas.microsoft.com/office/drawing/2014/main" id="{2E9CEC24-2324-4BEF-9CAF-6706BB938ED2}"/>
+              </a:ext>
+            </a:extLst>
+          </p:cNvPr>
+          <p:cNvSpPr txBox="1"/>
+          <p:nvPr/>
+        </p:nvSpPr>
+        <p:spPr>
+          <a:xfrm>
+            <a:off x="6302294" y="3670461"/>
+            <a:ext cx="881018" cy="261610"/>
+          </a:xfrm>
+          <a:prstGeom prst="rect">
+            <a:avLst/>
+          </a:prstGeom>
+          <a:noFill/>
+        </p:spPr>
+        <p:txBody>
+          <a:bodyPr wrap="square" rtlCol="0">
+            <a:spAutoFit/>
+          </a:bodyPr>
+          <a:lstStyle/>
+          <a:p>
+            <a:pPr algn="r"/>
+            <a:r>
+              <a:rPr lang="en-US" sz="1100" dirty="0">
+                <a:solidFill>
+                  <a:srgbClr val="7030A0"/>
+                </a:solidFill>
+              </a:rPr>
+              <a:t>filtered list</a:t>
+            </a:r>
+            <a:endParaRPr lang="en-SG" sz="1100" dirty="0">
+              <a:solidFill>
+                <a:srgbClr val="7030A0"/>
+              </a:solidFill>
+            </a:endParaRPr>
+          </a:p>
+        </p:txBody>
+      </p:sp>
+      <p:cxnSp>
+        <p:nvCxnSpPr>
+          <p:cNvPr id="103" name="Elbow Connector 63">
+            <a:extLst>
+              <a:ext uri="{FF2B5EF4-FFF2-40B4-BE49-F238E27FC236}">
+                <a16:creationId xmlns:a16="http://schemas.microsoft.com/office/drawing/2014/main" id="{4FBC8619-A751-4B6F-870A-1B49336187C9}"/>
+              </a:ext>
+            </a:extLst>
+          </p:cNvPr>
+          <p:cNvCxnSpPr>
+            <a:cxnSpLocks/>
+            <a:stCxn id="104" idx="3"/>
+          </p:cNvCxnSpPr>
+          <p:nvPr/>
+        </p:nvCxnSpPr>
+        <p:spPr>
+          <a:xfrm rot="16200000" flipV="1">
+            <a:off x="3989653" y="4516981"/>
+            <a:ext cx="119389" cy="2069"/>
+          </a:xfrm>
+          <a:prstGeom prst="bentConnector3">
+            <a:avLst>
+              <a:gd name="adj1" fmla="val 50000"/>
+            </a:avLst>
+          </a:prstGeom>
+          <a:ln w="19050">
+            <a:solidFill>
+              <a:srgbClr val="7030A0"/>
+            </a:solidFill>
+            <a:prstDash val="sysDot"/>
+            <a:headEnd type="none" w="med" len="med"/>
+            <a:tailEnd type="none" w="med" len="med"/>
+          </a:ln>
+          <a:effectLst/>
+        </p:spPr>
+        <p:style>
+          <a:lnRef idx="1">
+            <a:schemeClr val="accent2"/>
+          </a:lnRef>
+          <a:fillRef idx="2">
+            <a:schemeClr val="accent2"/>
+          </a:fillRef>
+          <a:effectRef idx="1">
+            <a:schemeClr val="accent2"/>
+          </a:effectRef>
+          <a:fontRef idx="minor">
+            <a:schemeClr val="dk1"/>
+          </a:fontRef>
+        </p:style>
+      </p:cxnSp>
+      <p:sp>
+        <p:nvSpPr>
+          <p:cNvPr id="104" name="Isosceles Triangle 102">
+            <a:extLst>
+              <a:ext uri="{FF2B5EF4-FFF2-40B4-BE49-F238E27FC236}">
+                <a16:creationId xmlns:a16="http://schemas.microsoft.com/office/drawing/2014/main" id="{08A6E125-CCFD-43B4-A21B-F4A399ABA4F5}"/>
+              </a:ext>
+            </a:extLst>
+          </p:cNvPr>
+          <p:cNvSpPr/>
+          <p:nvPr/>
+        </p:nvSpPr>
+        <p:spPr>
+          <a:xfrm flipV="1">
+            <a:off x="3909187" y="4577710"/>
+            <a:ext cx="282387" cy="157062"/>
+          </a:xfrm>
+          <a:prstGeom prst="triangle">
+            <a:avLst/>
+          </a:prstGeom>
+          <a:ln w="19050">
+            <a:solidFill>
+              <a:srgbClr val="7030A0"/>
+            </a:solidFill>
+          </a:ln>
+          <a:effectLst/>
+        </p:spPr>
+        <p:style>
+          <a:lnRef idx="1">
+            <a:schemeClr val="accent4"/>
+          </a:lnRef>
+          <a:fillRef idx="2">
+            <a:schemeClr val="accent4"/>
+          </a:fillRef>
+          <a:effectRef idx="1">
+            <a:schemeClr val="accent4"/>
+          </a:effectRef>
+          <a:fontRef idx="minor">
+            <a:schemeClr val="dk1"/>
+          </a:fontRef>
+        </p:style>
+        <p:txBody>
+          <a:bodyPr rtlCol="0" anchor="ctr"/>
+          <a:lstStyle/>
+          <a:p>
+            <a:pPr algn="ctr"/>
+            <a:endParaRPr lang="en-SG" sz="1050" b="1">
+              <a:solidFill>
+                <a:srgbClr val="92D050"/>
+              </a:solidFill>
+            </a:endParaRPr>
+          </a:p>
+        </p:txBody>
+      </p:sp>
+      <p:sp>
+        <p:nvSpPr>
+          <p:cNvPr id="108" name="Rectangle 8">
+            <a:extLst>
+              <a:ext uri="{FF2B5EF4-FFF2-40B4-BE49-F238E27FC236}">
+                <a16:creationId xmlns:a16="http://schemas.microsoft.com/office/drawing/2014/main" id="{6409811E-1B86-4F64-9D5C-1F54CD726A08}"/>
+              </a:ext>
+            </a:extLst>
+          </p:cNvPr>
+          <p:cNvSpPr/>
+          <p:nvPr/>
+        </p:nvSpPr>
+        <p:spPr>
+          <a:xfrm>
+            <a:off x="3479784" y="4751288"/>
+            <a:ext cx="1060683" cy="364396"/>
+          </a:xfrm>
+          <a:prstGeom prst="rect">
+            <a:avLst/>
+          </a:prstGeom>
+          <a:ln w="19050">
+            <a:solidFill>
+              <a:srgbClr val="7030A0"/>
+            </a:solidFill>
+          </a:ln>
+          <a:effectLst/>
+        </p:spPr>
+        <p:style>
+          <a:lnRef idx="1">
+            <a:schemeClr val="accent4"/>
+          </a:lnRef>
+          <a:fillRef idx="2">
+            <a:schemeClr val="accent4"/>
+          </a:fillRef>
+          <a:effectRef idx="1">
+            <a:schemeClr val="accent4"/>
+          </a:effectRef>
+          <a:fontRef idx="minor">
+            <a:schemeClr val="dk1"/>
+          </a:fontRef>
+        </p:style>
+        <p:txBody>
+          <a:bodyPr rtlCol="0" anchor="ctr"/>
+          <a:lstStyle/>
+          <a:p>
+            <a:pPr algn="ctr"/>
+            <a:r>
+              <a:rPr lang="en-US" sz="1050" dirty="0" err="1">
+                <a:solidFill>
+                  <a:srgbClr val="7030A0"/>
+                </a:solidFill>
+              </a:rPr>
+              <a:t>EventList</a:t>
+            </a:r>
+            <a:endParaRPr lang="en-SG" sz="1050" dirty="0">
+              <a:solidFill>
+                <a:srgbClr val="7030A0"/>
+              </a:solidFill>
+            </a:endParaRPr>
+          </a:p>
+        </p:txBody>
+      </p:sp>
+      <p:sp>
+        <p:nvSpPr>
+          <p:cNvPr id="109" name="Rectangle 8">
+            <a:extLst>
+              <a:ext uri="{FF2B5EF4-FFF2-40B4-BE49-F238E27FC236}">
+                <a16:creationId xmlns:a16="http://schemas.microsoft.com/office/drawing/2014/main" id="{251CD33A-466E-4E82-A7AF-5AE34CE45A3D}"/>
+              </a:ext>
+            </a:extLst>
+          </p:cNvPr>
+          <p:cNvSpPr/>
+          <p:nvPr/>
+        </p:nvSpPr>
+        <p:spPr>
+          <a:xfrm>
+            <a:off x="1582708" y="4751288"/>
+            <a:ext cx="1443661" cy="364396"/>
+          </a:xfrm>
+          <a:prstGeom prst="rect">
+            <a:avLst/>
+          </a:prstGeom>
+          <a:ln w="19050">
+            <a:solidFill>
+              <a:srgbClr val="7030A0"/>
+            </a:solidFill>
+          </a:ln>
+          <a:effectLst/>
+        </p:spPr>
+        <p:style>
+          <a:lnRef idx="1">
+            <a:schemeClr val="accent4"/>
+          </a:lnRef>
+          <a:fillRef idx="2">
+            <a:schemeClr val="accent4"/>
+          </a:fillRef>
+          <a:effectRef idx="1">
+            <a:schemeClr val="accent4"/>
+          </a:effectRef>
+          <a:fontRef idx="minor">
+            <a:schemeClr val="dk1"/>
+          </a:fontRef>
+        </p:style>
+        <p:txBody>
+          <a:bodyPr rtlCol="0" anchor="ctr"/>
+          <a:lstStyle/>
+          <a:p>
+            <a:pPr algn="ctr"/>
+            <a:r>
+              <a:rPr lang="en-US" sz="1050" dirty="0">
+                <a:solidFill>
+                  <a:srgbClr val="7030A0"/>
+                </a:solidFill>
+              </a:rPr>
+              <a:t>&lt;&lt;interface&gt;&gt;</a:t>
+            </a:r>
+            <a:br>
+              <a:rPr lang="en-US" sz="1050" dirty="0">
+                <a:solidFill>
+                  <a:srgbClr val="7030A0"/>
+                </a:solidFill>
+              </a:rPr>
+            </a:br>
+            <a:r>
+              <a:rPr lang="en-US" sz="1050" dirty="0" err="1">
+                <a:solidFill>
+                  <a:srgbClr val="7030A0"/>
+                </a:solidFill>
+              </a:rPr>
+              <a:t>ReadOnlyEventList</a:t>
+            </a:r>
+            <a:endParaRPr lang="en-SG" sz="1050" dirty="0">
+              <a:solidFill>
+                <a:srgbClr val="7030A0"/>
+              </a:solidFill>
+            </a:endParaRPr>
+          </a:p>
+        </p:txBody>
+      </p:sp>
+      <p:sp>
+        <p:nvSpPr>
+          <p:cNvPr id="110" name="Isosceles Triangle 102">
+            <a:extLst>
+              <a:ext uri="{FF2B5EF4-FFF2-40B4-BE49-F238E27FC236}">
+                <a16:creationId xmlns:a16="http://schemas.microsoft.com/office/drawing/2014/main" id="{F5D76C5F-2F63-4280-85E2-2D6924DD1917}"/>
+              </a:ext>
+            </a:extLst>
+          </p:cNvPr>
+          <p:cNvSpPr/>
+          <p:nvPr/>
+        </p:nvSpPr>
+        <p:spPr>
+          <a:xfrm rot="16200000">
+            <a:off x="2990859" y="4822096"/>
+            <a:ext cx="271014" cy="187417"/>
+          </a:xfrm>
+          <a:prstGeom prst="triangle">
+            <a:avLst>
+              <a:gd name="adj" fmla="val 44517"/>
+            </a:avLst>
+          </a:prstGeom>
+          <a:solidFill>
+            <a:schemeClr val="accent4">
+              <a:lumMod val="20000"/>
+              <a:lumOff val="80000"/>
+            </a:schemeClr>
+          </a:solidFill>
+          <a:ln w="19050">
+            <a:solidFill>
+              <a:srgbClr val="7030A0"/>
+            </a:solidFill>
+          </a:ln>
+          <a:effectLst/>
+        </p:spPr>
+        <p:style>
+          <a:lnRef idx="1">
+            <a:schemeClr val="accent6"/>
+          </a:lnRef>
+          <a:fillRef idx="2">
+            <a:schemeClr val="accent6"/>
+          </a:fillRef>
+          <a:effectRef idx="1">
+            <a:schemeClr val="accent6"/>
+          </a:effectRef>
+          <a:fontRef idx="minor">
+            <a:schemeClr val="dk1"/>
+          </a:fontRef>
+        </p:style>
+        <p:txBody>
+          <a:bodyPr rtlCol="0" anchor="ctr"/>
+          <a:lstStyle/>
+          <a:p>
+            <a:pPr algn="ctr"/>
+            <a:endParaRPr lang="en-SG" sz="1050"/>
+          </a:p>
+        </p:txBody>
+      </p:sp>
+      <p:cxnSp>
+        <p:nvCxnSpPr>
+          <p:cNvPr id="111" name="Elbow Connector 63">
+            <a:extLst>
+              <a:ext uri="{FF2B5EF4-FFF2-40B4-BE49-F238E27FC236}">
+                <a16:creationId xmlns:a16="http://schemas.microsoft.com/office/drawing/2014/main" id="{66CC2815-501F-4819-A097-6B8118EA6322}"/>
+              </a:ext>
+            </a:extLst>
+          </p:cNvPr>
+          <p:cNvCxnSpPr>
+            <a:stCxn id="110" idx="3"/>
+          </p:cNvCxnSpPr>
+          <p:nvPr/>
+        </p:nvCxnSpPr>
+        <p:spPr>
+          <a:xfrm>
+            <a:off x="3220075" y="4930665"/>
+            <a:ext cx="271892" cy="2821"/>
+          </a:xfrm>
+          <a:prstGeom prst="bentConnector3">
+            <a:avLst>
+              <a:gd name="adj1" fmla="val 50000"/>
+            </a:avLst>
+          </a:prstGeom>
+          <a:ln w="19050">
+            <a:solidFill>
+              <a:srgbClr val="7030A0"/>
+            </a:solidFill>
+            <a:prstDash val="sysDot"/>
+            <a:headEnd type="none" w="med" len="med"/>
+            <a:tailEnd type="none" w="med" len="med"/>
+          </a:ln>
+          <a:effectLst/>
+        </p:spPr>
+        <p:style>
+          <a:lnRef idx="1">
+            <a:schemeClr val="accent2"/>
+          </a:lnRef>
+          <a:fillRef idx="2">
+            <a:schemeClr val="accent2"/>
+          </a:fillRef>
+          <a:effectRef idx="1">
+            <a:schemeClr val="accent2"/>
+          </a:effectRef>
+          <a:fontRef idx="minor">
+            <a:schemeClr val="dk1"/>
+          </a:fontRef>
+        </p:style>
+      </p:cxnSp>
+      <p:sp>
+        <p:nvSpPr>
+          <p:cNvPr id="112" name="Flowchart: Decision 96">
+            <a:extLst>
+              <a:ext uri="{FF2B5EF4-FFF2-40B4-BE49-F238E27FC236}">
+                <a16:creationId xmlns:a16="http://schemas.microsoft.com/office/drawing/2014/main" id="{6D0D3E97-1EC3-43CE-95DF-DE1372C735B3}"/>
+              </a:ext>
+            </a:extLst>
+          </p:cNvPr>
+          <p:cNvSpPr/>
+          <p:nvPr/>
+        </p:nvSpPr>
+        <p:spPr>
+          <a:xfrm>
+            <a:off x="7030995" y="4237813"/>
+            <a:ext cx="236048" cy="173380"/>
+          </a:xfrm>
+          <a:prstGeom prst="flowChartDecision">
+            <a:avLst/>
+          </a:prstGeom>
+          <a:solidFill>
+            <a:srgbClr val="7030A0"/>
+          </a:solidFill>
+          <a:ln w="19050">
+            <a:solidFill>
+              <a:srgbClr val="7030A0"/>
+            </a:solidFill>
+          </a:ln>
+          <a:effectLst/>
+        </p:spPr>
+        <p:style>
+          <a:lnRef idx="1">
+            <a:schemeClr val="accent6"/>
+          </a:lnRef>
+          <a:fillRef idx="2">
+            <a:schemeClr val="accent6"/>
+          </a:fillRef>
+          <a:effectRef idx="1">
+            <a:schemeClr val="accent6"/>
+          </a:effectRef>
+          <a:fontRef idx="minor">
+            <a:schemeClr val="dk1"/>
+          </a:fontRef>
+        </p:style>
+        <p:txBody>
+          <a:bodyPr rtlCol="0" anchor="ctr"/>
+          <a:lstStyle/>
+          <a:p>
+            <a:pPr algn="ctr"/>
+            <a:endParaRPr lang="en-US" sz="1050"/>
+          </a:p>
+        </p:txBody>
+      </p:sp>
+      <p:sp>
+        <p:nvSpPr>
+          <p:cNvPr id="113" name="Rectangle 8">
+            <a:extLst>
+              <a:ext uri="{FF2B5EF4-FFF2-40B4-BE49-F238E27FC236}">
+                <a16:creationId xmlns:a16="http://schemas.microsoft.com/office/drawing/2014/main" id="{B722B1D9-C451-420B-AF28-4A63AD3A2FE8}"/>
+              </a:ext>
+            </a:extLst>
+          </p:cNvPr>
+          <p:cNvSpPr/>
+          <p:nvPr/>
+        </p:nvSpPr>
+        <p:spPr>
+          <a:xfrm>
+            <a:off x="7712396" y="3847007"/>
+            <a:ext cx="822003" cy="285783"/>
+          </a:xfrm>
+          <a:prstGeom prst="rect">
+            <a:avLst/>
+          </a:prstGeom>
+          <a:ln w="19050">
+            <a:solidFill>
+              <a:srgbClr val="7030A0"/>
+            </a:solidFill>
+          </a:ln>
+          <a:effectLst/>
+        </p:spPr>
+        <p:style>
+          <a:lnRef idx="1">
+            <a:schemeClr val="accent4"/>
+          </a:lnRef>
+          <a:fillRef idx="2">
+            <a:schemeClr val="accent4"/>
+          </a:fillRef>
+          <a:effectRef idx="1">
+            <a:schemeClr val="accent4"/>
+          </a:effectRef>
+          <a:fontRef idx="minor">
+            <a:schemeClr val="dk1"/>
+          </a:fontRef>
+        </p:style>
+        <p:txBody>
+          <a:bodyPr rtlCol="0" anchor="ctr"/>
+          <a:lstStyle/>
+          <a:p>
+            <a:pPr algn="ctr"/>
+            <a:r>
+              <a:rPr lang="en-US" sz="1050" dirty="0" err="1">
+                <a:solidFill>
+                  <a:srgbClr val="7030A0"/>
+                </a:solidFill>
+              </a:rPr>
+              <a:t>EventName</a:t>
+            </a:r>
+            <a:endParaRPr lang="en-SG" sz="1050" dirty="0">
+              <a:solidFill>
+                <a:srgbClr val="7030A0"/>
+              </a:solidFill>
+            </a:endParaRPr>
+          </a:p>
+        </p:txBody>
+      </p:sp>
+      <p:sp>
+        <p:nvSpPr>
+          <p:cNvPr id="115" name="Rectangle 8">
+            <a:extLst>
+              <a:ext uri="{FF2B5EF4-FFF2-40B4-BE49-F238E27FC236}">
+                <a16:creationId xmlns:a16="http://schemas.microsoft.com/office/drawing/2014/main" id="{16EBAD59-4F65-4D55-B9A2-569A587AB4A9}"/>
+              </a:ext>
+            </a:extLst>
+          </p:cNvPr>
+          <p:cNvSpPr/>
+          <p:nvPr/>
+        </p:nvSpPr>
+        <p:spPr>
+          <a:xfrm>
+            <a:off x="7712396" y="4182328"/>
+            <a:ext cx="822003" cy="285783"/>
+          </a:xfrm>
+          <a:prstGeom prst="rect">
+            <a:avLst/>
+          </a:prstGeom>
+          <a:ln w="19050">
+            <a:solidFill>
+              <a:srgbClr val="7030A0"/>
+            </a:solidFill>
+          </a:ln>
+          <a:effectLst/>
+        </p:spPr>
+        <p:style>
+          <a:lnRef idx="1">
+            <a:schemeClr val="accent4"/>
+          </a:lnRef>
+          <a:fillRef idx="2">
+            <a:schemeClr val="accent4"/>
+          </a:fillRef>
+          <a:effectRef idx="1">
+            <a:schemeClr val="accent4"/>
+          </a:effectRef>
+          <a:fontRef idx="minor">
+            <a:schemeClr val="dk1"/>
+          </a:fontRef>
+        </p:style>
+        <p:txBody>
+          <a:bodyPr rtlCol="0" anchor="ctr"/>
+          <a:lstStyle/>
+          <a:p>
+            <a:pPr algn="ctr"/>
+            <a:r>
+              <a:rPr lang="en-US" sz="1050" dirty="0">
+                <a:solidFill>
+                  <a:srgbClr val="7030A0"/>
+                </a:solidFill>
+              </a:rPr>
+              <a:t>Description</a:t>
+            </a:r>
+            <a:endParaRPr lang="en-SG" sz="1050" dirty="0">
+              <a:solidFill>
+                <a:srgbClr val="7030A0"/>
+              </a:solidFill>
+            </a:endParaRPr>
+          </a:p>
+        </p:txBody>
+      </p:sp>
+      <p:sp>
+        <p:nvSpPr>
+          <p:cNvPr id="116" name="Rectangle 8">
+            <a:extLst>
+              <a:ext uri="{FF2B5EF4-FFF2-40B4-BE49-F238E27FC236}">
+                <a16:creationId xmlns:a16="http://schemas.microsoft.com/office/drawing/2014/main" id="{B9677DFB-3F9D-4D8D-B67E-709DE6328917}"/>
+              </a:ext>
+            </a:extLst>
+          </p:cNvPr>
+          <p:cNvSpPr/>
+          <p:nvPr/>
+        </p:nvSpPr>
+        <p:spPr>
+          <a:xfrm>
+            <a:off x="7705136" y="4530157"/>
+            <a:ext cx="822003" cy="285783"/>
+          </a:xfrm>
+          <a:prstGeom prst="rect">
+            <a:avLst/>
+          </a:prstGeom>
+          <a:ln w="19050">
+            <a:solidFill>
+              <a:srgbClr val="7030A0"/>
+            </a:solidFill>
+          </a:ln>
+          <a:effectLst/>
+        </p:spPr>
+        <p:style>
+          <a:lnRef idx="1">
+            <a:schemeClr val="accent4"/>
+          </a:lnRef>
+          <a:fillRef idx="2">
+            <a:schemeClr val="accent4"/>
+          </a:fillRef>
+          <a:effectRef idx="1">
+            <a:schemeClr val="accent4"/>
+          </a:effectRef>
+          <a:fontRef idx="minor">
+            <a:schemeClr val="dk1"/>
+          </a:fontRef>
+        </p:style>
+        <p:txBody>
+          <a:bodyPr rtlCol="0" anchor="ctr"/>
+          <a:lstStyle/>
+          <a:p>
+            <a:pPr algn="ctr"/>
+            <a:r>
+              <a:rPr lang="en-US" sz="1050" dirty="0">
+                <a:solidFill>
+                  <a:srgbClr val="7030A0"/>
+                </a:solidFill>
+              </a:rPr>
+              <a:t>Location</a:t>
+            </a:r>
+            <a:endParaRPr lang="en-SG" sz="1050" dirty="0">
+              <a:solidFill>
+                <a:srgbClr val="7030A0"/>
+              </a:solidFill>
+            </a:endParaRPr>
+          </a:p>
+        </p:txBody>
+      </p:sp>
+      <p:sp>
+        <p:nvSpPr>
+          <p:cNvPr id="117" name="Rectangle 8">
+            <a:extLst>
+              <a:ext uri="{FF2B5EF4-FFF2-40B4-BE49-F238E27FC236}">
+                <a16:creationId xmlns:a16="http://schemas.microsoft.com/office/drawing/2014/main" id="{017C5437-A108-471C-90DA-4AD815D1A8A0}"/>
+              </a:ext>
+            </a:extLst>
+          </p:cNvPr>
+          <p:cNvSpPr/>
+          <p:nvPr/>
+        </p:nvSpPr>
+        <p:spPr>
+          <a:xfrm>
+            <a:off x="7712395" y="4877521"/>
+            <a:ext cx="822003" cy="285783"/>
+          </a:xfrm>
+          <a:prstGeom prst="rect">
+            <a:avLst/>
+          </a:prstGeom>
+          <a:ln w="19050">
+            <a:solidFill>
+              <a:srgbClr val="7030A0"/>
+            </a:solidFill>
+          </a:ln>
+          <a:effectLst/>
+        </p:spPr>
+        <p:style>
+          <a:lnRef idx="1">
+            <a:schemeClr val="accent4"/>
+          </a:lnRef>
+          <a:fillRef idx="2">
+            <a:schemeClr val="accent4"/>
+          </a:fillRef>
+          <a:effectRef idx="1">
+            <a:schemeClr val="accent4"/>
+          </a:effectRef>
+          <a:fontRef idx="minor">
+            <a:schemeClr val="dk1"/>
+          </a:fontRef>
+        </p:style>
+        <p:txBody>
+          <a:bodyPr rtlCol="0" anchor="ctr"/>
+          <a:lstStyle/>
+          <a:p>
+            <a:pPr algn="ctr"/>
+            <a:r>
+              <a:rPr lang="en-US" sz="1050" dirty="0">
+                <a:solidFill>
+                  <a:srgbClr val="7030A0"/>
+                </a:solidFill>
+              </a:rPr>
+              <a:t>Date</a:t>
+            </a:r>
+            <a:endParaRPr lang="en-SG" sz="1050" dirty="0">
+              <a:solidFill>
+                <a:srgbClr val="7030A0"/>
+              </a:solidFill>
+            </a:endParaRPr>
+          </a:p>
+        </p:txBody>
+      </p:sp>
+      <p:sp>
+        <p:nvSpPr>
+          <p:cNvPr id="121" name="Rectangle 8">
+            <a:extLst>
+              <a:ext uri="{FF2B5EF4-FFF2-40B4-BE49-F238E27FC236}">
+                <a16:creationId xmlns:a16="http://schemas.microsoft.com/office/drawing/2014/main" id="{8638C735-C15A-4E42-AB8C-FF5B4673DCAB}"/>
+              </a:ext>
+            </a:extLst>
+          </p:cNvPr>
+          <p:cNvSpPr/>
+          <p:nvPr/>
+        </p:nvSpPr>
+        <p:spPr>
+          <a:xfrm>
+            <a:off x="7712395" y="5230426"/>
+            <a:ext cx="822003" cy="285783"/>
+          </a:xfrm>
+          <a:prstGeom prst="rect">
+            <a:avLst/>
+          </a:prstGeom>
+          <a:ln w="19050">
+            <a:solidFill>
+              <a:srgbClr val="7030A0"/>
+            </a:solidFill>
+          </a:ln>
+          <a:effectLst/>
+        </p:spPr>
+        <p:style>
+          <a:lnRef idx="1">
+            <a:schemeClr val="accent4"/>
+          </a:lnRef>
+          <a:fillRef idx="2">
+            <a:schemeClr val="accent4"/>
+          </a:fillRef>
+          <a:effectRef idx="1">
+            <a:schemeClr val="accent4"/>
+          </a:effectRef>
+          <a:fontRef idx="minor">
+            <a:schemeClr val="dk1"/>
+          </a:fontRef>
+        </p:style>
+        <p:txBody>
+          <a:bodyPr rtlCol="0" anchor="ctr"/>
+          <a:lstStyle/>
+          <a:p>
+            <a:pPr algn="ctr"/>
+            <a:r>
+              <a:rPr lang="en-US" sz="1050" dirty="0" err="1">
+                <a:solidFill>
+                  <a:srgbClr val="7030A0"/>
+                </a:solidFill>
+              </a:rPr>
+              <a:t>StartTime</a:t>
+            </a:r>
+            <a:endParaRPr lang="en-SG" sz="1050" dirty="0">
+              <a:solidFill>
+                <a:srgbClr val="7030A0"/>
+              </a:solidFill>
+            </a:endParaRPr>
+          </a:p>
+        </p:txBody>
+      </p:sp>
+      <p:sp>
+        <p:nvSpPr>
+          <p:cNvPr id="123" name="Rectangle 8">
+            <a:extLst>
+              <a:ext uri="{FF2B5EF4-FFF2-40B4-BE49-F238E27FC236}">
+                <a16:creationId xmlns:a16="http://schemas.microsoft.com/office/drawing/2014/main" id="{85C4B4BF-5446-421B-8041-60E0173A4102}"/>
+              </a:ext>
+            </a:extLst>
+          </p:cNvPr>
+          <p:cNvSpPr/>
+          <p:nvPr/>
+        </p:nvSpPr>
+        <p:spPr>
+          <a:xfrm>
+            <a:off x="7712395" y="5583331"/>
+            <a:ext cx="822003" cy="285783"/>
+          </a:xfrm>
+          <a:prstGeom prst="rect">
+            <a:avLst/>
+          </a:prstGeom>
+          <a:ln w="19050">
+            <a:solidFill>
+              <a:srgbClr val="7030A0"/>
+            </a:solidFill>
+          </a:ln>
+          <a:effectLst/>
+        </p:spPr>
+        <p:style>
+          <a:lnRef idx="1">
+            <a:schemeClr val="accent4"/>
+          </a:lnRef>
+          <a:fillRef idx="2">
+            <a:schemeClr val="accent4"/>
+          </a:fillRef>
+          <a:effectRef idx="1">
+            <a:schemeClr val="accent4"/>
+          </a:effectRef>
+          <a:fontRef idx="minor">
+            <a:schemeClr val="dk1"/>
+          </a:fontRef>
+        </p:style>
+        <p:txBody>
+          <a:bodyPr rtlCol="0" anchor="ctr"/>
+          <a:lstStyle/>
+          <a:p>
+            <a:pPr algn="ctr"/>
+            <a:r>
+              <a:rPr lang="en-US" sz="1050" dirty="0" err="1">
+                <a:solidFill>
+                  <a:srgbClr val="7030A0"/>
+                </a:solidFill>
+              </a:rPr>
+              <a:t>EndTime</a:t>
+            </a:r>
+            <a:endParaRPr lang="en-SG" sz="1050" dirty="0">
+              <a:solidFill>
+                <a:srgbClr val="7030A0"/>
+              </a:solidFill>
+            </a:endParaRPr>
+          </a:p>
+        </p:txBody>
+      </p:sp>
+      <p:cxnSp>
+        <p:nvCxnSpPr>
+          <p:cNvPr id="125" name="Elbow Connector 80">
+            <a:extLst>
+              <a:ext uri="{FF2B5EF4-FFF2-40B4-BE49-F238E27FC236}">
+                <a16:creationId xmlns:a16="http://schemas.microsoft.com/office/drawing/2014/main" id="{5F2D5B96-7141-4797-8FC6-3CE88BD507F5}"/>
+              </a:ext>
+            </a:extLst>
+          </p:cNvPr>
+          <p:cNvCxnSpPr>
+            <a:cxnSpLocks/>
+            <a:stCxn id="112" idx="3"/>
+            <a:endCxn id="113" idx="1"/>
+          </p:cNvCxnSpPr>
+          <p:nvPr/>
+        </p:nvCxnSpPr>
+        <p:spPr>
+          <a:xfrm flipV="1">
+            <a:off x="7267043" y="3989899"/>
+            <a:ext cx="445353" cy="334604"/>
+          </a:xfrm>
+          <a:prstGeom prst="bentConnector3">
+            <a:avLst/>
+          </a:prstGeom>
+          <a:ln w="19050">
+            <a:solidFill>
+              <a:srgbClr val="7030A0"/>
+            </a:solidFill>
+            <a:headEnd type="none" w="med" len="med"/>
+            <a:tailEnd type="arrow" w="med" len="med"/>
+          </a:ln>
+          <a:effectLst/>
+        </p:spPr>
+        <p:style>
+          <a:lnRef idx="1">
+            <a:schemeClr val="accent2"/>
+          </a:lnRef>
+          <a:fillRef idx="2">
+            <a:schemeClr val="accent2"/>
+          </a:fillRef>
+          <a:effectRef idx="1">
+            <a:schemeClr val="accent2"/>
+          </a:effectRef>
+          <a:fontRef idx="minor">
+            <a:schemeClr val="dk1"/>
+          </a:fontRef>
+        </p:style>
+      </p:cxnSp>
+      <p:cxnSp>
+        <p:nvCxnSpPr>
+          <p:cNvPr id="126" name="Elbow Connector 80">
+            <a:extLst>
+              <a:ext uri="{FF2B5EF4-FFF2-40B4-BE49-F238E27FC236}">
+                <a16:creationId xmlns:a16="http://schemas.microsoft.com/office/drawing/2014/main" id="{520BC089-9010-47D6-9EE9-D4DF2FA09B35}"/>
+              </a:ext>
+            </a:extLst>
+          </p:cNvPr>
+          <p:cNvCxnSpPr>
+            <a:cxnSpLocks/>
+            <a:stCxn id="112" idx="3"/>
+            <a:endCxn id="115" idx="1"/>
+          </p:cNvCxnSpPr>
+          <p:nvPr/>
+        </p:nvCxnSpPr>
+        <p:spPr>
+          <a:xfrm>
+            <a:off x="7267043" y="4324503"/>
+            <a:ext cx="445353" cy="717"/>
+          </a:xfrm>
+          <a:prstGeom prst="bentConnector3">
+            <a:avLst/>
+          </a:prstGeom>
+          <a:ln w="19050">
+            <a:solidFill>
+              <a:srgbClr val="7030A0"/>
+            </a:solidFill>
+            <a:headEnd type="none" w="med" len="med"/>
+            <a:tailEnd type="arrow" w="med" len="med"/>
+          </a:ln>
+          <a:effectLst/>
+        </p:spPr>
+        <p:style>
+          <a:lnRef idx="1">
+            <a:schemeClr val="accent2"/>
+          </a:lnRef>
+          <a:fillRef idx="2">
+            <a:schemeClr val="accent2"/>
+          </a:fillRef>
+          <a:effectRef idx="1">
+            <a:schemeClr val="accent2"/>
+          </a:effectRef>
+          <a:fontRef idx="minor">
+            <a:schemeClr val="dk1"/>
+          </a:fontRef>
+        </p:style>
+      </p:cxnSp>
+      <p:cxnSp>
+        <p:nvCxnSpPr>
+          <p:cNvPr id="127" name="Elbow Connector 80">
+            <a:extLst>
+              <a:ext uri="{FF2B5EF4-FFF2-40B4-BE49-F238E27FC236}">
+                <a16:creationId xmlns:a16="http://schemas.microsoft.com/office/drawing/2014/main" id="{1A374BA4-0485-44B9-9FE4-C7DADEAE3793}"/>
+              </a:ext>
+            </a:extLst>
+          </p:cNvPr>
+          <p:cNvCxnSpPr>
+            <a:cxnSpLocks/>
+            <a:endCxn id="116" idx="1"/>
+          </p:cNvCxnSpPr>
+          <p:nvPr/>
+        </p:nvCxnSpPr>
+        <p:spPr>
+          <a:xfrm>
+            <a:off x="7277995" y="4321101"/>
+            <a:ext cx="427141" cy="351948"/>
+          </a:xfrm>
+          <a:prstGeom prst="bentConnector3">
+            <a:avLst/>
+          </a:prstGeom>
+          <a:ln w="19050">
+            <a:solidFill>
+              <a:srgbClr val="7030A0"/>
+            </a:solidFill>
+            <a:headEnd type="none" w="med" len="med"/>
+            <a:tailEnd type="arrow" w="med" len="med"/>
+          </a:ln>
+          <a:effectLst/>
+        </p:spPr>
+        <p:style>
+          <a:lnRef idx="1">
+            <a:schemeClr val="accent2"/>
+          </a:lnRef>
+          <a:fillRef idx="2">
+            <a:schemeClr val="accent2"/>
+          </a:fillRef>
+          <a:effectRef idx="1">
+            <a:schemeClr val="accent2"/>
+          </a:effectRef>
+          <a:fontRef idx="minor">
+            <a:schemeClr val="dk1"/>
+          </a:fontRef>
+        </p:style>
+      </p:cxnSp>
+      <p:cxnSp>
+        <p:nvCxnSpPr>
+          <p:cNvPr id="128" name="Elbow Connector 80">
+            <a:extLst>
+              <a:ext uri="{FF2B5EF4-FFF2-40B4-BE49-F238E27FC236}">
+                <a16:creationId xmlns:a16="http://schemas.microsoft.com/office/drawing/2014/main" id="{CC75341F-5FAC-4CF6-9CC3-BB2370D2C619}"/>
+              </a:ext>
+            </a:extLst>
+          </p:cNvPr>
+          <p:cNvCxnSpPr>
+            <a:cxnSpLocks/>
+            <a:stCxn id="112" idx="3"/>
+            <a:endCxn id="117" idx="1"/>
+          </p:cNvCxnSpPr>
+          <p:nvPr/>
+        </p:nvCxnSpPr>
+        <p:spPr>
+          <a:xfrm>
+            <a:off x="7267043" y="4324503"/>
+            <a:ext cx="445352" cy="695910"/>
+          </a:xfrm>
+          <a:prstGeom prst="bentConnector3">
+            <a:avLst/>
+          </a:prstGeom>
+          <a:ln w="19050">
+            <a:solidFill>
+              <a:srgbClr val="7030A0"/>
+            </a:solidFill>
+            <a:headEnd type="none" w="med" len="med"/>
+            <a:tailEnd type="arrow" w="med" len="med"/>
+          </a:ln>
+          <a:effectLst/>
+        </p:spPr>
+        <p:style>
+          <a:lnRef idx="1">
+            <a:schemeClr val="accent2"/>
+          </a:lnRef>
+          <a:fillRef idx="2">
+            <a:schemeClr val="accent2"/>
+          </a:fillRef>
+          <a:effectRef idx="1">
+            <a:schemeClr val="accent2"/>
+          </a:effectRef>
+          <a:fontRef idx="minor">
+            <a:schemeClr val="dk1"/>
+          </a:fontRef>
+        </p:style>
+      </p:cxnSp>
+      <p:cxnSp>
+        <p:nvCxnSpPr>
+          <p:cNvPr id="129" name="Elbow Connector 80">
+            <a:extLst>
+              <a:ext uri="{FF2B5EF4-FFF2-40B4-BE49-F238E27FC236}">
+                <a16:creationId xmlns:a16="http://schemas.microsoft.com/office/drawing/2014/main" id="{570D841D-5269-4340-8A32-2D1AFB189386}"/>
+              </a:ext>
+            </a:extLst>
+          </p:cNvPr>
+          <p:cNvCxnSpPr>
+            <a:cxnSpLocks/>
+            <a:stCxn id="112" idx="3"/>
+            <a:endCxn id="121" idx="1"/>
+          </p:cNvCxnSpPr>
+          <p:nvPr/>
+        </p:nvCxnSpPr>
+        <p:spPr>
+          <a:xfrm>
+            <a:off x="7267043" y="4324503"/>
+            <a:ext cx="445352" cy="1048815"/>
+          </a:xfrm>
+          <a:prstGeom prst="bentConnector3">
+            <a:avLst>
+              <a:gd name="adj1" fmla="val 50000"/>
+            </a:avLst>
+          </a:prstGeom>
+          <a:ln w="19050">
+            <a:solidFill>
+              <a:srgbClr val="7030A0"/>
+            </a:solidFill>
+            <a:headEnd type="none" w="med" len="med"/>
+            <a:tailEnd type="arrow" w="med" len="med"/>
+          </a:ln>
+          <a:effectLst/>
+        </p:spPr>
+        <p:style>
+          <a:lnRef idx="1">
+            <a:schemeClr val="accent2"/>
+          </a:lnRef>
+          <a:fillRef idx="2">
+            <a:schemeClr val="accent2"/>
+          </a:fillRef>
+          <a:effectRef idx="1">
+            <a:schemeClr val="accent2"/>
+          </a:effectRef>
+          <a:fontRef idx="minor">
+            <a:schemeClr val="dk1"/>
+          </a:fontRef>
+        </p:style>
+      </p:cxnSp>
+      <p:cxnSp>
+        <p:nvCxnSpPr>
+          <p:cNvPr id="131" name="Elbow Connector 80">
+            <a:extLst>
+              <a:ext uri="{FF2B5EF4-FFF2-40B4-BE49-F238E27FC236}">
+                <a16:creationId xmlns:a16="http://schemas.microsoft.com/office/drawing/2014/main" id="{BCFB338F-2E64-454E-90FF-E8CE5F38CA00}"/>
+              </a:ext>
+            </a:extLst>
+          </p:cNvPr>
+          <p:cNvCxnSpPr>
+            <a:cxnSpLocks/>
+            <a:stCxn id="112" idx="3"/>
+            <a:endCxn id="123" idx="1"/>
+          </p:cNvCxnSpPr>
+          <p:nvPr/>
+        </p:nvCxnSpPr>
+        <p:spPr>
+          <a:xfrm>
+            <a:off x="7267043" y="4324503"/>
+            <a:ext cx="445352" cy="1401720"/>
+          </a:xfrm>
+          <a:prstGeom prst="bentConnector3">
+            <a:avLst>
+              <a:gd name="adj1" fmla="val 50000"/>
+            </a:avLst>
+          </a:prstGeom>
+          <a:ln w="19050">
+            <a:solidFill>
+              <a:srgbClr val="7030A0"/>
+            </a:solidFill>
+            <a:headEnd type="none" w="med" len="med"/>
+            <a:tailEnd type="arrow" w="med" len="med"/>
+          </a:ln>
+          <a:effectLst/>
+        </p:spPr>
+        <p:style>
+          <a:lnRef idx="1">
+            <a:schemeClr val="accent2"/>
+          </a:lnRef>
+          <a:fillRef idx="2">
+            <a:schemeClr val="accent2"/>
+          </a:fillRef>
+          <a:effectRef idx="1">
+            <a:schemeClr val="accent2"/>
+          </a:effectRef>
+          <a:fontRef idx="minor">
+            <a:schemeClr val="dk1"/>
+          </a:fontRef>
+        </p:style>
+      </p:cxnSp>
+      <p:sp>
+        <p:nvSpPr>
+          <p:cNvPr id="134" name="TextBox 133">
+            <a:extLst>
+              <a:ext uri="{FF2B5EF4-FFF2-40B4-BE49-F238E27FC236}">
+                <a16:creationId xmlns:a16="http://schemas.microsoft.com/office/drawing/2014/main" id="{E9BC4380-9F1B-46FE-A9E2-09D12DBABA19}"/>
+              </a:ext>
+            </a:extLst>
+          </p:cNvPr>
+          <p:cNvSpPr txBox="1"/>
+          <p:nvPr/>
+        </p:nvSpPr>
+        <p:spPr>
+          <a:xfrm>
+            <a:off x="6456384" y="3949785"/>
+            <a:ext cx="189257" cy="178683"/>
+          </a:xfrm>
+          <a:prstGeom prst="rect">
+            <a:avLst/>
+          </a:prstGeom>
+          <a:noFill/>
+        </p:spPr>
+        <p:txBody>
+          <a:bodyPr wrap="square" lIns="0" tIns="0" rIns="0" bIns="0" rtlCol="0">
+            <a:noAutofit/>
+          </a:bodyPr>
+          <a:lstStyle/>
+          <a:p>
+            <a:pPr algn="ctr"/>
+            <a:r>
+              <a:rPr lang="en-US" sz="1100" dirty="0">
+                <a:solidFill>
+                  <a:srgbClr val="7030A0"/>
+                </a:solidFill>
+              </a:rPr>
+              <a:t>1</a:t>
+            </a:r>
+            <a:endParaRPr lang="en-SG" sz="1100" dirty="0">
+              <a:solidFill>
+                <a:srgbClr val="7030A0"/>
+              </a:solidFill>
+            </a:endParaRPr>
+          </a:p>
+        </p:txBody>
+      </p:sp>
     </p:spTree>
     <p:extLst>
       <p:ext uri="{BB962C8B-B14F-4D97-AF65-F5344CB8AC3E}">

--- a/docs/diagrams/ModelComponentClassDiagram.pptx
+++ b/docs/diagrams/ModelComponentClassDiagram.pptx
@@ -208,7 +208,7 @@
           <a:p>
             <a:fld id="{F5CC4B3F-88C1-4FFA-B1B6-F41C21DC6924}" type="datetimeFigureOut">
               <a:rPr lang="en-US" smtClean="0"/>
-              <a:t>6/27/2018</a:t>
+              <a:t>11/10/2018</a:t>
             </a:fld>
             <a:endParaRPr lang="en-US"/>
           </a:p>
@@ -654,7 +654,7 @@
           <a:p>
             <a:fld id="{78C97017-6FC3-485B-9764-EAC9E56C1D49}" type="datetimeFigureOut">
               <a:rPr lang="en-US" smtClean="0"/>
-              <a:t>6/27/2018</a:t>
+              <a:t>11/10/2018</a:t>
             </a:fld>
             <a:endParaRPr lang="en-US"/>
           </a:p>
@@ -822,7 +822,7 @@
           <a:p>
             <a:fld id="{78C97017-6FC3-485B-9764-EAC9E56C1D49}" type="datetimeFigureOut">
               <a:rPr lang="en-US" smtClean="0"/>
-              <a:t>6/27/2018</a:t>
+              <a:t>11/10/2018</a:t>
             </a:fld>
             <a:endParaRPr lang="en-US"/>
           </a:p>
@@ -1000,7 +1000,7 @@
           <a:p>
             <a:fld id="{78C97017-6FC3-485B-9764-EAC9E56C1D49}" type="datetimeFigureOut">
               <a:rPr lang="en-US" smtClean="0"/>
-              <a:t>6/27/2018</a:t>
+              <a:t>11/10/2018</a:t>
             </a:fld>
             <a:endParaRPr lang="en-US"/>
           </a:p>
@@ -1168,7 +1168,7 @@
           <a:p>
             <a:fld id="{78C97017-6FC3-485B-9764-EAC9E56C1D49}" type="datetimeFigureOut">
               <a:rPr lang="en-US" smtClean="0"/>
-              <a:t>6/27/2018</a:t>
+              <a:t>11/10/2018</a:t>
             </a:fld>
             <a:endParaRPr lang="en-US"/>
           </a:p>
@@ -1413,7 +1413,7 @@
           <a:p>
             <a:fld id="{78C97017-6FC3-485B-9764-EAC9E56C1D49}" type="datetimeFigureOut">
               <a:rPr lang="en-US" smtClean="0"/>
-              <a:t>6/27/2018</a:t>
+              <a:t>11/10/2018</a:t>
             </a:fld>
             <a:endParaRPr lang="en-US"/>
           </a:p>
@@ -1698,7 +1698,7 @@
           <a:p>
             <a:fld id="{78C97017-6FC3-485B-9764-EAC9E56C1D49}" type="datetimeFigureOut">
               <a:rPr lang="en-US" smtClean="0"/>
-              <a:t>6/27/2018</a:t>
+              <a:t>11/10/2018</a:t>
             </a:fld>
             <a:endParaRPr lang="en-US"/>
           </a:p>
@@ -2117,7 +2117,7 @@
           <a:p>
             <a:fld id="{78C97017-6FC3-485B-9764-EAC9E56C1D49}" type="datetimeFigureOut">
               <a:rPr lang="en-US" smtClean="0"/>
-              <a:t>6/27/2018</a:t>
+              <a:t>11/10/2018</a:t>
             </a:fld>
             <a:endParaRPr lang="en-US"/>
           </a:p>
@@ -2234,7 +2234,7 @@
           <a:p>
             <a:fld id="{78C97017-6FC3-485B-9764-EAC9E56C1D49}" type="datetimeFigureOut">
               <a:rPr lang="en-US" smtClean="0"/>
-              <a:t>6/27/2018</a:t>
+              <a:t>11/10/2018</a:t>
             </a:fld>
             <a:endParaRPr lang="en-US"/>
           </a:p>
@@ -2329,7 +2329,7 @@
           <a:p>
             <a:fld id="{78C97017-6FC3-485B-9764-EAC9E56C1D49}" type="datetimeFigureOut">
               <a:rPr lang="en-US" smtClean="0"/>
-              <a:t>6/27/2018</a:t>
+              <a:t>11/10/2018</a:t>
             </a:fld>
             <a:endParaRPr lang="en-US"/>
           </a:p>
@@ -2604,7 +2604,7 @@
           <a:p>
             <a:fld id="{78C97017-6FC3-485B-9764-EAC9E56C1D49}" type="datetimeFigureOut">
               <a:rPr lang="en-US" smtClean="0"/>
-              <a:t>6/27/2018</a:t>
+              <a:t>11/10/2018</a:t>
             </a:fld>
             <a:endParaRPr lang="en-US"/>
           </a:p>
@@ -2856,7 +2856,7 @@
           <a:p>
             <a:fld id="{78C97017-6FC3-485B-9764-EAC9E56C1D49}" type="datetimeFigureOut">
               <a:rPr lang="en-US" smtClean="0"/>
-              <a:t>6/27/2018</a:t>
+              <a:t>11/10/2018</a:t>
             </a:fld>
             <a:endParaRPr lang="en-US"/>
           </a:p>
@@ -3067,7 +3067,7 @@
           <a:p>
             <a:fld id="{78C97017-6FC3-485B-9764-EAC9E56C1D49}" type="datetimeFigureOut">
               <a:rPr lang="en-US" smtClean="0"/>
-              <a:t>6/27/2018</a:t>
+              <a:t>11/10/2018</a:t>
             </a:fld>
             <a:endParaRPr lang="en-US"/>
           </a:p>
@@ -3450,8 +3450,8 @@
         </p:nvSpPr>
         <p:spPr>
           <a:xfrm>
-            <a:off x="1119865" y="1600200"/>
-            <a:ext cx="7490735" cy="3124200"/>
+            <a:off x="345459" y="444772"/>
+            <a:ext cx="8341341" cy="3593828"/>
           </a:xfrm>
           <a:prstGeom prst="roundRect">
             <a:avLst>
@@ -3511,7 +3511,7 @@
         </p:nvSpPr>
         <p:spPr>
           <a:xfrm>
-            <a:off x="2877180" y="3463240"/>
+            <a:off x="2652167" y="2713397"/>
             <a:ext cx="1093635" cy="346760"/>
           </a:xfrm>
           <a:prstGeom prst="rect">
@@ -3570,7 +3570,7 @@
         </p:nvSpPr>
         <p:spPr>
           <a:xfrm rot="16200000">
-            <a:off x="1661548" y="3097750"/>
+            <a:off x="1436535" y="2347907"/>
             <a:ext cx="1093635" cy="346760"/>
           </a:xfrm>
           <a:prstGeom prst="rect">
@@ -3633,7 +3633,7 @@
         </p:nvCxnSpPr>
         <p:spPr>
           <a:xfrm rot="5400000" flipH="1" flipV="1">
-            <a:off x="4131507" y="1281685"/>
+            <a:off x="3906494" y="531842"/>
             <a:ext cx="613122" cy="4459404"/>
           </a:xfrm>
           <a:prstGeom prst="bentConnector3">
@@ -3674,7 +3674,7 @@
         </p:nvSpPr>
         <p:spPr>
           <a:xfrm rot="16200000">
-            <a:off x="956202" y="2861202"/>
+            <a:off x="731189" y="2111359"/>
             <a:ext cx="1093635" cy="346760"/>
           </a:xfrm>
           <a:prstGeom prst="rect">
@@ -3744,7 +3744,7 @@
         </p:nvSpPr>
         <p:spPr>
           <a:xfrm rot="16200000">
-            <a:off x="1626910" y="2952291"/>
+            <a:off x="1401897" y="2202448"/>
             <a:ext cx="270504" cy="175523"/>
           </a:xfrm>
           <a:prstGeom prst="triangle">
@@ -3794,7 +3794,7 @@
         </p:nvCxnSpPr>
         <p:spPr>
           <a:xfrm>
-            <a:off x="2609828" y="3636620"/>
+            <a:off x="2384815" y="2886777"/>
             <a:ext cx="267352" cy="0"/>
           </a:xfrm>
           <a:prstGeom prst="straightConnector1">
@@ -3832,7 +3832,7 @@
         </p:nvCxnSpPr>
         <p:spPr>
           <a:xfrm>
-            <a:off x="910091" y="3040053"/>
+            <a:off x="685078" y="2290210"/>
             <a:ext cx="419548" cy="2860"/>
           </a:xfrm>
           <a:prstGeom prst="bentConnector3">
@@ -3877,7 +3877,7 @@
         </p:nvCxnSpPr>
         <p:spPr>
           <a:xfrm flipV="1">
-            <a:off x="1849924" y="3040052"/>
+            <a:off x="1624911" y="2290209"/>
             <a:ext cx="216105" cy="1"/>
           </a:xfrm>
           <a:prstGeom prst="line">
@@ -3916,7 +3916,7 @@
         </p:nvSpPr>
         <p:spPr>
           <a:xfrm>
-            <a:off x="2373780" y="3549930"/>
+            <a:off x="2148767" y="2800087"/>
             <a:ext cx="236048" cy="173380"/>
           </a:xfrm>
           <a:prstGeom prst="flowChartDecision">
@@ -3961,8 +3961,8 @@
         </p:nvSpPr>
         <p:spPr>
           <a:xfrm>
-            <a:off x="2825280" y="2846162"/>
-            <a:ext cx="1490560" cy="334856"/>
+            <a:off x="2590995" y="2096319"/>
+            <a:ext cx="1499832" cy="334856"/>
           </a:xfrm>
           <a:prstGeom prst="rect">
             <a:avLst/>
@@ -3994,12 +3994,28 @@
           <a:p>
             <a:pPr algn="ctr"/>
             <a:r>
-              <a:rPr lang="en-US" sz="1050" dirty="0" err="1" smtClean="0">
+              <a:rPr lang="en-US" sz="1050" dirty="0" err="1">
                 <a:solidFill>
                   <a:srgbClr val="7030A0"/>
                 </a:solidFill>
               </a:rPr>
-              <a:t>VersionedAddressBook</a:t>
+              <a:t>VersionedFinancial</a:t>
+            </a:r>
+            <a:endParaRPr lang="en-US" sz="1050" dirty="0">
+              <a:solidFill>
+                <a:srgbClr val="7030A0"/>
+              </a:solidFill>
+            </a:endParaRPr>
+          </a:p>
+          <a:p>
+            <a:pPr algn="ctr"/>
+            <a:r>
+              <a:rPr lang="en-US" sz="1050" dirty="0">
+                <a:solidFill>
+                  <a:srgbClr val="7030A0"/>
+                </a:solidFill>
+              </a:rPr>
+              <a:t>Planner</a:t>
             </a:r>
             <a:endParaRPr lang="en-SG" sz="1050" dirty="0">
               <a:solidFill>
@@ -4013,6 +4029,7 @@
         <p:nvCxnSpPr>
           <p:cNvPr id="47" name="Straight Arrow Connector 46"/>
           <p:cNvCxnSpPr>
+            <a:cxnSpLocks/>
             <a:stCxn id="48" idx="3"/>
             <a:endCxn id="46" idx="1"/>
           </p:cNvCxnSpPr>
@@ -4020,8 +4037,8 @@
         </p:nvCxnSpPr>
         <p:spPr>
           <a:xfrm>
-            <a:off x="2624360" y="3003033"/>
-            <a:ext cx="200920" cy="10557"/>
+            <a:off x="2399347" y="2253190"/>
+            <a:ext cx="191648" cy="10557"/>
           </a:xfrm>
           <a:prstGeom prst="straightConnector1">
             <a:avLst/>
@@ -4058,7 +4075,7 @@
         </p:nvSpPr>
         <p:spPr>
           <a:xfrm>
-            <a:off x="2388312" y="2916343"/>
+            <a:off x="2163299" y="2166500"/>
             <a:ext cx="236048" cy="173380"/>
           </a:xfrm>
           <a:prstGeom prst="flowChartDecision">
@@ -4103,7 +4120,7 @@
         </p:nvSpPr>
         <p:spPr>
           <a:xfrm>
-            <a:off x="4692650" y="2846162"/>
+            <a:off x="4467637" y="2096319"/>
             <a:ext cx="1156969" cy="346760"/>
           </a:xfrm>
           <a:prstGeom prst="rect">
@@ -4141,7 +4158,7 @@
                   <a:srgbClr val="7030A0"/>
                 </a:solidFill>
               </a:rPr>
-              <a:t>UniquePersonList</a:t>
+              <a:t>UniqueRecordList</a:t>
             </a:r>
             <a:endParaRPr lang="en-SG" sz="1050" dirty="0">
               <a:solidFill>
@@ -4159,7 +4176,7 @@
         </p:nvSpPr>
         <p:spPr>
           <a:xfrm>
-            <a:off x="4324972" y="2920532"/>
+            <a:off x="4099959" y="2170689"/>
             <a:ext cx="236048" cy="173380"/>
           </a:xfrm>
           <a:prstGeom prst="flowChartDecision">
@@ -4206,7 +4223,7 @@
         </p:nvSpPr>
         <p:spPr>
           <a:xfrm>
-            <a:off x="6313677" y="2858066"/>
+            <a:off x="6088664" y="2108223"/>
             <a:ext cx="708186" cy="346760"/>
           </a:xfrm>
           <a:prstGeom prst="rect">
@@ -4244,7 +4261,7 @@
                   <a:srgbClr val="7030A0"/>
                 </a:solidFill>
               </a:rPr>
-              <a:t>Person</a:t>
+              <a:t>Record</a:t>
             </a:r>
             <a:endParaRPr lang="en-SG" sz="1050" dirty="0">
               <a:solidFill>
@@ -4262,7 +4279,7 @@
         </p:nvSpPr>
         <p:spPr>
           <a:xfrm>
-            <a:off x="5858751" y="2941676"/>
+            <a:off x="5633738" y="2191833"/>
             <a:ext cx="236048" cy="173380"/>
           </a:xfrm>
           <a:prstGeom prst="flowChartDecision">
@@ -4310,7 +4327,7 @@
         </p:nvCxnSpPr>
         <p:spPr>
           <a:xfrm>
-            <a:off x="6094799" y="3028366"/>
+            <a:off x="5869786" y="2278523"/>
             <a:ext cx="218878" cy="3080"/>
           </a:xfrm>
           <a:prstGeom prst="bentConnector3">
@@ -4348,8 +4365,8 @@
         </p:nvSpPr>
         <p:spPr>
           <a:xfrm>
-            <a:off x="7712397" y="2564238"/>
-            <a:ext cx="708186" cy="285783"/>
+            <a:off x="7487383" y="1814395"/>
+            <a:ext cx="898203" cy="285783"/>
           </a:xfrm>
           <a:prstGeom prst="rect">
             <a:avLst/>
@@ -4404,7 +4421,7 @@
         </p:nvSpPr>
         <p:spPr>
           <a:xfrm>
-            <a:off x="7041947" y="2948201"/>
+            <a:off x="6816934" y="2198358"/>
             <a:ext cx="236048" cy="173380"/>
           </a:xfrm>
           <a:prstGeom prst="flowChartDecision">
@@ -4453,7 +4470,7 @@
         </p:nvCxnSpPr>
         <p:spPr>
           <a:xfrm flipV="1">
-            <a:off x="7277995" y="2706821"/>
+            <a:off x="7052982" y="1956978"/>
             <a:ext cx="434402" cy="327761"/>
           </a:xfrm>
           <a:prstGeom prst="bentConnector3">
@@ -4491,8 +4508,8 @@
         </p:nvSpPr>
         <p:spPr>
           <a:xfrm>
-            <a:off x="7712397" y="2887216"/>
-            <a:ext cx="708186" cy="285783"/>
+            <a:off x="7487383" y="2137373"/>
+            <a:ext cx="898203" cy="285783"/>
           </a:xfrm>
           <a:prstGeom prst="rect">
             <a:avLst/>
@@ -4529,7 +4546,7 @@
                   <a:srgbClr val="7030A0"/>
                 </a:solidFill>
               </a:rPr>
-              <a:t>Phone</a:t>
+              <a:t>Date</a:t>
             </a:r>
             <a:endParaRPr lang="en-SG" sz="1050" dirty="0">
               <a:solidFill>
@@ -4543,6 +4560,7 @@
         <p:nvCxnSpPr>
           <p:cNvPr id="81" name="Elbow Connector 80"/>
           <p:cNvCxnSpPr>
+            <a:cxnSpLocks/>
             <a:stCxn id="78" idx="3"/>
             <a:endCxn id="80" idx="1"/>
           </p:cNvCxnSpPr>
@@ -4550,8 +4568,8 @@
         </p:nvCxnSpPr>
         <p:spPr>
           <a:xfrm flipV="1">
-            <a:off x="7277995" y="3030108"/>
-            <a:ext cx="434402" cy="4783"/>
+            <a:off x="7052982" y="2280265"/>
+            <a:ext cx="434401" cy="4783"/>
           </a:xfrm>
           <a:prstGeom prst="bentConnector3">
             <a:avLst/>
@@ -4588,8 +4606,8 @@
         </p:nvSpPr>
         <p:spPr>
           <a:xfrm>
-            <a:off x="7712397" y="3210194"/>
-            <a:ext cx="708186" cy="285783"/>
+            <a:off x="7487383" y="2460351"/>
+            <a:ext cx="898203" cy="285783"/>
           </a:xfrm>
           <a:prstGeom prst="rect">
             <a:avLst/>
@@ -4621,12 +4639,12 @@
           <a:p>
             <a:pPr algn="ctr"/>
             <a:r>
-              <a:rPr lang="en-US" sz="1050" dirty="0">
+              <a:rPr lang="en-US" sz="1050" dirty="0" err="1">
                 <a:solidFill>
                   <a:srgbClr val="7030A0"/>
                 </a:solidFill>
               </a:rPr>
-              <a:t>Email</a:t>
+              <a:t>Moneyflow</a:t>
             </a:r>
             <a:endParaRPr lang="en-SG" sz="1050" dirty="0">
               <a:solidFill>
@@ -4640,6 +4658,7 @@
         <p:nvCxnSpPr>
           <p:cNvPr id="84" name="Elbow Connector 83"/>
           <p:cNvCxnSpPr>
+            <a:cxnSpLocks/>
             <a:stCxn id="78" idx="3"/>
             <a:endCxn id="83" idx="1"/>
           </p:cNvCxnSpPr>
@@ -4647,105 +4666,8 @@
         </p:nvCxnSpPr>
         <p:spPr>
           <a:xfrm>
-            <a:off x="7277995" y="3034891"/>
-            <a:ext cx="434402" cy="318195"/>
-          </a:xfrm>
-          <a:prstGeom prst="bentConnector3">
-            <a:avLst/>
-          </a:prstGeom>
-          <a:ln w="19050">
-            <a:solidFill>
-              <a:srgbClr val="7030A0"/>
-            </a:solidFill>
-            <a:headEnd type="none" w="med" len="med"/>
-            <a:tailEnd type="arrow" w="med" len="med"/>
-          </a:ln>
-          <a:effectLst/>
-        </p:spPr>
-        <p:style>
-          <a:lnRef idx="1">
-            <a:schemeClr val="accent2"/>
-          </a:lnRef>
-          <a:fillRef idx="2">
-            <a:schemeClr val="accent2"/>
-          </a:fillRef>
-          <a:effectRef idx="1">
-            <a:schemeClr val="accent2"/>
-          </a:effectRef>
-          <a:fontRef idx="minor">
-            <a:schemeClr val="dk1"/>
-          </a:fontRef>
-        </p:style>
-      </p:cxnSp>
-      <p:sp>
-        <p:nvSpPr>
-          <p:cNvPr id="85" name="Rectangle 8"/>
-          <p:cNvSpPr/>
-          <p:nvPr/>
-        </p:nvSpPr>
-        <p:spPr>
-          <a:xfrm>
-            <a:off x="7712397" y="3533171"/>
-            <a:ext cx="708186" cy="285783"/>
-          </a:xfrm>
-          <a:prstGeom prst="rect">
-            <a:avLst/>
-          </a:prstGeom>
-          <a:ln w="19050">
-            <a:solidFill>
-              <a:srgbClr val="7030A0"/>
-            </a:solidFill>
-          </a:ln>
-          <a:effectLst/>
-        </p:spPr>
-        <p:style>
-          <a:lnRef idx="1">
-            <a:schemeClr val="accent4"/>
-          </a:lnRef>
-          <a:fillRef idx="2">
-            <a:schemeClr val="accent4"/>
-          </a:fillRef>
-          <a:effectRef idx="1">
-            <a:schemeClr val="accent4"/>
-          </a:effectRef>
-          <a:fontRef idx="minor">
-            <a:schemeClr val="dk1"/>
-          </a:fontRef>
-        </p:style>
-        <p:txBody>
-          <a:bodyPr rtlCol="0" anchor="ctr"/>
-          <a:lstStyle/>
-          <a:p>
-            <a:pPr algn="ctr"/>
-            <a:r>
-              <a:rPr lang="en-US" sz="1050" dirty="0">
-                <a:solidFill>
-                  <a:srgbClr val="7030A0"/>
-                </a:solidFill>
-              </a:rPr>
-              <a:t>Address</a:t>
-            </a:r>
-            <a:endParaRPr lang="en-SG" sz="1050" dirty="0">
-              <a:solidFill>
-                <a:srgbClr val="7030A0"/>
-              </a:solidFill>
-            </a:endParaRPr>
-          </a:p>
-        </p:txBody>
-      </p:sp>
-      <p:cxnSp>
-        <p:nvCxnSpPr>
-          <p:cNvPr id="86" name="Elbow Connector 85"/>
-          <p:cNvCxnSpPr>
-            <a:stCxn id="78" idx="3"/>
-            <a:endCxn id="85" idx="1"/>
-          </p:cNvCxnSpPr>
-          <p:nvPr/>
-        </p:nvCxnSpPr>
-        <p:spPr>
-          <a:xfrm>
-            <a:off x="7277995" y="3034891"/>
-            <a:ext cx="434402" cy="641172"/>
+            <a:off x="7052982" y="2285048"/>
+            <a:ext cx="434401" cy="318195"/>
           </a:xfrm>
           <a:prstGeom prst="bentConnector3">
             <a:avLst/>
@@ -4778,14 +4700,15 @@
         <p:nvCxnSpPr>
           <p:cNvPr id="97" name="Elbow Connector 63"/>
           <p:cNvCxnSpPr>
+            <a:cxnSpLocks/>
             <a:stCxn id="99" idx="3"/>
           </p:cNvCxnSpPr>
           <p:nvPr/>
         </p:nvCxnSpPr>
         <p:spPr>
-          <a:xfrm rot="5400000">
-            <a:off x="3553611" y="2687559"/>
-            <a:ext cx="293825" cy="5938"/>
+          <a:xfrm rot="16200000" flipH="1">
+            <a:off x="3118450" y="1736290"/>
+            <a:ext cx="720059" cy="1"/>
           </a:xfrm>
           <a:prstGeom prst="bentConnector3">
             <a:avLst>
@@ -4825,7 +4748,7 @@
         </p:nvSpPr>
         <p:spPr>
           <a:xfrm rot="10800000" flipV="1">
-            <a:off x="3562299" y="2386554"/>
+            <a:off x="3337286" y="1219200"/>
             <a:ext cx="282387" cy="157062"/>
           </a:xfrm>
           <a:prstGeom prst="triangle">
@@ -4873,8 +4796,8 @@
         </p:nvSpPr>
         <p:spPr>
           <a:xfrm>
-            <a:off x="1260922" y="1998350"/>
-            <a:ext cx="1443661" cy="364396"/>
+            <a:off x="1032322" y="749296"/>
+            <a:ext cx="1443661" cy="469904"/>
           </a:xfrm>
           <a:prstGeom prst="rect">
             <a:avLst/>
@@ -4926,7 +4849,23 @@
                   <a:srgbClr val="7030A0"/>
                 </a:solidFill>
               </a:rPr>
-              <a:t>ReadOnlyAddressBook</a:t>
+              <a:t>ReadOnlyFinancial</a:t>
+            </a:r>
+            <a:endParaRPr lang="en-US" sz="1050" dirty="0">
+              <a:solidFill>
+                <a:srgbClr val="7030A0"/>
+              </a:solidFill>
+            </a:endParaRPr>
+          </a:p>
+          <a:p>
+            <a:pPr algn="ctr"/>
+            <a:r>
+              <a:rPr lang="en-US" sz="1050" dirty="0">
+                <a:solidFill>
+                  <a:srgbClr val="7030A0"/>
+                </a:solidFill>
+              </a:rPr>
+              <a:t>Planner</a:t>
             </a:r>
             <a:endParaRPr lang="en-SG" sz="1050" dirty="0">
               <a:solidFill>
@@ -4944,7 +4883,7 @@
         </p:nvSpPr>
         <p:spPr>
           <a:xfrm rot="16200000">
-            <a:off x="6362886" y="3586305"/>
+            <a:off x="6137873" y="2836462"/>
             <a:ext cx="881018" cy="261610"/>
           </a:xfrm>
           <a:prstGeom prst="rect">
@@ -4983,7 +4922,7 @@
         </p:nvSpPr>
         <p:spPr>
           <a:xfrm>
-            <a:off x="2057401" y="4239491"/>
+            <a:off x="1832388" y="3489648"/>
             <a:ext cx="1066800" cy="346760"/>
           </a:xfrm>
           <a:prstGeom prst="rect">
@@ -5023,14 +4962,6 @@
               </a:rPr>
               <a:t>&lt;&lt;interface&gt;&gt;</a:t>
             </a:r>
-            <a:r>
-              <a:rPr lang="en-US" sz="1050">
-                <a:solidFill>
-                  <a:srgbClr val="7030A0"/>
-                </a:solidFill>
-              </a:rPr>
-              <a:t/>
-            </a:r>
             <a:br>
               <a:rPr lang="en-US" sz="1050">
                 <a:solidFill>
@@ -5058,6 +4989,7 @@
         <p:nvCxnSpPr>
           <p:cNvPr id="124" name="Elbow Connector 122"/>
           <p:cNvCxnSpPr>
+            <a:cxnSpLocks/>
             <a:stCxn id="119" idx="1"/>
             <a:endCxn id="122" idx="1"/>
           </p:cNvCxnSpPr>
@@ -5065,7 +4997,7 @@
         </p:nvCxnSpPr>
         <p:spPr>
           <a:xfrm rot="16200000" flipH="1">
-            <a:off x="1364475" y="3719944"/>
+            <a:off x="1139462" y="2970101"/>
             <a:ext cx="831471" cy="554381"/>
           </a:xfrm>
           <a:prstGeom prst="bentConnector2">
@@ -5104,7 +5036,7 @@
         </p:nvSpPr>
         <p:spPr>
           <a:xfrm>
-            <a:off x="4429979" y="3111479"/>
+            <a:off x="4204966" y="2361636"/>
             <a:ext cx="189257" cy="178683"/>
           </a:xfrm>
           <a:prstGeom prst="rect">
@@ -5143,7 +5075,7 @@
         </p:nvSpPr>
         <p:spPr>
           <a:xfrm>
-            <a:off x="6135256" y="3097917"/>
+            <a:off x="5910243" y="2348074"/>
             <a:ext cx="189257" cy="178683"/>
           </a:xfrm>
           <a:prstGeom prst="rect">
@@ -5182,7 +5114,7 @@
         </p:nvSpPr>
         <p:spPr>
           <a:xfrm>
-            <a:off x="2573394" y="2756715"/>
+            <a:off x="2348381" y="2006872"/>
             <a:ext cx="170110" cy="137542"/>
           </a:xfrm>
           <a:prstGeom prst="rect">
@@ -5221,7 +5153,7 @@
         </p:nvSpPr>
         <p:spPr>
           <a:xfrm>
-            <a:off x="2707070" y="3667737"/>
+            <a:off x="2482057" y="2917894"/>
             <a:ext cx="189257" cy="178683"/>
           </a:xfrm>
           <a:prstGeom prst="rect">
@@ -5260,7 +5192,7 @@
         </p:nvSpPr>
         <p:spPr>
           <a:xfrm>
-            <a:off x="6449896" y="3204826"/>
+            <a:off x="6224883" y="2454983"/>
             <a:ext cx="189257" cy="178683"/>
           </a:xfrm>
           <a:prstGeom prst="rect">
@@ -5305,8 +5237,8 @@
         </p:nvSpPr>
         <p:spPr>
           <a:xfrm>
-            <a:off x="7712397" y="2228817"/>
-            <a:ext cx="708186" cy="285783"/>
+            <a:off x="7487383" y="1478974"/>
+            <a:ext cx="898203" cy="285783"/>
           </a:xfrm>
           <a:prstGeom prst="rect">
             <a:avLst/>
@@ -5371,8 +5303,8 @@
         </p:nvCxnSpPr>
         <p:spPr>
           <a:xfrm flipV="1">
-            <a:off x="7277995" y="2371709"/>
-            <a:ext cx="434402" cy="663182"/>
+            <a:off x="7052982" y="1621866"/>
+            <a:ext cx="434401" cy="663182"/>
           </a:xfrm>
           <a:prstGeom prst="bentConnector3">
             <a:avLst>
@@ -5417,7 +5349,7 @@
         </p:nvSpPr>
         <p:spPr>
           <a:xfrm>
-            <a:off x="7466243" y="2255711"/>
+            <a:off x="7241230" y="1505868"/>
             <a:ext cx="189257" cy="178683"/>
           </a:xfrm>
           <a:prstGeom prst="rect">
@@ -5456,8 +5388,8 @@
         </p:nvSpPr>
         <p:spPr>
           <a:xfrm>
-            <a:off x="3170181" y="1998350"/>
-            <a:ext cx="1060683" cy="364396"/>
+            <a:off x="2895601" y="854803"/>
+            <a:ext cx="1219199" cy="364396"/>
           </a:xfrm>
           <a:prstGeom prst="rect">
             <a:avLst/>
@@ -5494,7 +5426,7 @@
                   <a:srgbClr val="7030A0"/>
                 </a:solidFill>
               </a:rPr>
-              <a:t>AddressBook</a:t>
+              <a:t>FinancialPlanner</a:t>
             </a:r>
             <a:endParaRPr lang="en-SG" sz="1050" dirty="0">
               <a:solidFill>
@@ -5515,7 +5447,7 @@
         </p:nvCxnSpPr>
         <p:spPr>
           <a:xfrm>
-            <a:off x="4324972" y="3007222"/>
+            <a:off x="4099959" y="2257379"/>
             <a:ext cx="367678" cy="12320"/>
           </a:xfrm>
           <a:prstGeom prst="straightConnector1">
@@ -5553,7 +5485,7 @@
         </p:nvSpPr>
         <p:spPr>
           <a:xfrm rot="16200000">
-            <a:off x="2669073" y="2069158"/>
+            <a:off x="2440473" y="925611"/>
             <a:ext cx="271014" cy="187417"/>
           </a:xfrm>
           <a:prstGeom prst="triangle">
@@ -5601,6 +5533,7 @@
         <p:nvCxnSpPr>
           <p:cNvPr id="69" name="Elbow Connector 63"/>
           <p:cNvCxnSpPr>
+            <a:cxnSpLocks/>
             <a:stCxn id="68" idx="3"/>
             <a:endCxn id="55" idx="1"/>
           </p:cNvCxnSpPr>
@@ -5608,8 +5541,8 @@
         </p:nvCxnSpPr>
         <p:spPr>
           <a:xfrm>
-            <a:off x="2898289" y="2177727"/>
-            <a:ext cx="271892" cy="2821"/>
+            <a:off x="2669689" y="1034180"/>
+            <a:ext cx="225912" cy="2821"/>
           </a:xfrm>
           <a:prstGeom prst="bentConnector3">
             <a:avLst>
@@ -5641,6 +5574,338 @@
           </a:fontRef>
         </p:style>
       </p:cxnSp>
+      <p:sp>
+        <p:nvSpPr>
+          <p:cNvPr id="56" name="Rectangle 8">
+            <a:extLst>
+              <a:ext uri="{FF2B5EF4-FFF2-40B4-BE49-F238E27FC236}">
+                <a16:creationId xmlns:a16="http://schemas.microsoft.com/office/drawing/2014/main" id="{FA4B9B43-D75A-4327-880D-C7F0802B8B32}"/>
+              </a:ext>
+            </a:extLst>
+          </p:cNvPr>
+          <p:cNvSpPr/>
+          <p:nvPr/>
+        </p:nvSpPr>
+        <p:spPr>
+          <a:xfrm>
+            <a:off x="4447130" y="1487238"/>
+            <a:ext cx="1156969" cy="346760"/>
+          </a:xfrm>
+          <a:prstGeom prst="rect">
+            <a:avLst/>
+          </a:prstGeom>
+          <a:ln w="19050">
+            <a:solidFill>
+              <a:srgbClr val="7030A0"/>
+            </a:solidFill>
+          </a:ln>
+          <a:effectLst/>
+        </p:spPr>
+        <p:style>
+          <a:lnRef idx="1">
+            <a:schemeClr val="accent4"/>
+          </a:lnRef>
+          <a:fillRef idx="2">
+            <a:schemeClr val="accent4"/>
+          </a:fillRef>
+          <a:effectRef idx="1">
+            <a:schemeClr val="accent4"/>
+          </a:effectRef>
+          <a:fontRef idx="minor">
+            <a:schemeClr val="dk1"/>
+          </a:fontRef>
+        </p:style>
+        <p:txBody>
+          <a:bodyPr rtlCol="0" anchor="ctr"/>
+          <a:lstStyle/>
+          <a:p>
+            <a:pPr algn="ctr"/>
+            <a:r>
+              <a:rPr lang="en-US" sz="1050" dirty="0" err="1">
+                <a:solidFill>
+                  <a:srgbClr val="7030A0"/>
+                </a:solidFill>
+              </a:rPr>
+              <a:t>DateBasedLimit</a:t>
+            </a:r>
+            <a:endParaRPr lang="en-US" sz="1050" dirty="0">
+              <a:solidFill>
+                <a:srgbClr val="7030A0"/>
+              </a:solidFill>
+            </a:endParaRPr>
+          </a:p>
+          <a:p>
+            <a:pPr algn="ctr"/>
+            <a:r>
+              <a:rPr lang="en-US" sz="1050" dirty="0">
+                <a:solidFill>
+                  <a:srgbClr val="7030A0"/>
+                </a:solidFill>
+              </a:rPr>
+              <a:t>List</a:t>
+            </a:r>
+            <a:endParaRPr lang="en-SG" sz="1050" dirty="0">
+              <a:solidFill>
+                <a:srgbClr val="7030A0"/>
+              </a:solidFill>
+            </a:endParaRPr>
+          </a:p>
+        </p:txBody>
+      </p:sp>
+      <p:sp>
+        <p:nvSpPr>
+          <p:cNvPr id="59" name="Flowchart: Decision 96">
+            <a:extLst>
+              <a:ext uri="{FF2B5EF4-FFF2-40B4-BE49-F238E27FC236}">
+                <a16:creationId xmlns:a16="http://schemas.microsoft.com/office/drawing/2014/main" id="{72421FC3-41FD-46FF-9C6F-8FF2E75EC272}"/>
+              </a:ext>
+            </a:extLst>
+          </p:cNvPr>
+          <p:cNvSpPr/>
+          <p:nvPr/>
+        </p:nvSpPr>
+        <p:spPr>
+          <a:xfrm>
+            <a:off x="5605798" y="1573928"/>
+            <a:ext cx="236048" cy="173380"/>
+          </a:xfrm>
+          <a:prstGeom prst="flowChartDecision">
+            <a:avLst/>
+          </a:prstGeom>
+          <a:noFill/>
+          <a:ln w="19050">
+            <a:solidFill>
+              <a:srgbClr val="7030A0"/>
+            </a:solidFill>
+          </a:ln>
+          <a:effectLst/>
+        </p:spPr>
+        <p:style>
+          <a:lnRef idx="1">
+            <a:schemeClr val="accent6"/>
+          </a:lnRef>
+          <a:fillRef idx="2">
+            <a:schemeClr val="accent6"/>
+          </a:fillRef>
+          <a:effectRef idx="1">
+            <a:schemeClr val="accent6"/>
+          </a:effectRef>
+          <a:fontRef idx="minor">
+            <a:schemeClr val="dk1"/>
+          </a:fontRef>
+        </p:style>
+        <p:txBody>
+          <a:bodyPr rtlCol="0" anchor="ctr"/>
+          <a:lstStyle/>
+          <a:p>
+            <a:pPr algn="ctr"/>
+            <a:endParaRPr lang="en-US" sz="1050"/>
+          </a:p>
+        </p:txBody>
+      </p:sp>
+      <p:cxnSp>
+        <p:nvCxnSpPr>
+          <p:cNvPr id="67" name="Elbow Connector 63">
+            <a:extLst>
+              <a:ext uri="{FF2B5EF4-FFF2-40B4-BE49-F238E27FC236}">
+                <a16:creationId xmlns:a16="http://schemas.microsoft.com/office/drawing/2014/main" id="{F4594884-B298-4641-BCF7-473002A9136A}"/>
+              </a:ext>
+            </a:extLst>
+          </p:cNvPr>
+          <p:cNvCxnSpPr>
+            <a:cxnSpLocks/>
+            <a:stCxn id="59" idx="3"/>
+            <a:endCxn id="71" idx="1"/>
+          </p:cNvCxnSpPr>
+          <p:nvPr/>
+        </p:nvCxnSpPr>
+        <p:spPr>
+          <a:xfrm flipV="1">
+            <a:off x="5841846" y="1659814"/>
+            <a:ext cx="222343" cy="804"/>
+          </a:xfrm>
+          <a:prstGeom prst="bentConnector3">
+            <a:avLst/>
+          </a:prstGeom>
+          <a:ln w="19050">
+            <a:solidFill>
+              <a:srgbClr val="7030A0"/>
+            </a:solidFill>
+            <a:headEnd type="none" w="med" len="med"/>
+            <a:tailEnd type="arrow" w="med" len="med"/>
+          </a:ln>
+          <a:effectLst/>
+        </p:spPr>
+        <p:style>
+          <a:lnRef idx="1">
+            <a:schemeClr val="accent2"/>
+          </a:lnRef>
+          <a:fillRef idx="2">
+            <a:schemeClr val="accent2"/>
+          </a:fillRef>
+          <a:effectRef idx="1">
+            <a:schemeClr val="accent2"/>
+          </a:effectRef>
+          <a:fontRef idx="minor">
+            <a:schemeClr val="dk1"/>
+          </a:fontRef>
+        </p:style>
+      </p:cxnSp>
+      <p:sp>
+        <p:nvSpPr>
+          <p:cNvPr id="71" name="Rectangle 8">
+            <a:extLst>
+              <a:ext uri="{FF2B5EF4-FFF2-40B4-BE49-F238E27FC236}">
+                <a16:creationId xmlns:a16="http://schemas.microsoft.com/office/drawing/2014/main" id="{0D8F7C71-CA10-414F-8445-D35D48399A71}"/>
+              </a:ext>
+            </a:extLst>
+          </p:cNvPr>
+          <p:cNvSpPr/>
+          <p:nvPr/>
+        </p:nvSpPr>
+        <p:spPr>
+          <a:xfrm>
+            <a:off x="6064189" y="1486434"/>
+            <a:ext cx="708186" cy="346760"/>
+          </a:xfrm>
+          <a:prstGeom prst="rect">
+            <a:avLst/>
+          </a:prstGeom>
+          <a:ln w="19050">
+            <a:solidFill>
+              <a:srgbClr val="7030A0"/>
+            </a:solidFill>
+          </a:ln>
+          <a:effectLst/>
+        </p:spPr>
+        <p:style>
+          <a:lnRef idx="1">
+            <a:schemeClr val="accent4"/>
+          </a:lnRef>
+          <a:fillRef idx="2">
+            <a:schemeClr val="accent4"/>
+          </a:fillRef>
+          <a:effectRef idx="1">
+            <a:schemeClr val="accent4"/>
+          </a:effectRef>
+          <a:fontRef idx="minor">
+            <a:schemeClr val="dk1"/>
+          </a:fontRef>
+        </p:style>
+        <p:txBody>
+          <a:bodyPr rtlCol="0" anchor="ctr"/>
+          <a:lstStyle/>
+          <a:p>
+            <a:pPr algn="ctr"/>
+            <a:r>
+              <a:rPr lang="en-US" sz="1050" dirty="0">
+                <a:solidFill>
+                  <a:srgbClr val="7030A0"/>
+                </a:solidFill>
+              </a:rPr>
+              <a:t>Limit</a:t>
+            </a:r>
+            <a:endParaRPr lang="en-SG" sz="1050" dirty="0">
+              <a:solidFill>
+                <a:srgbClr val="7030A0"/>
+              </a:solidFill>
+            </a:endParaRPr>
+          </a:p>
+        </p:txBody>
+      </p:sp>
+      <p:cxnSp>
+        <p:nvCxnSpPr>
+          <p:cNvPr id="72" name="Straight Arrow Connector 71">
+            <a:extLst>
+              <a:ext uri="{FF2B5EF4-FFF2-40B4-BE49-F238E27FC236}">
+                <a16:creationId xmlns:a16="http://schemas.microsoft.com/office/drawing/2014/main" id="{69B0078D-296A-43EE-BA4E-B9B2386E3DFE}"/>
+              </a:ext>
+            </a:extLst>
+          </p:cNvPr>
+          <p:cNvCxnSpPr>
+            <a:cxnSpLocks/>
+            <a:stCxn id="51" idx="0"/>
+            <a:endCxn id="56" idx="1"/>
+          </p:cNvCxnSpPr>
+          <p:nvPr/>
+        </p:nvCxnSpPr>
+        <p:spPr>
+          <a:xfrm rot="5400000" flipH="1" flipV="1">
+            <a:off x="4077521" y="1801081"/>
+            <a:ext cx="510071" cy="229147"/>
+          </a:xfrm>
+          <a:prstGeom prst="bentConnector2">
+            <a:avLst/>
+          </a:prstGeom>
+          <a:ln w="19050">
+            <a:solidFill>
+              <a:srgbClr val="7030A0"/>
+            </a:solidFill>
+            <a:headEnd type="none" w="med" len="med"/>
+            <a:tailEnd type="arrow" w="med" len="med"/>
+          </a:ln>
+          <a:effectLst/>
+        </p:spPr>
+        <p:style>
+          <a:lnRef idx="1">
+            <a:schemeClr val="accent2"/>
+          </a:lnRef>
+          <a:fillRef idx="2">
+            <a:schemeClr val="accent2"/>
+          </a:fillRef>
+          <a:effectRef idx="1">
+            <a:schemeClr val="accent2"/>
+          </a:effectRef>
+          <a:fontRef idx="minor">
+            <a:schemeClr val="dk1"/>
+          </a:fontRef>
+        </p:style>
+      </p:cxnSp>
+      <p:sp>
+        <p:nvSpPr>
+          <p:cNvPr id="73" name="TextBox 72">
+            <a:extLst>
+              <a:ext uri="{FF2B5EF4-FFF2-40B4-BE49-F238E27FC236}">
+                <a16:creationId xmlns:a16="http://schemas.microsoft.com/office/drawing/2014/main" id="{4CDAC71F-F26D-4FEC-8360-CCA7C873E8E6}"/>
+              </a:ext>
+            </a:extLst>
+          </p:cNvPr>
+          <p:cNvSpPr txBox="1"/>
+          <p:nvPr/>
+        </p:nvSpPr>
+        <p:spPr>
+          <a:xfrm>
+            <a:off x="5858389" y="1485423"/>
+            <a:ext cx="189257" cy="178683"/>
+          </a:xfrm>
+          <a:prstGeom prst="rect">
+            <a:avLst/>
+          </a:prstGeom>
+          <a:noFill/>
+        </p:spPr>
+        <p:txBody>
+          <a:bodyPr wrap="square" lIns="0" tIns="0" rIns="0" bIns="0" rtlCol="0">
+            <a:noAutofit/>
+          </a:bodyPr>
+          <a:lstStyle/>
+          <a:p>
+            <a:pPr algn="ctr"/>
+            <a:r>
+              <a:rPr lang="en-US" sz="1100" dirty="0">
+                <a:solidFill>
+                  <a:srgbClr val="7030A0"/>
+                </a:solidFill>
+              </a:rPr>
+              <a:t>*</a:t>
+            </a:r>
+            <a:endParaRPr lang="en-SG" sz="1100" dirty="0">
+              <a:solidFill>
+                <a:srgbClr val="7030A0"/>
+              </a:solidFill>
+            </a:endParaRPr>
+          </a:p>
+        </p:txBody>
+      </p:sp>
     </p:spTree>
     <p:extLst>
       <p:ext uri="{BB962C8B-B14F-4D97-AF65-F5344CB8AC3E}">

--- a/docs/diagrams/ModelComponentClassDiagram.pptx
+++ b/docs/diagrams/ModelComponentClassDiagram.pptx
@@ -208,7 +208,7 @@
           <a:p>
             <a:fld id="{F5CC4B3F-88C1-4FFA-B1B6-F41C21DC6924}" type="datetimeFigureOut">
               <a:rPr lang="en-US" smtClean="0"/>
-              <a:t>6/27/2018</a:t>
+              <a:t>11/11/18</a:t>
             </a:fld>
             <a:endParaRPr lang="en-US"/>
           </a:p>
@@ -654,7 +654,7 @@
           <a:p>
             <a:fld id="{78C97017-6FC3-485B-9764-EAC9E56C1D49}" type="datetimeFigureOut">
               <a:rPr lang="en-US" smtClean="0"/>
-              <a:t>6/27/2018</a:t>
+              <a:t>11/11/18</a:t>
             </a:fld>
             <a:endParaRPr lang="en-US"/>
           </a:p>
@@ -822,7 +822,7 @@
           <a:p>
             <a:fld id="{78C97017-6FC3-485B-9764-EAC9E56C1D49}" type="datetimeFigureOut">
               <a:rPr lang="en-US" smtClean="0"/>
-              <a:t>6/27/2018</a:t>
+              <a:t>11/11/18</a:t>
             </a:fld>
             <a:endParaRPr lang="en-US"/>
           </a:p>
@@ -1000,7 +1000,7 @@
           <a:p>
             <a:fld id="{78C97017-6FC3-485B-9764-EAC9E56C1D49}" type="datetimeFigureOut">
               <a:rPr lang="en-US" smtClean="0"/>
-              <a:t>6/27/2018</a:t>
+              <a:t>11/11/18</a:t>
             </a:fld>
             <a:endParaRPr lang="en-US"/>
           </a:p>
@@ -1168,7 +1168,7 @@
           <a:p>
             <a:fld id="{78C97017-6FC3-485B-9764-EAC9E56C1D49}" type="datetimeFigureOut">
               <a:rPr lang="en-US" smtClean="0"/>
-              <a:t>6/27/2018</a:t>
+              <a:t>11/11/18</a:t>
             </a:fld>
             <a:endParaRPr lang="en-US"/>
           </a:p>
@@ -1413,7 +1413,7 @@
           <a:p>
             <a:fld id="{78C97017-6FC3-485B-9764-EAC9E56C1D49}" type="datetimeFigureOut">
               <a:rPr lang="en-US" smtClean="0"/>
-              <a:t>6/27/2018</a:t>
+              <a:t>11/11/18</a:t>
             </a:fld>
             <a:endParaRPr lang="en-US"/>
           </a:p>
@@ -1698,7 +1698,7 @@
           <a:p>
             <a:fld id="{78C97017-6FC3-485B-9764-EAC9E56C1D49}" type="datetimeFigureOut">
               <a:rPr lang="en-US" smtClean="0"/>
-              <a:t>6/27/2018</a:t>
+              <a:t>11/11/18</a:t>
             </a:fld>
             <a:endParaRPr lang="en-US"/>
           </a:p>
@@ -2117,7 +2117,7 @@
           <a:p>
             <a:fld id="{78C97017-6FC3-485B-9764-EAC9E56C1D49}" type="datetimeFigureOut">
               <a:rPr lang="en-US" smtClean="0"/>
-              <a:t>6/27/2018</a:t>
+              <a:t>11/11/18</a:t>
             </a:fld>
             <a:endParaRPr lang="en-US"/>
           </a:p>
@@ -2234,7 +2234,7 @@
           <a:p>
             <a:fld id="{78C97017-6FC3-485B-9764-EAC9E56C1D49}" type="datetimeFigureOut">
               <a:rPr lang="en-US" smtClean="0"/>
-              <a:t>6/27/2018</a:t>
+              <a:t>11/11/18</a:t>
             </a:fld>
             <a:endParaRPr lang="en-US"/>
           </a:p>
@@ -2329,7 +2329,7 @@
           <a:p>
             <a:fld id="{78C97017-6FC3-485B-9764-EAC9E56C1D49}" type="datetimeFigureOut">
               <a:rPr lang="en-US" smtClean="0"/>
-              <a:t>6/27/2018</a:t>
+              <a:t>11/11/18</a:t>
             </a:fld>
             <a:endParaRPr lang="en-US"/>
           </a:p>
@@ -2604,7 +2604,7 @@
           <a:p>
             <a:fld id="{78C97017-6FC3-485B-9764-EAC9E56C1D49}" type="datetimeFigureOut">
               <a:rPr lang="en-US" smtClean="0"/>
-              <a:t>6/27/2018</a:t>
+              <a:t>11/11/18</a:t>
             </a:fld>
             <a:endParaRPr lang="en-US"/>
           </a:p>
@@ -2856,7 +2856,7 @@
           <a:p>
             <a:fld id="{78C97017-6FC3-485B-9764-EAC9E56C1D49}" type="datetimeFigureOut">
               <a:rPr lang="en-US" smtClean="0"/>
-              <a:t>6/27/2018</a:t>
+              <a:t>11/11/18</a:t>
             </a:fld>
             <a:endParaRPr lang="en-US"/>
           </a:p>
@@ -3067,7 +3067,7 @@
           <a:p>
             <a:fld id="{78C97017-6FC3-485B-9764-EAC9E56C1D49}" type="datetimeFigureOut">
               <a:rPr lang="en-US" smtClean="0"/>
-              <a:t>6/27/2018</a:t>
+              <a:t>11/11/18</a:t>
             </a:fld>
             <a:endParaRPr lang="en-US"/>
           </a:p>
@@ -3442,2205 +3442,42 @@
           <a:chExt cx="0" cy="0"/>
         </a:xfrm>
       </p:grpSpPr>
-      <p:sp>
-        <p:nvSpPr>
-          <p:cNvPr id="118" name="Rectangle 65"/>
-          <p:cNvSpPr/>
+      <p:pic>
+        <p:nvPicPr>
+          <p:cNvPr id="4" name="Picture 3">
+            <a:extLst>
+              <a:ext uri="{FF2B5EF4-FFF2-40B4-BE49-F238E27FC236}">
+                <a16:creationId xmlns:a16="http://schemas.microsoft.com/office/drawing/2014/main" id="{C9CBA285-0640-5E4A-AF09-6F7C7CB81216}"/>
+              </a:ext>
+            </a:extLst>
+          </p:cNvPr>
+          <p:cNvPicPr>
+            <a:picLocks noChangeAspect="1"/>
+          </p:cNvPicPr>
           <p:nvPr/>
-        </p:nvSpPr>
+        </p:nvPicPr>
+        <p:blipFill>
+          <a:blip r:embed="rId2">
+            <a:extLst>
+              <a:ext uri="{28A0092B-C50C-407E-A947-70E740481C1C}">
+                <a14:useLocalDpi xmlns:a14="http://schemas.microsoft.com/office/drawing/2010/main" val="0"/>
+              </a:ext>
+            </a:extLst>
+          </a:blip>
+          <a:stretch>
+            <a:fillRect/>
+          </a:stretch>
+        </p:blipFill>
         <p:spPr>
           <a:xfrm>
-            <a:off x="1119865" y="1600200"/>
-            <a:ext cx="7490735" cy="3124200"/>
-          </a:xfrm>
-          <a:prstGeom prst="roundRect">
-            <a:avLst>
-              <a:gd name="adj" fmla="val 3484"/>
-            </a:avLst>
-          </a:prstGeom>
-          <a:solidFill>
-            <a:schemeClr val="accent4">
-              <a:lumMod val="20000"/>
-              <a:lumOff val="80000"/>
-            </a:schemeClr>
-          </a:solidFill>
-          <a:ln w="19050">
-            <a:noFill/>
-          </a:ln>
-          <a:effectLst/>
-        </p:spPr>
-        <p:style>
-          <a:lnRef idx="1">
-            <a:schemeClr val="accent2"/>
-          </a:lnRef>
-          <a:fillRef idx="2">
-            <a:schemeClr val="accent2"/>
-          </a:fillRef>
-          <a:effectRef idx="1">
-            <a:schemeClr val="accent2"/>
-          </a:effectRef>
-          <a:fontRef idx="minor">
-            <a:schemeClr val="dk1"/>
-          </a:fontRef>
-        </p:style>
-        <p:txBody>
-          <a:bodyPr rtlCol="0" anchor="t"/>
-          <a:lstStyle/>
-          <a:p>
-            <a:r>
-              <a:rPr lang="en-US" sz="1200" b="1" dirty="0">
-                <a:solidFill>
-                  <a:srgbClr val="7030A0"/>
-                </a:solidFill>
-              </a:rPr>
-              <a:t>Model</a:t>
-            </a:r>
-            <a:endParaRPr lang="en-SG" sz="1200" b="1" dirty="0">
-              <a:solidFill>
-                <a:srgbClr val="7030A0"/>
-              </a:solidFill>
-            </a:endParaRPr>
-          </a:p>
-        </p:txBody>
-      </p:sp>
-      <p:sp>
-        <p:nvSpPr>
-          <p:cNvPr id="2" name="Rectangle 8"/>
-          <p:cNvSpPr/>
-          <p:nvPr/>
-        </p:nvSpPr>
-        <p:spPr>
-          <a:xfrm>
-            <a:off x="2877180" y="3463240"/>
-            <a:ext cx="1093635" cy="346760"/>
+            <a:off x="766884" y="282575"/>
+            <a:ext cx="7610232" cy="6292850"/>
           </a:xfrm>
           <a:prstGeom prst="rect">
             <a:avLst/>
           </a:prstGeom>
-          <a:solidFill>
-            <a:srgbClr val="7030A0"/>
-          </a:solidFill>
-          <a:ln w="19050">
-            <a:solidFill>
-              <a:srgbClr val="7030A0"/>
-            </a:solidFill>
-          </a:ln>
-          <a:effectLst/>
         </p:spPr>
-        <p:style>
-          <a:lnRef idx="1">
-            <a:schemeClr val="accent2"/>
-          </a:lnRef>
-          <a:fillRef idx="2">
-            <a:schemeClr val="accent2"/>
-          </a:fillRef>
-          <a:effectRef idx="1">
-            <a:schemeClr val="accent2"/>
-          </a:effectRef>
-          <a:fontRef idx="minor">
-            <a:schemeClr val="dk1"/>
-          </a:fontRef>
-        </p:style>
-        <p:txBody>
-          <a:bodyPr rtlCol="0" anchor="ctr"/>
-          <a:lstStyle/>
-          <a:p>
-            <a:pPr algn="ctr"/>
-            <a:r>
-              <a:rPr lang="en-US" sz="1050" dirty="0" err="1">
-                <a:solidFill>
-                  <a:schemeClr val="bg1"/>
-                </a:solidFill>
-              </a:rPr>
-              <a:t>UserPref</a:t>
-            </a:r>
-            <a:endParaRPr lang="en-SG" sz="1050" dirty="0">
-              <a:solidFill>
-                <a:schemeClr val="bg1"/>
-              </a:solidFill>
-            </a:endParaRPr>
-          </a:p>
-        </p:txBody>
-      </p:sp>
-      <p:sp>
-        <p:nvSpPr>
-          <p:cNvPr id="9" name="Rectangle 62"/>
-          <p:cNvSpPr/>
-          <p:nvPr/>
-        </p:nvSpPr>
-        <p:spPr>
-          <a:xfrm rot="16200000">
-            <a:off x="1661548" y="3097750"/>
-            <a:ext cx="1093635" cy="346760"/>
-          </a:xfrm>
-          <a:prstGeom prst="rect">
-            <a:avLst/>
-          </a:prstGeom>
-          <a:solidFill>
-            <a:srgbClr val="7030A0"/>
-          </a:solidFill>
-          <a:ln w="19050">
-            <a:solidFill>
-              <a:srgbClr val="7030A0"/>
-            </a:solidFill>
-          </a:ln>
-          <a:effectLst/>
-        </p:spPr>
-        <p:style>
-          <a:lnRef idx="1">
-            <a:schemeClr val="accent2"/>
-          </a:lnRef>
-          <a:fillRef idx="2">
-            <a:schemeClr val="accent2"/>
-          </a:fillRef>
-          <a:effectRef idx="1">
-            <a:schemeClr val="accent2"/>
-          </a:effectRef>
-          <a:fontRef idx="minor">
-            <a:schemeClr val="dk1"/>
-          </a:fontRef>
-        </p:style>
-        <p:txBody>
-          <a:bodyPr rtlCol="0" anchor="ctr"/>
-          <a:lstStyle/>
-          <a:p>
-            <a:pPr algn="ctr"/>
-            <a:r>
-              <a:rPr lang="en-US" sz="1050" dirty="0" err="1">
-                <a:solidFill>
-                  <a:schemeClr val="bg1"/>
-                </a:solidFill>
-              </a:rPr>
-              <a:t>ModelManager</a:t>
-            </a:r>
-            <a:endParaRPr lang="en-SG" sz="1050" dirty="0">
-              <a:solidFill>
-                <a:schemeClr val="bg1"/>
-              </a:solidFill>
-            </a:endParaRPr>
-          </a:p>
-        </p:txBody>
-      </p:sp>
-      <p:cxnSp>
-        <p:nvCxnSpPr>
-          <p:cNvPr id="107" name="Elbow Connector 106"/>
-          <p:cNvCxnSpPr>
-            <a:cxnSpLocks/>
-            <a:stCxn id="9" idx="1"/>
-            <a:endCxn id="62" idx="2"/>
-          </p:cNvCxnSpPr>
-          <p:nvPr/>
-        </p:nvCxnSpPr>
-        <p:spPr>
-          <a:xfrm rot="5400000" flipH="1" flipV="1">
-            <a:off x="4131507" y="1281685"/>
-            <a:ext cx="613122" cy="4459404"/>
-          </a:xfrm>
-          <a:prstGeom prst="bentConnector3">
-            <a:avLst>
-              <a:gd name="adj1" fmla="val -26668"/>
-            </a:avLst>
-          </a:prstGeom>
-          <a:ln w="19050">
-            <a:solidFill>
-              <a:srgbClr val="7030A0"/>
-            </a:solidFill>
-            <a:prstDash val="solid"/>
-            <a:headEnd type="none" w="med" len="med"/>
-            <a:tailEnd type="arrow" w="med" len="med"/>
-          </a:ln>
-          <a:effectLst/>
-        </p:spPr>
-        <p:style>
-          <a:lnRef idx="1">
-            <a:schemeClr val="accent2"/>
-          </a:lnRef>
-          <a:fillRef idx="2">
-            <a:schemeClr val="accent2"/>
-          </a:fillRef>
-          <a:effectRef idx="1">
-            <a:schemeClr val="accent2"/>
-          </a:effectRef>
-          <a:fontRef idx="minor">
-            <a:schemeClr val="dk1"/>
-          </a:fontRef>
-        </p:style>
-      </p:cxnSp>
-      <p:sp>
-        <p:nvSpPr>
-          <p:cNvPr id="119" name="Rectangle 62"/>
-          <p:cNvSpPr/>
-          <p:nvPr/>
-        </p:nvSpPr>
-        <p:spPr>
-          <a:xfrm rot="16200000">
-            <a:off x="956202" y="2861202"/>
-            <a:ext cx="1093635" cy="346760"/>
-          </a:xfrm>
-          <a:prstGeom prst="rect">
-            <a:avLst/>
-          </a:prstGeom>
-          <a:solidFill>
-            <a:srgbClr val="7030A0"/>
-          </a:solidFill>
-          <a:ln w="19050">
-            <a:solidFill>
-              <a:srgbClr val="7030A0"/>
-            </a:solidFill>
-          </a:ln>
-          <a:effectLst/>
-        </p:spPr>
-        <p:style>
-          <a:lnRef idx="1">
-            <a:schemeClr val="accent2"/>
-          </a:lnRef>
-          <a:fillRef idx="2">
-            <a:schemeClr val="accent2"/>
-          </a:fillRef>
-          <a:effectRef idx="1">
-            <a:schemeClr val="accent2"/>
-          </a:effectRef>
-          <a:fontRef idx="minor">
-            <a:schemeClr val="dk1"/>
-          </a:fontRef>
-        </p:style>
-        <p:txBody>
-          <a:bodyPr rtlCol="0" anchor="ctr"/>
-          <a:lstStyle/>
-          <a:p>
-            <a:pPr algn="ctr"/>
-            <a:r>
-              <a:rPr lang="en-US" sz="1050" dirty="0">
-                <a:solidFill>
-                  <a:schemeClr val="bg1"/>
-                </a:solidFill>
-              </a:rPr>
-              <a:t>&lt;&lt;interface&gt;&gt;</a:t>
-            </a:r>
-          </a:p>
-          <a:p>
-            <a:pPr algn="ctr"/>
-            <a:r>
-              <a:rPr lang="en-US" sz="1050" dirty="0">
-                <a:solidFill>
-                  <a:schemeClr val="bg1"/>
-                </a:solidFill>
-              </a:rPr>
-              <a:t>Model</a:t>
-            </a:r>
-            <a:endParaRPr lang="en-SG" sz="1050" dirty="0">
-              <a:solidFill>
-                <a:schemeClr val="bg1"/>
-              </a:solidFill>
-            </a:endParaRPr>
-          </a:p>
-        </p:txBody>
-      </p:sp>
-      <p:sp>
-        <p:nvSpPr>
-          <p:cNvPr id="120" name="Isosceles Triangle 102"/>
-          <p:cNvSpPr/>
-          <p:nvPr/>
-        </p:nvSpPr>
-        <p:spPr>
-          <a:xfrm rot="16200000">
-            <a:off x="1626910" y="2952291"/>
-            <a:ext cx="270504" cy="175523"/>
-          </a:xfrm>
-          <a:prstGeom prst="triangle">
-            <a:avLst/>
-          </a:prstGeom>
-          <a:solidFill>
-            <a:srgbClr val="7030A0"/>
-          </a:solidFill>
-          <a:ln w="19050">
-            <a:solidFill>
-              <a:srgbClr val="7030A0"/>
-            </a:solidFill>
-          </a:ln>
-          <a:effectLst/>
-        </p:spPr>
-        <p:style>
-          <a:lnRef idx="1">
-            <a:schemeClr val="accent6"/>
-          </a:lnRef>
-          <a:fillRef idx="2">
-            <a:schemeClr val="accent6"/>
-          </a:fillRef>
-          <a:effectRef idx="1">
-            <a:schemeClr val="accent6"/>
-          </a:effectRef>
-          <a:fontRef idx="minor">
-            <a:schemeClr val="dk1"/>
-          </a:fontRef>
-        </p:style>
-        <p:txBody>
-          <a:bodyPr rtlCol="0" anchor="ctr"/>
-          <a:lstStyle/>
-          <a:p>
-            <a:pPr algn="ctr"/>
-            <a:endParaRPr lang="en-SG" sz="1050"/>
-          </a:p>
-        </p:txBody>
-      </p:sp>
-      <p:cxnSp>
-        <p:nvCxnSpPr>
-          <p:cNvPr id="58" name="Straight Arrow Connector 57"/>
-          <p:cNvCxnSpPr>
-            <a:stCxn id="42" idx="3"/>
-            <a:endCxn id="2" idx="1"/>
-          </p:cNvCxnSpPr>
-          <p:nvPr/>
-        </p:nvCxnSpPr>
-        <p:spPr>
-          <a:xfrm>
-            <a:off x="2609828" y="3636620"/>
-            <a:ext cx="267352" cy="0"/>
-          </a:xfrm>
-          <a:prstGeom prst="straightConnector1">
-            <a:avLst/>
-          </a:prstGeom>
-          <a:ln w="19050">
-            <a:solidFill>
-              <a:srgbClr val="7030A0"/>
-            </a:solidFill>
-            <a:headEnd type="none" w="med" len="med"/>
-            <a:tailEnd type="arrow" w="med" len="med"/>
-          </a:ln>
-          <a:effectLst/>
-        </p:spPr>
-        <p:style>
-          <a:lnRef idx="1">
-            <a:schemeClr val="accent2"/>
-          </a:lnRef>
-          <a:fillRef idx="2">
-            <a:schemeClr val="accent2"/>
-          </a:fillRef>
-          <a:effectRef idx="1">
-            <a:schemeClr val="accent2"/>
-          </a:effectRef>
-          <a:fontRef idx="minor">
-            <a:schemeClr val="dk1"/>
-          </a:fontRef>
-        </p:style>
-      </p:cxnSp>
-      <p:cxnSp>
-        <p:nvCxnSpPr>
-          <p:cNvPr id="75" name="Elbow Connector 122"/>
-          <p:cNvCxnSpPr/>
-          <p:nvPr/>
-        </p:nvCxnSpPr>
-        <p:spPr>
-          <a:xfrm>
-            <a:off x="910091" y="3040053"/>
-            <a:ext cx="419548" cy="2860"/>
-          </a:xfrm>
-          <a:prstGeom prst="bentConnector3">
-            <a:avLst>
-              <a:gd name="adj1" fmla="val 50000"/>
-            </a:avLst>
-          </a:prstGeom>
-          <a:ln w="19050">
-            <a:solidFill>
-              <a:schemeClr val="bg1">
-                <a:lumMod val="75000"/>
-              </a:schemeClr>
-            </a:solidFill>
-            <a:prstDash val="sysDot"/>
-            <a:headEnd type="none" w="med" len="med"/>
-            <a:tailEnd type="arrow" w="med" len="med"/>
-          </a:ln>
-          <a:effectLst/>
-        </p:spPr>
-        <p:style>
-          <a:lnRef idx="1">
-            <a:schemeClr val="accent2"/>
-          </a:lnRef>
-          <a:fillRef idx="2">
-            <a:schemeClr val="accent2"/>
-          </a:fillRef>
-          <a:effectRef idx="1">
-            <a:schemeClr val="accent2"/>
-          </a:effectRef>
-          <a:fontRef idx="minor">
-            <a:schemeClr val="dk1"/>
-          </a:fontRef>
-        </p:style>
-      </p:cxnSp>
-      <p:cxnSp>
-        <p:nvCxnSpPr>
-          <p:cNvPr id="21" name="Straight Connector 20"/>
-          <p:cNvCxnSpPr>
-            <a:stCxn id="120" idx="3"/>
-          </p:cNvCxnSpPr>
-          <p:nvPr/>
-        </p:nvCxnSpPr>
-        <p:spPr>
-          <a:xfrm flipV="1">
-            <a:off x="1849924" y="3040052"/>
-            <a:ext cx="216105" cy="1"/>
-          </a:xfrm>
-          <a:prstGeom prst="line">
-            <a:avLst/>
-          </a:prstGeom>
-          <a:ln w="19050">
-            <a:solidFill>
-              <a:srgbClr val="7030A0"/>
-            </a:solidFill>
-            <a:prstDash val="sysDot"/>
-            <a:headEnd type="none" w="med" len="med"/>
-            <a:tailEnd type="none" w="med" len="med"/>
-          </a:ln>
-          <a:effectLst/>
-        </p:spPr>
-        <p:style>
-          <a:lnRef idx="1">
-            <a:schemeClr val="accent2"/>
-          </a:lnRef>
-          <a:fillRef idx="2">
-            <a:schemeClr val="accent2"/>
-          </a:fillRef>
-          <a:effectRef idx="1">
-            <a:schemeClr val="accent2"/>
-          </a:effectRef>
-          <a:fontRef idx="minor">
-            <a:schemeClr val="dk1"/>
-          </a:fontRef>
-        </p:style>
-      </p:cxnSp>
-      <p:sp>
-        <p:nvSpPr>
-          <p:cNvPr id="42" name="Flowchart: Decision 96"/>
-          <p:cNvSpPr/>
-          <p:nvPr/>
-        </p:nvSpPr>
-        <p:spPr>
-          <a:xfrm>
-            <a:off x="2373780" y="3549930"/>
-            <a:ext cx="236048" cy="173380"/>
-          </a:xfrm>
-          <a:prstGeom prst="flowChartDecision">
-            <a:avLst/>
-          </a:prstGeom>
-          <a:noFill/>
-          <a:ln w="19050">
-            <a:solidFill>
-              <a:srgbClr val="7030A0"/>
-            </a:solidFill>
-          </a:ln>
-          <a:effectLst/>
-        </p:spPr>
-        <p:style>
-          <a:lnRef idx="1">
-            <a:schemeClr val="accent6"/>
-          </a:lnRef>
-          <a:fillRef idx="2">
-            <a:schemeClr val="accent6"/>
-          </a:fillRef>
-          <a:effectRef idx="1">
-            <a:schemeClr val="accent6"/>
-          </a:effectRef>
-          <a:fontRef idx="minor">
-            <a:schemeClr val="dk1"/>
-          </a:fontRef>
-        </p:style>
-        <p:txBody>
-          <a:bodyPr rtlCol="0" anchor="ctr"/>
-          <a:lstStyle/>
-          <a:p>
-            <a:pPr algn="ctr"/>
-            <a:endParaRPr lang="en-US" sz="1050"/>
-          </a:p>
-        </p:txBody>
-      </p:sp>
-      <p:sp>
-        <p:nvSpPr>
-          <p:cNvPr id="46" name="Rectangle 8"/>
-          <p:cNvSpPr/>
-          <p:nvPr/>
-        </p:nvSpPr>
-        <p:spPr>
-          <a:xfrm>
-            <a:off x="2825280" y="2846162"/>
-            <a:ext cx="1490560" cy="334856"/>
-          </a:xfrm>
-          <a:prstGeom prst="rect">
-            <a:avLst/>
-          </a:prstGeom>
-          <a:ln w="19050">
-            <a:solidFill>
-              <a:srgbClr val="7030A0"/>
-            </a:solidFill>
-          </a:ln>
-          <a:effectLst/>
-        </p:spPr>
-        <p:style>
-          <a:lnRef idx="1">
-            <a:schemeClr val="accent4"/>
-          </a:lnRef>
-          <a:fillRef idx="2">
-            <a:schemeClr val="accent4"/>
-          </a:fillRef>
-          <a:effectRef idx="1">
-            <a:schemeClr val="accent4"/>
-          </a:effectRef>
-          <a:fontRef idx="minor">
-            <a:schemeClr val="dk1"/>
-          </a:fontRef>
-        </p:style>
-        <p:txBody>
-          <a:bodyPr rtlCol="0" anchor="ctr"/>
-          <a:lstStyle/>
-          <a:p>
-            <a:pPr algn="ctr"/>
-            <a:r>
-              <a:rPr lang="en-US" sz="1050" dirty="0" err="1" smtClean="0">
-                <a:solidFill>
-                  <a:srgbClr val="7030A0"/>
-                </a:solidFill>
-              </a:rPr>
-              <a:t>VersionedAddressBook</a:t>
-            </a:r>
-            <a:endParaRPr lang="en-SG" sz="1050" dirty="0">
-              <a:solidFill>
-                <a:srgbClr val="7030A0"/>
-              </a:solidFill>
-            </a:endParaRPr>
-          </a:p>
-        </p:txBody>
-      </p:sp>
-      <p:cxnSp>
-        <p:nvCxnSpPr>
-          <p:cNvPr id="47" name="Straight Arrow Connector 46"/>
-          <p:cNvCxnSpPr>
-            <a:stCxn id="48" idx="3"/>
-            <a:endCxn id="46" idx="1"/>
-          </p:cNvCxnSpPr>
-          <p:nvPr/>
-        </p:nvCxnSpPr>
-        <p:spPr>
-          <a:xfrm>
-            <a:off x="2624360" y="3003033"/>
-            <a:ext cx="200920" cy="10557"/>
-          </a:xfrm>
-          <a:prstGeom prst="straightConnector1">
-            <a:avLst/>
-          </a:prstGeom>
-          <a:ln w="19050">
-            <a:solidFill>
-              <a:srgbClr val="7030A0"/>
-            </a:solidFill>
-            <a:headEnd type="none" w="med" len="med"/>
-            <a:tailEnd type="arrow" w="med" len="med"/>
-          </a:ln>
-          <a:effectLst/>
-        </p:spPr>
-        <p:style>
-          <a:lnRef idx="1">
-            <a:schemeClr val="accent2"/>
-          </a:lnRef>
-          <a:fillRef idx="2">
-            <a:schemeClr val="accent2"/>
-          </a:fillRef>
-          <a:effectRef idx="1">
-            <a:schemeClr val="accent2"/>
-          </a:effectRef>
-          <a:fontRef idx="minor">
-            <a:schemeClr val="dk1"/>
-          </a:fontRef>
-        </p:style>
-      </p:cxnSp>
-      <p:sp>
-        <p:nvSpPr>
-          <p:cNvPr id="48" name="Flowchart: Decision 96"/>
-          <p:cNvSpPr/>
-          <p:nvPr/>
-        </p:nvSpPr>
-        <p:spPr>
-          <a:xfrm>
-            <a:off x="2388312" y="2916343"/>
-            <a:ext cx="236048" cy="173380"/>
-          </a:xfrm>
-          <a:prstGeom prst="flowChartDecision">
-            <a:avLst/>
-          </a:prstGeom>
-          <a:noFill/>
-          <a:ln w="19050">
-            <a:solidFill>
-              <a:srgbClr val="7030A0"/>
-            </a:solidFill>
-          </a:ln>
-          <a:effectLst/>
-        </p:spPr>
-        <p:style>
-          <a:lnRef idx="1">
-            <a:schemeClr val="accent6"/>
-          </a:lnRef>
-          <a:fillRef idx="2">
-            <a:schemeClr val="accent6"/>
-          </a:fillRef>
-          <a:effectRef idx="1">
-            <a:schemeClr val="accent6"/>
-          </a:effectRef>
-          <a:fontRef idx="minor">
-            <a:schemeClr val="dk1"/>
-          </a:fontRef>
-        </p:style>
-        <p:txBody>
-          <a:bodyPr rtlCol="0" anchor="ctr"/>
-          <a:lstStyle/>
-          <a:p>
-            <a:pPr algn="ctr"/>
-            <a:endParaRPr lang="en-US" sz="1050"/>
-          </a:p>
-        </p:txBody>
-      </p:sp>
-      <p:sp>
-        <p:nvSpPr>
-          <p:cNvPr id="49" name="Rectangle 8"/>
-          <p:cNvSpPr/>
-          <p:nvPr/>
-        </p:nvSpPr>
-        <p:spPr>
-          <a:xfrm>
-            <a:off x="4692650" y="2846162"/>
-            <a:ext cx="1156969" cy="346760"/>
-          </a:xfrm>
-          <a:prstGeom prst="rect">
-            <a:avLst/>
-          </a:prstGeom>
-          <a:ln w="19050">
-            <a:solidFill>
-              <a:srgbClr val="7030A0"/>
-            </a:solidFill>
-          </a:ln>
-          <a:effectLst/>
-        </p:spPr>
-        <p:style>
-          <a:lnRef idx="1">
-            <a:schemeClr val="accent4"/>
-          </a:lnRef>
-          <a:fillRef idx="2">
-            <a:schemeClr val="accent4"/>
-          </a:fillRef>
-          <a:effectRef idx="1">
-            <a:schemeClr val="accent4"/>
-          </a:effectRef>
-          <a:fontRef idx="minor">
-            <a:schemeClr val="dk1"/>
-          </a:fontRef>
-        </p:style>
-        <p:txBody>
-          <a:bodyPr rtlCol="0" anchor="ctr"/>
-          <a:lstStyle/>
-          <a:p>
-            <a:pPr algn="ctr"/>
-            <a:r>
-              <a:rPr lang="en-US" sz="1050" dirty="0" err="1">
-                <a:solidFill>
-                  <a:srgbClr val="7030A0"/>
-                </a:solidFill>
-              </a:rPr>
-              <a:t>UniquePersonList</a:t>
-            </a:r>
-            <a:endParaRPr lang="en-SG" sz="1050" dirty="0">
-              <a:solidFill>
-                <a:srgbClr val="7030A0"/>
-              </a:solidFill>
-            </a:endParaRPr>
-          </a:p>
-        </p:txBody>
-      </p:sp>
-      <p:sp>
-        <p:nvSpPr>
-          <p:cNvPr id="51" name="Flowchart: Decision 96"/>
-          <p:cNvSpPr/>
-          <p:nvPr/>
-        </p:nvSpPr>
-        <p:spPr>
-          <a:xfrm>
-            <a:off x="4324972" y="2920532"/>
-            <a:ext cx="236048" cy="173380"/>
-          </a:xfrm>
-          <a:prstGeom prst="flowChartDecision">
-            <a:avLst/>
-          </a:prstGeom>
-          <a:solidFill>
-            <a:srgbClr val="7030A0"/>
-          </a:solidFill>
-          <a:ln w="19050">
-            <a:solidFill>
-              <a:srgbClr val="7030A0"/>
-            </a:solidFill>
-          </a:ln>
-          <a:effectLst/>
-        </p:spPr>
-        <p:style>
-          <a:lnRef idx="1">
-            <a:schemeClr val="accent6"/>
-          </a:lnRef>
-          <a:fillRef idx="2">
-            <a:schemeClr val="accent6"/>
-          </a:fillRef>
-          <a:effectRef idx="1">
-            <a:schemeClr val="accent6"/>
-          </a:effectRef>
-          <a:fontRef idx="minor">
-            <a:schemeClr val="dk1"/>
-          </a:fontRef>
-        </p:style>
-        <p:txBody>
-          <a:bodyPr rtlCol="0" anchor="ctr"/>
-          <a:lstStyle/>
-          <a:p>
-            <a:pPr algn="ctr"/>
-            <a:endParaRPr lang="en-US" sz="1050"/>
-          </a:p>
-        </p:txBody>
-      </p:sp>
-      <p:sp>
-        <p:nvSpPr>
-          <p:cNvPr id="62" name="Rectangle 8"/>
-          <p:cNvSpPr/>
-          <p:nvPr/>
-        </p:nvSpPr>
-        <p:spPr>
-          <a:xfrm>
-            <a:off x="6313677" y="2858066"/>
-            <a:ext cx="708186" cy="346760"/>
-          </a:xfrm>
-          <a:prstGeom prst="rect">
-            <a:avLst/>
-          </a:prstGeom>
-          <a:ln w="19050">
-            <a:solidFill>
-              <a:srgbClr val="7030A0"/>
-            </a:solidFill>
-          </a:ln>
-          <a:effectLst/>
-        </p:spPr>
-        <p:style>
-          <a:lnRef idx="1">
-            <a:schemeClr val="accent4"/>
-          </a:lnRef>
-          <a:fillRef idx="2">
-            <a:schemeClr val="accent4"/>
-          </a:fillRef>
-          <a:effectRef idx="1">
-            <a:schemeClr val="accent4"/>
-          </a:effectRef>
-          <a:fontRef idx="minor">
-            <a:schemeClr val="dk1"/>
-          </a:fontRef>
-        </p:style>
-        <p:txBody>
-          <a:bodyPr rtlCol="0" anchor="ctr"/>
-          <a:lstStyle/>
-          <a:p>
-            <a:pPr algn="ctr"/>
-            <a:r>
-              <a:rPr lang="en-US" sz="1050" dirty="0">
-                <a:solidFill>
-                  <a:srgbClr val="7030A0"/>
-                </a:solidFill>
-              </a:rPr>
-              <a:t>Person</a:t>
-            </a:r>
-            <a:endParaRPr lang="en-SG" sz="1050" dirty="0">
-              <a:solidFill>
-                <a:srgbClr val="7030A0"/>
-              </a:solidFill>
-            </a:endParaRPr>
-          </a:p>
-        </p:txBody>
-      </p:sp>
-      <p:sp>
-        <p:nvSpPr>
-          <p:cNvPr id="63" name="Flowchart: Decision 96"/>
-          <p:cNvSpPr/>
-          <p:nvPr/>
-        </p:nvSpPr>
-        <p:spPr>
-          <a:xfrm>
-            <a:off x="5858751" y="2941676"/>
-            <a:ext cx="236048" cy="173380"/>
-          </a:xfrm>
-          <a:prstGeom prst="flowChartDecision">
-            <a:avLst/>
-          </a:prstGeom>
-          <a:noFill/>
-          <a:ln w="19050">
-            <a:solidFill>
-              <a:srgbClr val="7030A0"/>
-            </a:solidFill>
-          </a:ln>
-          <a:effectLst/>
-        </p:spPr>
-        <p:style>
-          <a:lnRef idx="1">
-            <a:schemeClr val="accent6"/>
-          </a:lnRef>
-          <a:fillRef idx="2">
-            <a:schemeClr val="accent6"/>
-          </a:fillRef>
-          <a:effectRef idx="1">
-            <a:schemeClr val="accent6"/>
-          </a:effectRef>
-          <a:fontRef idx="minor">
-            <a:schemeClr val="dk1"/>
-          </a:fontRef>
-        </p:style>
-        <p:txBody>
-          <a:bodyPr rtlCol="0" anchor="ctr"/>
-          <a:lstStyle/>
-          <a:p>
-            <a:pPr algn="ctr"/>
-            <a:endParaRPr lang="en-US" sz="1050"/>
-          </a:p>
-        </p:txBody>
-      </p:sp>
-      <p:cxnSp>
-        <p:nvCxnSpPr>
-          <p:cNvPr id="64" name="Elbow Connector 63"/>
-          <p:cNvCxnSpPr>
-            <a:stCxn id="63" idx="3"/>
-            <a:endCxn id="62" idx="1"/>
-          </p:cNvCxnSpPr>
-          <p:nvPr/>
-        </p:nvCxnSpPr>
-        <p:spPr>
-          <a:xfrm>
-            <a:off x="6094799" y="3028366"/>
-            <a:ext cx="218878" cy="3080"/>
-          </a:xfrm>
-          <a:prstGeom prst="bentConnector3">
-            <a:avLst/>
-          </a:prstGeom>
-          <a:ln w="19050">
-            <a:solidFill>
-              <a:srgbClr val="7030A0"/>
-            </a:solidFill>
-            <a:headEnd type="none" w="med" len="med"/>
-            <a:tailEnd type="arrow" w="med" len="med"/>
-          </a:ln>
-          <a:effectLst/>
-        </p:spPr>
-        <p:style>
-          <a:lnRef idx="1">
-            <a:schemeClr val="accent2"/>
-          </a:lnRef>
-          <a:fillRef idx="2">
-            <a:schemeClr val="accent2"/>
-          </a:fillRef>
-          <a:effectRef idx="1">
-            <a:schemeClr val="accent2"/>
-          </a:effectRef>
-          <a:fontRef idx="minor">
-            <a:schemeClr val="dk1"/>
-          </a:fontRef>
-        </p:style>
-      </p:cxnSp>
-      <p:sp>
-        <p:nvSpPr>
-          <p:cNvPr id="76" name="Rectangle 8"/>
-          <p:cNvSpPr/>
-          <p:nvPr/>
-        </p:nvSpPr>
-        <p:spPr>
-          <a:xfrm>
-            <a:off x="7712397" y="2564238"/>
-            <a:ext cx="708186" cy="285783"/>
-          </a:xfrm>
-          <a:prstGeom prst="rect">
-            <a:avLst/>
-          </a:prstGeom>
-          <a:ln w="19050">
-            <a:solidFill>
-              <a:srgbClr val="7030A0"/>
-            </a:solidFill>
-          </a:ln>
-          <a:effectLst/>
-        </p:spPr>
-        <p:style>
-          <a:lnRef idx="1">
-            <a:schemeClr val="accent4"/>
-          </a:lnRef>
-          <a:fillRef idx="2">
-            <a:schemeClr val="accent4"/>
-          </a:fillRef>
-          <a:effectRef idx="1">
-            <a:schemeClr val="accent4"/>
-          </a:effectRef>
-          <a:fontRef idx="minor">
-            <a:schemeClr val="dk1"/>
-          </a:fontRef>
-        </p:style>
-        <p:txBody>
-          <a:bodyPr rtlCol="0" anchor="ctr"/>
-          <a:lstStyle/>
-          <a:p>
-            <a:pPr algn="ctr"/>
-            <a:r>
-              <a:rPr lang="en-US" sz="1050" dirty="0">
-                <a:solidFill>
-                  <a:srgbClr val="7030A0"/>
-                </a:solidFill>
-              </a:rPr>
-              <a:t>Name</a:t>
-            </a:r>
-            <a:endParaRPr lang="en-SG" sz="1050" dirty="0">
-              <a:solidFill>
-                <a:srgbClr val="7030A0"/>
-              </a:solidFill>
-            </a:endParaRPr>
-          </a:p>
-        </p:txBody>
-      </p:sp>
-      <p:sp>
-        <p:nvSpPr>
-          <p:cNvPr id="78" name="Flowchart: Decision 96"/>
-          <p:cNvSpPr/>
-          <p:nvPr/>
-        </p:nvSpPr>
-        <p:spPr>
-          <a:xfrm>
-            <a:off x="7041947" y="2948201"/>
-            <a:ext cx="236048" cy="173380"/>
-          </a:xfrm>
-          <a:prstGeom prst="flowChartDecision">
-            <a:avLst/>
-          </a:prstGeom>
-          <a:solidFill>
-            <a:srgbClr val="7030A0"/>
-          </a:solidFill>
-          <a:ln w="19050">
-            <a:solidFill>
-              <a:srgbClr val="7030A0"/>
-            </a:solidFill>
-          </a:ln>
-          <a:effectLst/>
-        </p:spPr>
-        <p:style>
-          <a:lnRef idx="1">
-            <a:schemeClr val="accent6"/>
-          </a:lnRef>
-          <a:fillRef idx="2">
-            <a:schemeClr val="accent6"/>
-          </a:fillRef>
-          <a:effectRef idx="1">
-            <a:schemeClr val="accent6"/>
-          </a:effectRef>
-          <a:fontRef idx="minor">
-            <a:schemeClr val="dk1"/>
-          </a:fontRef>
-        </p:style>
-        <p:txBody>
-          <a:bodyPr rtlCol="0" anchor="ctr"/>
-          <a:lstStyle/>
-          <a:p>
-            <a:pPr algn="ctr"/>
-            <a:endParaRPr lang="en-US" sz="1050"/>
-          </a:p>
-        </p:txBody>
-      </p:sp>
-      <p:cxnSp>
-        <p:nvCxnSpPr>
-          <p:cNvPr id="79" name="Elbow Connector 78"/>
-          <p:cNvCxnSpPr>
-            <a:cxnSpLocks/>
-          </p:cNvCxnSpPr>
-          <p:nvPr/>
-        </p:nvCxnSpPr>
-        <p:spPr>
-          <a:xfrm flipV="1">
-            <a:off x="7277995" y="2706821"/>
-            <a:ext cx="434402" cy="327761"/>
-          </a:xfrm>
-          <a:prstGeom prst="bentConnector3">
-            <a:avLst/>
-          </a:prstGeom>
-          <a:ln w="19050">
-            <a:solidFill>
-              <a:srgbClr val="7030A0"/>
-            </a:solidFill>
-            <a:headEnd type="none" w="med" len="med"/>
-            <a:tailEnd type="arrow" w="med" len="med"/>
-          </a:ln>
-          <a:effectLst/>
-        </p:spPr>
-        <p:style>
-          <a:lnRef idx="1">
-            <a:schemeClr val="accent2"/>
-          </a:lnRef>
-          <a:fillRef idx="2">
-            <a:schemeClr val="accent2"/>
-          </a:fillRef>
-          <a:effectRef idx="1">
-            <a:schemeClr val="accent2"/>
-          </a:effectRef>
-          <a:fontRef idx="minor">
-            <a:schemeClr val="dk1"/>
-          </a:fontRef>
-        </p:style>
-      </p:cxnSp>
-      <p:sp>
-        <p:nvSpPr>
-          <p:cNvPr id="80" name="Rectangle 8"/>
-          <p:cNvSpPr/>
-          <p:nvPr/>
-        </p:nvSpPr>
-        <p:spPr>
-          <a:xfrm>
-            <a:off x="7712397" y="2887216"/>
-            <a:ext cx="708186" cy="285783"/>
-          </a:xfrm>
-          <a:prstGeom prst="rect">
-            <a:avLst/>
-          </a:prstGeom>
-          <a:ln w="19050">
-            <a:solidFill>
-              <a:srgbClr val="7030A0"/>
-            </a:solidFill>
-          </a:ln>
-          <a:effectLst/>
-        </p:spPr>
-        <p:style>
-          <a:lnRef idx="1">
-            <a:schemeClr val="accent4"/>
-          </a:lnRef>
-          <a:fillRef idx="2">
-            <a:schemeClr val="accent4"/>
-          </a:fillRef>
-          <a:effectRef idx="1">
-            <a:schemeClr val="accent4"/>
-          </a:effectRef>
-          <a:fontRef idx="minor">
-            <a:schemeClr val="dk1"/>
-          </a:fontRef>
-        </p:style>
-        <p:txBody>
-          <a:bodyPr rtlCol="0" anchor="ctr"/>
-          <a:lstStyle/>
-          <a:p>
-            <a:pPr algn="ctr"/>
-            <a:r>
-              <a:rPr lang="en-US" sz="1050" dirty="0">
-                <a:solidFill>
-                  <a:srgbClr val="7030A0"/>
-                </a:solidFill>
-              </a:rPr>
-              <a:t>Phone</a:t>
-            </a:r>
-            <a:endParaRPr lang="en-SG" sz="1050" dirty="0">
-              <a:solidFill>
-                <a:srgbClr val="7030A0"/>
-              </a:solidFill>
-            </a:endParaRPr>
-          </a:p>
-        </p:txBody>
-      </p:sp>
-      <p:cxnSp>
-        <p:nvCxnSpPr>
-          <p:cNvPr id="81" name="Elbow Connector 80"/>
-          <p:cNvCxnSpPr>
-            <a:stCxn id="78" idx="3"/>
-            <a:endCxn id="80" idx="1"/>
-          </p:cNvCxnSpPr>
-          <p:nvPr/>
-        </p:nvCxnSpPr>
-        <p:spPr>
-          <a:xfrm flipV="1">
-            <a:off x="7277995" y="3030108"/>
-            <a:ext cx="434402" cy="4783"/>
-          </a:xfrm>
-          <a:prstGeom prst="bentConnector3">
-            <a:avLst/>
-          </a:prstGeom>
-          <a:ln w="19050">
-            <a:solidFill>
-              <a:srgbClr val="7030A0"/>
-            </a:solidFill>
-            <a:headEnd type="none" w="med" len="med"/>
-            <a:tailEnd type="arrow" w="med" len="med"/>
-          </a:ln>
-          <a:effectLst/>
-        </p:spPr>
-        <p:style>
-          <a:lnRef idx="1">
-            <a:schemeClr val="accent2"/>
-          </a:lnRef>
-          <a:fillRef idx="2">
-            <a:schemeClr val="accent2"/>
-          </a:fillRef>
-          <a:effectRef idx="1">
-            <a:schemeClr val="accent2"/>
-          </a:effectRef>
-          <a:fontRef idx="minor">
-            <a:schemeClr val="dk1"/>
-          </a:fontRef>
-        </p:style>
-      </p:cxnSp>
-      <p:sp>
-        <p:nvSpPr>
-          <p:cNvPr id="83" name="Rectangle 8"/>
-          <p:cNvSpPr/>
-          <p:nvPr/>
-        </p:nvSpPr>
-        <p:spPr>
-          <a:xfrm>
-            <a:off x="7712397" y="3210194"/>
-            <a:ext cx="708186" cy="285783"/>
-          </a:xfrm>
-          <a:prstGeom prst="rect">
-            <a:avLst/>
-          </a:prstGeom>
-          <a:ln w="19050">
-            <a:solidFill>
-              <a:srgbClr val="7030A0"/>
-            </a:solidFill>
-          </a:ln>
-          <a:effectLst/>
-        </p:spPr>
-        <p:style>
-          <a:lnRef idx="1">
-            <a:schemeClr val="accent4"/>
-          </a:lnRef>
-          <a:fillRef idx="2">
-            <a:schemeClr val="accent4"/>
-          </a:fillRef>
-          <a:effectRef idx="1">
-            <a:schemeClr val="accent4"/>
-          </a:effectRef>
-          <a:fontRef idx="minor">
-            <a:schemeClr val="dk1"/>
-          </a:fontRef>
-        </p:style>
-        <p:txBody>
-          <a:bodyPr rtlCol="0" anchor="ctr"/>
-          <a:lstStyle/>
-          <a:p>
-            <a:pPr algn="ctr"/>
-            <a:r>
-              <a:rPr lang="en-US" sz="1050" dirty="0">
-                <a:solidFill>
-                  <a:srgbClr val="7030A0"/>
-                </a:solidFill>
-              </a:rPr>
-              <a:t>Email</a:t>
-            </a:r>
-            <a:endParaRPr lang="en-SG" sz="1050" dirty="0">
-              <a:solidFill>
-                <a:srgbClr val="7030A0"/>
-              </a:solidFill>
-            </a:endParaRPr>
-          </a:p>
-        </p:txBody>
-      </p:sp>
-      <p:cxnSp>
-        <p:nvCxnSpPr>
-          <p:cNvPr id="84" name="Elbow Connector 83"/>
-          <p:cNvCxnSpPr>
-            <a:stCxn id="78" idx="3"/>
-            <a:endCxn id="83" idx="1"/>
-          </p:cNvCxnSpPr>
-          <p:nvPr/>
-        </p:nvCxnSpPr>
-        <p:spPr>
-          <a:xfrm>
-            <a:off x="7277995" y="3034891"/>
-            <a:ext cx="434402" cy="318195"/>
-          </a:xfrm>
-          <a:prstGeom prst="bentConnector3">
-            <a:avLst/>
-          </a:prstGeom>
-          <a:ln w="19050">
-            <a:solidFill>
-              <a:srgbClr val="7030A0"/>
-            </a:solidFill>
-            <a:headEnd type="none" w="med" len="med"/>
-            <a:tailEnd type="arrow" w="med" len="med"/>
-          </a:ln>
-          <a:effectLst/>
-        </p:spPr>
-        <p:style>
-          <a:lnRef idx="1">
-            <a:schemeClr val="accent2"/>
-          </a:lnRef>
-          <a:fillRef idx="2">
-            <a:schemeClr val="accent2"/>
-          </a:fillRef>
-          <a:effectRef idx="1">
-            <a:schemeClr val="accent2"/>
-          </a:effectRef>
-          <a:fontRef idx="minor">
-            <a:schemeClr val="dk1"/>
-          </a:fontRef>
-        </p:style>
-      </p:cxnSp>
-      <p:sp>
-        <p:nvSpPr>
-          <p:cNvPr id="85" name="Rectangle 8"/>
-          <p:cNvSpPr/>
-          <p:nvPr/>
-        </p:nvSpPr>
-        <p:spPr>
-          <a:xfrm>
-            <a:off x="7712397" y="3533171"/>
-            <a:ext cx="708186" cy="285783"/>
-          </a:xfrm>
-          <a:prstGeom prst="rect">
-            <a:avLst/>
-          </a:prstGeom>
-          <a:ln w="19050">
-            <a:solidFill>
-              <a:srgbClr val="7030A0"/>
-            </a:solidFill>
-          </a:ln>
-          <a:effectLst/>
-        </p:spPr>
-        <p:style>
-          <a:lnRef idx="1">
-            <a:schemeClr val="accent4"/>
-          </a:lnRef>
-          <a:fillRef idx="2">
-            <a:schemeClr val="accent4"/>
-          </a:fillRef>
-          <a:effectRef idx="1">
-            <a:schemeClr val="accent4"/>
-          </a:effectRef>
-          <a:fontRef idx="minor">
-            <a:schemeClr val="dk1"/>
-          </a:fontRef>
-        </p:style>
-        <p:txBody>
-          <a:bodyPr rtlCol="0" anchor="ctr"/>
-          <a:lstStyle/>
-          <a:p>
-            <a:pPr algn="ctr"/>
-            <a:r>
-              <a:rPr lang="en-US" sz="1050" dirty="0">
-                <a:solidFill>
-                  <a:srgbClr val="7030A0"/>
-                </a:solidFill>
-              </a:rPr>
-              <a:t>Address</a:t>
-            </a:r>
-            <a:endParaRPr lang="en-SG" sz="1050" dirty="0">
-              <a:solidFill>
-                <a:srgbClr val="7030A0"/>
-              </a:solidFill>
-            </a:endParaRPr>
-          </a:p>
-        </p:txBody>
-      </p:sp>
-      <p:cxnSp>
-        <p:nvCxnSpPr>
-          <p:cNvPr id="86" name="Elbow Connector 85"/>
-          <p:cNvCxnSpPr>
-            <a:stCxn id="78" idx="3"/>
-            <a:endCxn id="85" idx="1"/>
-          </p:cNvCxnSpPr>
-          <p:nvPr/>
-        </p:nvCxnSpPr>
-        <p:spPr>
-          <a:xfrm>
-            <a:off x="7277995" y="3034891"/>
-            <a:ext cx="434402" cy="641172"/>
-          </a:xfrm>
-          <a:prstGeom prst="bentConnector3">
-            <a:avLst/>
-          </a:prstGeom>
-          <a:ln w="19050">
-            <a:solidFill>
-              <a:srgbClr val="7030A0"/>
-            </a:solidFill>
-            <a:headEnd type="none" w="med" len="med"/>
-            <a:tailEnd type="arrow" w="med" len="med"/>
-          </a:ln>
-          <a:effectLst/>
-        </p:spPr>
-        <p:style>
-          <a:lnRef idx="1">
-            <a:schemeClr val="accent2"/>
-          </a:lnRef>
-          <a:fillRef idx="2">
-            <a:schemeClr val="accent2"/>
-          </a:fillRef>
-          <a:effectRef idx="1">
-            <a:schemeClr val="accent2"/>
-          </a:effectRef>
-          <a:fontRef idx="minor">
-            <a:schemeClr val="dk1"/>
-          </a:fontRef>
-        </p:style>
-      </p:cxnSp>
-      <p:cxnSp>
-        <p:nvCxnSpPr>
-          <p:cNvPr id="97" name="Elbow Connector 63"/>
-          <p:cNvCxnSpPr>
-            <a:stCxn id="99" idx="3"/>
-          </p:cNvCxnSpPr>
-          <p:nvPr/>
-        </p:nvCxnSpPr>
-        <p:spPr>
-          <a:xfrm rot="5400000">
-            <a:off x="3553611" y="2687559"/>
-            <a:ext cx="293825" cy="5938"/>
-          </a:xfrm>
-          <a:prstGeom prst="bentConnector3">
-            <a:avLst>
-              <a:gd name="adj1" fmla="val 50000"/>
-            </a:avLst>
-          </a:prstGeom>
-          <a:ln w="19050">
-            <a:solidFill>
-              <a:srgbClr val="7030A0"/>
-            </a:solidFill>
-            <a:prstDash val="sysDot"/>
-            <a:headEnd type="none" w="med" len="med"/>
-            <a:tailEnd type="none" w="med" len="med"/>
-          </a:ln>
-          <a:effectLst/>
-        </p:spPr>
-        <p:style>
-          <a:lnRef idx="1">
-            <a:schemeClr val="accent2"/>
-          </a:lnRef>
-          <a:fillRef idx="2">
-            <a:schemeClr val="accent2"/>
-          </a:fillRef>
-          <a:effectRef idx="1">
-            <a:schemeClr val="accent2"/>
-          </a:effectRef>
-          <a:fontRef idx="minor">
-            <a:schemeClr val="dk1"/>
-          </a:fontRef>
-        </p:style>
-      </p:cxnSp>
-      <p:sp>
-        <p:nvSpPr>
-          <p:cNvPr id="99" name="Isosceles Triangle 102"/>
-          <p:cNvSpPr/>
-          <p:nvPr/>
-        </p:nvSpPr>
-        <p:spPr>
-          <a:xfrm rot="10800000" flipV="1">
-            <a:off x="3562299" y="2386554"/>
-            <a:ext cx="282387" cy="157062"/>
-          </a:xfrm>
-          <a:prstGeom prst="triangle">
-            <a:avLst/>
-          </a:prstGeom>
-          <a:ln w="19050">
-            <a:solidFill>
-              <a:srgbClr val="7030A0"/>
-            </a:solidFill>
-          </a:ln>
-          <a:effectLst/>
-        </p:spPr>
-        <p:style>
-          <a:lnRef idx="1">
-            <a:schemeClr val="accent4"/>
-          </a:lnRef>
-          <a:fillRef idx="2">
-            <a:schemeClr val="accent4"/>
-          </a:fillRef>
-          <a:effectRef idx="1">
-            <a:schemeClr val="accent4"/>
-          </a:effectRef>
-          <a:fontRef idx="minor">
-            <a:schemeClr val="dk1"/>
-          </a:fontRef>
-        </p:style>
-        <p:txBody>
-          <a:bodyPr rtlCol="0" anchor="ctr"/>
-          <a:lstStyle/>
-          <a:p>
-            <a:pPr algn="ctr"/>
-            <a:endParaRPr lang="en-SG" sz="1050" b="1">
-              <a:solidFill>
-                <a:srgbClr val="92D050"/>
-              </a:solidFill>
-            </a:endParaRPr>
-          </a:p>
-        </p:txBody>
-      </p:sp>
-      <p:sp>
-        <p:nvSpPr>
-          <p:cNvPr id="100" name="Rectangle 8"/>
-          <p:cNvSpPr/>
-          <p:nvPr/>
-        </p:nvSpPr>
-        <p:spPr>
-          <a:xfrm>
-            <a:off x="1260922" y="1998350"/>
-            <a:ext cx="1443661" cy="364396"/>
-          </a:xfrm>
-          <a:prstGeom prst="rect">
-            <a:avLst/>
-          </a:prstGeom>
-          <a:ln w="19050">
-            <a:solidFill>
-              <a:srgbClr val="7030A0"/>
-            </a:solidFill>
-          </a:ln>
-          <a:effectLst/>
-        </p:spPr>
-        <p:style>
-          <a:lnRef idx="1">
-            <a:schemeClr val="accent4"/>
-          </a:lnRef>
-          <a:fillRef idx="2">
-            <a:schemeClr val="accent4"/>
-          </a:fillRef>
-          <a:effectRef idx="1">
-            <a:schemeClr val="accent4"/>
-          </a:effectRef>
-          <a:fontRef idx="minor">
-            <a:schemeClr val="dk1"/>
-          </a:fontRef>
-        </p:style>
-        <p:txBody>
-          <a:bodyPr rtlCol="0" anchor="ctr"/>
-          <a:lstStyle/>
-          <a:p>
-            <a:pPr algn="ctr"/>
-            <a:r>
-              <a:rPr lang="en-US" sz="1050" dirty="0">
-                <a:solidFill>
-                  <a:srgbClr val="7030A0"/>
-                </a:solidFill>
-              </a:rPr>
-              <a:t>&lt;&lt;interface&gt;&gt;</a:t>
-            </a:r>
-            <a:br>
-              <a:rPr lang="en-US" sz="1050" dirty="0">
-                <a:solidFill>
-                  <a:srgbClr val="7030A0"/>
-                </a:solidFill>
-              </a:rPr>
-            </a:br>
-            <a:r>
-              <a:rPr lang="en-US" sz="1050" dirty="0" err="1">
-                <a:solidFill>
-                  <a:srgbClr val="7030A0"/>
-                </a:solidFill>
-              </a:rPr>
-              <a:t>ReadOnlyAddressBook</a:t>
-            </a:r>
-            <a:endParaRPr lang="en-SG" sz="1050" dirty="0">
-              <a:solidFill>
-                <a:srgbClr val="7030A0"/>
-              </a:solidFill>
-            </a:endParaRPr>
-          </a:p>
-        </p:txBody>
-      </p:sp>
-      <p:sp>
-        <p:nvSpPr>
-          <p:cNvPr id="114" name="TextBox 113"/>
-          <p:cNvSpPr txBox="1"/>
-          <p:nvPr/>
-        </p:nvSpPr>
-        <p:spPr>
-          <a:xfrm rot="16200000">
-            <a:off x="6362886" y="3586305"/>
-            <a:ext cx="881018" cy="261610"/>
-          </a:xfrm>
-          <a:prstGeom prst="rect">
-            <a:avLst/>
-          </a:prstGeom>
-          <a:noFill/>
-        </p:spPr>
-        <p:txBody>
-          <a:bodyPr wrap="square" rtlCol="0">
-            <a:spAutoFit/>
-          </a:bodyPr>
-          <a:lstStyle/>
-          <a:p>
-            <a:pPr algn="r"/>
-            <a:r>
-              <a:rPr lang="en-US" sz="1100" dirty="0">
-                <a:solidFill>
-                  <a:srgbClr val="7030A0"/>
-                </a:solidFill>
-              </a:rPr>
-              <a:t>filtered list</a:t>
-            </a:r>
-            <a:endParaRPr lang="en-SG" sz="1100" dirty="0">
-              <a:solidFill>
-                <a:srgbClr val="7030A0"/>
-              </a:solidFill>
-            </a:endParaRPr>
-          </a:p>
-        </p:txBody>
-      </p:sp>
-      <p:sp>
-        <p:nvSpPr>
-          <p:cNvPr id="122" name="Rectangle 8"/>
-          <p:cNvSpPr/>
-          <p:nvPr/>
-        </p:nvSpPr>
-        <p:spPr>
-          <a:xfrm>
-            <a:off x="2057401" y="4239491"/>
-            <a:ext cx="1066800" cy="346760"/>
-          </a:xfrm>
-          <a:prstGeom prst="rect">
-            <a:avLst/>
-          </a:prstGeom>
-          <a:ln w="19050">
-            <a:solidFill>
-              <a:srgbClr val="7030A0"/>
-            </a:solidFill>
-          </a:ln>
-          <a:effectLst/>
-        </p:spPr>
-        <p:style>
-          <a:lnRef idx="1">
-            <a:schemeClr val="accent4"/>
-          </a:lnRef>
-          <a:fillRef idx="2">
-            <a:schemeClr val="accent4"/>
-          </a:fillRef>
-          <a:effectRef idx="1">
-            <a:schemeClr val="accent4"/>
-          </a:effectRef>
-          <a:fontRef idx="minor">
-            <a:schemeClr val="dk1"/>
-          </a:fontRef>
-        </p:style>
-        <p:txBody>
-          <a:bodyPr rtlCol="0" anchor="ctr"/>
-          <a:lstStyle/>
-          <a:p>
-            <a:pPr algn="ctr"/>
-            <a:r>
-              <a:rPr lang="en-US" sz="1050" dirty="0">
-                <a:solidFill>
-                  <a:srgbClr val="7030A0"/>
-                </a:solidFill>
-              </a:rPr>
-              <a:t>&lt;&lt;interface&gt;&gt;</a:t>
-            </a:r>
-            <a:r>
-              <a:rPr lang="en-US" sz="1050">
-                <a:solidFill>
-                  <a:srgbClr val="7030A0"/>
-                </a:solidFill>
-              </a:rPr>
-              <a:t/>
-            </a:r>
-            <a:br>
-              <a:rPr lang="en-US" sz="1050">
-                <a:solidFill>
-                  <a:srgbClr val="7030A0"/>
-                </a:solidFill>
-              </a:rPr>
-            </a:br>
-            <a:r>
-              <a:rPr lang="en-US" sz="1050" dirty="0" err="1">
-                <a:solidFill>
-                  <a:srgbClr val="7030A0"/>
-                </a:solidFill>
-              </a:rPr>
-              <a:t>ObservableList</a:t>
-            </a:r>
-            <a:endParaRPr lang="en-SG" sz="1050" dirty="0">
-              <a:solidFill>
-                <a:srgbClr val="7030A0"/>
-              </a:solidFill>
-            </a:endParaRPr>
-          </a:p>
-        </p:txBody>
-      </p:sp>
-      <p:cxnSp>
-        <p:nvCxnSpPr>
-          <p:cNvPr id="124" name="Elbow Connector 122"/>
-          <p:cNvCxnSpPr>
-            <a:stCxn id="119" idx="1"/>
-            <a:endCxn id="122" idx="1"/>
-          </p:cNvCxnSpPr>
-          <p:nvPr/>
-        </p:nvCxnSpPr>
-        <p:spPr>
-          <a:xfrm rot="16200000" flipH="1">
-            <a:off x="1364475" y="3719944"/>
-            <a:ext cx="831471" cy="554381"/>
-          </a:xfrm>
-          <a:prstGeom prst="bentConnector2">
-            <a:avLst/>
-          </a:prstGeom>
-          <a:ln w="19050">
-            <a:solidFill>
-              <a:srgbClr val="7030A0"/>
-            </a:solidFill>
-            <a:prstDash val="sysDot"/>
-            <a:headEnd type="none" w="med" len="med"/>
-            <a:tailEnd type="arrow" w="med" len="med"/>
-          </a:ln>
-          <a:effectLst/>
-        </p:spPr>
-        <p:style>
-          <a:lnRef idx="1">
-            <a:schemeClr val="accent2"/>
-          </a:lnRef>
-          <a:fillRef idx="2">
-            <a:schemeClr val="accent2"/>
-          </a:fillRef>
-          <a:effectRef idx="1">
-            <a:schemeClr val="accent2"/>
-          </a:effectRef>
-          <a:fontRef idx="minor">
-            <a:schemeClr val="dk1"/>
-          </a:fontRef>
-        </p:style>
-      </p:cxnSp>
-      <p:sp>
-        <p:nvSpPr>
-          <p:cNvPr id="54" name="TextBox 53"/>
-          <p:cNvSpPr txBox="1"/>
-          <p:nvPr/>
-        </p:nvSpPr>
-        <p:spPr>
-          <a:xfrm>
-            <a:off x="4429979" y="3111479"/>
-            <a:ext cx="189257" cy="178683"/>
-          </a:xfrm>
-          <a:prstGeom prst="rect">
-            <a:avLst/>
-          </a:prstGeom>
-          <a:noFill/>
-        </p:spPr>
-        <p:txBody>
-          <a:bodyPr wrap="square" lIns="0" tIns="0" rIns="0" bIns="0" rtlCol="0">
-            <a:noAutofit/>
-          </a:bodyPr>
-          <a:lstStyle/>
-          <a:p>
-            <a:pPr algn="ctr"/>
-            <a:r>
-              <a:rPr lang="en-US" sz="1100" dirty="0">
-                <a:solidFill>
-                  <a:srgbClr val="7030A0"/>
-                </a:solidFill>
-              </a:rPr>
-              <a:t>1</a:t>
-            </a:r>
-            <a:endParaRPr lang="en-SG" sz="1100" dirty="0">
-              <a:solidFill>
-                <a:srgbClr val="7030A0"/>
-              </a:solidFill>
-            </a:endParaRPr>
-          </a:p>
-        </p:txBody>
-      </p:sp>
-      <p:sp>
-        <p:nvSpPr>
-          <p:cNvPr id="61" name="TextBox 60"/>
-          <p:cNvSpPr txBox="1"/>
-          <p:nvPr/>
-        </p:nvSpPr>
-        <p:spPr>
-          <a:xfrm>
-            <a:off x="6135256" y="3097917"/>
-            <a:ext cx="189257" cy="178683"/>
-          </a:xfrm>
-          <a:prstGeom prst="rect">
-            <a:avLst/>
-          </a:prstGeom>
-          <a:noFill/>
-        </p:spPr>
-        <p:txBody>
-          <a:bodyPr wrap="square" lIns="0" tIns="0" rIns="0" bIns="0" rtlCol="0">
-            <a:noAutofit/>
-          </a:bodyPr>
-          <a:lstStyle/>
-          <a:p>
-            <a:pPr algn="ctr"/>
-            <a:r>
-              <a:rPr lang="en-US" sz="1100" dirty="0">
-                <a:solidFill>
-                  <a:srgbClr val="7030A0"/>
-                </a:solidFill>
-              </a:rPr>
-              <a:t>*</a:t>
-            </a:r>
-            <a:endParaRPr lang="en-SG" sz="1100" dirty="0">
-              <a:solidFill>
-                <a:srgbClr val="7030A0"/>
-              </a:solidFill>
-            </a:endParaRPr>
-          </a:p>
-        </p:txBody>
-      </p:sp>
-      <p:sp>
-        <p:nvSpPr>
-          <p:cNvPr id="65" name="TextBox 64"/>
-          <p:cNvSpPr txBox="1"/>
-          <p:nvPr/>
-        </p:nvSpPr>
-        <p:spPr>
-          <a:xfrm>
-            <a:off x="2573394" y="2756715"/>
-            <a:ext cx="170110" cy="137542"/>
-          </a:xfrm>
-          <a:prstGeom prst="rect">
-            <a:avLst/>
-          </a:prstGeom>
-          <a:noFill/>
-        </p:spPr>
-        <p:txBody>
-          <a:bodyPr wrap="square" lIns="0" tIns="0" rIns="0" bIns="0" rtlCol="0">
-            <a:noAutofit/>
-          </a:bodyPr>
-          <a:lstStyle/>
-          <a:p>
-            <a:pPr algn="ctr"/>
-            <a:r>
-              <a:rPr lang="en-US" sz="1100" dirty="0">
-                <a:solidFill>
-                  <a:srgbClr val="7030A0"/>
-                </a:solidFill>
-              </a:rPr>
-              <a:t>1</a:t>
-            </a:r>
-            <a:endParaRPr lang="en-SG" sz="1100" dirty="0">
-              <a:solidFill>
-                <a:srgbClr val="7030A0"/>
-              </a:solidFill>
-            </a:endParaRPr>
-          </a:p>
-        </p:txBody>
-      </p:sp>
-      <p:sp>
-        <p:nvSpPr>
-          <p:cNvPr id="66" name="TextBox 65"/>
-          <p:cNvSpPr txBox="1"/>
-          <p:nvPr/>
-        </p:nvSpPr>
-        <p:spPr>
-          <a:xfrm>
-            <a:off x="2707070" y="3667737"/>
-            <a:ext cx="189257" cy="178683"/>
-          </a:xfrm>
-          <a:prstGeom prst="rect">
-            <a:avLst/>
-          </a:prstGeom>
-          <a:noFill/>
-        </p:spPr>
-        <p:txBody>
-          <a:bodyPr wrap="square" lIns="0" tIns="0" rIns="0" bIns="0" rtlCol="0">
-            <a:noAutofit/>
-          </a:bodyPr>
-          <a:lstStyle/>
-          <a:p>
-            <a:pPr algn="ctr"/>
-            <a:r>
-              <a:rPr lang="en-US" sz="1100" dirty="0">
-                <a:solidFill>
-                  <a:srgbClr val="7030A0"/>
-                </a:solidFill>
-              </a:rPr>
-              <a:t>1</a:t>
-            </a:r>
-            <a:endParaRPr lang="en-SG" sz="1100" dirty="0">
-              <a:solidFill>
-                <a:srgbClr val="7030A0"/>
-              </a:solidFill>
-            </a:endParaRPr>
-          </a:p>
-        </p:txBody>
-      </p:sp>
-      <p:sp>
-        <p:nvSpPr>
-          <p:cNvPr id="70" name="TextBox 69"/>
-          <p:cNvSpPr txBox="1"/>
-          <p:nvPr/>
-        </p:nvSpPr>
-        <p:spPr>
-          <a:xfrm>
-            <a:off x="6449896" y="3204826"/>
-            <a:ext cx="189257" cy="178683"/>
-          </a:xfrm>
-          <a:prstGeom prst="rect">
-            <a:avLst/>
-          </a:prstGeom>
-          <a:noFill/>
-        </p:spPr>
-        <p:txBody>
-          <a:bodyPr wrap="square" lIns="0" tIns="0" rIns="0" bIns="0" rtlCol="0">
-            <a:noAutofit/>
-          </a:bodyPr>
-          <a:lstStyle/>
-          <a:p>
-            <a:pPr algn="ctr"/>
-            <a:r>
-              <a:rPr lang="en-US" sz="1100" dirty="0">
-                <a:solidFill>
-                  <a:srgbClr val="7030A0"/>
-                </a:solidFill>
-              </a:rPr>
-              <a:t>1</a:t>
-            </a:r>
-            <a:endParaRPr lang="en-SG" sz="1100" dirty="0">
-              <a:solidFill>
-                <a:srgbClr val="7030A0"/>
-              </a:solidFill>
-            </a:endParaRPr>
-          </a:p>
-        </p:txBody>
-      </p:sp>
-      <p:sp>
-        <p:nvSpPr>
-          <p:cNvPr id="52" name="Rectangle 8">
-            <a:extLst>
-              <a:ext uri="{FF2B5EF4-FFF2-40B4-BE49-F238E27FC236}">
-                <a16:creationId xmlns:a16="http://schemas.microsoft.com/office/drawing/2014/main" id="{ABDCDBD2-131A-4B66-A2F2-43BBEE82C773}"/>
-              </a:ext>
-            </a:extLst>
-          </p:cNvPr>
-          <p:cNvSpPr/>
-          <p:nvPr/>
-        </p:nvSpPr>
-        <p:spPr>
-          <a:xfrm>
-            <a:off x="7712397" y="2228817"/>
-            <a:ext cx="708186" cy="285783"/>
-          </a:xfrm>
-          <a:prstGeom prst="rect">
-            <a:avLst/>
-          </a:prstGeom>
-          <a:ln w="19050">
-            <a:solidFill>
-              <a:srgbClr val="7030A0"/>
-            </a:solidFill>
-          </a:ln>
-          <a:effectLst/>
-        </p:spPr>
-        <p:style>
-          <a:lnRef idx="1">
-            <a:schemeClr val="accent4"/>
-          </a:lnRef>
-          <a:fillRef idx="2">
-            <a:schemeClr val="accent4"/>
-          </a:fillRef>
-          <a:effectRef idx="1">
-            <a:schemeClr val="accent4"/>
-          </a:effectRef>
-          <a:fontRef idx="minor">
-            <a:schemeClr val="dk1"/>
-          </a:fontRef>
-        </p:style>
-        <p:txBody>
-          <a:bodyPr rtlCol="0" anchor="ctr"/>
-          <a:lstStyle/>
-          <a:p>
-            <a:pPr algn="ctr"/>
-            <a:r>
-              <a:rPr lang="en-US" sz="1050" dirty="0">
-                <a:solidFill>
-                  <a:srgbClr val="7030A0"/>
-                </a:solidFill>
-              </a:rPr>
-              <a:t>Tag</a:t>
-            </a:r>
-            <a:endParaRPr lang="en-SG" sz="1050" dirty="0">
-              <a:solidFill>
-                <a:srgbClr val="7030A0"/>
-              </a:solidFill>
-            </a:endParaRPr>
-          </a:p>
-        </p:txBody>
-      </p:sp>
-      <p:cxnSp>
-        <p:nvCxnSpPr>
-          <p:cNvPr id="53" name="Elbow Connector 78">
-            <a:extLst>
-              <a:ext uri="{FF2B5EF4-FFF2-40B4-BE49-F238E27FC236}">
-                <a16:creationId xmlns:a16="http://schemas.microsoft.com/office/drawing/2014/main" id="{B97967F8-618A-448B-81FD-CDFD4AF0EC64}"/>
-              </a:ext>
-            </a:extLst>
-          </p:cNvPr>
-          <p:cNvCxnSpPr>
-            <a:cxnSpLocks/>
-            <a:stCxn id="78" idx="3"/>
-            <a:endCxn id="52" idx="1"/>
-          </p:cNvCxnSpPr>
-          <p:nvPr/>
-        </p:nvCxnSpPr>
-        <p:spPr>
-          <a:xfrm flipV="1">
-            <a:off x="7277995" y="2371709"/>
-            <a:ext cx="434402" cy="663182"/>
-          </a:xfrm>
-          <a:prstGeom prst="bentConnector3">
-            <a:avLst>
-              <a:gd name="adj1" fmla="val 50000"/>
-            </a:avLst>
-          </a:prstGeom>
-          <a:ln w="19050">
-            <a:solidFill>
-              <a:srgbClr val="7030A0"/>
-            </a:solidFill>
-            <a:headEnd type="none" w="med" len="med"/>
-            <a:tailEnd type="arrow" w="med" len="med"/>
-          </a:ln>
-          <a:effectLst/>
-        </p:spPr>
-        <p:style>
-          <a:lnRef idx="1">
-            <a:schemeClr val="accent2"/>
-          </a:lnRef>
-          <a:fillRef idx="2">
-            <a:schemeClr val="accent2"/>
-          </a:fillRef>
-          <a:effectRef idx="1">
-            <a:schemeClr val="accent2"/>
-          </a:effectRef>
-          <a:fontRef idx="minor">
-            <a:schemeClr val="dk1"/>
-          </a:fontRef>
-        </p:style>
-      </p:cxnSp>
-      <p:sp>
-        <p:nvSpPr>
-          <p:cNvPr id="50" name="TextBox 49">
-            <a:extLst>
-              <a:ext uri="{FF2B5EF4-FFF2-40B4-BE49-F238E27FC236}">
-                <a16:creationId xmlns:a16="http://schemas.microsoft.com/office/drawing/2014/main" id="{B3FA9D57-880F-49C4-AD0B-A64E30D6F403}"/>
-              </a:ext>
-            </a:extLst>
-          </p:cNvPr>
-          <p:cNvSpPr txBox="1"/>
-          <p:nvPr/>
-        </p:nvSpPr>
-        <p:spPr>
-          <a:xfrm>
-            <a:off x="7466243" y="2255711"/>
-            <a:ext cx="189257" cy="178683"/>
-          </a:xfrm>
-          <a:prstGeom prst="rect">
-            <a:avLst/>
-          </a:prstGeom>
-          <a:noFill/>
-        </p:spPr>
-        <p:txBody>
-          <a:bodyPr wrap="square" lIns="0" tIns="0" rIns="0" bIns="0" rtlCol="0">
-            <a:noAutofit/>
-          </a:bodyPr>
-          <a:lstStyle/>
-          <a:p>
-            <a:pPr algn="ctr"/>
-            <a:r>
-              <a:rPr lang="en-US" sz="1100" dirty="0">
-                <a:solidFill>
-                  <a:srgbClr val="7030A0"/>
-                </a:solidFill>
-              </a:rPr>
-              <a:t>*</a:t>
-            </a:r>
-            <a:endParaRPr lang="en-SG" sz="1100" dirty="0">
-              <a:solidFill>
-                <a:srgbClr val="7030A0"/>
-              </a:solidFill>
-            </a:endParaRPr>
-          </a:p>
-        </p:txBody>
-      </p:sp>
-      <p:sp>
-        <p:nvSpPr>
-          <p:cNvPr id="55" name="Rectangle 8"/>
-          <p:cNvSpPr/>
-          <p:nvPr/>
-        </p:nvSpPr>
-        <p:spPr>
-          <a:xfrm>
-            <a:off x="3170181" y="1998350"/>
-            <a:ext cx="1060683" cy="364396"/>
-          </a:xfrm>
-          <a:prstGeom prst="rect">
-            <a:avLst/>
-          </a:prstGeom>
-          <a:ln w="19050">
-            <a:solidFill>
-              <a:srgbClr val="7030A0"/>
-            </a:solidFill>
-          </a:ln>
-          <a:effectLst/>
-        </p:spPr>
-        <p:style>
-          <a:lnRef idx="1">
-            <a:schemeClr val="accent4"/>
-          </a:lnRef>
-          <a:fillRef idx="2">
-            <a:schemeClr val="accent4"/>
-          </a:fillRef>
-          <a:effectRef idx="1">
-            <a:schemeClr val="accent4"/>
-          </a:effectRef>
-          <a:fontRef idx="minor">
-            <a:schemeClr val="dk1"/>
-          </a:fontRef>
-        </p:style>
-        <p:txBody>
-          <a:bodyPr rtlCol="0" anchor="ctr"/>
-          <a:lstStyle/>
-          <a:p>
-            <a:pPr algn="ctr"/>
-            <a:r>
-              <a:rPr lang="en-US" sz="1050" dirty="0" err="1">
-                <a:solidFill>
-                  <a:srgbClr val="7030A0"/>
-                </a:solidFill>
-              </a:rPr>
-              <a:t>AddressBook</a:t>
-            </a:r>
-            <a:endParaRPr lang="en-SG" sz="1050" dirty="0">
-              <a:solidFill>
-                <a:srgbClr val="7030A0"/>
-              </a:solidFill>
-            </a:endParaRPr>
-          </a:p>
-        </p:txBody>
-      </p:sp>
-      <p:cxnSp>
-        <p:nvCxnSpPr>
-          <p:cNvPr id="60" name="Straight Arrow Connector 59"/>
-          <p:cNvCxnSpPr>
-            <a:stCxn id="51" idx="1"/>
-            <a:endCxn id="49" idx="1"/>
-          </p:cNvCxnSpPr>
-          <p:nvPr/>
-        </p:nvCxnSpPr>
-        <p:spPr>
-          <a:xfrm>
-            <a:off x="4324972" y="3007222"/>
-            <a:ext cx="367678" cy="12320"/>
-          </a:xfrm>
-          <a:prstGeom prst="straightConnector1">
-            <a:avLst/>
-          </a:prstGeom>
-          <a:ln w="19050">
-            <a:solidFill>
-              <a:srgbClr val="7030A0"/>
-            </a:solidFill>
-            <a:headEnd type="none" w="med" len="med"/>
-            <a:tailEnd type="arrow" w="med" len="med"/>
-          </a:ln>
-          <a:effectLst/>
-        </p:spPr>
-        <p:style>
-          <a:lnRef idx="1">
-            <a:schemeClr val="accent2"/>
-          </a:lnRef>
-          <a:fillRef idx="2">
-            <a:schemeClr val="accent2"/>
-          </a:fillRef>
-          <a:effectRef idx="1">
-            <a:schemeClr val="accent2"/>
-          </a:effectRef>
-          <a:fontRef idx="minor">
-            <a:schemeClr val="dk1"/>
-          </a:fontRef>
-        </p:style>
-      </p:cxnSp>
-      <p:sp>
-        <p:nvSpPr>
-          <p:cNvPr id="68" name="Isosceles Triangle 102"/>
-          <p:cNvSpPr/>
-          <p:nvPr/>
-        </p:nvSpPr>
-        <p:spPr>
-          <a:xfrm rot="16200000">
-            <a:off x="2669073" y="2069158"/>
-            <a:ext cx="271014" cy="187417"/>
-          </a:xfrm>
-          <a:prstGeom prst="triangle">
-            <a:avLst>
-              <a:gd name="adj" fmla="val 44517"/>
-            </a:avLst>
-          </a:prstGeom>
-          <a:solidFill>
-            <a:schemeClr val="accent4">
-              <a:lumMod val="20000"/>
-              <a:lumOff val="80000"/>
-            </a:schemeClr>
-          </a:solidFill>
-          <a:ln w="19050">
-            <a:solidFill>
-              <a:srgbClr val="7030A0"/>
-            </a:solidFill>
-          </a:ln>
-          <a:effectLst/>
-        </p:spPr>
-        <p:style>
-          <a:lnRef idx="1">
-            <a:schemeClr val="accent6"/>
-          </a:lnRef>
-          <a:fillRef idx="2">
-            <a:schemeClr val="accent6"/>
-          </a:fillRef>
-          <a:effectRef idx="1">
-            <a:schemeClr val="accent6"/>
-          </a:effectRef>
-          <a:fontRef idx="minor">
-            <a:schemeClr val="dk1"/>
-          </a:fontRef>
-        </p:style>
-        <p:txBody>
-          <a:bodyPr rtlCol="0" anchor="ctr"/>
-          <a:lstStyle/>
-          <a:p>
-            <a:pPr algn="ctr"/>
-            <a:endParaRPr lang="en-SG" sz="1050"/>
-          </a:p>
-        </p:txBody>
-      </p:sp>
-      <p:cxnSp>
-        <p:nvCxnSpPr>
-          <p:cNvPr id="69" name="Elbow Connector 63"/>
-          <p:cNvCxnSpPr>
-            <a:stCxn id="68" idx="3"/>
-            <a:endCxn id="55" idx="1"/>
-          </p:cNvCxnSpPr>
-          <p:nvPr/>
-        </p:nvCxnSpPr>
-        <p:spPr>
-          <a:xfrm>
-            <a:off x="2898289" y="2177727"/>
-            <a:ext cx="271892" cy="2821"/>
-          </a:xfrm>
-          <a:prstGeom prst="bentConnector3">
-            <a:avLst>
-              <a:gd name="adj1" fmla="val 50000"/>
-            </a:avLst>
-          </a:prstGeom>
-          <a:ln w="19050">
-            <a:solidFill>
-              <a:srgbClr val="7030A0"/>
-            </a:solidFill>
-            <a:prstDash val="sysDot"/>
-            <a:headEnd type="none" w="med" len="med"/>
-            <a:tailEnd type="none" w="med" len="med"/>
-          </a:ln>
-          <a:effectLst/>
-        </p:spPr>
-        <p:style>
-          <a:lnRef idx="1">
-            <a:schemeClr val="accent2"/>
-          </a:lnRef>
-          <a:fillRef idx="2">
-            <a:schemeClr val="accent2"/>
-          </a:fillRef>
-          <a:effectRef idx="1">
-            <a:schemeClr val="accent2"/>
-          </a:effectRef>
-          <a:fontRef idx="minor">
-            <a:schemeClr val="dk1"/>
-          </a:fontRef>
-        </p:style>
-      </p:cxnSp>
+      </p:pic>
     </p:spTree>
     <p:extLst>
       <p:ext uri="{BB962C8B-B14F-4D97-AF65-F5344CB8AC3E}">

--- a/docs/diagrams/ModelComponentClassDiagram.pptx
+++ b/docs/diagrams/ModelComponentClassDiagram.pptx
@@ -208,7 +208,7 @@
           <a:p>
             <a:fld id="{F5CC4B3F-88C1-4FFA-B1B6-F41C21DC6924}" type="datetimeFigureOut">
               <a:rPr lang="en-US" smtClean="0"/>
-              <a:t>11/7/2018</a:t>
+              <a:t>11/12/2018</a:t>
             </a:fld>
             <a:endParaRPr lang="en-US"/>
           </a:p>
@@ -654,7 +654,7 @@
           <a:p>
             <a:fld id="{78C97017-6FC3-485B-9764-EAC9E56C1D49}" type="datetimeFigureOut">
               <a:rPr lang="en-US" smtClean="0"/>
-              <a:t>11/7/2018</a:t>
+              <a:t>11/12/2018</a:t>
             </a:fld>
             <a:endParaRPr lang="en-US"/>
           </a:p>
@@ -822,7 +822,7 @@
           <a:p>
             <a:fld id="{78C97017-6FC3-485B-9764-EAC9E56C1D49}" type="datetimeFigureOut">
               <a:rPr lang="en-US" smtClean="0"/>
-              <a:t>11/7/2018</a:t>
+              <a:t>11/12/2018</a:t>
             </a:fld>
             <a:endParaRPr lang="en-US"/>
           </a:p>
@@ -1000,7 +1000,7 @@
           <a:p>
             <a:fld id="{78C97017-6FC3-485B-9764-EAC9E56C1D49}" type="datetimeFigureOut">
               <a:rPr lang="en-US" smtClean="0"/>
-              <a:t>11/7/2018</a:t>
+              <a:t>11/12/2018</a:t>
             </a:fld>
             <a:endParaRPr lang="en-US"/>
           </a:p>
@@ -1168,7 +1168,7 @@
           <a:p>
             <a:fld id="{78C97017-6FC3-485B-9764-EAC9E56C1D49}" type="datetimeFigureOut">
               <a:rPr lang="en-US" smtClean="0"/>
-              <a:t>11/7/2018</a:t>
+              <a:t>11/12/2018</a:t>
             </a:fld>
             <a:endParaRPr lang="en-US"/>
           </a:p>
@@ -1413,7 +1413,7 @@
           <a:p>
             <a:fld id="{78C97017-6FC3-485B-9764-EAC9E56C1D49}" type="datetimeFigureOut">
               <a:rPr lang="en-US" smtClean="0"/>
-              <a:t>11/7/2018</a:t>
+              <a:t>11/12/2018</a:t>
             </a:fld>
             <a:endParaRPr lang="en-US"/>
           </a:p>
@@ -1698,7 +1698,7 @@
           <a:p>
             <a:fld id="{78C97017-6FC3-485B-9764-EAC9E56C1D49}" type="datetimeFigureOut">
               <a:rPr lang="en-US" smtClean="0"/>
-              <a:t>11/7/2018</a:t>
+              <a:t>11/12/2018</a:t>
             </a:fld>
             <a:endParaRPr lang="en-US"/>
           </a:p>
@@ -2117,7 +2117,7 @@
           <a:p>
             <a:fld id="{78C97017-6FC3-485B-9764-EAC9E56C1D49}" type="datetimeFigureOut">
               <a:rPr lang="en-US" smtClean="0"/>
-              <a:t>11/7/2018</a:t>
+              <a:t>11/12/2018</a:t>
             </a:fld>
             <a:endParaRPr lang="en-US"/>
           </a:p>
@@ -2234,7 +2234,7 @@
           <a:p>
             <a:fld id="{78C97017-6FC3-485B-9764-EAC9E56C1D49}" type="datetimeFigureOut">
               <a:rPr lang="en-US" smtClean="0"/>
-              <a:t>11/7/2018</a:t>
+              <a:t>11/12/2018</a:t>
             </a:fld>
             <a:endParaRPr lang="en-US"/>
           </a:p>
@@ -2329,7 +2329,7 @@
           <a:p>
             <a:fld id="{78C97017-6FC3-485B-9764-EAC9E56C1D49}" type="datetimeFigureOut">
               <a:rPr lang="en-US" smtClean="0"/>
-              <a:t>11/7/2018</a:t>
+              <a:t>11/12/2018</a:t>
             </a:fld>
             <a:endParaRPr lang="en-US"/>
           </a:p>
@@ -2604,7 +2604,7 @@
           <a:p>
             <a:fld id="{78C97017-6FC3-485B-9764-EAC9E56C1D49}" type="datetimeFigureOut">
               <a:rPr lang="en-US" smtClean="0"/>
-              <a:t>11/7/2018</a:t>
+              <a:t>11/12/2018</a:t>
             </a:fld>
             <a:endParaRPr lang="en-US"/>
           </a:p>
@@ -2856,7 +2856,7 @@
           <a:p>
             <a:fld id="{78C97017-6FC3-485B-9764-EAC9E56C1D49}" type="datetimeFigureOut">
               <a:rPr lang="en-US" smtClean="0"/>
-              <a:t>11/7/2018</a:t>
+              <a:t>11/12/2018</a:t>
             </a:fld>
             <a:endParaRPr lang="en-US"/>
           </a:p>
@@ -3067,7 +3067,7 @@
           <a:p>
             <a:fld id="{78C97017-6FC3-485B-9764-EAC9E56C1D49}" type="datetimeFigureOut">
               <a:rPr lang="en-US" smtClean="0"/>
-              <a:t>11/7/2018</a:t>
+              <a:t>11/12/2018</a:t>
             </a:fld>
             <a:endParaRPr lang="en-US"/>
           </a:p>
@@ -3450,8 +3450,8 @@
         </p:nvSpPr>
         <p:spPr>
           <a:xfrm>
-            <a:off x="1119865" y="1318280"/>
-            <a:ext cx="7719335" cy="4777720"/>
+            <a:off x="1119865" y="1198220"/>
+            <a:ext cx="7719335" cy="5159680"/>
           </a:xfrm>
           <a:prstGeom prst="roundRect">
             <a:avLst>
@@ -7723,6 +7723,118 @@
           </a:p>
         </p:txBody>
       </p:sp>
+      <p:sp>
+        <p:nvSpPr>
+          <p:cNvPr id="105" name="Rectangle 8">
+            <a:extLst>
+              <a:ext uri="{FF2B5EF4-FFF2-40B4-BE49-F238E27FC236}">
+                <a16:creationId xmlns:a16="http://schemas.microsoft.com/office/drawing/2014/main" id="{112CC8D6-5E36-43D3-9CFB-7A8A58326DAB}"/>
+              </a:ext>
+            </a:extLst>
+          </p:cNvPr>
+          <p:cNvSpPr/>
+          <p:nvPr/>
+        </p:nvSpPr>
+        <p:spPr>
+          <a:xfrm>
+            <a:off x="7712396" y="5936236"/>
+            <a:ext cx="898204" cy="285783"/>
+          </a:xfrm>
+          <a:prstGeom prst="rect">
+            <a:avLst/>
+          </a:prstGeom>
+          <a:ln w="19050">
+            <a:solidFill>
+              <a:srgbClr val="7030A0"/>
+            </a:solidFill>
+          </a:ln>
+          <a:effectLst/>
+        </p:spPr>
+        <p:style>
+          <a:lnRef idx="1">
+            <a:schemeClr val="accent4"/>
+          </a:lnRef>
+          <a:fillRef idx="2">
+            <a:schemeClr val="accent4"/>
+          </a:fillRef>
+          <a:effectRef idx="1">
+            <a:schemeClr val="accent4"/>
+          </a:effectRef>
+          <a:fontRef idx="minor">
+            <a:schemeClr val="dk1"/>
+          </a:fontRef>
+        </p:style>
+        <p:txBody>
+          <a:bodyPr rtlCol="0" anchor="ctr"/>
+          <a:lstStyle/>
+          <a:p>
+            <a:pPr algn="ctr"/>
+            <a:r>
+              <a:rPr lang="en-US" sz="1050" dirty="0">
+                <a:solidFill>
+                  <a:srgbClr val="7030A0"/>
+                </a:solidFill>
+              </a:rPr>
+              <a:t>Attendees</a:t>
+            </a:r>
+            <a:endParaRPr lang="en-SG" sz="1050" dirty="0">
+              <a:solidFill>
+                <a:srgbClr val="7030A0"/>
+              </a:solidFill>
+            </a:endParaRPr>
+          </a:p>
+        </p:txBody>
+      </p:sp>
+      <p:cxnSp>
+        <p:nvCxnSpPr>
+          <p:cNvPr id="106" name="Elbow Connector 78">
+            <a:extLst>
+              <a:ext uri="{FF2B5EF4-FFF2-40B4-BE49-F238E27FC236}">
+                <a16:creationId xmlns:a16="http://schemas.microsoft.com/office/drawing/2014/main" id="{7EDBC5BB-646C-498C-A68F-3256791287D8}"/>
+              </a:ext>
+            </a:extLst>
+          </p:cNvPr>
+          <p:cNvCxnSpPr>
+            <a:cxnSpLocks/>
+            <a:stCxn id="112" idx="3"/>
+            <a:endCxn id="105" idx="1"/>
+          </p:cNvCxnSpPr>
+          <p:nvPr/>
+        </p:nvCxnSpPr>
+        <p:spPr>
+          <a:xfrm>
+            <a:off x="7267043" y="4324503"/>
+            <a:ext cx="445353" cy="1754625"/>
+          </a:xfrm>
+          <a:prstGeom prst="bentConnector3">
+            <a:avLst>
+              <a:gd name="adj1" fmla="val 50000"/>
+            </a:avLst>
+          </a:prstGeom>
+          <a:ln w="19050">
+            <a:solidFill>
+              <a:srgbClr val="7030A0"/>
+            </a:solidFill>
+            <a:headEnd type="none" w="med" len="med"/>
+            <a:tailEnd type="arrow" w="med" len="med"/>
+          </a:ln>
+          <a:effectLst/>
+        </p:spPr>
+        <p:style>
+          <a:lnRef idx="1">
+            <a:schemeClr val="accent2"/>
+          </a:lnRef>
+          <a:fillRef idx="2">
+            <a:schemeClr val="accent2"/>
+          </a:fillRef>
+          <a:effectRef idx="1">
+            <a:schemeClr val="accent2"/>
+          </a:effectRef>
+          <a:fontRef idx="minor">
+            <a:schemeClr val="dk1"/>
+          </a:fontRef>
+        </p:style>
+      </p:cxnSp>
     </p:spTree>
     <p:extLst>
       <p:ext uri="{BB962C8B-B14F-4D97-AF65-F5344CB8AC3E}">

--- a/docs/diagrams/ModelComponentClassDiagram.pptx
+++ b/docs/diagrams/ModelComponentClassDiagram.pptx
@@ -10,7 +10,7 @@
   <p:sldIdLst>
     <p:sldId id="263" r:id="rId2"/>
   </p:sldIdLst>
-  <p:sldSz cx="9144000" cy="6858000" type="screen4x3"/>
+  <p:sldSz cx="9720263" cy="10080625"/>
   <p:notesSz cx="6858000" cy="9144000"/>
   <p:defaultTextStyle>
     <a:defPPr>
@@ -110,12 +110,12 @@
   <p:extLst>
     <p:ext uri="{EFAFB233-063F-42B5-8137-9DF3F51BA10A}">
       <p15:sldGuideLst xmlns:p15="http://schemas.microsoft.com/office/powerpoint/2012/main">
-        <p15:guide id="1" orient="horz" pos="1488">
+        <p15:guide id="1" orient="horz" pos="2188" userDrawn="1">
           <p15:clr>
             <a:srgbClr val="A4A3A4"/>
           </p15:clr>
         </p15:guide>
-        <p15:guide id="2" pos="2880">
+        <p15:guide id="2" pos="3062" userDrawn="1">
           <p15:clr>
             <a:srgbClr val="A4A3A4"/>
           </p15:clr>
@@ -208,7 +208,7 @@
           <a:p>
             <a:fld id="{F5CC4B3F-88C1-4FFA-B1B6-F41C21DC6924}" type="datetimeFigureOut">
               <a:rPr lang="en-US" smtClean="0"/>
-              <a:t>6/27/2018</a:t>
+              <a:t>11/12/2018</a:t>
             </a:fld>
             <a:endParaRPr lang="en-US"/>
           </a:p>
@@ -226,8 +226,8 @@
         </p:nvSpPr>
         <p:spPr>
           <a:xfrm>
-            <a:off x="1143000" y="685800"/>
-            <a:ext cx="4572000" cy="3429000"/>
+            <a:off x="1776413" y="685800"/>
+            <a:ext cx="3305175" cy="3429000"/>
           </a:xfrm>
           <a:prstGeom prst="rect">
             <a:avLst/>
@@ -504,8 +504,8 @@
         </p:nvSpPr>
         <p:spPr>
           <a:xfrm>
-            <a:off x="685800" y="2130425"/>
-            <a:ext cx="7772400" cy="1470025"/>
+            <a:off x="729020" y="3131530"/>
+            <a:ext cx="8262224" cy="2160801"/>
           </a:xfrm>
         </p:spPr>
         <p:txBody>
@@ -531,8 +531,8 @@
         </p:nvSpPr>
         <p:spPr>
           <a:xfrm>
-            <a:off x="1371600" y="3886200"/>
-            <a:ext cx="6400800" cy="1752600"/>
+            <a:off x="1458040" y="5712356"/>
+            <a:ext cx="6804184" cy="2576159"/>
           </a:xfrm>
         </p:spPr>
         <p:txBody>
@@ -654,7 +654,7 @@
           <a:p>
             <a:fld id="{78C97017-6FC3-485B-9764-EAC9E56C1D49}" type="datetimeFigureOut">
               <a:rPr lang="en-US" smtClean="0"/>
-              <a:t>6/27/2018</a:t>
+              <a:t>11/12/2018</a:t>
             </a:fld>
             <a:endParaRPr lang="en-US"/>
           </a:p>
@@ -822,7 +822,7 @@
           <a:p>
             <a:fld id="{78C97017-6FC3-485B-9764-EAC9E56C1D49}" type="datetimeFigureOut">
               <a:rPr lang="en-US" smtClean="0"/>
-              <a:t>6/27/2018</a:t>
+              <a:t>11/12/2018</a:t>
             </a:fld>
             <a:endParaRPr lang="en-US"/>
           </a:p>
@@ -912,8 +912,8 @@
         </p:nvSpPr>
         <p:spPr>
           <a:xfrm>
-            <a:off x="6629400" y="274638"/>
-            <a:ext cx="2057400" cy="5851525"/>
+            <a:off x="7047191" y="403693"/>
+            <a:ext cx="2187059" cy="8601200"/>
           </a:xfrm>
         </p:spPr>
         <p:txBody>
@@ -939,8 +939,8 @@
         </p:nvSpPr>
         <p:spPr>
           <a:xfrm>
-            <a:off x="457200" y="274638"/>
-            <a:ext cx="6019800" cy="5851525"/>
+            <a:off x="486013" y="403693"/>
+            <a:ext cx="6399173" cy="8601200"/>
           </a:xfrm>
         </p:spPr>
         <p:txBody>
@@ -1000,7 +1000,7 @@
           <a:p>
             <a:fld id="{78C97017-6FC3-485B-9764-EAC9E56C1D49}" type="datetimeFigureOut">
               <a:rPr lang="en-US" smtClean="0"/>
-              <a:t>6/27/2018</a:t>
+              <a:t>11/12/2018</a:t>
             </a:fld>
             <a:endParaRPr lang="en-US"/>
           </a:p>
@@ -1168,7 +1168,7 @@
           <a:p>
             <a:fld id="{78C97017-6FC3-485B-9764-EAC9E56C1D49}" type="datetimeFigureOut">
               <a:rPr lang="en-US" smtClean="0"/>
-              <a:t>6/27/2018</a:t>
+              <a:t>11/12/2018</a:t>
             </a:fld>
             <a:endParaRPr lang="en-US"/>
           </a:p>
@@ -1258,8 +1258,8 @@
         </p:nvSpPr>
         <p:spPr>
           <a:xfrm>
-            <a:off x="722313" y="4406900"/>
-            <a:ext cx="7772400" cy="1362075"/>
+            <a:off x="767834" y="6477737"/>
+            <a:ext cx="8262224" cy="2002124"/>
           </a:xfrm>
         </p:spPr>
         <p:txBody>
@@ -1289,8 +1289,8 @@
         </p:nvSpPr>
         <p:spPr>
           <a:xfrm>
-            <a:off x="722313" y="2906713"/>
-            <a:ext cx="7772400" cy="1500187"/>
+            <a:off x="767834" y="4272600"/>
+            <a:ext cx="8262224" cy="2205136"/>
           </a:xfrm>
         </p:spPr>
         <p:txBody>
@@ -1413,7 +1413,7 @@
           <a:p>
             <a:fld id="{78C97017-6FC3-485B-9764-EAC9E56C1D49}" type="datetimeFigureOut">
               <a:rPr lang="en-US" smtClean="0"/>
-              <a:t>6/27/2018</a:t>
+              <a:t>11/12/2018</a:t>
             </a:fld>
             <a:endParaRPr lang="en-US"/>
           </a:p>
@@ -1525,8 +1525,8 @@
         </p:nvSpPr>
         <p:spPr>
           <a:xfrm>
-            <a:off x="457200" y="1600200"/>
-            <a:ext cx="4038600" cy="4525963"/>
+            <a:off x="486013" y="2352147"/>
+            <a:ext cx="4293116" cy="6652746"/>
           </a:xfrm>
         </p:spPr>
         <p:txBody>
@@ -1609,8 +1609,8 @@
         </p:nvSpPr>
         <p:spPr>
           <a:xfrm>
-            <a:off x="4648200" y="1600200"/>
-            <a:ext cx="4038600" cy="4525963"/>
+            <a:off x="4941134" y="2352147"/>
+            <a:ext cx="4293116" cy="6652746"/>
           </a:xfrm>
         </p:spPr>
         <p:txBody>
@@ -1698,7 +1698,7 @@
           <a:p>
             <a:fld id="{78C97017-6FC3-485B-9764-EAC9E56C1D49}" type="datetimeFigureOut">
               <a:rPr lang="en-US" smtClean="0"/>
-              <a:t>6/27/2018</a:t>
+              <a:t>11/12/2018</a:t>
             </a:fld>
             <a:endParaRPr lang="en-US"/>
           </a:p>
@@ -1814,8 +1814,8 @@
         </p:nvSpPr>
         <p:spPr>
           <a:xfrm>
-            <a:off x="457200" y="1535113"/>
-            <a:ext cx="4040188" cy="639762"/>
+            <a:off x="486013" y="2256475"/>
+            <a:ext cx="4294804" cy="940390"/>
           </a:xfrm>
         </p:spPr>
         <p:txBody>
@@ -1879,8 +1879,8 @@
         </p:nvSpPr>
         <p:spPr>
           <a:xfrm>
-            <a:off x="457200" y="2174875"/>
-            <a:ext cx="4040188" cy="3951288"/>
+            <a:off x="486013" y="3196866"/>
+            <a:ext cx="4294804" cy="5808027"/>
           </a:xfrm>
         </p:spPr>
         <p:txBody>
@@ -1963,8 +1963,8 @@
         </p:nvSpPr>
         <p:spPr>
           <a:xfrm>
-            <a:off x="4645025" y="1535113"/>
-            <a:ext cx="4041775" cy="639762"/>
+            <a:off x="4937761" y="2256475"/>
+            <a:ext cx="4296491" cy="940390"/>
           </a:xfrm>
         </p:spPr>
         <p:txBody>
@@ -2028,8 +2028,8 @@
         </p:nvSpPr>
         <p:spPr>
           <a:xfrm>
-            <a:off x="4645025" y="2174875"/>
-            <a:ext cx="4041775" cy="3951288"/>
+            <a:off x="4937761" y="3196866"/>
+            <a:ext cx="4296491" cy="5808027"/>
           </a:xfrm>
         </p:spPr>
         <p:txBody>
@@ -2117,7 +2117,7 @@
           <a:p>
             <a:fld id="{78C97017-6FC3-485B-9764-EAC9E56C1D49}" type="datetimeFigureOut">
               <a:rPr lang="en-US" smtClean="0"/>
-              <a:t>6/27/2018</a:t>
+              <a:t>11/12/2018</a:t>
             </a:fld>
             <a:endParaRPr lang="en-US"/>
           </a:p>
@@ -2234,7 +2234,7 @@
           <a:p>
             <a:fld id="{78C97017-6FC3-485B-9764-EAC9E56C1D49}" type="datetimeFigureOut">
               <a:rPr lang="en-US" smtClean="0"/>
-              <a:t>6/27/2018</a:t>
+              <a:t>11/12/2018</a:t>
             </a:fld>
             <a:endParaRPr lang="en-US"/>
           </a:p>
@@ -2329,7 +2329,7 @@
           <a:p>
             <a:fld id="{78C97017-6FC3-485B-9764-EAC9E56C1D49}" type="datetimeFigureOut">
               <a:rPr lang="en-US" smtClean="0"/>
-              <a:t>6/27/2018</a:t>
+              <a:t>11/12/2018</a:t>
             </a:fld>
             <a:endParaRPr lang="en-US"/>
           </a:p>
@@ -2419,8 +2419,8 @@
         </p:nvSpPr>
         <p:spPr>
           <a:xfrm>
-            <a:off x="457200" y="273050"/>
-            <a:ext cx="3008313" cy="1162050"/>
+            <a:off x="486016" y="401358"/>
+            <a:ext cx="3197900" cy="1708106"/>
           </a:xfrm>
         </p:spPr>
         <p:txBody>
@@ -2450,8 +2450,8 @@
         </p:nvSpPr>
         <p:spPr>
           <a:xfrm>
-            <a:off x="3575050" y="273050"/>
-            <a:ext cx="5111750" cy="5853113"/>
+            <a:off x="3800353" y="401359"/>
+            <a:ext cx="5433897" cy="8603534"/>
           </a:xfrm>
         </p:spPr>
         <p:txBody>
@@ -2534,8 +2534,8 @@
         </p:nvSpPr>
         <p:spPr>
           <a:xfrm>
-            <a:off x="457200" y="1435100"/>
-            <a:ext cx="3008313" cy="4691063"/>
+            <a:off x="486016" y="2109465"/>
+            <a:ext cx="3197900" cy="6895428"/>
           </a:xfrm>
         </p:spPr>
         <p:txBody>
@@ -2604,7 +2604,7 @@
           <a:p>
             <a:fld id="{78C97017-6FC3-485B-9764-EAC9E56C1D49}" type="datetimeFigureOut">
               <a:rPr lang="en-US" smtClean="0"/>
-              <a:t>6/27/2018</a:t>
+              <a:t>11/12/2018</a:t>
             </a:fld>
             <a:endParaRPr lang="en-US"/>
           </a:p>
@@ -2694,8 +2694,8 @@
         </p:nvSpPr>
         <p:spPr>
           <a:xfrm>
-            <a:off x="1792288" y="4800600"/>
-            <a:ext cx="5486400" cy="566738"/>
+            <a:off x="1905239" y="7056438"/>
+            <a:ext cx="5832158" cy="833053"/>
           </a:xfrm>
         </p:spPr>
         <p:txBody>
@@ -2725,8 +2725,8 @@
         </p:nvSpPr>
         <p:spPr>
           <a:xfrm>
-            <a:off x="1792288" y="612775"/>
-            <a:ext cx="5486400" cy="4114800"/>
+            <a:off x="1905239" y="900723"/>
+            <a:ext cx="5832158" cy="6048375"/>
           </a:xfrm>
         </p:spPr>
         <p:txBody>
@@ -2786,8 +2786,8 @@
         </p:nvSpPr>
         <p:spPr>
           <a:xfrm>
-            <a:off x="1792288" y="5367338"/>
-            <a:ext cx="5486400" cy="804862"/>
+            <a:off x="1905239" y="7889490"/>
+            <a:ext cx="5832158" cy="1183072"/>
           </a:xfrm>
         </p:spPr>
         <p:txBody>
@@ -2856,7 +2856,7 @@
           <a:p>
             <a:fld id="{78C97017-6FC3-485B-9764-EAC9E56C1D49}" type="datetimeFigureOut">
               <a:rPr lang="en-US" smtClean="0"/>
-              <a:t>6/27/2018</a:t>
+              <a:t>11/12/2018</a:t>
             </a:fld>
             <a:endParaRPr lang="en-US"/>
           </a:p>
@@ -2951,8 +2951,8 @@
         </p:nvSpPr>
         <p:spPr>
           <a:xfrm>
-            <a:off x="457200" y="274638"/>
-            <a:ext cx="8229600" cy="1143000"/>
+            <a:off x="486013" y="403694"/>
+            <a:ext cx="8748237" cy="1680105"/>
           </a:xfrm>
           <a:prstGeom prst="rect">
             <a:avLst/>
@@ -2983,8 +2983,8 @@
         </p:nvSpPr>
         <p:spPr>
           <a:xfrm>
-            <a:off x="457200" y="1600200"/>
-            <a:ext cx="8229600" cy="4525963"/>
+            <a:off x="486013" y="2352147"/>
+            <a:ext cx="8748237" cy="6652746"/>
           </a:xfrm>
           <a:prstGeom prst="rect">
             <a:avLst/>
@@ -3044,8 +3044,8 @@
         </p:nvSpPr>
         <p:spPr>
           <a:xfrm>
-            <a:off x="457200" y="6356350"/>
-            <a:ext cx="2133600" cy="365125"/>
+            <a:off x="486013" y="9343247"/>
+            <a:ext cx="2268061" cy="536700"/>
           </a:xfrm>
           <a:prstGeom prst="rect">
             <a:avLst/>
@@ -3067,7 +3067,7 @@
           <a:p>
             <a:fld id="{78C97017-6FC3-485B-9764-EAC9E56C1D49}" type="datetimeFigureOut">
               <a:rPr lang="en-US" smtClean="0"/>
-              <a:t>6/27/2018</a:t>
+              <a:t>11/12/2018</a:t>
             </a:fld>
             <a:endParaRPr lang="en-US"/>
           </a:p>
@@ -3085,8 +3085,8 @@
         </p:nvSpPr>
         <p:spPr>
           <a:xfrm>
-            <a:off x="3124200" y="6356350"/>
-            <a:ext cx="2895600" cy="365125"/>
+            <a:off x="3321090" y="9343247"/>
+            <a:ext cx="3078083" cy="536700"/>
           </a:xfrm>
           <a:prstGeom prst="rect">
             <a:avLst/>
@@ -3122,8 +3122,8 @@
         </p:nvSpPr>
         <p:spPr>
           <a:xfrm>
-            <a:off x="6553200" y="6356350"/>
-            <a:ext cx="2133600" cy="365125"/>
+            <a:off x="6966189" y="9343247"/>
+            <a:ext cx="2268061" cy="536700"/>
           </a:xfrm>
           <a:prstGeom prst="rect">
             <a:avLst/>
@@ -3450,8 +3450,8 @@
         </p:nvSpPr>
         <p:spPr>
           <a:xfrm>
-            <a:off x="1119865" y="1600200"/>
-            <a:ext cx="7490735" cy="3124200"/>
+            <a:off x="1079843" y="1798032"/>
+            <a:ext cx="8426855" cy="6516021"/>
           </a:xfrm>
           <a:prstGeom prst="roundRect">
             <a:avLst>
@@ -3511,7 +3511,7 @@
         </p:nvSpPr>
         <p:spPr>
           <a:xfrm>
-            <a:off x="2877180" y="3463240"/>
+            <a:off x="2672435" y="5517695"/>
             <a:ext cx="1093635" cy="346760"/>
           </a:xfrm>
           <a:prstGeom prst="rect">
@@ -3570,7 +3570,7 @@
         </p:nvSpPr>
         <p:spPr>
           <a:xfrm rot="16200000">
-            <a:off x="1661548" y="3097750"/>
+            <a:off x="1525205" y="5352580"/>
             <a:ext cx="1093635" cy="346760"/>
           </a:xfrm>
           <a:prstGeom prst="rect">
@@ -3621,33 +3621,27 @@
           </a:p>
         </p:txBody>
       </p:sp>
-      <p:cxnSp>
-        <p:nvCxnSpPr>
-          <p:cNvPr id="107" name="Elbow Connector 106"/>
-          <p:cNvCxnSpPr>
-            <a:cxnSpLocks/>
-            <a:stCxn id="9" idx="1"/>
-            <a:endCxn id="62" idx="2"/>
-          </p:cNvCxnSpPr>
+      <p:sp>
+        <p:nvSpPr>
+          <p:cNvPr id="119" name="Rectangle 62"/>
+          <p:cNvSpPr/>
           <p:nvPr/>
-        </p:nvCxnSpPr>
-        <p:spPr>
-          <a:xfrm rot="5400000" flipH="1" flipV="1">
-            <a:off x="4131507" y="1281685"/>
-            <a:ext cx="613122" cy="4459404"/>
-          </a:xfrm>
-          <a:prstGeom prst="bentConnector3">
-            <a:avLst>
-              <a:gd name="adj1" fmla="val -26668"/>
-            </a:avLst>
+        </p:nvSpPr>
+        <p:spPr>
+          <a:xfrm rot="16200000">
+            <a:off x="864902" y="5372108"/>
+            <a:ext cx="1093635" cy="346760"/>
+          </a:xfrm>
+          <a:prstGeom prst="rect">
+            <a:avLst/>
           </a:prstGeom>
+          <a:solidFill>
+            <a:srgbClr val="7030A0"/>
+          </a:solidFill>
           <a:ln w="19050">
             <a:solidFill>
               <a:srgbClr val="7030A0"/>
             </a:solidFill>
-            <a:prstDash val="solid"/>
-            <a:headEnd type="none" w="med" len="med"/>
-            <a:tailEnd type="arrow" w="med" len="med"/>
           </a:ln>
           <a:effectLst/>
         </p:spPr>
@@ -3665,45 +3659,6 @@
             <a:schemeClr val="dk1"/>
           </a:fontRef>
         </p:style>
-      </p:cxnSp>
-      <p:sp>
-        <p:nvSpPr>
-          <p:cNvPr id="119" name="Rectangle 62"/>
-          <p:cNvSpPr/>
-          <p:nvPr/>
-        </p:nvSpPr>
-        <p:spPr>
-          <a:xfrm rot="16200000">
-            <a:off x="956202" y="2861202"/>
-            <a:ext cx="1093635" cy="346760"/>
-          </a:xfrm>
-          <a:prstGeom prst="rect">
-            <a:avLst/>
-          </a:prstGeom>
-          <a:solidFill>
-            <a:srgbClr val="7030A0"/>
-          </a:solidFill>
-          <a:ln w="19050">
-            <a:solidFill>
-              <a:srgbClr val="7030A0"/>
-            </a:solidFill>
-          </a:ln>
-          <a:effectLst/>
-        </p:spPr>
-        <p:style>
-          <a:lnRef idx="1">
-            <a:schemeClr val="accent2"/>
-          </a:lnRef>
-          <a:fillRef idx="2">
-            <a:schemeClr val="accent2"/>
-          </a:fillRef>
-          <a:effectRef idx="1">
-            <a:schemeClr val="accent2"/>
-          </a:effectRef>
-          <a:fontRef idx="minor">
-            <a:schemeClr val="dk1"/>
-          </a:fontRef>
-        </p:style>
         <p:txBody>
           <a:bodyPr rtlCol="0" anchor="ctr"/>
           <a:lstStyle/>
@@ -3744,7 +3699,7 @@
         </p:nvSpPr>
         <p:spPr>
           <a:xfrm rot="16200000">
-            <a:off x="1626910" y="2952291"/>
+            <a:off x="1565079" y="5429934"/>
             <a:ext cx="270504" cy="175523"/>
           </a:xfrm>
           <a:prstGeom prst="triangle">
@@ -3787,15 +3742,16 @@
         <p:nvCxnSpPr>
           <p:cNvPr id="58" name="Straight Arrow Connector 57"/>
           <p:cNvCxnSpPr>
+            <a:cxnSpLocks/>
             <a:stCxn id="42" idx="3"/>
             <a:endCxn id="2" idx="1"/>
           </p:cNvCxnSpPr>
           <p:nvPr/>
         </p:nvCxnSpPr>
         <p:spPr>
-          <a:xfrm>
-            <a:off x="2609828" y="3636620"/>
-            <a:ext cx="267352" cy="0"/>
+          <a:xfrm flipV="1">
+            <a:off x="2483514" y="5691076"/>
+            <a:ext cx="188921" cy="6553"/>
           </a:xfrm>
           <a:prstGeom prst="straightConnector1">
             <a:avLst/>
@@ -3827,12 +3783,14 @@
       <p:cxnSp>
         <p:nvCxnSpPr>
           <p:cNvPr id="75" name="Elbow Connector 122"/>
-          <p:cNvCxnSpPr/>
+          <p:cNvCxnSpPr>
+            <a:cxnSpLocks/>
+          </p:cNvCxnSpPr>
           <p:nvPr/>
         </p:nvCxnSpPr>
         <p:spPr>
           <a:xfrm>
-            <a:off x="910091" y="3040053"/>
+            <a:off x="798130" y="5541183"/>
             <a:ext cx="419548" cy="2860"/>
           </a:xfrm>
           <a:prstGeom prst="bentConnector3">
@@ -3871,13 +3829,13 @@
         <p:nvCxnSpPr>
           <p:cNvPr id="21" name="Straight Connector 20"/>
           <p:cNvCxnSpPr>
-            <a:stCxn id="120" idx="3"/>
+            <a:cxnSpLocks/>
           </p:cNvCxnSpPr>
           <p:nvPr/>
         </p:nvCxnSpPr>
         <p:spPr>
           <a:xfrm flipV="1">
-            <a:off x="1849924" y="3040052"/>
+            <a:off x="1761457" y="5511462"/>
             <a:ext cx="216105" cy="1"/>
           </a:xfrm>
           <a:prstGeom prst="line">
@@ -3916,8 +3874,8 @@
         </p:nvSpPr>
         <p:spPr>
           <a:xfrm>
-            <a:off x="2373780" y="3549930"/>
-            <a:ext cx="236048" cy="173380"/>
+            <a:off x="2247465" y="5615726"/>
+            <a:ext cx="236048" cy="163804"/>
           </a:xfrm>
           <a:prstGeom prst="flowChartDecision">
             <a:avLst/>
@@ -3949,7 +3907,7 @@
           <a:lstStyle/>
           <a:p>
             <a:pPr algn="ctr"/>
-            <a:endParaRPr lang="en-US" sz="1050"/>
+            <a:endParaRPr lang="en-US" sz="1050" dirty="0"/>
           </a:p>
         </p:txBody>
       </p:sp>
@@ -3961,7 +3919,7 @@
         </p:nvSpPr>
         <p:spPr>
           <a:xfrm>
-            <a:off x="2825280" y="2846162"/>
+            <a:off x="2657095" y="5023895"/>
             <a:ext cx="1490560" cy="334856"/>
           </a:xfrm>
           <a:prstGeom prst="rect">
@@ -3994,12 +3952,12 @@
           <a:p>
             <a:pPr algn="ctr"/>
             <a:r>
-              <a:rPr lang="en-US" sz="1050" dirty="0" err="1" smtClean="0">
+              <a:rPr lang="en-US" sz="1050" dirty="0" err="1">
                 <a:solidFill>
                   <a:srgbClr val="7030A0"/>
                 </a:solidFill>
               </a:rPr>
-              <a:t>VersionedAddressBook</a:t>
+              <a:t>VersionedRecruitBook</a:t>
             </a:r>
             <a:endParaRPr lang="en-SG" sz="1050" dirty="0">
               <a:solidFill>
@@ -4013,15 +3971,16 @@
         <p:nvCxnSpPr>
           <p:cNvPr id="47" name="Straight Arrow Connector 46"/>
           <p:cNvCxnSpPr>
+            <a:cxnSpLocks/>
             <a:stCxn id="48" idx="3"/>
             <a:endCxn id="46" idx="1"/>
           </p:cNvCxnSpPr>
           <p:nvPr/>
         </p:nvCxnSpPr>
         <p:spPr>
-          <a:xfrm>
-            <a:off x="2624360" y="3003033"/>
-            <a:ext cx="200920" cy="10557"/>
+          <a:xfrm flipV="1">
+            <a:off x="2483513" y="5191324"/>
+            <a:ext cx="173582" cy="8139"/>
           </a:xfrm>
           <a:prstGeom prst="straightConnector1">
             <a:avLst/>
@@ -4058,7 +4017,7 @@
         </p:nvSpPr>
         <p:spPr>
           <a:xfrm>
-            <a:off x="2388312" y="2916343"/>
+            <a:off x="2247465" y="5112772"/>
             <a:ext cx="236048" cy="173380"/>
           </a:xfrm>
           <a:prstGeom prst="flowChartDecision">
@@ -4091,7 +4050,7 @@
           <a:lstStyle/>
           <a:p>
             <a:pPr algn="ctr"/>
-            <a:endParaRPr lang="en-US" sz="1050"/>
+            <a:endParaRPr lang="en-US" sz="1050" dirty="0"/>
           </a:p>
         </p:txBody>
       </p:sp>
@@ -4103,8 +4062,8 @@
         </p:nvSpPr>
         <p:spPr>
           <a:xfrm>
-            <a:off x="4692650" y="2846162"/>
-            <a:ext cx="1156969" cy="346760"/>
+            <a:off x="4626051" y="3039827"/>
+            <a:ext cx="1372128" cy="346760"/>
           </a:xfrm>
           <a:prstGeom prst="rect">
             <a:avLst/>
@@ -4141,7 +4100,7 @@
                   <a:srgbClr val="7030A0"/>
                 </a:solidFill>
               </a:rPr>
-              <a:t>UniquePersonList</a:t>
+              <a:t>UniqueCandidateList</a:t>
             </a:r>
             <a:endParaRPr lang="en-SG" sz="1050" dirty="0">
               <a:solidFill>
@@ -4159,7 +4118,7 @@
         </p:nvSpPr>
         <p:spPr>
           <a:xfrm>
-            <a:off x="4324972" y="2920532"/>
+            <a:off x="4160712" y="5116512"/>
             <a:ext cx="236048" cy="173380"/>
           </a:xfrm>
           <a:prstGeom prst="flowChartDecision">
@@ -4206,8 +4165,8 @@
         </p:nvSpPr>
         <p:spPr>
           <a:xfrm>
-            <a:off x="6313677" y="2858066"/>
-            <a:ext cx="708186" cy="346760"/>
+            <a:off x="6451776" y="3113591"/>
+            <a:ext cx="2186134" cy="1850522"/>
           </a:xfrm>
           <a:prstGeom prst="rect">
             <a:avLst/>
@@ -4234,7 +4193,7 @@
           </a:fontRef>
         </p:style>
         <p:txBody>
-          <a:bodyPr rtlCol="0" anchor="ctr"/>
+          <a:bodyPr rtlCol="0" anchor="t"/>
           <a:lstStyle/>
           <a:p>
             <a:pPr algn="ctr"/>
@@ -4244,9 +4203,147 @@
                   <a:srgbClr val="7030A0"/>
                 </a:solidFill>
               </a:rPr>
-              <a:t>Person</a:t>
-            </a:r>
-            <a:endParaRPr lang="en-SG" sz="1050" dirty="0">
+              <a:t>Candidate</a:t>
+            </a:r>
+          </a:p>
+          <a:p>
+            <a:r>
+              <a:rPr lang="en-US" sz="1050" dirty="0">
+                <a:solidFill>
+                  <a:srgbClr val="7030A0"/>
+                </a:solidFill>
+              </a:rPr>
+              <a:t>- tags : Set&lt;Tag&gt;</a:t>
+            </a:r>
+          </a:p>
+          <a:p>
+            <a:r>
+              <a:rPr lang="en-US" sz="1050" dirty="0">
+                <a:solidFill>
+                  <a:srgbClr val="7030A0"/>
+                </a:solidFill>
+              </a:rPr>
+              <a:t>- name : Name</a:t>
+            </a:r>
+          </a:p>
+          <a:p>
+            <a:r>
+              <a:rPr lang="en-US" sz="1050" dirty="0">
+                <a:solidFill>
+                  <a:srgbClr val="7030A0"/>
+                </a:solidFill>
+              </a:rPr>
+              <a:t>- gender : Gender</a:t>
+            </a:r>
+          </a:p>
+          <a:p>
+            <a:r>
+              <a:rPr lang="en-US" sz="1050" dirty="0">
+                <a:solidFill>
+                  <a:srgbClr val="7030A0"/>
+                </a:solidFill>
+              </a:rPr>
+              <a:t>- age : Age</a:t>
+            </a:r>
+          </a:p>
+          <a:p>
+            <a:r>
+              <a:rPr lang="en-US" sz="1050" dirty="0">
+                <a:solidFill>
+                  <a:srgbClr val="7030A0"/>
+                </a:solidFill>
+              </a:rPr>
+              <a:t>- phone : Phone</a:t>
+            </a:r>
+          </a:p>
+          <a:p>
+            <a:r>
+              <a:rPr lang="en-US" sz="1050" dirty="0">
+                <a:solidFill>
+                  <a:srgbClr val="7030A0"/>
+                </a:solidFill>
+              </a:rPr>
+              <a:t>- email : Email</a:t>
+            </a:r>
+          </a:p>
+          <a:p>
+            <a:r>
+              <a:rPr lang="en-US" sz="1050" dirty="0">
+                <a:solidFill>
+                  <a:srgbClr val="7030A0"/>
+                </a:solidFill>
+              </a:rPr>
+              <a:t>- address : Address</a:t>
+            </a:r>
+          </a:p>
+          <a:p>
+            <a:r>
+              <a:rPr lang="en-US" sz="1050" dirty="0">
+                <a:solidFill>
+                  <a:srgbClr val="7030A0"/>
+                </a:solidFill>
+              </a:rPr>
+              <a:t>- </a:t>
+            </a:r>
+            <a:r>
+              <a:rPr lang="en-US" sz="1050" dirty="0" err="1">
+                <a:solidFill>
+                  <a:srgbClr val="7030A0"/>
+                </a:solidFill>
+              </a:rPr>
+              <a:t>desiredJob</a:t>
+            </a:r>
+            <a:r>
+              <a:rPr lang="en-US" sz="1050" dirty="0">
+                <a:solidFill>
+                  <a:srgbClr val="7030A0"/>
+                </a:solidFill>
+              </a:rPr>
+              <a:t> : Job</a:t>
+            </a:r>
+          </a:p>
+          <a:p>
+            <a:r>
+              <a:rPr lang="en-US" sz="1050" dirty="0">
+                <a:solidFill>
+                  <a:srgbClr val="7030A0"/>
+                </a:solidFill>
+              </a:rPr>
+              <a:t>- education : Education</a:t>
+            </a:r>
+          </a:p>
+          <a:p>
+            <a:r>
+              <a:rPr lang="en-US" sz="1050" dirty="0">
+                <a:solidFill>
+                  <a:srgbClr val="7030A0"/>
+                </a:solidFill>
+              </a:rPr>
+              <a:t>- </a:t>
+            </a:r>
+            <a:r>
+              <a:rPr lang="en-US" sz="1050" dirty="0" err="1">
+                <a:solidFill>
+                  <a:srgbClr val="7030A0"/>
+                </a:solidFill>
+              </a:rPr>
+              <a:t>expectedSalary</a:t>
+            </a:r>
+            <a:r>
+              <a:rPr lang="en-US" sz="1050" dirty="0">
+                <a:solidFill>
+                  <a:srgbClr val="7030A0"/>
+                </a:solidFill>
+              </a:rPr>
+              <a:t> : Salary</a:t>
+            </a:r>
+          </a:p>
+          <a:p>
+            <a:pPr marL="171450" indent="-171450">
+              <a:buFontTx/>
+              <a:buChar char="-"/>
+            </a:pPr>
+            <a:endParaRPr lang="en-US" sz="1050" dirty="0">
               <a:solidFill>
                 <a:srgbClr val="7030A0"/>
               </a:solidFill>
@@ -4262,7 +4359,7 @@
         </p:nvSpPr>
         <p:spPr>
           <a:xfrm>
-            <a:off x="5858751" y="2941676"/>
+            <a:off x="6004724" y="3135629"/>
             <a:ext cx="236048" cy="173380"/>
           </a:xfrm>
           <a:prstGeom prst="flowChartDecision">
@@ -4295,157 +4392,13 @@
           <a:lstStyle/>
           <a:p>
             <a:pPr algn="ctr"/>
-            <a:endParaRPr lang="en-US" sz="1050"/>
+            <a:endParaRPr lang="en-US" sz="1050" dirty="0"/>
           </a:p>
         </p:txBody>
       </p:sp>
       <p:cxnSp>
         <p:nvCxnSpPr>
           <p:cNvPr id="64" name="Elbow Connector 63"/>
-          <p:cNvCxnSpPr>
-            <a:stCxn id="63" idx="3"/>
-            <a:endCxn id="62" idx="1"/>
-          </p:cNvCxnSpPr>
-          <p:nvPr/>
-        </p:nvCxnSpPr>
-        <p:spPr>
-          <a:xfrm>
-            <a:off x="6094799" y="3028366"/>
-            <a:ext cx="218878" cy="3080"/>
-          </a:xfrm>
-          <a:prstGeom prst="bentConnector3">
-            <a:avLst/>
-          </a:prstGeom>
-          <a:ln w="19050">
-            <a:solidFill>
-              <a:srgbClr val="7030A0"/>
-            </a:solidFill>
-            <a:headEnd type="none" w="med" len="med"/>
-            <a:tailEnd type="arrow" w="med" len="med"/>
-          </a:ln>
-          <a:effectLst/>
-        </p:spPr>
-        <p:style>
-          <a:lnRef idx="1">
-            <a:schemeClr val="accent2"/>
-          </a:lnRef>
-          <a:fillRef idx="2">
-            <a:schemeClr val="accent2"/>
-          </a:fillRef>
-          <a:effectRef idx="1">
-            <a:schemeClr val="accent2"/>
-          </a:effectRef>
-          <a:fontRef idx="minor">
-            <a:schemeClr val="dk1"/>
-          </a:fontRef>
-        </p:style>
-      </p:cxnSp>
-      <p:sp>
-        <p:nvSpPr>
-          <p:cNvPr id="76" name="Rectangle 8"/>
-          <p:cNvSpPr/>
-          <p:nvPr/>
-        </p:nvSpPr>
-        <p:spPr>
-          <a:xfrm>
-            <a:off x="7712397" y="2564238"/>
-            <a:ext cx="708186" cy="285783"/>
-          </a:xfrm>
-          <a:prstGeom prst="rect">
-            <a:avLst/>
-          </a:prstGeom>
-          <a:ln w="19050">
-            <a:solidFill>
-              <a:srgbClr val="7030A0"/>
-            </a:solidFill>
-          </a:ln>
-          <a:effectLst/>
-        </p:spPr>
-        <p:style>
-          <a:lnRef idx="1">
-            <a:schemeClr val="accent4"/>
-          </a:lnRef>
-          <a:fillRef idx="2">
-            <a:schemeClr val="accent4"/>
-          </a:fillRef>
-          <a:effectRef idx="1">
-            <a:schemeClr val="accent4"/>
-          </a:effectRef>
-          <a:fontRef idx="minor">
-            <a:schemeClr val="dk1"/>
-          </a:fontRef>
-        </p:style>
-        <p:txBody>
-          <a:bodyPr rtlCol="0" anchor="ctr"/>
-          <a:lstStyle/>
-          <a:p>
-            <a:pPr algn="ctr"/>
-            <a:r>
-              <a:rPr lang="en-US" sz="1050" dirty="0">
-                <a:solidFill>
-                  <a:srgbClr val="7030A0"/>
-                </a:solidFill>
-              </a:rPr>
-              <a:t>Name</a:t>
-            </a:r>
-            <a:endParaRPr lang="en-SG" sz="1050" dirty="0">
-              <a:solidFill>
-                <a:srgbClr val="7030A0"/>
-              </a:solidFill>
-            </a:endParaRPr>
-          </a:p>
-        </p:txBody>
-      </p:sp>
-      <p:sp>
-        <p:nvSpPr>
-          <p:cNvPr id="78" name="Flowchart: Decision 96"/>
-          <p:cNvSpPr/>
-          <p:nvPr/>
-        </p:nvSpPr>
-        <p:spPr>
-          <a:xfrm>
-            <a:off x="7041947" y="2948201"/>
-            <a:ext cx="236048" cy="173380"/>
-          </a:xfrm>
-          <a:prstGeom prst="flowChartDecision">
-            <a:avLst/>
-          </a:prstGeom>
-          <a:solidFill>
-            <a:srgbClr val="7030A0"/>
-          </a:solidFill>
-          <a:ln w="19050">
-            <a:solidFill>
-              <a:srgbClr val="7030A0"/>
-            </a:solidFill>
-          </a:ln>
-          <a:effectLst/>
-        </p:spPr>
-        <p:style>
-          <a:lnRef idx="1">
-            <a:schemeClr val="accent6"/>
-          </a:lnRef>
-          <a:fillRef idx="2">
-            <a:schemeClr val="accent6"/>
-          </a:fillRef>
-          <a:effectRef idx="1">
-            <a:schemeClr val="accent6"/>
-          </a:effectRef>
-          <a:fontRef idx="minor">
-            <a:schemeClr val="dk1"/>
-          </a:fontRef>
-        </p:style>
-        <p:txBody>
-          <a:bodyPr rtlCol="0" anchor="ctr"/>
-          <a:lstStyle/>
-          <a:p>
-            <a:pPr algn="ctr"/>
-            <a:endParaRPr lang="en-US" sz="1050"/>
-          </a:p>
-        </p:txBody>
-      </p:sp>
-      <p:cxnSp>
-        <p:nvCxnSpPr>
-          <p:cNvPr id="79" name="Elbow Connector 78"/>
           <p:cNvCxnSpPr>
             <a:cxnSpLocks/>
           </p:cNvCxnSpPr>
@@ -4453,302 +4406,13 @@
         </p:nvCxnSpPr>
         <p:spPr>
           <a:xfrm flipV="1">
-            <a:off x="7277995" y="2706821"/>
-            <a:ext cx="434402" cy="327761"/>
+            <a:off x="6243998" y="3222945"/>
+            <a:ext cx="204024" cy="1"/>
           </a:xfrm>
           <a:prstGeom prst="bentConnector3">
-            <a:avLst/>
-          </a:prstGeom>
-          <a:ln w="19050">
-            <a:solidFill>
-              <a:srgbClr val="7030A0"/>
-            </a:solidFill>
-            <a:headEnd type="none" w="med" len="med"/>
-            <a:tailEnd type="arrow" w="med" len="med"/>
-          </a:ln>
-          <a:effectLst/>
-        </p:spPr>
-        <p:style>
-          <a:lnRef idx="1">
-            <a:schemeClr val="accent2"/>
-          </a:lnRef>
-          <a:fillRef idx="2">
-            <a:schemeClr val="accent2"/>
-          </a:fillRef>
-          <a:effectRef idx="1">
-            <a:schemeClr val="accent2"/>
-          </a:effectRef>
-          <a:fontRef idx="minor">
-            <a:schemeClr val="dk1"/>
-          </a:fontRef>
-        </p:style>
-      </p:cxnSp>
-      <p:sp>
-        <p:nvSpPr>
-          <p:cNvPr id="80" name="Rectangle 8"/>
-          <p:cNvSpPr/>
-          <p:nvPr/>
-        </p:nvSpPr>
-        <p:spPr>
-          <a:xfrm>
-            <a:off x="7712397" y="2887216"/>
-            <a:ext cx="708186" cy="285783"/>
-          </a:xfrm>
-          <a:prstGeom prst="rect">
-            <a:avLst/>
-          </a:prstGeom>
-          <a:ln w="19050">
-            <a:solidFill>
-              <a:srgbClr val="7030A0"/>
-            </a:solidFill>
-          </a:ln>
-          <a:effectLst/>
-        </p:spPr>
-        <p:style>
-          <a:lnRef idx="1">
-            <a:schemeClr val="accent4"/>
-          </a:lnRef>
-          <a:fillRef idx="2">
-            <a:schemeClr val="accent4"/>
-          </a:fillRef>
-          <a:effectRef idx="1">
-            <a:schemeClr val="accent4"/>
-          </a:effectRef>
-          <a:fontRef idx="minor">
-            <a:schemeClr val="dk1"/>
-          </a:fontRef>
-        </p:style>
-        <p:txBody>
-          <a:bodyPr rtlCol="0" anchor="ctr"/>
-          <a:lstStyle/>
-          <a:p>
-            <a:pPr algn="ctr"/>
-            <a:r>
-              <a:rPr lang="en-US" sz="1050" dirty="0">
-                <a:solidFill>
-                  <a:srgbClr val="7030A0"/>
-                </a:solidFill>
-              </a:rPr>
-              <a:t>Phone</a:t>
-            </a:r>
-            <a:endParaRPr lang="en-SG" sz="1050" dirty="0">
-              <a:solidFill>
-                <a:srgbClr val="7030A0"/>
-              </a:solidFill>
-            </a:endParaRPr>
-          </a:p>
-        </p:txBody>
-      </p:sp>
-      <p:cxnSp>
-        <p:nvCxnSpPr>
-          <p:cNvPr id="81" name="Elbow Connector 80"/>
-          <p:cNvCxnSpPr>
-            <a:stCxn id="78" idx="3"/>
-            <a:endCxn id="80" idx="1"/>
-          </p:cNvCxnSpPr>
-          <p:nvPr/>
-        </p:nvCxnSpPr>
-        <p:spPr>
-          <a:xfrm flipV="1">
-            <a:off x="7277995" y="3030108"/>
-            <a:ext cx="434402" cy="4783"/>
-          </a:xfrm>
-          <a:prstGeom prst="bentConnector3">
-            <a:avLst/>
-          </a:prstGeom>
-          <a:ln w="19050">
-            <a:solidFill>
-              <a:srgbClr val="7030A0"/>
-            </a:solidFill>
-            <a:headEnd type="none" w="med" len="med"/>
-            <a:tailEnd type="arrow" w="med" len="med"/>
-          </a:ln>
-          <a:effectLst/>
-        </p:spPr>
-        <p:style>
-          <a:lnRef idx="1">
-            <a:schemeClr val="accent2"/>
-          </a:lnRef>
-          <a:fillRef idx="2">
-            <a:schemeClr val="accent2"/>
-          </a:fillRef>
-          <a:effectRef idx="1">
-            <a:schemeClr val="accent2"/>
-          </a:effectRef>
-          <a:fontRef idx="minor">
-            <a:schemeClr val="dk1"/>
-          </a:fontRef>
-        </p:style>
-      </p:cxnSp>
-      <p:sp>
-        <p:nvSpPr>
-          <p:cNvPr id="83" name="Rectangle 8"/>
-          <p:cNvSpPr/>
-          <p:nvPr/>
-        </p:nvSpPr>
-        <p:spPr>
-          <a:xfrm>
-            <a:off x="7712397" y="3210194"/>
-            <a:ext cx="708186" cy="285783"/>
-          </a:xfrm>
-          <a:prstGeom prst="rect">
-            <a:avLst/>
-          </a:prstGeom>
-          <a:ln w="19050">
-            <a:solidFill>
-              <a:srgbClr val="7030A0"/>
-            </a:solidFill>
-          </a:ln>
-          <a:effectLst/>
-        </p:spPr>
-        <p:style>
-          <a:lnRef idx="1">
-            <a:schemeClr val="accent4"/>
-          </a:lnRef>
-          <a:fillRef idx="2">
-            <a:schemeClr val="accent4"/>
-          </a:fillRef>
-          <a:effectRef idx="1">
-            <a:schemeClr val="accent4"/>
-          </a:effectRef>
-          <a:fontRef idx="minor">
-            <a:schemeClr val="dk1"/>
-          </a:fontRef>
-        </p:style>
-        <p:txBody>
-          <a:bodyPr rtlCol="0" anchor="ctr"/>
-          <a:lstStyle/>
-          <a:p>
-            <a:pPr algn="ctr"/>
-            <a:r>
-              <a:rPr lang="en-US" sz="1050" dirty="0">
-                <a:solidFill>
-                  <a:srgbClr val="7030A0"/>
-                </a:solidFill>
-              </a:rPr>
-              <a:t>Email</a:t>
-            </a:r>
-            <a:endParaRPr lang="en-SG" sz="1050" dirty="0">
-              <a:solidFill>
-                <a:srgbClr val="7030A0"/>
-              </a:solidFill>
-            </a:endParaRPr>
-          </a:p>
-        </p:txBody>
-      </p:sp>
-      <p:cxnSp>
-        <p:nvCxnSpPr>
-          <p:cNvPr id="84" name="Elbow Connector 83"/>
-          <p:cNvCxnSpPr>
-            <a:stCxn id="78" idx="3"/>
-            <a:endCxn id="83" idx="1"/>
-          </p:cNvCxnSpPr>
-          <p:nvPr/>
-        </p:nvCxnSpPr>
-        <p:spPr>
-          <a:xfrm>
-            <a:off x="7277995" y="3034891"/>
-            <a:ext cx="434402" cy="318195"/>
-          </a:xfrm>
-          <a:prstGeom prst="bentConnector3">
-            <a:avLst/>
-          </a:prstGeom>
-          <a:ln w="19050">
-            <a:solidFill>
-              <a:srgbClr val="7030A0"/>
-            </a:solidFill>
-            <a:headEnd type="none" w="med" len="med"/>
-            <a:tailEnd type="arrow" w="med" len="med"/>
-          </a:ln>
-          <a:effectLst/>
-        </p:spPr>
-        <p:style>
-          <a:lnRef idx="1">
-            <a:schemeClr val="accent2"/>
-          </a:lnRef>
-          <a:fillRef idx="2">
-            <a:schemeClr val="accent2"/>
-          </a:fillRef>
-          <a:effectRef idx="1">
-            <a:schemeClr val="accent2"/>
-          </a:effectRef>
-          <a:fontRef idx="minor">
-            <a:schemeClr val="dk1"/>
-          </a:fontRef>
-        </p:style>
-      </p:cxnSp>
-      <p:sp>
-        <p:nvSpPr>
-          <p:cNvPr id="85" name="Rectangle 8"/>
-          <p:cNvSpPr/>
-          <p:nvPr/>
-        </p:nvSpPr>
-        <p:spPr>
-          <a:xfrm>
-            <a:off x="7712397" y="3533171"/>
-            <a:ext cx="708186" cy="285783"/>
-          </a:xfrm>
-          <a:prstGeom prst="rect">
-            <a:avLst/>
-          </a:prstGeom>
-          <a:ln w="19050">
-            <a:solidFill>
-              <a:srgbClr val="7030A0"/>
-            </a:solidFill>
-          </a:ln>
-          <a:effectLst/>
-        </p:spPr>
-        <p:style>
-          <a:lnRef idx="1">
-            <a:schemeClr val="accent4"/>
-          </a:lnRef>
-          <a:fillRef idx="2">
-            <a:schemeClr val="accent4"/>
-          </a:fillRef>
-          <a:effectRef idx="1">
-            <a:schemeClr val="accent4"/>
-          </a:effectRef>
-          <a:fontRef idx="minor">
-            <a:schemeClr val="dk1"/>
-          </a:fontRef>
-        </p:style>
-        <p:txBody>
-          <a:bodyPr rtlCol="0" anchor="ctr"/>
-          <a:lstStyle/>
-          <a:p>
-            <a:pPr algn="ctr"/>
-            <a:r>
-              <a:rPr lang="en-US" sz="1050" dirty="0">
-                <a:solidFill>
-                  <a:srgbClr val="7030A0"/>
-                </a:solidFill>
-              </a:rPr>
-              <a:t>Address</a:t>
-            </a:r>
-            <a:endParaRPr lang="en-SG" sz="1050" dirty="0">
-              <a:solidFill>
-                <a:srgbClr val="7030A0"/>
-              </a:solidFill>
-            </a:endParaRPr>
-          </a:p>
-        </p:txBody>
-      </p:sp>
-      <p:cxnSp>
-        <p:nvCxnSpPr>
-          <p:cNvPr id="86" name="Elbow Connector 85"/>
-          <p:cNvCxnSpPr>
-            <a:stCxn id="78" idx="3"/>
-            <a:endCxn id="85" idx="1"/>
-          </p:cNvCxnSpPr>
-          <p:nvPr/>
-        </p:nvCxnSpPr>
-        <p:spPr>
-          <a:xfrm>
-            <a:off x="7277995" y="3034891"/>
-            <a:ext cx="434402" cy="641172"/>
-          </a:xfrm>
-          <a:prstGeom prst="bentConnector3">
-            <a:avLst/>
+            <a:avLst>
+              <a:gd name="adj1" fmla="val 50000"/>
+            </a:avLst>
           </a:prstGeom>
           <a:ln w="19050">
             <a:solidFill>
@@ -4778,14 +4442,16 @@
         <p:nvCxnSpPr>
           <p:cNvPr id="97" name="Elbow Connector 63"/>
           <p:cNvCxnSpPr>
+            <a:cxnSpLocks/>
             <a:stCxn id="99" idx="3"/>
+            <a:endCxn id="46" idx="0"/>
           </p:cNvCxnSpPr>
           <p:nvPr/>
         </p:nvCxnSpPr>
         <p:spPr>
           <a:xfrm rot="5400000">
-            <a:off x="3553611" y="2687559"/>
-            <a:ext cx="293825" cy="5938"/>
+            <a:off x="2207947" y="3825085"/>
+            <a:ext cx="2393240" cy="4383"/>
           </a:xfrm>
           <a:prstGeom prst="bentConnector3">
             <a:avLst>
@@ -4825,7 +4491,7 @@
         </p:nvSpPr>
         <p:spPr>
           <a:xfrm rot="10800000" flipV="1">
-            <a:off x="3562299" y="2386554"/>
+            <a:off x="3265566" y="2473593"/>
             <a:ext cx="282387" cy="157062"/>
           </a:xfrm>
           <a:prstGeom prst="triangle">
@@ -4873,8 +4539,8 @@
         </p:nvSpPr>
         <p:spPr>
           <a:xfrm>
-            <a:off x="1260922" y="1998350"/>
-            <a:ext cx="1443661" cy="364396"/>
+            <a:off x="6296816" y="2369926"/>
+            <a:ext cx="1561583" cy="364396"/>
           </a:xfrm>
           <a:prstGeom prst="rect">
             <a:avLst/>
@@ -4926,7 +4592,7 @@
                   <a:srgbClr val="7030A0"/>
                 </a:solidFill>
               </a:rPr>
-              <a:t>ReadOnlyAddressBook</a:t>
+              <a:t>ReadOnlyCandidateBook</a:t>
             </a:r>
             <a:endParaRPr lang="en-SG" sz="1050" dirty="0">
               <a:solidFill>
@@ -4943,8 +4609,8 @@
           <p:nvPr/>
         </p:nvSpPr>
         <p:spPr>
-          <a:xfrm rot="16200000">
-            <a:off x="6362886" y="3586305"/>
+          <a:xfrm>
+            <a:off x="8513301" y="4059892"/>
             <a:ext cx="881018" cy="261610"/>
           </a:xfrm>
           <a:prstGeom prst="rect">
@@ -4983,8 +4649,8 @@
         </p:nvSpPr>
         <p:spPr>
           <a:xfrm>
-            <a:off x="2057401" y="4239491"/>
-            <a:ext cx="1066800" cy="346760"/>
+            <a:off x="1837568" y="7771683"/>
+            <a:ext cx="1055842" cy="392482"/>
           </a:xfrm>
           <a:prstGeom prst="rect">
             <a:avLst/>
@@ -5023,16 +4689,8 @@
               </a:rPr>
               <a:t>&lt;&lt;interface&gt;&gt;</a:t>
             </a:r>
-            <a:r>
-              <a:rPr lang="en-US" sz="1050">
-                <a:solidFill>
-                  <a:srgbClr val="7030A0"/>
-                </a:solidFill>
-              </a:rPr>
-              <a:t/>
-            </a:r>
             <a:br>
-              <a:rPr lang="en-US" sz="1050">
+              <a:rPr lang="en-US" sz="1050" dirty="0">
                 <a:solidFill>
                   <a:srgbClr val="7030A0"/>
                 </a:solidFill>
@@ -5058,6 +4716,7 @@
         <p:nvCxnSpPr>
           <p:cNvPr id="124" name="Elbow Connector 122"/>
           <p:cNvCxnSpPr>
+            <a:cxnSpLocks/>
             <a:stCxn id="119" idx="1"/>
             <a:endCxn id="122" idx="1"/>
           </p:cNvCxnSpPr>
@@ -5065,8 +4724,8 @@
         </p:nvCxnSpPr>
         <p:spPr>
           <a:xfrm rot="16200000" flipH="1">
-            <a:off x="1364475" y="3719944"/>
-            <a:ext cx="831471" cy="554381"/>
+            <a:off x="686834" y="6817191"/>
+            <a:ext cx="1875618" cy="425849"/>
           </a:xfrm>
           <a:prstGeom prst="bentConnector2">
             <a:avLst/>
@@ -5104,8 +4763,8 @@
         </p:nvSpPr>
         <p:spPr>
           <a:xfrm>
-            <a:off x="4429979" y="3111479"/>
-            <a:ext cx="189257" cy="178683"/>
+            <a:off x="4428395" y="2994957"/>
+            <a:ext cx="147489" cy="178683"/>
           </a:xfrm>
           <a:prstGeom prst="rect">
             <a:avLst/>
@@ -5143,7 +4802,7 @@
         </p:nvSpPr>
         <p:spPr>
           <a:xfrm>
-            <a:off x="6135256" y="3097917"/>
+            <a:off x="6275576" y="3059144"/>
             <a:ext cx="189257" cy="178683"/>
           </a:xfrm>
           <a:prstGeom prst="rect">
@@ -5182,8 +4841,8 @@
         </p:nvSpPr>
         <p:spPr>
           <a:xfrm>
-            <a:off x="2573394" y="2756715"/>
-            <a:ext cx="170110" cy="137542"/>
+            <a:off x="2520488" y="4976507"/>
+            <a:ext cx="137568" cy="127611"/>
           </a:xfrm>
           <a:prstGeom prst="rect">
             <a:avLst/>
@@ -5221,8 +4880,8 @@
         </p:nvSpPr>
         <p:spPr>
           <a:xfrm>
-            <a:off x="2707070" y="3667737"/>
-            <a:ext cx="189257" cy="178683"/>
+            <a:off x="2514873" y="5750344"/>
+            <a:ext cx="166818" cy="293314"/>
           </a:xfrm>
           <a:prstGeom prst="rect">
             <a:avLst/>
@@ -5260,7 +4919,7 @@
         </p:nvSpPr>
         <p:spPr>
           <a:xfrm>
-            <a:off x="6449896" y="3204826"/>
+            <a:off x="8637910" y="3824950"/>
             <a:ext cx="189257" cy="178683"/>
           </a:xfrm>
           <a:prstGeom prst="rect">
@@ -5293,20 +4952,14 @@
       </p:sp>
       <p:sp>
         <p:nvSpPr>
-          <p:cNvPr id="52" name="Rectangle 8">
-            <a:extLst>
-              <a:ext uri="{FF2B5EF4-FFF2-40B4-BE49-F238E27FC236}">
-                <a16:creationId xmlns:a16="http://schemas.microsoft.com/office/drawing/2014/main" id="{ABDCDBD2-131A-4B66-A2F2-43BBEE82C773}"/>
-              </a:ext>
-            </a:extLst>
-          </p:cNvPr>
+          <p:cNvPr id="55" name="Rectangle 8"/>
           <p:cNvSpPr/>
           <p:nvPr/>
         </p:nvSpPr>
         <p:spPr>
           <a:xfrm>
-            <a:off x="7712397" y="2228817"/>
-            <a:ext cx="708186" cy="285783"/>
+            <a:off x="4783261" y="2329911"/>
+            <a:ext cx="1060683" cy="364396"/>
           </a:xfrm>
           <a:prstGeom prst="rect">
             <a:avLst/>
@@ -5338,12 +4991,12 @@
           <a:p>
             <a:pPr algn="ctr"/>
             <a:r>
-              <a:rPr lang="en-US" sz="1050" dirty="0">
+              <a:rPr lang="en-US" sz="1050" dirty="0" err="1">
                 <a:solidFill>
                   <a:srgbClr val="7030A0"/>
                 </a:solidFill>
               </a:rPr>
-              <a:t>Tag</a:t>
+              <a:t>CandidateBook</a:t>
             </a:r>
             <a:endParaRPr lang="en-SG" sz="1050" dirty="0">
               <a:solidFill>
@@ -5353,198 +5006,6 @@
           </a:p>
         </p:txBody>
       </p:sp>
-      <p:cxnSp>
-        <p:nvCxnSpPr>
-          <p:cNvPr id="53" name="Elbow Connector 78">
-            <a:extLst>
-              <a:ext uri="{FF2B5EF4-FFF2-40B4-BE49-F238E27FC236}">
-                <a16:creationId xmlns:a16="http://schemas.microsoft.com/office/drawing/2014/main" id="{B97967F8-618A-448B-81FD-CDFD4AF0EC64}"/>
-              </a:ext>
-            </a:extLst>
-          </p:cNvPr>
-          <p:cNvCxnSpPr>
-            <a:cxnSpLocks/>
-            <a:stCxn id="78" idx="3"/>
-            <a:endCxn id="52" idx="1"/>
-          </p:cNvCxnSpPr>
-          <p:nvPr/>
-        </p:nvCxnSpPr>
-        <p:spPr>
-          <a:xfrm flipV="1">
-            <a:off x="7277995" y="2371709"/>
-            <a:ext cx="434402" cy="663182"/>
-          </a:xfrm>
-          <a:prstGeom prst="bentConnector3">
-            <a:avLst>
-              <a:gd name="adj1" fmla="val 50000"/>
-            </a:avLst>
-          </a:prstGeom>
-          <a:ln w="19050">
-            <a:solidFill>
-              <a:srgbClr val="7030A0"/>
-            </a:solidFill>
-            <a:headEnd type="none" w="med" len="med"/>
-            <a:tailEnd type="arrow" w="med" len="med"/>
-          </a:ln>
-          <a:effectLst/>
-        </p:spPr>
-        <p:style>
-          <a:lnRef idx="1">
-            <a:schemeClr val="accent2"/>
-          </a:lnRef>
-          <a:fillRef idx="2">
-            <a:schemeClr val="accent2"/>
-          </a:fillRef>
-          <a:effectRef idx="1">
-            <a:schemeClr val="accent2"/>
-          </a:effectRef>
-          <a:fontRef idx="minor">
-            <a:schemeClr val="dk1"/>
-          </a:fontRef>
-        </p:style>
-      </p:cxnSp>
-      <p:sp>
-        <p:nvSpPr>
-          <p:cNvPr id="50" name="TextBox 49">
-            <a:extLst>
-              <a:ext uri="{FF2B5EF4-FFF2-40B4-BE49-F238E27FC236}">
-                <a16:creationId xmlns:a16="http://schemas.microsoft.com/office/drawing/2014/main" id="{B3FA9D57-880F-49C4-AD0B-A64E30D6F403}"/>
-              </a:ext>
-            </a:extLst>
-          </p:cNvPr>
-          <p:cNvSpPr txBox="1"/>
-          <p:nvPr/>
-        </p:nvSpPr>
-        <p:spPr>
-          <a:xfrm>
-            <a:off x="7466243" y="2255711"/>
-            <a:ext cx="189257" cy="178683"/>
-          </a:xfrm>
-          <a:prstGeom prst="rect">
-            <a:avLst/>
-          </a:prstGeom>
-          <a:noFill/>
-        </p:spPr>
-        <p:txBody>
-          <a:bodyPr wrap="square" lIns="0" tIns="0" rIns="0" bIns="0" rtlCol="0">
-            <a:noAutofit/>
-          </a:bodyPr>
-          <a:lstStyle/>
-          <a:p>
-            <a:pPr algn="ctr"/>
-            <a:r>
-              <a:rPr lang="en-US" sz="1100" dirty="0">
-                <a:solidFill>
-                  <a:srgbClr val="7030A0"/>
-                </a:solidFill>
-              </a:rPr>
-              <a:t>*</a:t>
-            </a:r>
-            <a:endParaRPr lang="en-SG" sz="1100" dirty="0">
-              <a:solidFill>
-                <a:srgbClr val="7030A0"/>
-              </a:solidFill>
-            </a:endParaRPr>
-          </a:p>
-        </p:txBody>
-      </p:sp>
-      <p:sp>
-        <p:nvSpPr>
-          <p:cNvPr id="55" name="Rectangle 8"/>
-          <p:cNvSpPr/>
-          <p:nvPr/>
-        </p:nvSpPr>
-        <p:spPr>
-          <a:xfrm>
-            <a:off x="3170181" y="1998350"/>
-            <a:ext cx="1060683" cy="364396"/>
-          </a:xfrm>
-          <a:prstGeom prst="rect">
-            <a:avLst/>
-          </a:prstGeom>
-          <a:ln w="19050">
-            <a:solidFill>
-              <a:srgbClr val="7030A0"/>
-            </a:solidFill>
-          </a:ln>
-          <a:effectLst/>
-        </p:spPr>
-        <p:style>
-          <a:lnRef idx="1">
-            <a:schemeClr val="accent4"/>
-          </a:lnRef>
-          <a:fillRef idx="2">
-            <a:schemeClr val="accent4"/>
-          </a:fillRef>
-          <a:effectRef idx="1">
-            <a:schemeClr val="accent4"/>
-          </a:effectRef>
-          <a:fontRef idx="minor">
-            <a:schemeClr val="dk1"/>
-          </a:fontRef>
-        </p:style>
-        <p:txBody>
-          <a:bodyPr rtlCol="0" anchor="ctr"/>
-          <a:lstStyle/>
-          <a:p>
-            <a:pPr algn="ctr"/>
-            <a:r>
-              <a:rPr lang="en-US" sz="1050" dirty="0" err="1">
-                <a:solidFill>
-                  <a:srgbClr val="7030A0"/>
-                </a:solidFill>
-              </a:rPr>
-              <a:t>AddressBook</a:t>
-            </a:r>
-            <a:endParaRPr lang="en-SG" sz="1050" dirty="0">
-              <a:solidFill>
-                <a:srgbClr val="7030A0"/>
-              </a:solidFill>
-            </a:endParaRPr>
-          </a:p>
-        </p:txBody>
-      </p:sp>
-      <p:cxnSp>
-        <p:nvCxnSpPr>
-          <p:cNvPr id="60" name="Straight Arrow Connector 59"/>
-          <p:cNvCxnSpPr>
-            <a:stCxn id="51" idx="1"/>
-            <a:endCxn id="49" idx="1"/>
-          </p:cNvCxnSpPr>
-          <p:nvPr/>
-        </p:nvCxnSpPr>
-        <p:spPr>
-          <a:xfrm>
-            <a:off x="4324972" y="3007222"/>
-            <a:ext cx="367678" cy="12320"/>
-          </a:xfrm>
-          <a:prstGeom prst="straightConnector1">
-            <a:avLst/>
-          </a:prstGeom>
-          <a:ln w="19050">
-            <a:solidFill>
-              <a:srgbClr val="7030A0"/>
-            </a:solidFill>
-            <a:headEnd type="none" w="med" len="med"/>
-            <a:tailEnd type="arrow" w="med" len="med"/>
-          </a:ln>
-          <a:effectLst/>
-        </p:spPr>
-        <p:style>
-          <a:lnRef idx="1">
-            <a:schemeClr val="accent2"/>
-          </a:lnRef>
-          <a:fillRef idx="2">
-            <a:schemeClr val="accent2"/>
-          </a:fillRef>
-          <a:effectRef idx="1">
-            <a:schemeClr val="accent2"/>
-          </a:effectRef>
-          <a:fontRef idx="minor">
-            <a:schemeClr val="dk1"/>
-          </a:fontRef>
-        </p:style>
-      </p:cxnSp>
       <p:sp>
         <p:nvSpPr>
           <p:cNvPr id="68" name="Isosceles Triangle 102"/>
@@ -5552,8 +5013,8 @@
           <p:nvPr/>
         </p:nvSpPr>
         <p:spPr>
-          <a:xfrm rot="16200000">
-            <a:off x="2669073" y="2069158"/>
+          <a:xfrm rot="5400000">
+            <a:off x="6067598" y="2436127"/>
             <a:ext cx="271014" cy="187417"/>
           </a:xfrm>
           <a:prstGeom prst="triangle">
@@ -5601,15 +5062,16 @@
         <p:nvCxnSpPr>
           <p:cNvPr id="69" name="Elbow Connector 63"/>
           <p:cNvCxnSpPr>
-            <a:stCxn id="68" idx="3"/>
-            <a:endCxn id="55" idx="1"/>
+            <a:cxnSpLocks/>
+            <a:stCxn id="55" idx="3"/>
+            <a:endCxn id="68" idx="3"/>
           </p:cNvCxnSpPr>
           <p:nvPr/>
         </p:nvCxnSpPr>
         <p:spPr>
           <a:xfrm>
-            <a:off x="2898289" y="2177727"/>
-            <a:ext cx="271892" cy="2821"/>
+            <a:off x="5843941" y="2512109"/>
+            <a:ext cx="265456" cy="2864"/>
           </a:xfrm>
           <a:prstGeom prst="bentConnector3">
             <a:avLst>
@@ -5641,6 +5103,1884 @@
           </a:fontRef>
         </p:style>
       </p:cxnSp>
+      <p:sp>
+        <p:nvSpPr>
+          <p:cNvPr id="56" name="Rectangle 8">
+            <a:extLst>
+              <a:ext uri="{FF2B5EF4-FFF2-40B4-BE49-F238E27FC236}">
+                <a16:creationId xmlns:a16="http://schemas.microsoft.com/office/drawing/2014/main" id="{7163FAD7-B427-4FDD-AF76-09647C7F8BB2}"/>
+              </a:ext>
+            </a:extLst>
+          </p:cNvPr>
+          <p:cNvSpPr/>
+          <p:nvPr/>
+        </p:nvSpPr>
+        <p:spPr>
+          <a:xfrm>
+            <a:off x="6296817" y="1925587"/>
+            <a:ext cx="1561583" cy="364396"/>
+          </a:xfrm>
+          <a:prstGeom prst="rect">
+            <a:avLst/>
+          </a:prstGeom>
+          <a:ln w="19050">
+            <a:solidFill>
+              <a:srgbClr val="7030A0"/>
+            </a:solidFill>
+          </a:ln>
+          <a:effectLst/>
+        </p:spPr>
+        <p:style>
+          <a:lnRef idx="1">
+            <a:schemeClr val="accent4"/>
+          </a:lnRef>
+          <a:fillRef idx="2">
+            <a:schemeClr val="accent4"/>
+          </a:fillRef>
+          <a:effectRef idx="1">
+            <a:schemeClr val="accent4"/>
+          </a:effectRef>
+          <a:fontRef idx="minor">
+            <a:schemeClr val="dk1"/>
+          </a:fontRef>
+        </p:style>
+        <p:txBody>
+          <a:bodyPr rtlCol="0" anchor="ctr"/>
+          <a:lstStyle/>
+          <a:p>
+            <a:pPr algn="ctr"/>
+            <a:r>
+              <a:rPr lang="en-US" sz="1050" dirty="0">
+                <a:solidFill>
+                  <a:srgbClr val="7030A0"/>
+                </a:solidFill>
+              </a:rPr>
+              <a:t>&lt;&lt;interface&gt;&gt;</a:t>
+            </a:r>
+            <a:br>
+              <a:rPr lang="en-US" sz="1050" dirty="0">
+                <a:solidFill>
+                  <a:srgbClr val="7030A0"/>
+                </a:solidFill>
+              </a:rPr>
+            </a:br>
+            <a:r>
+              <a:rPr lang="en-US" sz="1050" dirty="0" err="1">
+                <a:solidFill>
+                  <a:srgbClr val="7030A0"/>
+                </a:solidFill>
+              </a:rPr>
+              <a:t>ReadOnlyCompanyBook</a:t>
+            </a:r>
+            <a:endParaRPr lang="en-SG" sz="1050" dirty="0">
+              <a:solidFill>
+                <a:srgbClr val="7030A0"/>
+              </a:solidFill>
+            </a:endParaRPr>
+          </a:p>
+        </p:txBody>
+      </p:sp>
+      <p:sp>
+        <p:nvSpPr>
+          <p:cNvPr id="57" name="Isosceles Triangle 102">
+            <a:extLst>
+              <a:ext uri="{FF2B5EF4-FFF2-40B4-BE49-F238E27FC236}">
+                <a16:creationId xmlns:a16="http://schemas.microsoft.com/office/drawing/2014/main" id="{DF0673FA-53A6-4454-B466-17D6EBC48588}"/>
+              </a:ext>
+            </a:extLst>
+          </p:cNvPr>
+          <p:cNvSpPr/>
+          <p:nvPr/>
+        </p:nvSpPr>
+        <p:spPr>
+          <a:xfrm rot="5400000">
+            <a:off x="6053568" y="2008763"/>
+            <a:ext cx="271014" cy="173001"/>
+          </a:xfrm>
+          <a:prstGeom prst="triangle">
+            <a:avLst>
+              <a:gd name="adj" fmla="val 49924"/>
+            </a:avLst>
+          </a:prstGeom>
+          <a:solidFill>
+            <a:schemeClr val="accent4">
+              <a:lumMod val="20000"/>
+              <a:lumOff val="80000"/>
+            </a:schemeClr>
+          </a:solidFill>
+          <a:ln w="19050">
+            <a:solidFill>
+              <a:srgbClr val="7030A0"/>
+            </a:solidFill>
+          </a:ln>
+          <a:effectLst/>
+        </p:spPr>
+        <p:style>
+          <a:lnRef idx="1">
+            <a:schemeClr val="accent6"/>
+          </a:lnRef>
+          <a:fillRef idx="2">
+            <a:schemeClr val="accent6"/>
+          </a:fillRef>
+          <a:effectRef idx="1">
+            <a:schemeClr val="accent6"/>
+          </a:effectRef>
+          <a:fontRef idx="minor">
+            <a:schemeClr val="dk1"/>
+          </a:fontRef>
+        </p:style>
+        <p:txBody>
+          <a:bodyPr rtlCol="0" anchor="ctr"/>
+          <a:lstStyle/>
+          <a:p>
+            <a:pPr algn="ctr"/>
+            <a:endParaRPr lang="en-SG" sz="1050" dirty="0"/>
+          </a:p>
+        </p:txBody>
+      </p:sp>
+      <p:cxnSp>
+        <p:nvCxnSpPr>
+          <p:cNvPr id="59" name="Elbow Connector 63">
+            <a:extLst>
+              <a:ext uri="{FF2B5EF4-FFF2-40B4-BE49-F238E27FC236}">
+                <a16:creationId xmlns:a16="http://schemas.microsoft.com/office/drawing/2014/main" id="{84DCB6B3-0B95-4A14-933D-763F39F9D28D}"/>
+              </a:ext>
+            </a:extLst>
+          </p:cNvPr>
+          <p:cNvCxnSpPr>
+            <a:cxnSpLocks/>
+            <a:stCxn id="71" idx="3"/>
+            <a:endCxn id="57" idx="3"/>
+          </p:cNvCxnSpPr>
+          <p:nvPr/>
+        </p:nvCxnSpPr>
+        <p:spPr>
+          <a:xfrm>
+            <a:off x="5837297" y="2090761"/>
+            <a:ext cx="265278" cy="4294"/>
+          </a:xfrm>
+          <a:prstGeom prst="bentConnector3">
+            <a:avLst>
+              <a:gd name="adj1" fmla="val 50000"/>
+            </a:avLst>
+          </a:prstGeom>
+          <a:ln w="19050">
+            <a:solidFill>
+              <a:srgbClr val="7030A0"/>
+            </a:solidFill>
+            <a:prstDash val="sysDot"/>
+            <a:headEnd type="none" w="med" len="med"/>
+            <a:tailEnd type="none" w="med" len="med"/>
+          </a:ln>
+          <a:effectLst/>
+        </p:spPr>
+        <p:style>
+          <a:lnRef idx="1">
+            <a:schemeClr val="accent2"/>
+          </a:lnRef>
+          <a:fillRef idx="2">
+            <a:schemeClr val="accent2"/>
+          </a:fillRef>
+          <a:effectRef idx="1">
+            <a:schemeClr val="accent2"/>
+          </a:effectRef>
+          <a:fontRef idx="minor">
+            <a:schemeClr val="dk1"/>
+          </a:fontRef>
+        </p:style>
+      </p:cxnSp>
+      <p:sp>
+        <p:nvSpPr>
+          <p:cNvPr id="71" name="Rectangle 8">
+            <a:extLst>
+              <a:ext uri="{FF2B5EF4-FFF2-40B4-BE49-F238E27FC236}">
+                <a16:creationId xmlns:a16="http://schemas.microsoft.com/office/drawing/2014/main" id="{0796FCF6-6E70-4E64-B1D0-DCD2B5E083BC}"/>
+              </a:ext>
+            </a:extLst>
+          </p:cNvPr>
+          <p:cNvSpPr/>
+          <p:nvPr/>
+        </p:nvSpPr>
+        <p:spPr>
+          <a:xfrm>
+            <a:off x="4776617" y="1908563"/>
+            <a:ext cx="1060683" cy="364396"/>
+          </a:xfrm>
+          <a:prstGeom prst="rect">
+            <a:avLst/>
+          </a:prstGeom>
+          <a:ln w="19050">
+            <a:solidFill>
+              <a:srgbClr val="7030A0"/>
+            </a:solidFill>
+          </a:ln>
+          <a:effectLst/>
+        </p:spPr>
+        <p:style>
+          <a:lnRef idx="1">
+            <a:schemeClr val="accent4"/>
+          </a:lnRef>
+          <a:fillRef idx="2">
+            <a:schemeClr val="accent4"/>
+          </a:fillRef>
+          <a:effectRef idx="1">
+            <a:schemeClr val="accent4"/>
+          </a:effectRef>
+          <a:fontRef idx="minor">
+            <a:schemeClr val="dk1"/>
+          </a:fontRef>
+        </p:style>
+        <p:txBody>
+          <a:bodyPr rtlCol="0" anchor="ctr"/>
+          <a:lstStyle/>
+          <a:p>
+            <a:pPr algn="ctr"/>
+            <a:r>
+              <a:rPr lang="en-US" sz="1050" dirty="0" err="1">
+                <a:solidFill>
+                  <a:srgbClr val="7030A0"/>
+                </a:solidFill>
+              </a:rPr>
+              <a:t>CompanyBook</a:t>
+            </a:r>
+            <a:endParaRPr lang="en-SG" sz="1050" dirty="0">
+              <a:solidFill>
+                <a:srgbClr val="7030A0"/>
+              </a:solidFill>
+            </a:endParaRPr>
+          </a:p>
+        </p:txBody>
+      </p:sp>
+      <p:sp>
+        <p:nvSpPr>
+          <p:cNvPr id="72" name="Rectangle 8">
+            <a:extLst>
+              <a:ext uri="{FF2B5EF4-FFF2-40B4-BE49-F238E27FC236}">
+                <a16:creationId xmlns:a16="http://schemas.microsoft.com/office/drawing/2014/main" id="{38429A96-F2B8-45D9-A449-B8E5669411E9}"/>
+              </a:ext>
+            </a:extLst>
+          </p:cNvPr>
+          <p:cNvSpPr/>
+          <p:nvPr/>
+        </p:nvSpPr>
+        <p:spPr>
+          <a:xfrm>
+            <a:off x="2611842" y="2082835"/>
+            <a:ext cx="1561583" cy="364396"/>
+          </a:xfrm>
+          <a:prstGeom prst="rect">
+            <a:avLst/>
+          </a:prstGeom>
+          <a:ln w="19050">
+            <a:solidFill>
+              <a:srgbClr val="7030A0"/>
+            </a:solidFill>
+          </a:ln>
+          <a:effectLst/>
+        </p:spPr>
+        <p:style>
+          <a:lnRef idx="1">
+            <a:schemeClr val="accent4"/>
+          </a:lnRef>
+          <a:fillRef idx="2">
+            <a:schemeClr val="accent4"/>
+          </a:fillRef>
+          <a:effectRef idx="1">
+            <a:schemeClr val="accent4"/>
+          </a:effectRef>
+          <a:fontRef idx="minor">
+            <a:schemeClr val="dk1"/>
+          </a:fontRef>
+        </p:style>
+        <p:txBody>
+          <a:bodyPr rtlCol="0" anchor="ctr"/>
+          <a:lstStyle/>
+          <a:p>
+            <a:pPr algn="ctr"/>
+            <a:r>
+              <a:rPr lang="en-US" sz="1050" dirty="0" err="1">
+                <a:solidFill>
+                  <a:srgbClr val="7030A0"/>
+                </a:solidFill>
+              </a:rPr>
+              <a:t>RecruitBook</a:t>
+            </a:r>
+            <a:endParaRPr lang="en-SG" sz="1050" dirty="0">
+              <a:solidFill>
+                <a:srgbClr val="7030A0"/>
+              </a:solidFill>
+            </a:endParaRPr>
+          </a:p>
+        </p:txBody>
+      </p:sp>
+      <p:sp>
+        <p:nvSpPr>
+          <p:cNvPr id="73" name="Flowchart: Decision 96">
+            <a:extLst>
+              <a:ext uri="{FF2B5EF4-FFF2-40B4-BE49-F238E27FC236}">
+                <a16:creationId xmlns:a16="http://schemas.microsoft.com/office/drawing/2014/main" id="{74A9752B-5EC0-43DB-A47C-42F635A3A908}"/>
+              </a:ext>
+            </a:extLst>
+          </p:cNvPr>
+          <p:cNvSpPr/>
+          <p:nvPr/>
+        </p:nvSpPr>
+        <p:spPr>
+          <a:xfrm>
+            <a:off x="4188037" y="2186269"/>
+            <a:ext cx="236048" cy="173380"/>
+          </a:xfrm>
+          <a:prstGeom prst="flowChartDecision">
+            <a:avLst/>
+          </a:prstGeom>
+          <a:solidFill>
+            <a:srgbClr val="7030A0"/>
+          </a:solidFill>
+          <a:ln w="19050">
+            <a:solidFill>
+              <a:srgbClr val="7030A0"/>
+            </a:solidFill>
+          </a:ln>
+          <a:effectLst/>
+        </p:spPr>
+        <p:style>
+          <a:lnRef idx="1">
+            <a:schemeClr val="accent6"/>
+          </a:lnRef>
+          <a:fillRef idx="2">
+            <a:schemeClr val="accent6"/>
+          </a:fillRef>
+          <a:effectRef idx="1">
+            <a:schemeClr val="accent6"/>
+          </a:effectRef>
+          <a:fontRef idx="minor">
+            <a:schemeClr val="dk1"/>
+          </a:fontRef>
+        </p:style>
+        <p:txBody>
+          <a:bodyPr rtlCol="0" anchor="ctr"/>
+          <a:lstStyle/>
+          <a:p>
+            <a:pPr algn="ctr"/>
+            <a:endParaRPr lang="en-US" sz="1050"/>
+          </a:p>
+        </p:txBody>
+      </p:sp>
+      <p:cxnSp>
+        <p:nvCxnSpPr>
+          <p:cNvPr id="87" name="Elbow Connector 78">
+            <a:extLst>
+              <a:ext uri="{FF2B5EF4-FFF2-40B4-BE49-F238E27FC236}">
+                <a16:creationId xmlns:a16="http://schemas.microsoft.com/office/drawing/2014/main" id="{4AF2F528-3586-40EE-81B9-2DF8C7913E5A}"/>
+              </a:ext>
+            </a:extLst>
+          </p:cNvPr>
+          <p:cNvCxnSpPr>
+            <a:cxnSpLocks/>
+            <a:stCxn id="73" idx="3"/>
+            <a:endCxn id="55" idx="1"/>
+          </p:cNvCxnSpPr>
+          <p:nvPr/>
+        </p:nvCxnSpPr>
+        <p:spPr>
+          <a:xfrm>
+            <a:off x="4424086" y="2272959"/>
+            <a:ext cx="359175" cy="239150"/>
+          </a:xfrm>
+          <a:prstGeom prst="bentConnector3">
+            <a:avLst>
+              <a:gd name="adj1" fmla="val 50000"/>
+            </a:avLst>
+          </a:prstGeom>
+          <a:ln w="19050">
+            <a:solidFill>
+              <a:srgbClr val="7030A0"/>
+            </a:solidFill>
+            <a:headEnd type="none" w="med" len="med"/>
+            <a:tailEnd type="arrow" w="med" len="med"/>
+          </a:ln>
+          <a:effectLst/>
+        </p:spPr>
+        <p:style>
+          <a:lnRef idx="1">
+            <a:schemeClr val="accent2"/>
+          </a:lnRef>
+          <a:fillRef idx="2">
+            <a:schemeClr val="accent2"/>
+          </a:fillRef>
+          <a:effectRef idx="1">
+            <a:schemeClr val="accent2"/>
+          </a:effectRef>
+          <a:fontRef idx="minor">
+            <a:schemeClr val="dk1"/>
+          </a:fontRef>
+        </p:style>
+      </p:cxnSp>
+      <p:cxnSp>
+        <p:nvCxnSpPr>
+          <p:cNvPr id="90" name="Elbow Connector 78">
+            <a:extLst>
+              <a:ext uri="{FF2B5EF4-FFF2-40B4-BE49-F238E27FC236}">
+                <a16:creationId xmlns:a16="http://schemas.microsoft.com/office/drawing/2014/main" id="{4CEA9523-32AC-4302-9CBD-D21CFFACB923}"/>
+              </a:ext>
+            </a:extLst>
+          </p:cNvPr>
+          <p:cNvCxnSpPr>
+            <a:cxnSpLocks/>
+            <a:stCxn id="73" idx="3"/>
+            <a:endCxn id="71" idx="1"/>
+          </p:cNvCxnSpPr>
+          <p:nvPr/>
+        </p:nvCxnSpPr>
+        <p:spPr>
+          <a:xfrm flipV="1">
+            <a:off x="4424086" y="2090761"/>
+            <a:ext cx="352531" cy="182198"/>
+          </a:xfrm>
+          <a:prstGeom prst="bentConnector3">
+            <a:avLst>
+              <a:gd name="adj1" fmla="val 50000"/>
+            </a:avLst>
+          </a:prstGeom>
+          <a:ln w="19050">
+            <a:solidFill>
+              <a:srgbClr val="7030A0"/>
+            </a:solidFill>
+            <a:headEnd type="none" w="med" len="med"/>
+            <a:tailEnd type="arrow" w="med" len="med"/>
+          </a:ln>
+          <a:effectLst/>
+        </p:spPr>
+        <p:style>
+          <a:lnRef idx="1">
+            <a:schemeClr val="accent2"/>
+          </a:lnRef>
+          <a:fillRef idx="2">
+            <a:schemeClr val="accent2"/>
+          </a:fillRef>
+          <a:effectRef idx="1">
+            <a:schemeClr val="accent2"/>
+          </a:effectRef>
+          <a:fontRef idx="minor">
+            <a:schemeClr val="dk1"/>
+          </a:fontRef>
+        </p:style>
+      </p:cxnSp>
+      <p:sp>
+        <p:nvSpPr>
+          <p:cNvPr id="326" name="Rectangle 8">
+            <a:extLst>
+              <a:ext uri="{FF2B5EF4-FFF2-40B4-BE49-F238E27FC236}">
+                <a16:creationId xmlns:a16="http://schemas.microsoft.com/office/drawing/2014/main" id="{1608DE33-5498-4A0B-9AD2-F06DA34B3131}"/>
+              </a:ext>
+            </a:extLst>
+          </p:cNvPr>
+          <p:cNvSpPr/>
+          <p:nvPr/>
+        </p:nvSpPr>
+        <p:spPr>
+          <a:xfrm>
+            <a:off x="4627537" y="5011773"/>
+            <a:ext cx="1372128" cy="346760"/>
+          </a:xfrm>
+          <a:prstGeom prst="rect">
+            <a:avLst/>
+          </a:prstGeom>
+          <a:ln w="19050">
+            <a:solidFill>
+              <a:srgbClr val="7030A0"/>
+            </a:solidFill>
+          </a:ln>
+          <a:effectLst/>
+        </p:spPr>
+        <p:style>
+          <a:lnRef idx="1">
+            <a:schemeClr val="accent4"/>
+          </a:lnRef>
+          <a:fillRef idx="2">
+            <a:schemeClr val="accent4"/>
+          </a:fillRef>
+          <a:effectRef idx="1">
+            <a:schemeClr val="accent4"/>
+          </a:effectRef>
+          <a:fontRef idx="minor">
+            <a:schemeClr val="dk1"/>
+          </a:fontRef>
+        </p:style>
+        <p:txBody>
+          <a:bodyPr rtlCol="0" anchor="ctr"/>
+          <a:lstStyle/>
+          <a:p>
+            <a:pPr algn="ctr"/>
+            <a:r>
+              <a:rPr lang="en-US" sz="1050" dirty="0" err="1">
+                <a:solidFill>
+                  <a:srgbClr val="7030A0"/>
+                </a:solidFill>
+              </a:rPr>
+              <a:t>UniqueCompanyList</a:t>
+            </a:r>
+            <a:endParaRPr lang="en-SG" sz="1050" dirty="0">
+              <a:solidFill>
+                <a:srgbClr val="7030A0"/>
+              </a:solidFill>
+            </a:endParaRPr>
+          </a:p>
+        </p:txBody>
+      </p:sp>
+      <p:sp>
+        <p:nvSpPr>
+          <p:cNvPr id="327" name="Rectangle 8">
+            <a:extLst>
+              <a:ext uri="{FF2B5EF4-FFF2-40B4-BE49-F238E27FC236}">
+                <a16:creationId xmlns:a16="http://schemas.microsoft.com/office/drawing/2014/main" id="{0E02A9F9-719C-4BF1-92EE-E2793FE46F0F}"/>
+              </a:ext>
+            </a:extLst>
+          </p:cNvPr>
+          <p:cNvSpPr/>
+          <p:nvPr/>
+        </p:nvSpPr>
+        <p:spPr>
+          <a:xfrm>
+            <a:off x="4632596" y="6013828"/>
+            <a:ext cx="1372128" cy="346760"/>
+          </a:xfrm>
+          <a:prstGeom prst="rect">
+            <a:avLst/>
+          </a:prstGeom>
+          <a:ln w="19050">
+            <a:solidFill>
+              <a:srgbClr val="7030A0"/>
+            </a:solidFill>
+          </a:ln>
+          <a:effectLst/>
+        </p:spPr>
+        <p:style>
+          <a:lnRef idx="1">
+            <a:schemeClr val="accent4"/>
+          </a:lnRef>
+          <a:fillRef idx="2">
+            <a:schemeClr val="accent4"/>
+          </a:fillRef>
+          <a:effectRef idx="1">
+            <a:schemeClr val="accent4"/>
+          </a:effectRef>
+          <a:fontRef idx="minor">
+            <a:schemeClr val="dk1"/>
+          </a:fontRef>
+        </p:style>
+        <p:txBody>
+          <a:bodyPr rtlCol="0" anchor="ctr"/>
+          <a:lstStyle/>
+          <a:p>
+            <a:pPr algn="ctr"/>
+            <a:r>
+              <a:rPr lang="en-US" sz="1050" dirty="0" err="1">
+                <a:solidFill>
+                  <a:srgbClr val="7030A0"/>
+                </a:solidFill>
+              </a:rPr>
+              <a:t>UniqueJobList</a:t>
+            </a:r>
+            <a:endParaRPr lang="en-SG" sz="1050" dirty="0">
+              <a:solidFill>
+                <a:srgbClr val="7030A0"/>
+              </a:solidFill>
+            </a:endParaRPr>
+          </a:p>
+        </p:txBody>
+      </p:sp>
+      <p:sp>
+        <p:nvSpPr>
+          <p:cNvPr id="328" name="Flowchart: Decision 96">
+            <a:extLst>
+              <a:ext uri="{FF2B5EF4-FFF2-40B4-BE49-F238E27FC236}">
+                <a16:creationId xmlns:a16="http://schemas.microsoft.com/office/drawing/2014/main" id="{DCA9A83F-6311-475F-B5B0-542D5D75297D}"/>
+              </a:ext>
+            </a:extLst>
+          </p:cNvPr>
+          <p:cNvSpPr/>
+          <p:nvPr/>
+        </p:nvSpPr>
+        <p:spPr>
+          <a:xfrm>
+            <a:off x="6021959" y="6097398"/>
+            <a:ext cx="253617" cy="173380"/>
+          </a:xfrm>
+          <a:prstGeom prst="flowChartDecision">
+            <a:avLst/>
+          </a:prstGeom>
+          <a:noFill/>
+          <a:ln w="19050">
+            <a:solidFill>
+              <a:srgbClr val="7030A0"/>
+            </a:solidFill>
+          </a:ln>
+          <a:effectLst/>
+        </p:spPr>
+        <p:style>
+          <a:lnRef idx="1">
+            <a:schemeClr val="accent6"/>
+          </a:lnRef>
+          <a:fillRef idx="2">
+            <a:schemeClr val="accent6"/>
+          </a:fillRef>
+          <a:effectRef idx="1">
+            <a:schemeClr val="accent6"/>
+          </a:effectRef>
+          <a:fontRef idx="minor">
+            <a:schemeClr val="dk1"/>
+          </a:fontRef>
+        </p:style>
+        <p:txBody>
+          <a:bodyPr rtlCol="0" anchor="ctr"/>
+          <a:lstStyle/>
+          <a:p>
+            <a:pPr algn="ctr"/>
+            <a:endParaRPr lang="en-US" sz="1050" dirty="0"/>
+          </a:p>
+        </p:txBody>
+      </p:sp>
+      <p:cxnSp>
+        <p:nvCxnSpPr>
+          <p:cNvPr id="334" name="Elbow Connector 63">
+            <a:extLst>
+              <a:ext uri="{FF2B5EF4-FFF2-40B4-BE49-F238E27FC236}">
+                <a16:creationId xmlns:a16="http://schemas.microsoft.com/office/drawing/2014/main" id="{E6C0210E-DB84-45DC-9CA2-80B3AA542C86}"/>
+              </a:ext>
+            </a:extLst>
+          </p:cNvPr>
+          <p:cNvCxnSpPr>
+            <a:cxnSpLocks/>
+            <a:stCxn id="51" idx="3"/>
+            <a:endCxn id="49" idx="1"/>
+          </p:cNvCxnSpPr>
+          <p:nvPr/>
+        </p:nvCxnSpPr>
+        <p:spPr>
+          <a:xfrm flipV="1">
+            <a:off x="4396761" y="3213208"/>
+            <a:ext cx="229291" cy="1989995"/>
+          </a:xfrm>
+          <a:prstGeom prst="bentConnector3">
+            <a:avLst>
+              <a:gd name="adj1" fmla="val 26993"/>
+            </a:avLst>
+          </a:prstGeom>
+          <a:ln w="19050">
+            <a:solidFill>
+              <a:srgbClr val="7030A0"/>
+            </a:solidFill>
+            <a:headEnd type="none" w="med" len="med"/>
+            <a:tailEnd type="arrow" w="med" len="med"/>
+          </a:ln>
+          <a:effectLst/>
+        </p:spPr>
+        <p:style>
+          <a:lnRef idx="1">
+            <a:schemeClr val="accent2"/>
+          </a:lnRef>
+          <a:fillRef idx="2">
+            <a:schemeClr val="accent2"/>
+          </a:fillRef>
+          <a:effectRef idx="1">
+            <a:schemeClr val="accent2"/>
+          </a:effectRef>
+          <a:fontRef idx="minor">
+            <a:schemeClr val="dk1"/>
+          </a:fontRef>
+        </p:style>
+      </p:cxnSp>
+      <p:sp>
+        <p:nvSpPr>
+          <p:cNvPr id="478" name="Flowchart: Decision 96">
+            <a:extLst>
+              <a:ext uri="{FF2B5EF4-FFF2-40B4-BE49-F238E27FC236}">
+                <a16:creationId xmlns:a16="http://schemas.microsoft.com/office/drawing/2014/main" id="{3DE9A5E8-F5C7-4FE6-9FFF-2781E40F6418}"/>
+              </a:ext>
+            </a:extLst>
+          </p:cNvPr>
+          <p:cNvSpPr/>
+          <p:nvPr/>
+        </p:nvSpPr>
+        <p:spPr>
+          <a:xfrm>
+            <a:off x="6024156" y="5081967"/>
+            <a:ext cx="243201" cy="189787"/>
+          </a:xfrm>
+          <a:prstGeom prst="flowChartDecision">
+            <a:avLst/>
+          </a:prstGeom>
+          <a:noFill/>
+          <a:ln w="19050">
+            <a:solidFill>
+              <a:srgbClr val="7030A0"/>
+            </a:solidFill>
+          </a:ln>
+          <a:effectLst/>
+        </p:spPr>
+        <p:style>
+          <a:lnRef idx="1">
+            <a:schemeClr val="accent6"/>
+          </a:lnRef>
+          <a:fillRef idx="2">
+            <a:schemeClr val="accent6"/>
+          </a:fillRef>
+          <a:effectRef idx="1">
+            <a:schemeClr val="accent6"/>
+          </a:effectRef>
+          <a:fontRef idx="minor">
+            <a:schemeClr val="dk1"/>
+          </a:fontRef>
+        </p:style>
+        <p:txBody>
+          <a:bodyPr rtlCol="0" anchor="ctr"/>
+          <a:lstStyle/>
+          <a:p>
+            <a:pPr algn="ctr"/>
+            <a:endParaRPr lang="en-US" sz="1050" dirty="0"/>
+          </a:p>
+        </p:txBody>
+      </p:sp>
+      <p:cxnSp>
+        <p:nvCxnSpPr>
+          <p:cNvPr id="479" name="Elbow Connector 63">
+            <a:extLst>
+              <a:ext uri="{FF2B5EF4-FFF2-40B4-BE49-F238E27FC236}">
+                <a16:creationId xmlns:a16="http://schemas.microsoft.com/office/drawing/2014/main" id="{7E2D2623-7AB4-4DA0-8804-25F997345D09}"/>
+              </a:ext>
+            </a:extLst>
+          </p:cNvPr>
+          <p:cNvCxnSpPr>
+            <a:cxnSpLocks/>
+          </p:cNvCxnSpPr>
+          <p:nvPr/>
+        </p:nvCxnSpPr>
+        <p:spPr>
+          <a:xfrm flipV="1">
+            <a:off x="4422027" y="5199464"/>
+            <a:ext cx="204024" cy="1"/>
+          </a:xfrm>
+          <a:prstGeom prst="bentConnector3">
+            <a:avLst>
+              <a:gd name="adj1" fmla="val 32763"/>
+            </a:avLst>
+          </a:prstGeom>
+          <a:ln w="19050">
+            <a:solidFill>
+              <a:srgbClr val="7030A0"/>
+            </a:solidFill>
+            <a:headEnd type="none" w="med" len="med"/>
+            <a:tailEnd type="arrow" w="med" len="med"/>
+          </a:ln>
+          <a:effectLst/>
+        </p:spPr>
+        <p:style>
+          <a:lnRef idx="1">
+            <a:schemeClr val="accent2"/>
+          </a:lnRef>
+          <a:fillRef idx="2">
+            <a:schemeClr val="accent2"/>
+          </a:fillRef>
+          <a:effectRef idx="1">
+            <a:schemeClr val="accent2"/>
+          </a:effectRef>
+          <a:fontRef idx="minor">
+            <a:schemeClr val="dk1"/>
+          </a:fontRef>
+        </p:style>
+      </p:cxnSp>
+      <p:cxnSp>
+        <p:nvCxnSpPr>
+          <p:cNvPr id="584" name="Elbow Connector 63">
+            <a:extLst>
+              <a:ext uri="{FF2B5EF4-FFF2-40B4-BE49-F238E27FC236}">
+                <a16:creationId xmlns:a16="http://schemas.microsoft.com/office/drawing/2014/main" id="{887D9467-71AC-40FB-B4B0-10DC0DDB5164}"/>
+              </a:ext>
+            </a:extLst>
+          </p:cNvPr>
+          <p:cNvCxnSpPr>
+            <a:cxnSpLocks/>
+            <a:stCxn id="9" idx="1"/>
+            <a:endCxn id="62" idx="3"/>
+          </p:cNvCxnSpPr>
+          <p:nvPr/>
+        </p:nvCxnSpPr>
+        <p:spPr>
+          <a:xfrm rot="5400000" flipH="1" flipV="1">
+            <a:off x="4338003" y="1772871"/>
+            <a:ext cx="2033926" cy="6565888"/>
+          </a:xfrm>
+          <a:prstGeom prst="bentConnector4">
+            <a:avLst>
+              <a:gd name="adj1" fmla="val -77175"/>
+              <a:gd name="adj2" fmla="val 110937"/>
+            </a:avLst>
+          </a:prstGeom>
+          <a:ln w="19050">
+            <a:solidFill>
+              <a:srgbClr val="7030A0"/>
+            </a:solidFill>
+            <a:headEnd type="none" w="med" len="med"/>
+            <a:tailEnd type="arrow" w="med" len="med"/>
+          </a:ln>
+          <a:effectLst/>
+        </p:spPr>
+        <p:style>
+          <a:lnRef idx="1">
+            <a:schemeClr val="accent2"/>
+          </a:lnRef>
+          <a:fillRef idx="2">
+            <a:schemeClr val="accent2"/>
+          </a:fillRef>
+          <a:effectRef idx="1">
+            <a:schemeClr val="accent2"/>
+          </a:effectRef>
+          <a:fontRef idx="minor">
+            <a:schemeClr val="dk1"/>
+          </a:fontRef>
+        </p:style>
+      </p:cxnSp>
+      <p:sp>
+        <p:nvSpPr>
+          <p:cNvPr id="589" name="Rectangle 8">
+            <a:extLst>
+              <a:ext uri="{FF2B5EF4-FFF2-40B4-BE49-F238E27FC236}">
+                <a16:creationId xmlns:a16="http://schemas.microsoft.com/office/drawing/2014/main" id="{E6B6F467-9AE1-4EBF-A1C5-B03A7E193A3E}"/>
+              </a:ext>
+            </a:extLst>
+          </p:cNvPr>
+          <p:cNvSpPr/>
+          <p:nvPr/>
+        </p:nvSpPr>
+        <p:spPr>
+          <a:xfrm>
+            <a:off x="6472258" y="5065538"/>
+            <a:ext cx="2165653" cy="920849"/>
+          </a:xfrm>
+          <a:prstGeom prst="rect">
+            <a:avLst/>
+          </a:prstGeom>
+          <a:ln w="19050">
+            <a:solidFill>
+              <a:srgbClr val="7030A0"/>
+            </a:solidFill>
+          </a:ln>
+          <a:effectLst/>
+        </p:spPr>
+        <p:style>
+          <a:lnRef idx="1">
+            <a:schemeClr val="accent4"/>
+          </a:lnRef>
+          <a:fillRef idx="2">
+            <a:schemeClr val="accent4"/>
+          </a:fillRef>
+          <a:effectRef idx="1">
+            <a:schemeClr val="accent4"/>
+          </a:effectRef>
+          <a:fontRef idx="minor">
+            <a:schemeClr val="dk1"/>
+          </a:fontRef>
+        </p:style>
+        <p:txBody>
+          <a:bodyPr rtlCol="0" anchor="t"/>
+          <a:lstStyle/>
+          <a:p>
+            <a:pPr algn="ctr"/>
+            <a:r>
+              <a:rPr lang="en-US" sz="1050" dirty="0">
+                <a:solidFill>
+                  <a:srgbClr val="7030A0"/>
+                </a:solidFill>
+              </a:rPr>
+              <a:t>Company</a:t>
+            </a:r>
+          </a:p>
+          <a:p>
+            <a:r>
+              <a:rPr lang="en-US" sz="1050" dirty="0">
+                <a:solidFill>
+                  <a:srgbClr val="7030A0"/>
+                </a:solidFill>
+              </a:rPr>
+              <a:t>- name : CompanyName</a:t>
+            </a:r>
+          </a:p>
+          <a:p>
+            <a:r>
+              <a:rPr lang="en-US" sz="1050" dirty="0">
+                <a:solidFill>
+                  <a:srgbClr val="7030A0"/>
+                </a:solidFill>
+              </a:rPr>
+              <a:t>- phone : Phone</a:t>
+            </a:r>
+          </a:p>
+          <a:p>
+            <a:r>
+              <a:rPr lang="en-US" sz="1050" dirty="0">
+                <a:solidFill>
+                  <a:srgbClr val="7030A0"/>
+                </a:solidFill>
+              </a:rPr>
+              <a:t>- email : Email</a:t>
+            </a:r>
+          </a:p>
+          <a:p>
+            <a:r>
+              <a:rPr lang="en-US" sz="1050" dirty="0">
+                <a:solidFill>
+                  <a:srgbClr val="7030A0"/>
+                </a:solidFill>
+              </a:rPr>
+              <a:t>- address : Address</a:t>
+            </a:r>
+          </a:p>
+        </p:txBody>
+      </p:sp>
+      <p:sp>
+        <p:nvSpPr>
+          <p:cNvPr id="590" name="Rectangle 8">
+            <a:extLst>
+              <a:ext uri="{FF2B5EF4-FFF2-40B4-BE49-F238E27FC236}">
+                <a16:creationId xmlns:a16="http://schemas.microsoft.com/office/drawing/2014/main" id="{81CD124B-D7BC-47AF-A914-57B7D299F457}"/>
+              </a:ext>
+            </a:extLst>
+          </p:cNvPr>
+          <p:cNvSpPr/>
+          <p:nvPr/>
+        </p:nvSpPr>
+        <p:spPr>
+          <a:xfrm>
+            <a:off x="6473135" y="6060469"/>
+            <a:ext cx="2165653" cy="1390075"/>
+          </a:xfrm>
+          <a:prstGeom prst="rect">
+            <a:avLst/>
+          </a:prstGeom>
+          <a:ln w="19050">
+            <a:solidFill>
+              <a:srgbClr val="7030A0"/>
+            </a:solidFill>
+          </a:ln>
+          <a:effectLst/>
+        </p:spPr>
+        <p:style>
+          <a:lnRef idx="1">
+            <a:schemeClr val="accent4"/>
+          </a:lnRef>
+          <a:fillRef idx="2">
+            <a:schemeClr val="accent4"/>
+          </a:fillRef>
+          <a:effectRef idx="1">
+            <a:schemeClr val="accent4"/>
+          </a:effectRef>
+          <a:fontRef idx="minor">
+            <a:schemeClr val="dk1"/>
+          </a:fontRef>
+        </p:style>
+        <p:txBody>
+          <a:bodyPr rtlCol="0" anchor="t"/>
+          <a:lstStyle/>
+          <a:p>
+            <a:pPr algn="ctr"/>
+            <a:r>
+              <a:rPr lang="en-US" sz="1050" dirty="0" err="1">
+                <a:solidFill>
+                  <a:srgbClr val="7030A0"/>
+                </a:solidFill>
+              </a:rPr>
+              <a:t>JobOffer</a:t>
+            </a:r>
+            <a:endParaRPr lang="en-US" sz="1050" dirty="0">
+              <a:solidFill>
+                <a:srgbClr val="7030A0"/>
+              </a:solidFill>
+            </a:endParaRPr>
+          </a:p>
+          <a:p>
+            <a:r>
+              <a:rPr lang="en-US" sz="1050" dirty="0">
+                <a:solidFill>
+                  <a:srgbClr val="7030A0"/>
+                </a:solidFill>
+              </a:rPr>
+              <a:t>- </a:t>
+            </a:r>
+            <a:r>
+              <a:rPr lang="en-US" sz="1050" dirty="0" err="1">
+                <a:solidFill>
+                  <a:srgbClr val="7030A0"/>
+                </a:solidFill>
+              </a:rPr>
+              <a:t>companyName</a:t>
+            </a:r>
+            <a:r>
+              <a:rPr lang="en-US" sz="1050" dirty="0">
+                <a:solidFill>
+                  <a:srgbClr val="7030A0"/>
+                </a:solidFill>
+              </a:rPr>
+              <a:t>: CompanyName</a:t>
+            </a:r>
+          </a:p>
+          <a:p>
+            <a:r>
+              <a:rPr lang="en-US" sz="1050" dirty="0">
+                <a:solidFill>
+                  <a:srgbClr val="7030A0"/>
+                </a:solidFill>
+              </a:rPr>
+              <a:t>- gender : Gender</a:t>
+            </a:r>
+          </a:p>
+          <a:p>
+            <a:r>
+              <a:rPr lang="en-US" sz="1050" dirty="0">
+                <a:solidFill>
+                  <a:srgbClr val="7030A0"/>
+                </a:solidFill>
+              </a:rPr>
+              <a:t>- job : Job</a:t>
+            </a:r>
+          </a:p>
+          <a:p>
+            <a:r>
+              <a:rPr lang="en-US" sz="1050" dirty="0">
+                <a:solidFill>
+                  <a:srgbClr val="7030A0"/>
+                </a:solidFill>
+              </a:rPr>
+              <a:t>- </a:t>
+            </a:r>
+            <a:r>
+              <a:rPr lang="en-US" sz="1050" dirty="0" err="1">
+                <a:solidFill>
+                  <a:srgbClr val="7030A0"/>
+                </a:solidFill>
+              </a:rPr>
+              <a:t>ageRange</a:t>
+            </a:r>
+            <a:r>
+              <a:rPr lang="en-US" sz="1050" dirty="0">
+                <a:solidFill>
+                  <a:srgbClr val="7030A0"/>
+                </a:solidFill>
+              </a:rPr>
+              <a:t> : </a:t>
+            </a:r>
+            <a:r>
+              <a:rPr lang="en-US" sz="1050" dirty="0" err="1">
+                <a:solidFill>
+                  <a:srgbClr val="7030A0"/>
+                </a:solidFill>
+              </a:rPr>
+              <a:t>AgeRange</a:t>
+            </a:r>
+            <a:endParaRPr lang="en-US" sz="1050" dirty="0">
+              <a:solidFill>
+                <a:srgbClr val="7030A0"/>
+              </a:solidFill>
+            </a:endParaRPr>
+          </a:p>
+          <a:p>
+            <a:r>
+              <a:rPr lang="en-US" sz="1050" dirty="0">
+                <a:solidFill>
+                  <a:srgbClr val="7030A0"/>
+                </a:solidFill>
+              </a:rPr>
+              <a:t>- education : Education</a:t>
+            </a:r>
+          </a:p>
+          <a:p>
+            <a:r>
+              <a:rPr lang="en-US" sz="1050" dirty="0">
+                <a:solidFill>
+                  <a:srgbClr val="7030A0"/>
+                </a:solidFill>
+              </a:rPr>
+              <a:t>- salary : Salary</a:t>
+            </a:r>
+          </a:p>
+          <a:p>
+            <a:r>
+              <a:rPr lang="en-US" sz="1050" dirty="0">
+                <a:solidFill>
+                  <a:srgbClr val="7030A0"/>
+                </a:solidFill>
+              </a:rPr>
+              <a:t>- </a:t>
+            </a:r>
+            <a:r>
+              <a:rPr lang="en-US" sz="1050" dirty="0" err="1">
+                <a:solidFill>
+                  <a:srgbClr val="7030A0"/>
+                </a:solidFill>
+              </a:rPr>
+              <a:t>candidateList</a:t>
+            </a:r>
+            <a:r>
+              <a:rPr lang="en-US" sz="1050" dirty="0">
+                <a:solidFill>
+                  <a:srgbClr val="7030A0"/>
+                </a:solidFill>
+              </a:rPr>
+              <a:t>: </a:t>
+            </a:r>
+            <a:r>
+              <a:rPr lang="en-US" sz="1050" dirty="0" err="1">
+                <a:solidFill>
+                  <a:srgbClr val="7030A0"/>
+                </a:solidFill>
+              </a:rPr>
+              <a:t>UniqueCandidateList</a:t>
+            </a:r>
+            <a:endParaRPr lang="en-US" sz="1050" dirty="0">
+              <a:solidFill>
+                <a:srgbClr val="7030A0"/>
+              </a:solidFill>
+            </a:endParaRPr>
+          </a:p>
+        </p:txBody>
+      </p:sp>
+      <p:cxnSp>
+        <p:nvCxnSpPr>
+          <p:cNvPr id="598" name="Straight Connector 597">
+            <a:extLst>
+              <a:ext uri="{FF2B5EF4-FFF2-40B4-BE49-F238E27FC236}">
+                <a16:creationId xmlns:a16="http://schemas.microsoft.com/office/drawing/2014/main" id="{DD0B00E3-D3D8-40F6-AF93-3FE031896774}"/>
+              </a:ext>
+            </a:extLst>
+          </p:cNvPr>
+          <p:cNvCxnSpPr>
+            <a:cxnSpLocks/>
+          </p:cNvCxnSpPr>
+          <p:nvPr/>
+        </p:nvCxnSpPr>
+        <p:spPr>
+          <a:xfrm>
+            <a:off x="6451776" y="3316541"/>
+            <a:ext cx="2186134" cy="6917"/>
+          </a:xfrm>
+          <a:prstGeom prst="line">
+            <a:avLst/>
+          </a:prstGeom>
+          <a:ln w="19050">
+            <a:solidFill>
+              <a:srgbClr val="7030A0"/>
+            </a:solidFill>
+          </a:ln>
+        </p:spPr>
+        <p:style>
+          <a:lnRef idx="1">
+            <a:schemeClr val="accent1"/>
+          </a:lnRef>
+          <a:fillRef idx="0">
+            <a:schemeClr val="accent1"/>
+          </a:fillRef>
+          <a:effectRef idx="0">
+            <a:schemeClr val="accent1"/>
+          </a:effectRef>
+          <a:fontRef idx="minor">
+            <a:schemeClr val="tx1"/>
+          </a:fontRef>
+        </p:style>
+      </p:cxnSp>
+      <p:cxnSp>
+        <p:nvCxnSpPr>
+          <p:cNvPr id="602" name="Straight Connector 601">
+            <a:extLst>
+              <a:ext uri="{FF2B5EF4-FFF2-40B4-BE49-F238E27FC236}">
+                <a16:creationId xmlns:a16="http://schemas.microsoft.com/office/drawing/2014/main" id="{B28B71EB-1231-4902-84CA-446D34C50B97}"/>
+              </a:ext>
+            </a:extLst>
+          </p:cNvPr>
+          <p:cNvCxnSpPr>
+            <a:cxnSpLocks/>
+          </p:cNvCxnSpPr>
+          <p:nvPr/>
+        </p:nvCxnSpPr>
+        <p:spPr>
+          <a:xfrm>
+            <a:off x="6480302" y="5268912"/>
+            <a:ext cx="2157609" cy="0"/>
+          </a:xfrm>
+          <a:prstGeom prst="line">
+            <a:avLst/>
+          </a:prstGeom>
+          <a:ln w="19050">
+            <a:solidFill>
+              <a:srgbClr val="7030A0"/>
+            </a:solidFill>
+          </a:ln>
+        </p:spPr>
+        <p:style>
+          <a:lnRef idx="1">
+            <a:schemeClr val="accent1"/>
+          </a:lnRef>
+          <a:fillRef idx="0">
+            <a:schemeClr val="accent1"/>
+          </a:fillRef>
+          <a:effectRef idx="0">
+            <a:schemeClr val="accent1"/>
+          </a:effectRef>
+          <a:fontRef idx="minor">
+            <a:schemeClr val="tx1"/>
+          </a:fontRef>
+        </p:style>
+      </p:cxnSp>
+      <p:cxnSp>
+        <p:nvCxnSpPr>
+          <p:cNvPr id="606" name="Straight Connector 605">
+            <a:extLst>
+              <a:ext uri="{FF2B5EF4-FFF2-40B4-BE49-F238E27FC236}">
+                <a16:creationId xmlns:a16="http://schemas.microsoft.com/office/drawing/2014/main" id="{7B1802B1-8394-42D1-B256-F726381D003D}"/>
+              </a:ext>
+            </a:extLst>
+          </p:cNvPr>
+          <p:cNvCxnSpPr>
+            <a:cxnSpLocks/>
+          </p:cNvCxnSpPr>
+          <p:nvPr/>
+        </p:nvCxnSpPr>
+        <p:spPr>
+          <a:xfrm>
+            <a:off x="6490370" y="6259512"/>
+            <a:ext cx="2147541" cy="0"/>
+          </a:xfrm>
+          <a:prstGeom prst="line">
+            <a:avLst/>
+          </a:prstGeom>
+          <a:ln w="19050">
+            <a:solidFill>
+              <a:srgbClr val="7030A0"/>
+            </a:solidFill>
+          </a:ln>
+        </p:spPr>
+        <p:style>
+          <a:lnRef idx="1">
+            <a:schemeClr val="accent1"/>
+          </a:lnRef>
+          <a:fillRef idx="0">
+            <a:schemeClr val="accent1"/>
+          </a:fillRef>
+          <a:effectRef idx="0">
+            <a:schemeClr val="accent1"/>
+          </a:effectRef>
+          <a:fontRef idx="minor">
+            <a:schemeClr val="tx1"/>
+          </a:fontRef>
+        </p:style>
+      </p:cxnSp>
+      <p:cxnSp>
+        <p:nvCxnSpPr>
+          <p:cNvPr id="631" name="Elbow Connector 63">
+            <a:extLst>
+              <a:ext uri="{FF2B5EF4-FFF2-40B4-BE49-F238E27FC236}">
+                <a16:creationId xmlns:a16="http://schemas.microsoft.com/office/drawing/2014/main" id="{412134A1-31CD-4C92-90AA-7F6203D9CF16}"/>
+              </a:ext>
+            </a:extLst>
+          </p:cNvPr>
+          <p:cNvCxnSpPr>
+            <a:cxnSpLocks/>
+          </p:cNvCxnSpPr>
+          <p:nvPr/>
+        </p:nvCxnSpPr>
+        <p:spPr>
+          <a:xfrm flipV="1">
+            <a:off x="6268233" y="5174147"/>
+            <a:ext cx="204024" cy="1"/>
+          </a:xfrm>
+          <a:prstGeom prst="bentConnector3">
+            <a:avLst>
+              <a:gd name="adj1" fmla="val 35636"/>
+            </a:avLst>
+          </a:prstGeom>
+          <a:ln w="19050">
+            <a:solidFill>
+              <a:srgbClr val="7030A0"/>
+            </a:solidFill>
+            <a:headEnd type="none" w="med" len="med"/>
+            <a:tailEnd type="arrow" w="med" len="med"/>
+          </a:ln>
+          <a:effectLst/>
+        </p:spPr>
+        <p:style>
+          <a:lnRef idx="1">
+            <a:schemeClr val="accent2"/>
+          </a:lnRef>
+          <a:fillRef idx="2">
+            <a:schemeClr val="accent2"/>
+          </a:fillRef>
+          <a:effectRef idx="1">
+            <a:schemeClr val="accent2"/>
+          </a:effectRef>
+          <a:fontRef idx="minor">
+            <a:schemeClr val="dk1"/>
+          </a:fontRef>
+        </p:style>
+      </p:cxnSp>
+      <p:cxnSp>
+        <p:nvCxnSpPr>
+          <p:cNvPr id="641" name="Elbow Connector 63">
+            <a:extLst>
+              <a:ext uri="{FF2B5EF4-FFF2-40B4-BE49-F238E27FC236}">
+                <a16:creationId xmlns:a16="http://schemas.microsoft.com/office/drawing/2014/main" id="{9B7B2774-55D4-4E31-A6A9-9C912655E3B0}"/>
+              </a:ext>
+            </a:extLst>
+          </p:cNvPr>
+          <p:cNvCxnSpPr>
+            <a:cxnSpLocks/>
+          </p:cNvCxnSpPr>
+          <p:nvPr/>
+        </p:nvCxnSpPr>
+        <p:spPr>
+          <a:xfrm flipV="1">
+            <a:off x="6280660" y="6184088"/>
+            <a:ext cx="204024" cy="1"/>
+          </a:xfrm>
+          <a:prstGeom prst="bentConnector3">
+            <a:avLst>
+              <a:gd name="adj1" fmla="val 35636"/>
+            </a:avLst>
+          </a:prstGeom>
+          <a:ln w="19050">
+            <a:solidFill>
+              <a:srgbClr val="7030A0"/>
+            </a:solidFill>
+            <a:headEnd type="none" w="med" len="med"/>
+            <a:tailEnd type="arrow" w="med" len="med"/>
+          </a:ln>
+          <a:effectLst/>
+        </p:spPr>
+        <p:style>
+          <a:lnRef idx="1">
+            <a:schemeClr val="accent2"/>
+          </a:lnRef>
+          <a:fillRef idx="2">
+            <a:schemeClr val="accent2"/>
+          </a:fillRef>
+          <a:effectRef idx="1">
+            <a:schemeClr val="accent2"/>
+          </a:effectRef>
+          <a:fontRef idx="minor">
+            <a:schemeClr val="dk1"/>
+          </a:fontRef>
+        </p:style>
+      </p:cxnSp>
+      <p:cxnSp>
+        <p:nvCxnSpPr>
+          <p:cNvPr id="654" name="Elbow Connector 63">
+            <a:extLst>
+              <a:ext uri="{FF2B5EF4-FFF2-40B4-BE49-F238E27FC236}">
+                <a16:creationId xmlns:a16="http://schemas.microsoft.com/office/drawing/2014/main" id="{F191F49C-7E3B-4C8C-B188-56A2FDDB3124}"/>
+              </a:ext>
+            </a:extLst>
+          </p:cNvPr>
+          <p:cNvCxnSpPr>
+            <a:cxnSpLocks/>
+            <a:stCxn id="51" idx="3"/>
+            <a:endCxn id="327" idx="1"/>
+          </p:cNvCxnSpPr>
+          <p:nvPr/>
+        </p:nvCxnSpPr>
+        <p:spPr>
+          <a:xfrm>
+            <a:off x="4396760" y="5203202"/>
+            <a:ext cx="235836" cy="984006"/>
+          </a:xfrm>
+          <a:prstGeom prst="bentConnector3">
+            <a:avLst>
+              <a:gd name="adj1" fmla="val 25145"/>
+            </a:avLst>
+          </a:prstGeom>
+          <a:ln w="19050">
+            <a:solidFill>
+              <a:srgbClr val="7030A0"/>
+            </a:solidFill>
+            <a:headEnd type="none" w="med" len="med"/>
+            <a:tailEnd type="arrow" w="med" len="med"/>
+          </a:ln>
+          <a:effectLst/>
+        </p:spPr>
+        <p:style>
+          <a:lnRef idx="1">
+            <a:schemeClr val="accent2"/>
+          </a:lnRef>
+          <a:fillRef idx="2">
+            <a:schemeClr val="accent2"/>
+          </a:fillRef>
+          <a:effectRef idx="1">
+            <a:schemeClr val="accent2"/>
+          </a:effectRef>
+          <a:fontRef idx="minor">
+            <a:schemeClr val="dk1"/>
+          </a:fontRef>
+        </p:style>
+      </p:cxnSp>
+      <p:sp>
+        <p:nvSpPr>
+          <p:cNvPr id="662" name="TextBox 661">
+            <a:extLst>
+              <a:ext uri="{FF2B5EF4-FFF2-40B4-BE49-F238E27FC236}">
+                <a16:creationId xmlns:a16="http://schemas.microsoft.com/office/drawing/2014/main" id="{38432D2D-935F-4BEE-AD60-71C31BD4F7E1}"/>
+              </a:ext>
+            </a:extLst>
+          </p:cNvPr>
+          <p:cNvSpPr txBox="1"/>
+          <p:nvPr/>
+        </p:nvSpPr>
+        <p:spPr>
+          <a:xfrm>
+            <a:off x="4487090" y="4966474"/>
+            <a:ext cx="147489" cy="178683"/>
+          </a:xfrm>
+          <a:prstGeom prst="rect">
+            <a:avLst/>
+          </a:prstGeom>
+          <a:noFill/>
+        </p:spPr>
+        <p:txBody>
+          <a:bodyPr wrap="square" lIns="0" tIns="0" rIns="0" bIns="0" rtlCol="0">
+            <a:noAutofit/>
+          </a:bodyPr>
+          <a:lstStyle/>
+          <a:p>
+            <a:pPr algn="ctr"/>
+            <a:r>
+              <a:rPr lang="en-US" sz="1100" dirty="0">
+                <a:solidFill>
+                  <a:srgbClr val="7030A0"/>
+                </a:solidFill>
+              </a:rPr>
+              <a:t>1</a:t>
+            </a:r>
+            <a:endParaRPr lang="en-SG" sz="1100" dirty="0">
+              <a:solidFill>
+                <a:srgbClr val="7030A0"/>
+              </a:solidFill>
+            </a:endParaRPr>
+          </a:p>
+        </p:txBody>
+      </p:sp>
+      <p:sp>
+        <p:nvSpPr>
+          <p:cNvPr id="663" name="TextBox 662">
+            <a:extLst>
+              <a:ext uri="{FF2B5EF4-FFF2-40B4-BE49-F238E27FC236}">
+                <a16:creationId xmlns:a16="http://schemas.microsoft.com/office/drawing/2014/main" id="{3C3F32D4-56FB-430D-BE62-64D46162B7DA}"/>
+              </a:ext>
+            </a:extLst>
+          </p:cNvPr>
+          <p:cNvSpPr txBox="1"/>
+          <p:nvPr/>
+        </p:nvSpPr>
+        <p:spPr>
+          <a:xfrm>
+            <a:off x="4493621" y="5960258"/>
+            <a:ext cx="147489" cy="178683"/>
+          </a:xfrm>
+          <a:prstGeom prst="rect">
+            <a:avLst/>
+          </a:prstGeom>
+          <a:noFill/>
+        </p:spPr>
+        <p:txBody>
+          <a:bodyPr wrap="square" lIns="0" tIns="0" rIns="0" bIns="0" rtlCol="0">
+            <a:noAutofit/>
+          </a:bodyPr>
+          <a:lstStyle/>
+          <a:p>
+            <a:pPr algn="ctr"/>
+            <a:r>
+              <a:rPr lang="en-US" sz="1100" dirty="0">
+                <a:solidFill>
+                  <a:srgbClr val="7030A0"/>
+                </a:solidFill>
+              </a:rPr>
+              <a:t>1</a:t>
+            </a:r>
+            <a:endParaRPr lang="en-SG" sz="1100" dirty="0">
+              <a:solidFill>
+                <a:srgbClr val="7030A0"/>
+              </a:solidFill>
+            </a:endParaRPr>
+          </a:p>
+        </p:txBody>
+      </p:sp>
+      <p:sp>
+        <p:nvSpPr>
+          <p:cNvPr id="671" name="TextBox 670">
+            <a:extLst>
+              <a:ext uri="{FF2B5EF4-FFF2-40B4-BE49-F238E27FC236}">
+                <a16:creationId xmlns:a16="http://schemas.microsoft.com/office/drawing/2014/main" id="{4FE4EFAA-5F9C-474C-B359-0123732B14AC}"/>
+              </a:ext>
+            </a:extLst>
+          </p:cNvPr>
+          <p:cNvSpPr txBox="1"/>
+          <p:nvPr/>
+        </p:nvSpPr>
+        <p:spPr>
+          <a:xfrm>
+            <a:off x="6300019" y="5013456"/>
+            <a:ext cx="189257" cy="178683"/>
+          </a:xfrm>
+          <a:prstGeom prst="rect">
+            <a:avLst/>
+          </a:prstGeom>
+          <a:noFill/>
+        </p:spPr>
+        <p:txBody>
+          <a:bodyPr wrap="square" lIns="0" tIns="0" rIns="0" bIns="0" rtlCol="0">
+            <a:noAutofit/>
+          </a:bodyPr>
+          <a:lstStyle/>
+          <a:p>
+            <a:pPr algn="ctr"/>
+            <a:r>
+              <a:rPr lang="en-US" sz="1100" dirty="0">
+                <a:solidFill>
+                  <a:srgbClr val="7030A0"/>
+                </a:solidFill>
+              </a:rPr>
+              <a:t>*</a:t>
+            </a:r>
+            <a:endParaRPr lang="en-SG" sz="1100" dirty="0">
+              <a:solidFill>
+                <a:srgbClr val="7030A0"/>
+              </a:solidFill>
+            </a:endParaRPr>
+          </a:p>
+        </p:txBody>
+      </p:sp>
+      <p:sp>
+        <p:nvSpPr>
+          <p:cNvPr id="672" name="TextBox 671">
+            <a:extLst>
+              <a:ext uri="{FF2B5EF4-FFF2-40B4-BE49-F238E27FC236}">
+                <a16:creationId xmlns:a16="http://schemas.microsoft.com/office/drawing/2014/main" id="{684E8384-03FD-4769-A131-E9D3AB0C3DCD}"/>
+              </a:ext>
+            </a:extLst>
+          </p:cNvPr>
+          <p:cNvSpPr txBox="1"/>
+          <p:nvPr/>
+        </p:nvSpPr>
+        <p:spPr>
+          <a:xfrm>
+            <a:off x="6312426" y="6026622"/>
+            <a:ext cx="189257" cy="178683"/>
+          </a:xfrm>
+          <a:prstGeom prst="rect">
+            <a:avLst/>
+          </a:prstGeom>
+          <a:noFill/>
+        </p:spPr>
+        <p:txBody>
+          <a:bodyPr wrap="square" lIns="0" tIns="0" rIns="0" bIns="0" rtlCol="0">
+            <a:noAutofit/>
+          </a:bodyPr>
+          <a:lstStyle/>
+          <a:p>
+            <a:pPr algn="ctr"/>
+            <a:r>
+              <a:rPr lang="en-US" sz="1100" dirty="0">
+                <a:solidFill>
+                  <a:srgbClr val="7030A0"/>
+                </a:solidFill>
+              </a:rPr>
+              <a:t>*</a:t>
+            </a:r>
+            <a:endParaRPr lang="en-SG" sz="1100" dirty="0">
+              <a:solidFill>
+                <a:srgbClr val="7030A0"/>
+              </a:solidFill>
+            </a:endParaRPr>
+          </a:p>
+        </p:txBody>
+      </p:sp>
+      <p:cxnSp>
+        <p:nvCxnSpPr>
+          <p:cNvPr id="673" name="Elbow Connector 63">
+            <a:extLst>
+              <a:ext uri="{FF2B5EF4-FFF2-40B4-BE49-F238E27FC236}">
+                <a16:creationId xmlns:a16="http://schemas.microsoft.com/office/drawing/2014/main" id="{AE1097A4-CE33-40DB-939A-88BFE70D4F84}"/>
+              </a:ext>
+            </a:extLst>
+          </p:cNvPr>
+          <p:cNvCxnSpPr>
+            <a:cxnSpLocks/>
+            <a:stCxn id="9" idx="1"/>
+            <a:endCxn id="589" idx="3"/>
+          </p:cNvCxnSpPr>
+          <p:nvPr/>
+        </p:nvCxnSpPr>
+        <p:spPr>
+          <a:xfrm rot="5400000" flipH="1" flipV="1">
+            <a:off x="5081559" y="2516427"/>
+            <a:ext cx="546815" cy="6565888"/>
+          </a:xfrm>
+          <a:prstGeom prst="bentConnector4">
+            <a:avLst>
+              <a:gd name="adj1" fmla="val -287025"/>
+              <a:gd name="adj2" fmla="val 110981"/>
+            </a:avLst>
+          </a:prstGeom>
+          <a:ln w="19050">
+            <a:solidFill>
+              <a:srgbClr val="7030A0"/>
+            </a:solidFill>
+            <a:headEnd type="none" w="med" len="med"/>
+            <a:tailEnd type="arrow" w="med" len="med"/>
+          </a:ln>
+          <a:effectLst/>
+        </p:spPr>
+        <p:style>
+          <a:lnRef idx="1">
+            <a:schemeClr val="accent2"/>
+          </a:lnRef>
+          <a:fillRef idx="2">
+            <a:schemeClr val="accent2"/>
+          </a:fillRef>
+          <a:effectRef idx="1">
+            <a:schemeClr val="accent2"/>
+          </a:effectRef>
+          <a:fontRef idx="minor">
+            <a:schemeClr val="dk1"/>
+          </a:fontRef>
+        </p:style>
+      </p:cxnSp>
+      <p:cxnSp>
+        <p:nvCxnSpPr>
+          <p:cNvPr id="678" name="Elbow Connector 63">
+            <a:extLst>
+              <a:ext uri="{FF2B5EF4-FFF2-40B4-BE49-F238E27FC236}">
+                <a16:creationId xmlns:a16="http://schemas.microsoft.com/office/drawing/2014/main" id="{AB6C31D3-E45B-4BA4-A0E0-2F65B1E793A8}"/>
+              </a:ext>
+            </a:extLst>
+          </p:cNvPr>
+          <p:cNvCxnSpPr>
+            <a:cxnSpLocks/>
+            <a:stCxn id="9" idx="1"/>
+            <a:endCxn id="590" idx="3"/>
+          </p:cNvCxnSpPr>
+          <p:nvPr/>
+        </p:nvCxnSpPr>
+        <p:spPr>
+          <a:xfrm rot="16200000" flipH="1">
+            <a:off x="5014041" y="3130759"/>
+            <a:ext cx="682729" cy="6566765"/>
+          </a:xfrm>
+          <a:prstGeom prst="bentConnector4">
+            <a:avLst>
+              <a:gd name="adj1" fmla="val 229493"/>
+              <a:gd name="adj2" fmla="val 110979"/>
+            </a:avLst>
+          </a:prstGeom>
+          <a:ln w="19050">
+            <a:solidFill>
+              <a:srgbClr val="7030A0"/>
+            </a:solidFill>
+            <a:headEnd type="none" w="med" len="med"/>
+            <a:tailEnd type="arrow" w="med" len="med"/>
+          </a:ln>
+          <a:effectLst/>
+        </p:spPr>
+        <p:style>
+          <a:lnRef idx="1">
+            <a:schemeClr val="accent2"/>
+          </a:lnRef>
+          <a:fillRef idx="2">
+            <a:schemeClr val="accent2"/>
+          </a:fillRef>
+          <a:effectRef idx="1">
+            <a:schemeClr val="accent2"/>
+          </a:effectRef>
+          <a:fontRef idx="minor">
+            <a:schemeClr val="dk1"/>
+          </a:fontRef>
+        </p:style>
+      </p:cxnSp>
+      <p:sp>
+        <p:nvSpPr>
+          <p:cNvPr id="687" name="TextBox 686">
+            <a:extLst>
+              <a:ext uri="{FF2B5EF4-FFF2-40B4-BE49-F238E27FC236}">
+                <a16:creationId xmlns:a16="http://schemas.microsoft.com/office/drawing/2014/main" id="{6125A905-274D-46B7-BED6-35B6BBED3653}"/>
+              </a:ext>
+            </a:extLst>
+          </p:cNvPr>
+          <p:cNvSpPr txBox="1"/>
+          <p:nvPr/>
+        </p:nvSpPr>
+        <p:spPr>
+          <a:xfrm>
+            <a:off x="8513301" y="5538717"/>
+            <a:ext cx="881018" cy="261610"/>
+          </a:xfrm>
+          <a:prstGeom prst="rect">
+            <a:avLst/>
+          </a:prstGeom>
+          <a:noFill/>
+        </p:spPr>
+        <p:txBody>
+          <a:bodyPr wrap="square" rtlCol="0">
+            <a:spAutoFit/>
+          </a:bodyPr>
+          <a:lstStyle/>
+          <a:p>
+            <a:pPr algn="r"/>
+            <a:r>
+              <a:rPr lang="en-US" sz="1100" dirty="0">
+                <a:solidFill>
+                  <a:srgbClr val="7030A0"/>
+                </a:solidFill>
+              </a:rPr>
+              <a:t>filtered list</a:t>
+            </a:r>
+            <a:endParaRPr lang="en-SG" sz="1100" dirty="0">
+              <a:solidFill>
+                <a:srgbClr val="7030A0"/>
+              </a:solidFill>
+            </a:endParaRPr>
+          </a:p>
+        </p:txBody>
+      </p:sp>
+      <p:sp>
+        <p:nvSpPr>
+          <p:cNvPr id="688" name="TextBox 687">
+            <a:extLst>
+              <a:ext uri="{FF2B5EF4-FFF2-40B4-BE49-F238E27FC236}">
+                <a16:creationId xmlns:a16="http://schemas.microsoft.com/office/drawing/2014/main" id="{22C2D4A0-BD60-4C25-803F-657456C64C37}"/>
+              </a:ext>
+            </a:extLst>
+          </p:cNvPr>
+          <p:cNvSpPr txBox="1"/>
+          <p:nvPr/>
+        </p:nvSpPr>
+        <p:spPr>
+          <a:xfrm>
+            <a:off x="8513301" y="6782576"/>
+            <a:ext cx="881018" cy="261610"/>
+          </a:xfrm>
+          <a:prstGeom prst="rect">
+            <a:avLst/>
+          </a:prstGeom>
+          <a:noFill/>
+        </p:spPr>
+        <p:txBody>
+          <a:bodyPr wrap="square" rtlCol="0">
+            <a:spAutoFit/>
+          </a:bodyPr>
+          <a:lstStyle/>
+          <a:p>
+            <a:pPr algn="r"/>
+            <a:r>
+              <a:rPr lang="en-US" sz="1100" dirty="0">
+                <a:solidFill>
+                  <a:srgbClr val="7030A0"/>
+                </a:solidFill>
+              </a:rPr>
+              <a:t>filtered list</a:t>
+            </a:r>
+            <a:endParaRPr lang="en-SG" sz="1100" dirty="0">
+              <a:solidFill>
+                <a:srgbClr val="7030A0"/>
+              </a:solidFill>
+            </a:endParaRPr>
+          </a:p>
+        </p:txBody>
+      </p:sp>
+      <p:sp>
+        <p:nvSpPr>
+          <p:cNvPr id="689" name="TextBox 688">
+            <a:extLst>
+              <a:ext uri="{FF2B5EF4-FFF2-40B4-BE49-F238E27FC236}">
+                <a16:creationId xmlns:a16="http://schemas.microsoft.com/office/drawing/2014/main" id="{30831C97-037C-4ECE-BAEC-CDAAC4514ED6}"/>
+              </a:ext>
+            </a:extLst>
+          </p:cNvPr>
+          <p:cNvSpPr txBox="1"/>
+          <p:nvPr/>
+        </p:nvSpPr>
+        <p:spPr>
+          <a:xfrm>
+            <a:off x="8647917" y="5319799"/>
+            <a:ext cx="189257" cy="178683"/>
+          </a:xfrm>
+          <a:prstGeom prst="rect">
+            <a:avLst/>
+          </a:prstGeom>
+          <a:noFill/>
+        </p:spPr>
+        <p:txBody>
+          <a:bodyPr wrap="square" lIns="0" tIns="0" rIns="0" bIns="0" rtlCol="0">
+            <a:noAutofit/>
+          </a:bodyPr>
+          <a:lstStyle/>
+          <a:p>
+            <a:pPr algn="ctr"/>
+            <a:r>
+              <a:rPr lang="en-US" sz="1100" dirty="0">
+                <a:solidFill>
+                  <a:srgbClr val="7030A0"/>
+                </a:solidFill>
+              </a:rPr>
+              <a:t>1</a:t>
+            </a:r>
+            <a:endParaRPr lang="en-SG" sz="1100" dirty="0">
+              <a:solidFill>
+                <a:srgbClr val="7030A0"/>
+              </a:solidFill>
+            </a:endParaRPr>
+          </a:p>
+        </p:txBody>
+      </p:sp>
+      <p:sp>
+        <p:nvSpPr>
+          <p:cNvPr id="690" name="TextBox 689">
+            <a:extLst>
+              <a:ext uri="{FF2B5EF4-FFF2-40B4-BE49-F238E27FC236}">
+                <a16:creationId xmlns:a16="http://schemas.microsoft.com/office/drawing/2014/main" id="{61090F28-B023-4833-9EFC-7B65839CB308}"/>
+              </a:ext>
+            </a:extLst>
+          </p:cNvPr>
+          <p:cNvSpPr txBox="1"/>
+          <p:nvPr/>
+        </p:nvSpPr>
+        <p:spPr>
+          <a:xfrm>
+            <a:off x="8642150" y="6547624"/>
+            <a:ext cx="180775" cy="140381"/>
+          </a:xfrm>
+          <a:prstGeom prst="rect">
+            <a:avLst/>
+          </a:prstGeom>
+          <a:noFill/>
+        </p:spPr>
+        <p:txBody>
+          <a:bodyPr wrap="square" lIns="0" tIns="0" rIns="0" bIns="0" rtlCol="0">
+            <a:noAutofit/>
+          </a:bodyPr>
+          <a:lstStyle/>
+          <a:p>
+            <a:pPr algn="ctr"/>
+            <a:r>
+              <a:rPr lang="en-US" sz="1100" dirty="0">
+                <a:solidFill>
+                  <a:srgbClr val="7030A0"/>
+                </a:solidFill>
+              </a:rPr>
+              <a:t>1</a:t>
+            </a:r>
+            <a:endParaRPr lang="en-SG" sz="1100" dirty="0">
+              <a:solidFill>
+                <a:srgbClr val="7030A0"/>
+              </a:solidFill>
+            </a:endParaRPr>
+          </a:p>
+        </p:txBody>
+      </p:sp>
     </p:spTree>
     <p:extLst>
       <p:ext uri="{BB962C8B-B14F-4D97-AF65-F5344CB8AC3E}">

--- a/docs/diagrams/ModelComponentClassDiagram.pptx
+++ b/docs/diagrams/ModelComponentClassDiagram.pptx
@@ -208,7 +208,7 @@
           <a:p>
             <a:fld id="{F5CC4B3F-88C1-4FFA-B1B6-F41C21DC6924}" type="datetimeFigureOut">
               <a:rPr lang="en-US" smtClean="0"/>
-              <a:t>11/10/2018</a:t>
+              <a:t>11/12/2018</a:t>
             </a:fld>
             <a:endParaRPr lang="en-US"/>
           </a:p>
@@ -654,7 +654,7 @@
           <a:p>
             <a:fld id="{78C97017-6FC3-485B-9764-EAC9E56C1D49}" type="datetimeFigureOut">
               <a:rPr lang="en-US" smtClean="0"/>
-              <a:t>11/10/2018</a:t>
+              <a:t>11/12/2018</a:t>
             </a:fld>
             <a:endParaRPr lang="en-US"/>
           </a:p>
@@ -822,7 +822,7 @@
           <a:p>
             <a:fld id="{78C97017-6FC3-485B-9764-EAC9E56C1D49}" type="datetimeFigureOut">
               <a:rPr lang="en-US" smtClean="0"/>
-              <a:t>11/10/2018</a:t>
+              <a:t>11/12/2018</a:t>
             </a:fld>
             <a:endParaRPr lang="en-US"/>
           </a:p>
@@ -1000,7 +1000,7 @@
           <a:p>
             <a:fld id="{78C97017-6FC3-485B-9764-EAC9E56C1D49}" type="datetimeFigureOut">
               <a:rPr lang="en-US" smtClean="0"/>
-              <a:t>11/10/2018</a:t>
+              <a:t>11/12/2018</a:t>
             </a:fld>
             <a:endParaRPr lang="en-US"/>
           </a:p>
@@ -1168,7 +1168,7 @@
           <a:p>
             <a:fld id="{78C97017-6FC3-485B-9764-EAC9E56C1D49}" type="datetimeFigureOut">
               <a:rPr lang="en-US" smtClean="0"/>
-              <a:t>11/10/2018</a:t>
+              <a:t>11/12/2018</a:t>
             </a:fld>
             <a:endParaRPr lang="en-US"/>
           </a:p>
@@ -1413,7 +1413,7 @@
           <a:p>
             <a:fld id="{78C97017-6FC3-485B-9764-EAC9E56C1D49}" type="datetimeFigureOut">
               <a:rPr lang="en-US" smtClean="0"/>
-              <a:t>11/10/2018</a:t>
+              <a:t>11/12/2018</a:t>
             </a:fld>
             <a:endParaRPr lang="en-US"/>
           </a:p>
@@ -1698,7 +1698,7 @@
           <a:p>
             <a:fld id="{78C97017-6FC3-485B-9764-EAC9E56C1D49}" type="datetimeFigureOut">
               <a:rPr lang="en-US" smtClean="0"/>
-              <a:t>11/10/2018</a:t>
+              <a:t>11/12/2018</a:t>
             </a:fld>
             <a:endParaRPr lang="en-US"/>
           </a:p>
@@ -2117,7 +2117,7 @@
           <a:p>
             <a:fld id="{78C97017-6FC3-485B-9764-EAC9E56C1D49}" type="datetimeFigureOut">
               <a:rPr lang="en-US" smtClean="0"/>
-              <a:t>11/10/2018</a:t>
+              <a:t>11/12/2018</a:t>
             </a:fld>
             <a:endParaRPr lang="en-US"/>
           </a:p>
@@ -2234,7 +2234,7 @@
           <a:p>
             <a:fld id="{78C97017-6FC3-485B-9764-EAC9E56C1D49}" type="datetimeFigureOut">
               <a:rPr lang="en-US" smtClean="0"/>
-              <a:t>11/10/2018</a:t>
+              <a:t>11/12/2018</a:t>
             </a:fld>
             <a:endParaRPr lang="en-US"/>
           </a:p>
@@ -2329,7 +2329,7 @@
           <a:p>
             <a:fld id="{78C97017-6FC3-485B-9764-EAC9E56C1D49}" type="datetimeFigureOut">
               <a:rPr lang="en-US" smtClean="0"/>
-              <a:t>11/10/2018</a:t>
+              <a:t>11/12/2018</a:t>
             </a:fld>
             <a:endParaRPr lang="en-US"/>
           </a:p>
@@ -2604,7 +2604,7 @@
           <a:p>
             <a:fld id="{78C97017-6FC3-485B-9764-EAC9E56C1D49}" type="datetimeFigureOut">
               <a:rPr lang="en-US" smtClean="0"/>
-              <a:t>11/10/2018</a:t>
+              <a:t>11/12/2018</a:t>
             </a:fld>
             <a:endParaRPr lang="en-US"/>
           </a:p>
@@ -2856,7 +2856,7 @@
           <a:p>
             <a:fld id="{78C97017-6FC3-485B-9764-EAC9E56C1D49}" type="datetimeFigureOut">
               <a:rPr lang="en-US" smtClean="0"/>
-              <a:t>11/10/2018</a:t>
+              <a:t>11/12/2018</a:t>
             </a:fld>
             <a:endParaRPr lang="en-US"/>
           </a:p>
@@ -3067,7 +3067,7 @@
           <a:p>
             <a:fld id="{78C97017-6FC3-485B-9764-EAC9E56C1D49}" type="datetimeFigureOut">
               <a:rPr lang="en-US" smtClean="0"/>
-              <a:t>11/10/2018</a:t>
+              <a:t>11/12/2018</a:t>
             </a:fld>
             <a:endParaRPr lang="en-US"/>
           </a:p>
@@ -3450,8 +3450,8 @@
         </p:nvSpPr>
         <p:spPr>
           <a:xfrm>
-            <a:off x="345459" y="444772"/>
-            <a:ext cx="8341341" cy="3593828"/>
+            <a:off x="152400" y="1066800"/>
+            <a:ext cx="8001000" cy="4038600"/>
           </a:xfrm>
           <a:prstGeom prst="roundRect">
             <a:avLst>
@@ -3511,7 +3511,7 @@
         </p:nvSpPr>
         <p:spPr>
           <a:xfrm>
-            <a:off x="2652167" y="2713397"/>
+            <a:off x="2306708" y="3868825"/>
             <a:ext cx="1093635" cy="346760"/>
           </a:xfrm>
           <a:prstGeom prst="rect">
@@ -3570,7 +3570,7 @@
         </p:nvSpPr>
         <p:spPr>
           <a:xfrm rot="16200000">
-            <a:off x="1436535" y="2347907"/>
+            <a:off x="1091076" y="3503335"/>
             <a:ext cx="1093635" cy="346760"/>
           </a:xfrm>
           <a:prstGeom prst="rect">
@@ -3633,7 +3633,7 @@
         </p:nvCxnSpPr>
         <p:spPr>
           <a:xfrm rot="5400000" flipH="1" flipV="1">
-            <a:off x="3906494" y="531842"/>
+            <a:off x="3561035" y="1687270"/>
             <a:ext cx="613122" cy="4459404"/>
           </a:xfrm>
           <a:prstGeom prst="bentConnector3">
@@ -3674,7 +3674,7 @@
         </p:nvSpPr>
         <p:spPr>
           <a:xfrm rot="16200000">
-            <a:off x="731189" y="2111359"/>
+            <a:off x="385730" y="3266787"/>
             <a:ext cx="1093635" cy="346760"/>
           </a:xfrm>
           <a:prstGeom prst="rect">
@@ -3744,7 +3744,7 @@
         </p:nvSpPr>
         <p:spPr>
           <a:xfrm rot="16200000">
-            <a:off x="1401897" y="2202448"/>
+            <a:off x="1056438" y="3357876"/>
             <a:ext cx="270504" cy="175523"/>
           </a:xfrm>
           <a:prstGeom prst="triangle">
@@ -3794,7 +3794,7 @@
         </p:nvCxnSpPr>
         <p:spPr>
           <a:xfrm>
-            <a:off x="2384815" y="2886777"/>
+            <a:off x="2039356" y="4042205"/>
             <a:ext cx="267352" cy="0"/>
           </a:xfrm>
           <a:prstGeom prst="straightConnector1">
@@ -3832,7 +3832,7 @@
         </p:nvCxnSpPr>
         <p:spPr>
           <a:xfrm>
-            <a:off x="685078" y="2290210"/>
+            <a:off x="339619" y="3445638"/>
             <a:ext cx="419548" cy="2860"/>
           </a:xfrm>
           <a:prstGeom prst="bentConnector3">
@@ -3877,7 +3877,7 @@
         </p:nvCxnSpPr>
         <p:spPr>
           <a:xfrm flipV="1">
-            <a:off x="1624911" y="2290209"/>
+            <a:off x="1279452" y="3445637"/>
             <a:ext cx="216105" cy="1"/>
           </a:xfrm>
           <a:prstGeom prst="line">
@@ -3916,7 +3916,7 @@
         </p:nvSpPr>
         <p:spPr>
           <a:xfrm>
-            <a:off x="2148767" y="2800087"/>
+            <a:off x="1803308" y="3955515"/>
             <a:ext cx="236048" cy="173380"/>
           </a:xfrm>
           <a:prstGeom prst="flowChartDecision">
@@ -3961,7 +3961,7 @@
         </p:nvSpPr>
         <p:spPr>
           <a:xfrm>
-            <a:off x="2590995" y="2096319"/>
+            <a:off x="2245536" y="3251747"/>
             <a:ext cx="1499832" cy="334856"/>
           </a:xfrm>
           <a:prstGeom prst="rect">
@@ -4037,7 +4037,7 @@
         </p:nvCxnSpPr>
         <p:spPr>
           <a:xfrm>
-            <a:off x="2399347" y="2253190"/>
+            <a:off x="2053888" y="3408618"/>
             <a:ext cx="191648" cy="10557"/>
           </a:xfrm>
           <a:prstGeom prst="straightConnector1">
@@ -4075,7 +4075,7 @@
         </p:nvSpPr>
         <p:spPr>
           <a:xfrm>
-            <a:off x="2163299" y="2166500"/>
+            <a:off x="1817840" y="3321928"/>
             <a:ext cx="236048" cy="173380"/>
           </a:xfrm>
           <a:prstGeom prst="flowChartDecision">
@@ -4120,7 +4120,7 @@
         </p:nvSpPr>
         <p:spPr>
           <a:xfrm>
-            <a:off x="4467637" y="2096319"/>
+            <a:off x="4122178" y="3251747"/>
             <a:ext cx="1156969" cy="346760"/>
           </a:xfrm>
           <a:prstGeom prst="rect">
@@ -4176,7 +4176,7 @@
         </p:nvSpPr>
         <p:spPr>
           <a:xfrm>
-            <a:off x="4099959" y="2170689"/>
+            <a:off x="3754500" y="3326117"/>
             <a:ext cx="236048" cy="173380"/>
           </a:xfrm>
           <a:prstGeom prst="flowChartDecision">
@@ -4223,7 +4223,7 @@
         </p:nvSpPr>
         <p:spPr>
           <a:xfrm>
-            <a:off x="6088664" y="2108223"/>
+            <a:off x="5743205" y="3263651"/>
             <a:ext cx="708186" cy="346760"/>
           </a:xfrm>
           <a:prstGeom prst="rect">
@@ -4279,7 +4279,7 @@
         </p:nvSpPr>
         <p:spPr>
           <a:xfrm>
-            <a:off x="5633738" y="2191833"/>
+            <a:off x="5288279" y="3347261"/>
             <a:ext cx="236048" cy="173380"/>
           </a:xfrm>
           <a:prstGeom prst="flowChartDecision">
@@ -4327,7 +4327,7 @@
         </p:nvCxnSpPr>
         <p:spPr>
           <a:xfrm>
-            <a:off x="5869786" y="2278523"/>
+            <a:off x="5524327" y="3433951"/>
             <a:ext cx="218878" cy="3080"/>
           </a:xfrm>
           <a:prstGeom prst="bentConnector3">
@@ -4365,7 +4365,7 @@
         </p:nvSpPr>
         <p:spPr>
           <a:xfrm>
-            <a:off x="7487383" y="1814395"/>
+            <a:off x="7141924" y="2969823"/>
             <a:ext cx="898203" cy="285783"/>
           </a:xfrm>
           <a:prstGeom prst="rect">
@@ -4421,7 +4421,7 @@
         </p:nvSpPr>
         <p:spPr>
           <a:xfrm>
-            <a:off x="6816934" y="2198358"/>
+            <a:off x="6471475" y="3353786"/>
             <a:ext cx="236048" cy="173380"/>
           </a:xfrm>
           <a:prstGeom prst="flowChartDecision">
@@ -4470,7 +4470,7 @@
         </p:nvCxnSpPr>
         <p:spPr>
           <a:xfrm flipV="1">
-            <a:off x="7052982" y="1956978"/>
+            <a:off x="6707523" y="3112406"/>
             <a:ext cx="434402" cy="327761"/>
           </a:xfrm>
           <a:prstGeom prst="bentConnector3">
@@ -4508,7 +4508,7 @@
         </p:nvSpPr>
         <p:spPr>
           <a:xfrm>
-            <a:off x="7487383" y="2137373"/>
+            <a:off x="7141924" y="3292801"/>
             <a:ext cx="898203" cy="285783"/>
           </a:xfrm>
           <a:prstGeom prst="rect">
@@ -4568,7 +4568,7 @@
         </p:nvCxnSpPr>
         <p:spPr>
           <a:xfrm flipV="1">
-            <a:off x="7052982" y="2280265"/>
+            <a:off x="6707523" y="3435693"/>
             <a:ext cx="434401" cy="4783"/>
           </a:xfrm>
           <a:prstGeom prst="bentConnector3">
@@ -4606,7 +4606,7 @@
         </p:nvSpPr>
         <p:spPr>
           <a:xfrm>
-            <a:off x="7487383" y="2460351"/>
+            <a:off x="7141924" y="3615779"/>
             <a:ext cx="898203" cy="285783"/>
           </a:xfrm>
           <a:prstGeom prst="rect">
@@ -4666,7 +4666,7 @@
         </p:nvCxnSpPr>
         <p:spPr>
           <a:xfrm>
-            <a:off x="7052982" y="2285048"/>
+            <a:off x="6707523" y="3440476"/>
             <a:ext cx="434401" cy="318195"/>
           </a:xfrm>
           <a:prstGeom prst="bentConnector3">
@@ -4707,7 +4707,7 @@
         </p:nvCxnSpPr>
         <p:spPr>
           <a:xfrm rot="16200000" flipH="1">
-            <a:off x="3118450" y="1736290"/>
+            <a:off x="2772991" y="2891718"/>
             <a:ext cx="720059" cy="1"/>
           </a:xfrm>
           <a:prstGeom prst="bentConnector3">
@@ -4748,7 +4748,7 @@
         </p:nvSpPr>
         <p:spPr>
           <a:xfrm rot="10800000" flipV="1">
-            <a:off x="3337286" y="1219200"/>
+            <a:off x="2991827" y="2374628"/>
             <a:ext cx="282387" cy="157062"/>
           </a:xfrm>
           <a:prstGeom prst="triangle">
@@ -4796,7 +4796,7 @@
         </p:nvSpPr>
         <p:spPr>
           <a:xfrm>
-            <a:off x="1032322" y="749296"/>
+            <a:off x="686863" y="1904724"/>
             <a:ext cx="1443661" cy="469904"/>
           </a:xfrm>
           <a:prstGeom prst="rect">
@@ -4883,7 +4883,7 @@
         </p:nvSpPr>
         <p:spPr>
           <a:xfrm rot="16200000">
-            <a:off x="6137873" y="2836462"/>
+            <a:off x="5792414" y="3991890"/>
             <a:ext cx="881018" cy="261610"/>
           </a:xfrm>
           <a:prstGeom prst="rect">
@@ -4922,7 +4922,7 @@
         </p:nvSpPr>
         <p:spPr>
           <a:xfrm>
-            <a:off x="1832388" y="3489648"/>
+            <a:off x="1486929" y="4645076"/>
             <a:ext cx="1066800" cy="346760"/>
           </a:xfrm>
           <a:prstGeom prst="rect">
@@ -4997,7 +4997,7 @@
         </p:nvCxnSpPr>
         <p:spPr>
           <a:xfrm rot="16200000" flipH="1">
-            <a:off x="1139462" y="2970101"/>
+            <a:off x="794003" y="4125529"/>
             <a:ext cx="831471" cy="554381"/>
           </a:xfrm>
           <a:prstGeom prst="bentConnector2">
@@ -5036,7 +5036,7 @@
         </p:nvSpPr>
         <p:spPr>
           <a:xfrm>
-            <a:off x="4204966" y="2361636"/>
+            <a:off x="3929356" y="3202890"/>
             <a:ext cx="189257" cy="178683"/>
           </a:xfrm>
           <a:prstGeom prst="rect">
@@ -5075,7 +5075,7 @@
         </p:nvSpPr>
         <p:spPr>
           <a:xfrm>
-            <a:off x="5910243" y="2348074"/>
+            <a:off x="5564784" y="3503502"/>
             <a:ext cx="189257" cy="178683"/>
           </a:xfrm>
           <a:prstGeom prst="rect">
@@ -5114,7 +5114,7 @@
         </p:nvSpPr>
         <p:spPr>
           <a:xfrm>
-            <a:off x="2348381" y="2006872"/>
+            <a:off x="2002922" y="3162300"/>
             <a:ext cx="170110" cy="137542"/>
           </a:xfrm>
           <a:prstGeom prst="rect">
@@ -5153,7 +5153,7 @@
         </p:nvSpPr>
         <p:spPr>
           <a:xfrm>
-            <a:off x="2482057" y="2917894"/>
+            <a:off x="2136598" y="4073322"/>
             <a:ext cx="189257" cy="178683"/>
           </a:xfrm>
           <a:prstGeom prst="rect">
@@ -5192,7 +5192,7 @@
         </p:nvSpPr>
         <p:spPr>
           <a:xfrm>
-            <a:off x="6224883" y="2454983"/>
+            <a:off x="5879424" y="3610411"/>
             <a:ext cx="189257" cy="178683"/>
           </a:xfrm>
           <a:prstGeom prst="rect">
@@ -5237,7 +5237,7 @@
         </p:nvSpPr>
         <p:spPr>
           <a:xfrm>
-            <a:off x="7487383" y="1478974"/>
+            <a:off x="7141924" y="2634402"/>
             <a:ext cx="898203" cy="285783"/>
           </a:xfrm>
           <a:prstGeom prst="rect">
@@ -5303,7 +5303,7 @@
         </p:nvCxnSpPr>
         <p:spPr>
           <a:xfrm flipV="1">
-            <a:off x="7052982" y="1621866"/>
+            <a:off x="6707523" y="2777294"/>
             <a:ext cx="434401" cy="663182"/>
           </a:xfrm>
           <a:prstGeom prst="bentConnector3">
@@ -5349,7 +5349,7 @@
         </p:nvSpPr>
         <p:spPr>
           <a:xfrm>
-            <a:off x="7241230" y="1505868"/>
+            <a:off x="6895771" y="2661296"/>
             <a:ext cx="189257" cy="178683"/>
           </a:xfrm>
           <a:prstGeom prst="rect">
@@ -5388,7 +5388,7 @@
         </p:nvSpPr>
         <p:spPr>
           <a:xfrm>
-            <a:off x="2895601" y="854803"/>
+            <a:off x="2550142" y="2010231"/>
             <a:ext cx="1219199" cy="364396"/>
           </a:xfrm>
           <a:prstGeom prst="rect">
@@ -5447,7 +5447,7 @@
         </p:nvCxnSpPr>
         <p:spPr>
           <a:xfrm>
-            <a:off x="4099959" y="2257379"/>
+            <a:off x="3754500" y="3412807"/>
             <a:ext cx="367678" cy="12320"/>
           </a:xfrm>
           <a:prstGeom prst="straightConnector1">
@@ -5485,7 +5485,7 @@
         </p:nvSpPr>
         <p:spPr>
           <a:xfrm rot="16200000">
-            <a:off x="2440473" y="925611"/>
+            <a:off x="2095014" y="2081039"/>
             <a:ext cx="271014" cy="187417"/>
           </a:xfrm>
           <a:prstGeom prst="triangle">
@@ -5541,7 +5541,7 @@
         </p:nvCxnSpPr>
         <p:spPr>
           <a:xfrm>
-            <a:off x="2669689" y="1034180"/>
+            <a:off x="2324230" y="2189608"/>
             <a:ext cx="225912" cy="2821"/>
           </a:xfrm>
           <a:prstGeom prst="bentConnector3">
@@ -5588,7 +5588,7 @@
         </p:nvSpPr>
         <p:spPr>
           <a:xfrm>
-            <a:off x="4447130" y="1487238"/>
+            <a:off x="4101671" y="2642666"/>
             <a:ext cx="1156969" cy="346760"/>
           </a:xfrm>
           <a:prstGeom prst="rect">
@@ -5666,7 +5666,7 @@
         </p:nvSpPr>
         <p:spPr>
           <a:xfrm>
-            <a:off x="5605798" y="1573928"/>
+            <a:off x="5260339" y="2729356"/>
             <a:ext cx="236048" cy="173380"/>
           </a:xfrm>
           <a:prstGeom prst="flowChartDecision">
@@ -5721,7 +5721,7 @@
         </p:nvCxnSpPr>
         <p:spPr>
           <a:xfrm flipV="1">
-            <a:off x="5841846" y="1659814"/>
+            <a:off x="5496387" y="2815242"/>
             <a:ext cx="222343" cy="804"/>
           </a:xfrm>
           <a:prstGeom prst="bentConnector3">
@@ -5765,7 +5765,7 @@
         </p:nvSpPr>
         <p:spPr>
           <a:xfrm>
-            <a:off x="6064189" y="1486434"/>
+            <a:off x="5718730" y="2641862"/>
             <a:ext cx="708186" cy="346760"/>
           </a:xfrm>
           <a:prstGeom prst="rect">
@@ -5831,7 +5831,7 @@
         </p:nvCxnSpPr>
         <p:spPr>
           <a:xfrm rot="5400000" flipH="1" flipV="1">
-            <a:off x="4077521" y="1801081"/>
+            <a:off x="3732062" y="2956509"/>
             <a:ext cx="510071" cy="229147"/>
           </a:xfrm>
           <a:prstGeom prst="bentConnector2">
@@ -5875,7 +5875,7 @@
         </p:nvSpPr>
         <p:spPr>
           <a:xfrm>
-            <a:off x="5858389" y="1485423"/>
+            <a:off x="5512930" y="2640851"/>
             <a:ext cx="189257" cy="178683"/>
           </a:xfrm>
           <a:prstGeom prst="rect">
@@ -5897,6 +5897,1237 @@
                 </a:solidFill>
               </a:rPr>
               <a:t>*</a:t>
+            </a:r>
+            <a:endParaRPr lang="en-SG" sz="1100" dirty="0">
+              <a:solidFill>
+                <a:srgbClr val="7030A0"/>
+              </a:solidFill>
+            </a:endParaRPr>
+          </a:p>
+        </p:txBody>
+      </p:sp>
+      <p:sp>
+        <p:nvSpPr>
+          <p:cNvPr id="57" name="Rectangle 8">
+            <a:extLst>
+              <a:ext uri="{FF2B5EF4-FFF2-40B4-BE49-F238E27FC236}">
+                <a16:creationId xmlns:a16="http://schemas.microsoft.com/office/drawing/2014/main" id="{D64CDD70-E5F3-4258-BE72-6EF5019EDE20}"/>
+              </a:ext>
+            </a:extLst>
+          </p:cNvPr>
+          <p:cNvSpPr/>
+          <p:nvPr/>
+        </p:nvSpPr>
+        <p:spPr>
+          <a:xfrm>
+            <a:off x="4058608" y="1509044"/>
+            <a:ext cx="1156969" cy="346760"/>
+          </a:xfrm>
+          <a:prstGeom prst="rect">
+            <a:avLst/>
+          </a:prstGeom>
+          <a:ln w="19050">
+            <a:solidFill>
+              <a:srgbClr val="7030A0"/>
+            </a:solidFill>
+          </a:ln>
+          <a:effectLst/>
+        </p:spPr>
+        <p:style>
+          <a:lnRef idx="1">
+            <a:schemeClr val="accent4"/>
+          </a:lnRef>
+          <a:fillRef idx="2">
+            <a:schemeClr val="accent4"/>
+          </a:fillRef>
+          <a:effectRef idx="1">
+            <a:schemeClr val="accent4"/>
+          </a:effectRef>
+          <a:fontRef idx="minor">
+            <a:schemeClr val="dk1"/>
+          </a:fontRef>
+        </p:style>
+        <p:txBody>
+          <a:bodyPr rtlCol="0" anchor="ctr"/>
+          <a:lstStyle/>
+          <a:p>
+            <a:pPr algn="ctr"/>
+            <a:r>
+              <a:rPr lang="en-US" sz="1050" dirty="0" err="1">
+                <a:solidFill>
+                  <a:srgbClr val="7030A0"/>
+                </a:solidFill>
+              </a:rPr>
+              <a:t>RecordMap</a:t>
+            </a:r>
+            <a:endParaRPr lang="en-SG" sz="1050" dirty="0">
+              <a:solidFill>
+                <a:srgbClr val="7030A0"/>
+              </a:solidFill>
+            </a:endParaRPr>
+          </a:p>
+        </p:txBody>
+      </p:sp>
+      <p:cxnSp>
+        <p:nvCxnSpPr>
+          <p:cNvPr id="74" name="Straight Arrow Connector 71">
+            <a:extLst>
+              <a:ext uri="{FF2B5EF4-FFF2-40B4-BE49-F238E27FC236}">
+                <a16:creationId xmlns:a16="http://schemas.microsoft.com/office/drawing/2014/main" id="{5106ABF4-08FD-4CE8-972F-89F75C744B71}"/>
+              </a:ext>
+            </a:extLst>
+          </p:cNvPr>
+          <p:cNvCxnSpPr>
+            <a:cxnSpLocks/>
+            <a:stCxn id="51" idx="0"/>
+            <a:endCxn id="57" idx="1"/>
+          </p:cNvCxnSpPr>
+          <p:nvPr/>
+        </p:nvCxnSpPr>
+        <p:spPr>
+          <a:xfrm rot="5400000" flipH="1" flipV="1">
+            <a:off x="3143720" y="2411229"/>
+            <a:ext cx="1643693" cy="186084"/>
+          </a:xfrm>
+          <a:prstGeom prst="bentConnector2">
+            <a:avLst/>
+          </a:prstGeom>
+          <a:ln w="19050">
+            <a:solidFill>
+              <a:srgbClr val="7030A0"/>
+            </a:solidFill>
+            <a:headEnd type="none" w="med" len="med"/>
+            <a:tailEnd type="arrow" w="med" len="med"/>
+          </a:ln>
+          <a:effectLst/>
+        </p:spPr>
+        <p:style>
+          <a:lnRef idx="1">
+            <a:schemeClr val="accent2"/>
+          </a:lnRef>
+          <a:fillRef idx="2">
+            <a:schemeClr val="accent2"/>
+          </a:fillRef>
+          <a:effectRef idx="1">
+            <a:schemeClr val="accent2"/>
+          </a:effectRef>
+          <a:fontRef idx="minor">
+            <a:schemeClr val="dk1"/>
+          </a:fontRef>
+        </p:style>
+      </p:cxnSp>
+      <p:sp>
+        <p:nvSpPr>
+          <p:cNvPr id="77" name="Rectangle 8">
+            <a:extLst>
+              <a:ext uri="{FF2B5EF4-FFF2-40B4-BE49-F238E27FC236}">
+                <a16:creationId xmlns:a16="http://schemas.microsoft.com/office/drawing/2014/main" id="{F47C1270-D620-4128-93D7-19F1BBD9A6D9}"/>
+              </a:ext>
+            </a:extLst>
+          </p:cNvPr>
+          <p:cNvSpPr/>
+          <p:nvPr/>
+        </p:nvSpPr>
+        <p:spPr>
+          <a:xfrm>
+            <a:off x="4101670" y="2001367"/>
+            <a:ext cx="1156969" cy="346760"/>
+          </a:xfrm>
+          <a:prstGeom prst="rect">
+            <a:avLst/>
+          </a:prstGeom>
+          <a:ln w="19050">
+            <a:solidFill>
+              <a:srgbClr val="7030A0"/>
+            </a:solidFill>
+          </a:ln>
+          <a:effectLst/>
+        </p:spPr>
+        <p:style>
+          <a:lnRef idx="1">
+            <a:schemeClr val="accent4"/>
+          </a:lnRef>
+          <a:fillRef idx="2">
+            <a:schemeClr val="accent4"/>
+          </a:fillRef>
+          <a:effectRef idx="1">
+            <a:schemeClr val="accent4"/>
+          </a:effectRef>
+          <a:fontRef idx="minor">
+            <a:schemeClr val="dk1"/>
+          </a:fontRef>
+        </p:style>
+        <p:txBody>
+          <a:bodyPr rtlCol="0" anchor="ctr"/>
+          <a:lstStyle/>
+          <a:p>
+            <a:pPr algn="ctr"/>
+            <a:r>
+              <a:rPr lang="en-US" sz="1050" dirty="0" err="1">
+                <a:solidFill>
+                  <a:srgbClr val="7030A0"/>
+                </a:solidFill>
+              </a:rPr>
+              <a:t>DateMap</a:t>
+            </a:r>
+            <a:endParaRPr lang="en-SG" sz="1050" dirty="0">
+              <a:solidFill>
+                <a:srgbClr val="7030A0"/>
+              </a:solidFill>
+            </a:endParaRPr>
+          </a:p>
+        </p:txBody>
+      </p:sp>
+      <p:cxnSp>
+        <p:nvCxnSpPr>
+          <p:cNvPr id="82" name="Straight Arrow Connector 71">
+            <a:extLst>
+              <a:ext uri="{FF2B5EF4-FFF2-40B4-BE49-F238E27FC236}">
+                <a16:creationId xmlns:a16="http://schemas.microsoft.com/office/drawing/2014/main" id="{64F58BFD-B465-4ABB-BB1A-C4C6CC982214}"/>
+              </a:ext>
+            </a:extLst>
+          </p:cNvPr>
+          <p:cNvCxnSpPr>
+            <a:cxnSpLocks/>
+            <a:stCxn id="51" idx="0"/>
+            <a:endCxn id="77" idx="1"/>
+          </p:cNvCxnSpPr>
+          <p:nvPr/>
+        </p:nvCxnSpPr>
+        <p:spPr>
+          <a:xfrm rot="5400000" flipH="1" flipV="1">
+            <a:off x="3411412" y="2635859"/>
+            <a:ext cx="1151370" cy="229146"/>
+          </a:xfrm>
+          <a:prstGeom prst="bentConnector2">
+            <a:avLst/>
+          </a:prstGeom>
+          <a:ln w="19050">
+            <a:solidFill>
+              <a:srgbClr val="7030A0"/>
+            </a:solidFill>
+            <a:headEnd type="none" w="med" len="med"/>
+            <a:tailEnd type="arrow" w="med" len="med"/>
+          </a:ln>
+          <a:effectLst/>
+        </p:spPr>
+        <p:style>
+          <a:lnRef idx="1">
+            <a:schemeClr val="accent2"/>
+          </a:lnRef>
+          <a:fillRef idx="2">
+            <a:schemeClr val="accent2"/>
+          </a:fillRef>
+          <a:effectRef idx="1">
+            <a:schemeClr val="accent2"/>
+          </a:effectRef>
+          <a:fontRef idx="minor">
+            <a:schemeClr val="dk1"/>
+          </a:fontRef>
+        </p:style>
+      </p:cxnSp>
+      <p:sp>
+        <p:nvSpPr>
+          <p:cNvPr id="85" name="Flowchart: Decision 96">
+            <a:extLst>
+              <a:ext uri="{FF2B5EF4-FFF2-40B4-BE49-F238E27FC236}">
+                <a16:creationId xmlns:a16="http://schemas.microsoft.com/office/drawing/2014/main" id="{0ED050EB-73E0-435D-935A-347BF2A31D25}"/>
+              </a:ext>
+            </a:extLst>
+          </p:cNvPr>
+          <p:cNvSpPr/>
+          <p:nvPr/>
+        </p:nvSpPr>
+        <p:spPr>
+          <a:xfrm>
+            <a:off x="5225617" y="1595734"/>
+            <a:ext cx="236048" cy="173380"/>
+          </a:xfrm>
+          <a:prstGeom prst="flowChartDecision">
+            <a:avLst/>
+          </a:prstGeom>
+          <a:solidFill>
+            <a:srgbClr val="7030A0"/>
+          </a:solidFill>
+          <a:ln w="19050">
+            <a:solidFill>
+              <a:srgbClr val="7030A0"/>
+            </a:solidFill>
+          </a:ln>
+          <a:effectLst/>
+        </p:spPr>
+        <p:style>
+          <a:lnRef idx="1">
+            <a:schemeClr val="accent6"/>
+          </a:lnRef>
+          <a:fillRef idx="2">
+            <a:schemeClr val="accent6"/>
+          </a:fillRef>
+          <a:effectRef idx="1">
+            <a:schemeClr val="accent6"/>
+          </a:effectRef>
+          <a:fontRef idx="minor">
+            <a:schemeClr val="dk1"/>
+          </a:fontRef>
+        </p:style>
+        <p:txBody>
+          <a:bodyPr rtlCol="0" anchor="ctr"/>
+          <a:lstStyle/>
+          <a:p>
+            <a:pPr algn="ctr"/>
+            <a:endParaRPr lang="en-US" sz="1050"/>
+          </a:p>
+        </p:txBody>
+      </p:sp>
+      <p:cxnSp>
+        <p:nvCxnSpPr>
+          <p:cNvPr id="87" name="Elbow Connector 78">
+            <a:extLst>
+              <a:ext uri="{FF2B5EF4-FFF2-40B4-BE49-F238E27FC236}">
+                <a16:creationId xmlns:a16="http://schemas.microsoft.com/office/drawing/2014/main" id="{CCF8D6A1-5CA8-4584-8444-4287393C8D8C}"/>
+              </a:ext>
+            </a:extLst>
+          </p:cNvPr>
+          <p:cNvCxnSpPr>
+            <a:cxnSpLocks/>
+            <a:stCxn id="85" idx="3"/>
+            <a:endCxn id="90" idx="1"/>
+          </p:cNvCxnSpPr>
+          <p:nvPr/>
+        </p:nvCxnSpPr>
+        <p:spPr>
+          <a:xfrm flipV="1">
+            <a:off x="5461665" y="1308064"/>
+            <a:ext cx="370819" cy="374360"/>
+          </a:xfrm>
+          <a:prstGeom prst="bentConnector3">
+            <a:avLst/>
+          </a:prstGeom>
+          <a:ln w="19050">
+            <a:solidFill>
+              <a:srgbClr val="7030A0"/>
+            </a:solidFill>
+            <a:headEnd type="none" w="med" len="med"/>
+            <a:tailEnd type="arrow" w="med" len="med"/>
+          </a:ln>
+          <a:effectLst/>
+        </p:spPr>
+        <p:style>
+          <a:lnRef idx="1">
+            <a:schemeClr val="accent2"/>
+          </a:lnRef>
+          <a:fillRef idx="2">
+            <a:schemeClr val="accent2"/>
+          </a:fillRef>
+          <a:effectRef idx="1">
+            <a:schemeClr val="accent2"/>
+          </a:effectRef>
+          <a:fontRef idx="minor">
+            <a:schemeClr val="dk1"/>
+          </a:fontRef>
+        </p:style>
+      </p:cxnSp>
+      <p:sp>
+        <p:nvSpPr>
+          <p:cNvPr id="88" name="Rectangle 8">
+            <a:extLst>
+              <a:ext uri="{FF2B5EF4-FFF2-40B4-BE49-F238E27FC236}">
+                <a16:creationId xmlns:a16="http://schemas.microsoft.com/office/drawing/2014/main" id="{8292C651-D26D-4633-8761-0FC299D2DBAE}"/>
+              </a:ext>
+            </a:extLst>
+          </p:cNvPr>
+          <p:cNvSpPr/>
+          <p:nvPr/>
+        </p:nvSpPr>
+        <p:spPr>
+          <a:xfrm>
+            <a:off x="5832485" y="1483367"/>
+            <a:ext cx="898203" cy="285783"/>
+          </a:xfrm>
+          <a:prstGeom prst="rect">
+            <a:avLst/>
+          </a:prstGeom>
+          <a:ln w="19050">
+            <a:solidFill>
+              <a:srgbClr val="7030A0"/>
+            </a:solidFill>
+          </a:ln>
+          <a:effectLst/>
+        </p:spPr>
+        <p:style>
+          <a:lnRef idx="1">
+            <a:schemeClr val="accent4"/>
+          </a:lnRef>
+          <a:fillRef idx="2">
+            <a:schemeClr val="accent4"/>
+          </a:fillRef>
+          <a:effectRef idx="1">
+            <a:schemeClr val="accent4"/>
+          </a:effectRef>
+          <a:fontRef idx="minor">
+            <a:schemeClr val="dk1"/>
+          </a:fontRef>
+        </p:style>
+        <p:txBody>
+          <a:bodyPr rtlCol="0" anchor="ctr"/>
+          <a:lstStyle/>
+          <a:p>
+            <a:pPr algn="ctr"/>
+            <a:r>
+              <a:rPr lang="en-US" sz="1050" dirty="0" err="1">
+                <a:solidFill>
+                  <a:srgbClr val="7030A0"/>
+                </a:solidFill>
+              </a:rPr>
+              <a:t>NameMap</a:t>
+            </a:r>
+            <a:endParaRPr lang="en-SG" sz="1050" dirty="0">
+              <a:solidFill>
+                <a:srgbClr val="7030A0"/>
+              </a:solidFill>
+            </a:endParaRPr>
+          </a:p>
+        </p:txBody>
+      </p:sp>
+      <p:sp>
+        <p:nvSpPr>
+          <p:cNvPr id="89" name="Rectangle 8">
+            <a:extLst>
+              <a:ext uri="{FF2B5EF4-FFF2-40B4-BE49-F238E27FC236}">
+                <a16:creationId xmlns:a16="http://schemas.microsoft.com/office/drawing/2014/main" id="{38F73566-7B04-4549-AA1F-D94DF9AA3AD7}"/>
+              </a:ext>
+            </a:extLst>
+          </p:cNvPr>
+          <p:cNvSpPr/>
+          <p:nvPr/>
+        </p:nvSpPr>
+        <p:spPr>
+          <a:xfrm>
+            <a:off x="5832483" y="1818480"/>
+            <a:ext cx="898203" cy="285783"/>
+          </a:xfrm>
+          <a:prstGeom prst="rect">
+            <a:avLst/>
+          </a:prstGeom>
+          <a:ln w="19050">
+            <a:solidFill>
+              <a:srgbClr val="7030A0"/>
+            </a:solidFill>
+          </a:ln>
+          <a:effectLst/>
+        </p:spPr>
+        <p:style>
+          <a:lnRef idx="1">
+            <a:schemeClr val="accent4"/>
+          </a:lnRef>
+          <a:fillRef idx="2">
+            <a:schemeClr val="accent4"/>
+          </a:fillRef>
+          <a:effectRef idx="1">
+            <a:schemeClr val="accent4"/>
+          </a:effectRef>
+          <a:fontRef idx="minor">
+            <a:schemeClr val="dk1"/>
+          </a:fontRef>
+        </p:style>
+        <p:txBody>
+          <a:bodyPr rtlCol="0" anchor="ctr"/>
+          <a:lstStyle/>
+          <a:p>
+            <a:pPr algn="ctr"/>
+            <a:r>
+              <a:rPr lang="en-US" sz="1050" dirty="0" err="1">
+                <a:solidFill>
+                  <a:srgbClr val="7030A0"/>
+                </a:solidFill>
+              </a:rPr>
+              <a:t>DateMap</a:t>
+            </a:r>
+            <a:endParaRPr lang="en-SG" sz="1050" dirty="0">
+              <a:solidFill>
+                <a:srgbClr val="7030A0"/>
+              </a:solidFill>
+            </a:endParaRPr>
+          </a:p>
+        </p:txBody>
+      </p:sp>
+      <p:sp>
+        <p:nvSpPr>
+          <p:cNvPr id="90" name="Rectangle 8">
+            <a:extLst>
+              <a:ext uri="{FF2B5EF4-FFF2-40B4-BE49-F238E27FC236}">
+                <a16:creationId xmlns:a16="http://schemas.microsoft.com/office/drawing/2014/main" id="{81FD96FD-E552-4437-8C74-D7253BCE1BC2}"/>
+              </a:ext>
+            </a:extLst>
+          </p:cNvPr>
+          <p:cNvSpPr/>
+          <p:nvPr/>
+        </p:nvSpPr>
+        <p:spPr>
+          <a:xfrm>
+            <a:off x="5832484" y="1165172"/>
+            <a:ext cx="898203" cy="285783"/>
+          </a:xfrm>
+          <a:prstGeom prst="rect">
+            <a:avLst/>
+          </a:prstGeom>
+          <a:ln w="19050">
+            <a:solidFill>
+              <a:srgbClr val="7030A0"/>
+            </a:solidFill>
+          </a:ln>
+          <a:effectLst/>
+        </p:spPr>
+        <p:style>
+          <a:lnRef idx="1">
+            <a:schemeClr val="accent4"/>
+          </a:lnRef>
+          <a:fillRef idx="2">
+            <a:schemeClr val="accent4"/>
+          </a:fillRef>
+          <a:effectRef idx="1">
+            <a:schemeClr val="accent4"/>
+          </a:effectRef>
+          <a:fontRef idx="minor">
+            <a:schemeClr val="dk1"/>
+          </a:fontRef>
+        </p:style>
+        <p:txBody>
+          <a:bodyPr rtlCol="0" anchor="ctr"/>
+          <a:lstStyle/>
+          <a:p>
+            <a:pPr algn="ctr"/>
+            <a:r>
+              <a:rPr lang="en-US" sz="1050" dirty="0" err="1">
+                <a:solidFill>
+                  <a:srgbClr val="7030A0"/>
+                </a:solidFill>
+              </a:rPr>
+              <a:t>TagMap</a:t>
+            </a:r>
+            <a:endParaRPr lang="en-SG" sz="1050" dirty="0">
+              <a:solidFill>
+                <a:srgbClr val="7030A0"/>
+              </a:solidFill>
+            </a:endParaRPr>
+          </a:p>
+        </p:txBody>
+      </p:sp>
+      <p:cxnSp>
+        <p:nvCxnSpPr>
+          <p:cNvPr id="91" name="Elbow Connector 78">
+            <a:extLst>
+              <a:ext uri="{FF2B5EF4-FFF2-40B4-BE49-F238E27FC236}">
+                <a16:creationId xmlns:a16="http://schemas.microsoft.com/office/drawing/2014/main" id="{B5A37C68-14C9-4D13-BBBC-A1CDE852A3FF}"/>
+              </a:ext>
+            </a:extLst>
+          </p:cNvPr>
+          <p:cNvCxnSpPr>
+            <a:cxnSpLocks/>
+            <a:stCxn id="85" idx="3"/>
+            <a:endCxn id="88" idx="1"/>
+          </p:cNvCxnSpPr>
+          <p:nvPr/>
+        </p:nvCxnSpPr>
+        <p:spPr>
+          <a:xfrm flipV="1">
+            <a:off x="5461665" y="1626259"/>
+            <a:ext cx="370820" cy="56165"/>
+          </a:xfrm>
+          <a:prstGeom prst="bentConnector3">
+            <a:avLst/>
+          </a:prstGeom>
+          <a:ln w="19050">
+            <a:solidFill>
+              <a:srgbClr val="7030A0"/>
+            </a:solidFill>
+            <a:headEnd type="none" w="med" len="med"/>
+            <a:tailEnd type="arrow" w="med" len="med"/>
+          </a:ln>
+          <a:effectLst/>
+        </p:spPr>
+        <p:style>
+          <a:lnRef idx="1">
+            <a:schemeClr val="accent2"/>
+          </a:lnRef>
+          <a:fillRef idx="2">
+            <a:schemeClr val="accent2"/>
+          </a:fillRef>
+          <a:effectRef idx="1">
+            <a:schemeClr val="accent2"/>
+          </a:effectRef>
+          <a:fontRef idx="minor">
+            <a:schemeClr val="dk1"/>
+          </a:fontRef>
+        </p:style>
+      </p:cxnSp>
+      <p:cxnSp>
+        <p:nvCxnSpPr>
+          <p:cNvPr id="92" name="Elbow Connector 78">
+            <a:extLst>
+              <a:ext uri="{FF2B5EF4-FFF2-40B4-BE49-F238E27FC236}">
+                <a16:creationId xmlns:a16="http://schemas.microsoft.com/office/drawing/2014/main" id="{452E1026-7B3D-4B0B-9BBB-1B2A634EC725}"/>
+              </a:ext>
+            </a:extLst>
+          </p:cNvPr>
+          <p:cNvCxnSpPr>
+            <a:cxnSpLocks/>
+            <a:stCxn id="85" idx="3"/>
+            <a:endCxn id="89" idx="1"/>
+          </p:cNvCxnSpPr>
+          <p:nvPr/>
+        </p:nvCxnSpPr>
+        <p:spPr>
+          <a:xfrm>
+            <a:off x="5461665" y="1682424"/>
+            <a:ext cx="370818" cy="278948"/>
+          </a:xfrm>
+          <a:prstGeom prst="bentConnector3">
+            <a:avLst>
+              <a:gd name="adj1" fmla="val 50000"/>
+            </a:avLst>
+          </a:prstGeom>
+          <a:ln w="19050">
+            <a:solidFill>
+              <a:srgbClr val="7030A0"/>
+            </a:solidFill>
+            <a:headEnd type="none" w="med" len="med"/>
+            <a:tailEnd type="arrow" w="med" len="med"/>
+          </a:ln>
+          <a:effectLst/>
+        </p:spPr>
+        <p:style>
+          <a:lnRef idx="1">
+            <a:schemeClr val="accent2"/>
+          </a:lnRef>
+          <a:fillRef idx="2">
+            <a:schemeClr val="accent2"/>
+          </a:fillRef>
+          <a:effectRef idx="1">
+            <a:schemeClr val="accent2"/>
+          </a:effectRef>
+          <a:fontRef idx="minor">
+            <a:schemeClr val="dk1"/>
+          </a:fontRef>
+        </p:style>
+      </p:cxnSp>
+      <p:sp>
+        <p:nvSpPr>
+          <p:cNvPr id="93" name="Flowchart: Decision 96">
+            <a:extLst>
+              <a:ext uri="{FF2B5EF4-FFF2-40B4-BE49-F238E27FC236}">
+                <a16:creationId xmlns:a16="http://schemas.microsoft.com/office/drawing/2014/main" id="{E2A2D9A6-6A83-4305-9EBA-1345CFDC3734}"/>
+              </a:ext>
+            </a:extLst>
+          </p:cNvPr>
+          <p:cNvSpPr/>
+          <p:nvPr/>
+        </p:nvSpPr>
+        <p:spPr>
+          <a:xfrm>
+            <a:off x="5260339" y="2099962"/>
+            <a:ext cx="236048" cy="173380"/>
+          </a:xfrm>
+          <a:prstGeom prst="flowChartDecision">
+            <a:avLst/>
+          </a:prstGeom>
+          <a:noFill/>
+          <a:ln w="19050">
+            <a:solidFill>
+              <a:srgbClr val="7030A0"/>
+            </a:solidFill>
+          </a:ln>
+          <a:effectLst/>
+        </p:spPr>
+        <p:style>
+          <a:lnRef idx="1">
+            <a:schemeClr val="accent6"/>
+          </a:lnRef>
+          <a:fillRef idx="2">
+            <a:schemeClr val="accent6"/>
+          </a:fillRef>
+          <a:effectRef idx="1">
+            <a:schemeClr val="accent6"/>
+          </a:effectRef>
+          <a:fontRef idx="minor">
+            <a:schemeClr val="dk1"/>
+          </a:fontRef>
+        </p:style>
+        <p:txBody>
+          <a:bodyPr rtlCol="0" anchor="ctr"/>
+          <a:lstStyle/>
+          <a:p>
+            <a:pPr algn="ctr"/>
+            <a:endParaRPr lang="en-US" sz="1050"/>
+          </a:p>
+        </p:txBody>
+      </p:sp>
+      <p:cxnSp>
+        <p:nvCxnSpPr>
+          <p:cNvPr id="94" name="Elbow Connector 63">
+            <a:extLst>
+              <a:ext uri="{FF2B5EF4-FFF2-40B4-BE49-F238E27FC236}">
+                <a16:creationId xmlns:a16="http://schemas.microsoft.com/office/drawing/2014/main" id="{5072F0ED-744B-42A9-AC88-DCEB5604812F}"/>
+              </a:ext>
+            </a:extLst>
+          </p:cNvPr>
+          <p:cNvCxnSpPr>
+            <a:cxnSpLocks/>
+            <a:stCxn id="93" idx="3"/>
+            <a:endCxn id="96" idx="1"/>
+          </p:cNvCxnSpPr>
+          <p:nvPr/>
+        </p:nvCxnSpPr>
+        <p:spPr>
+          <a:xfrm>
+            <a:off x="5496387" y="2186652"/>
+            <a:ext cx="1543976" cy="148645"/>
+          </a:xfrm>
+          <a:prstGeom prst="bentConnector3">
+            <a:avLst/>
+          </a:prstGeom>
+          <a:ln w="19050">
+            <a:solidFill>
+              <a:srgbClr val="7030A0"/>
+            </a:solidFill>
+            <a:headEnd type="none" w="med" len="med"/>
+            <a:tailEnd type="arrow" w="med" len="med"/>
+          </a:ln>
+          <a:effectLst/>
+        </p:spPr>
+        <p:style>
+          <a:lnRef idx="1">
+            <a:schemeClr val="accent2"/>
+          </a:lnRef>
+          <a:fillRef idx="2">
+            <a:schemeClr val="accent2"/>
+          </a:fillRef>
+          <a:effectRef idx="1">
+            <a:schemeClr val="accent2"/>
+          </a:effectRef>
+          <a:fontRef idx="minor">
+            <a:schemeClr val="dk1"/>
+          </a:fontRef>
+        </p:style>
+      </p:cxnSp>
+      <p:sp>
+        <p:nvSpPr>
+          <p:cNvPr id="95" name="TextBox 94">
+            <a:extLst>
+              <a:ext uri="{FF2B5EF4-FFF2-40B4-BE49-F238E27FC236}">
+                <a16:creationId xmlns:a16="http://schemas.microsoft.com/office/drawing/2014/main" id="{E5696A16-A721-4B15-8CA2-47698B17310A}"/>
+              </a:ext>
+            </a:extLst>
+          </p:cNvPr>
+          <p:cNvSpPr txBox="1"/>
+          <p:nvPr/>
+        </p:nvSpPr>
+        <p:spPr>
+          <a:xfrm>
+            <a:off x="6837844" y="2156768"/>
+            <a:ext cx="189257" cy="178683"/>
+          </a:xfrm>
+          <a:prstGeom prst="rect">
+            <a:avLst/>
+          </a:prstGeom>
+          <a:noFill/>
+        </p:spPr>
+        <p:txBody>
+          <a:bodyPr wrap="square" lIns="0" tIns="0" rIns="0" bIns="0" rtlCol="0">
+            <a:noAutofit/>
+          </a:bodyPr>
+          <a:lstStyle/>
+          <a:p>
+            <a:pPr algn="ctr"/>
+            <a:r>
+              <a:rPr lang="en-US" sz="1100" dirty="0">
+                <a:solidFill>
+                  <a:srgbClr val="7030A0"/>
+                </a:solidFill>
+              </a:rPr>
+              <a:t>*</a:t>
+            </a:r>
+            <a:endParaRPr lang="en-SG" sz="1100" dirty="0">
+              <a:solidFill>
+                <a:srgbClr val="7030A0"/>
+              </a:solidFill>
+            </a:endParaRPr>
+          </a:p>
+        </p:txBody>
+      </p:sp>
+      <p:sp>
+        <p:nvSpPr>
+          <p:cNvPr id="96" name="Rectangle 8">
+            <a:extLst>
+              <a:ext uri="{FF2B5EF4-FFF2-40B4-BE49-F238E27FC236}">
+                <a16:creationId xmlns:a16="http://schemas.microsoft.com/office/drawing/2014/main" id="{861ACAC4-9688-42AF-9B73-EE546C60EAC5}"/>
+              </a:ext>
+            </a:extLst>
+          </p:cNvPr>
+          <p:cNvSpPr/>
+          <p:nvPr/>
+        </p:nvSpPr>
+        <p:spPr>
+          <a:xfrm>
+            <a:off x="7040363" y="2200585"/>
+            <a:ext cx="898203" cy="269423"/>
+          </a:xfrm>
+          <a:prstGeom prst="rect">
+            <a:avLst/>
+          </a:prstGeom>
+          <a:ln w="19050">
+            <a:solidFill>
+              <a:srgbClr val="7030A0"/>
+            </a:solidFill>
+          </a:ln>
+          <a:effectLst/>
+        </p:spPr>
+        <p:style>
+          <a:lnRef idx="1">
+            <a:schemeClr val="accent4"/>
+          </a:lnRef>
+          <a:fillRef idx="2">
+            <a:schemeClr val="accent4"/>
+          </a:fillRef>
+          <a:effectRef idx="1">
+            <a:schemeClr val="accent4"/>
+          </a:effectRef>
+          <a:fontRef idx="minor">
+            <a:schemeClr val="dk1"/>
+          </a:fontRef>
+        </p:style>
+        <p:txBody>
+          <a:bodyPr rtlCol="0" anchor="ctr"/>
+          <a:lstStyle/>
+          <a:p>
+            <a:pPr algn="ctr"/>
+            <a:r>
+              <a:rPr lang="en-US" sz="1050" dirty="0">
+                <a:solidFill>
+                  <a:srgbClr val="7030A0"/>
+                </a:solidFill>
+              </a:rPr>
+              <a:t>String</a:t>
+            </a:r>
+            <a:endParaRPr lang="en-SG" sz="1050" dirty="0">
+              <a:solidFill>
+                <a:srgbClr val="7030A0"/>
+              </a:solidFill>
+            </a:endParaRPr>
+          </a:p>
+        </p:txBody>
+      </p:sp>
+      <p:cxnSp>
+        <p:nvCxnSpPr>
+          <p:cNvPr id="98" name="Elbow Connector 78">
+            <a:extLst>
+              <a:ext uri="{FF2B5EF4-FFF2-40B4-BE49-F238E27FC236}">
+                <a16:creationId xmlns:a16="http://schemas.microsoft.com/office/drawing/2014/main" id="{DD50CCA5-0FB7-4B06-8C18-130325BE6483}"/>
+              </a:ext>
+            </a:extLst>
+          </p:cNvPr>
+          <p:cNvCxnSpPr>
+            <a:cxnSpLocks/>
+            <a:stCxn id="90" idx="3"/>
+            <a:endCxn id="96" idx="1"/>
+          </p:cNvCxnSpPr>
+          <p:nvPr/>
+        </p:nvCxnSpPr>
+        <p:spPr>
+          <a:xfrm>
+            <a:off x="6730687" y="1308064"/>
+            <a:ext cx="309676" cy="1027233"/>
+          </a:xfrm>
+          <a:prstGeom prst="bentConnector3">
+            <a:avLst>
+              <a:gd name="adj1" fmla="val 50000"/>
+            </a:avLst>
+          </a:prstGeom>
+          <a:ln w="19050">
+            <a:solidFill>
+              <a:srgbClr val="7030A0"/>
+            </a:solidFill>
+            <a:headEnd type="none" w="med" len="med"/>
+            <a:tailEnd type="arrow" w="med" len="med"/>
+          </a:ln>
+          <a:effectLst/>
+        </p:spPr>
+        <p:style>
+          <a:lnRef idx="1">
+            <a:schemeClr val="accent2"/>
+          </a:lnRef>
+          <a:fillRef idx="2">
+            <a:schemeClr val="accent2"/>
+          </a:fillRef>
+          <a:effectRef idx="1">
+            <a:schemeClr val="accent2"/>
+          </a:effectRef>
+          <a:fontRef idx="minor">
+            <a:schemeClr val="dk1"/>
+          </a:fontRef>
+        </p:style>
+      </p:cxnSp>
+      <p:cxnSp>
+        <p:nvCxnSpPr>
+          <p:cNvPr id="101" name="Elbow Connector 78">
+            <a:extLst>
+              <a:ext uri="{FF2B5EF4-FFF2-40B4-BE49-F238E27FC236}">
+                <a16:creationId xmlns:a16="http://schemas.microsoft.com/office/drawing/2014/main" id="{97CB6228-BCF0-4852-B7E7-860E695D7417}"/>
+              </a:ext>
+            </a:extLst>
+          </p:cNvPr>
+          <p:cNvCxnSpPr>
+            <a:cxnSpLocks/>
+            <a:stCxn id="88" idx="3"/>
+            <a:endCxn id="96" idx="1"/>
+          </p:cNvCxnSpPr>
+          <p:nvPr/>
+        </p:nvCxnSpPr>
+        <p:spPr>
+          <a:xfrm>
+            <a:off x="6730688" y="1626259"/>
+            <a:ext cx="309675" cy="709038"/>
+          </a:xfrm>
+          <a:prstGeom prst="bentConnector3">
+            <a:avLst>
+              <a:gd name="adj1" fmla="val 50000"/>
+            </a:avLst>
+          </a:prstGeom>
+          <a:ln w="19050">
+            <a:solidFill>
+              <a:srgbClr val="7030A0"/>
+            </a:solidFill>
+            <a:headEnd type="none" w="med" len="med"/>
+            <a:tailEnd type="arrow" w="med" len="med"/>
+          </a:ln>
+          <a:effectLst/>
+        </p:spPr>
+        <p:style>
+          <a:lnRef idx="1">
+            <a:schemeClr val="accent2"/>
+          </a:lnRef>
+          <a:fillRef idx="2">
+            <a:schemeClr val="accent2"/>
+          </a:fillRef>
+          <a:effectRef idx="1">
+            <a:schemeClr val="accent2"/>
+          </a:effectRef>
+          <a:fontRef idx="minor">
+            <a:schemeClr val="dk1"/>
+          </a:fontRef>
+        </p:style>
+      </p:cxnSp>
+      <p:cxnSp>
+        <p:nvCxnSpPr>
+          <p:cNvPr id="103" name="Elbow Connector 78">
+            <a:extLst>
+              <a:ext uri="{FF2B5EF4-FFF2-40B4-BE49-F238E27FC236}">
+                <a16:creationId xmlns:a16="http://schemas.microsoft.com/office/drawing/2014/main" id="{B1AC7921-6EBB-4477-9884-94E90847D7CE}"/>
+              </a:ext>
+            </a:extLst>
+          </p:cNvPr>
+          <p:cNvCxnSpPr>
+            <a:cxnSpLocks/>
+            <a:stCxn id="89" idx="3"/>
+            <a:endCxn id="96" idx="1"/>
+          </p:cNvCxnSpPr>
+          <p:nvPr/>
+        </p:nvCxnSpPr>
+        <p:spPr>
+          <a:xfrm>
+            <a:off x="6730686" y="1961372"/>
+            <a:ext cx="309677" cy="373925"/>
+          </a:xfrm>
+          <a:prstGeom prst="bentConnector3">
+            <a:avLst>
+              <a:gd name="adj1" fmla="val 50000"/>
+            </a:avLst>
+          </a:prstGeom>
+          <a:ln w="19050">
+            <a:solidFill>
+              <a:srgbClr val="7030A0"/>
+            </a:solidFill>
+            <a:headEnd type="none" w="med" len="med"/>
+            <a:tailEnd type="arrow" w="med" len="med"/>
+          </a:ln>
+          <a:effectLst/>
+        </p:spPr>
+        <p:style>
+          <a:lnRef idx="1">
+            <a:schemeClr val="accent2"/>
+          </a:lnRef>
+          <a:fillRef idx="2">
+            <a:schemeClr val="accent2"/>
+          </a:fillRef>
+          <a:effectRef idx="1">
+            <a:schemeClr val="accent2"/>
+          </a:effectRef>
+          <a:fontRef idx="minor">
+            <a:schemeClr val="dk1"/>
+          </a:fontRef>
+        </p:style>
+      </p:cxnSp>
+      <p:sp>
+        <p:nvSpPr>
+          <p:cNvPr id="149" name="TextBox 148">
+            <a:extLst>
+              <a:ext uri="{FF2B5EF4-FFF2-40B4-BE49-F238E27FC236}">
+                <a16:creationId xmlns:a16="http://schemas.microsoft.com/office/drawing/2014/main" id="{E02DBB97-1E7A-467C-9C8A-BD76E82B92BB}"/>
+              </a:ext>
+            </a:extLst>
+          </p:cNvPr>
+          <p:cNvSpPr txBox="1"/>
+          <p:nvPr/>
+        </p:nvSpPr>
+        <p:spPr>
+          <a:xfrm>
+            <a:off x="3867393" y="2627054"/>
+            <a:ext cx="189257" cy="178683"/>
+          </a:xfrm>
+          <a:prstGeom prst="rect">
+            <a:avLst/>
+          </a:prstGeom>
+          <a:noFill/>
+        </p:spPr>
+        <p:txBody>
+          <a:bodyPr wrap="square" lIns="0" tIns="0" rIns="0" bIns="0" rtlCol="0">
+            <a:noAutofit/>
+          </a:bodyPr>
+          <a:lstStyle/>
+          <a:p>
+            <a:pPr algn="ctr"/>
+            <a:r>
+              <a:rPr lang="en-US" sz="1100" dirty="0">
+                <a:solidFill>
+                  <a:srgbClr val="7030A0"/>
+                </a:solidFill>
+              </a:rPr>
+              <a:t>1</a:t>
+            </a:r>
+            <a:endParaRPr lang="en-SG" sz="1100" dirty="0">
+              <a:solidFill>
+                <a:srgbClr val="7030A0"/>
+              </a:solidFill>
+            </a:endParaRPr>
+          </a:p>
+        </p:txBody>
+      </p:sp>
+      <p:sp>
+        <p:nvSpPr>
+          <p:cNvPr id="150" name="TextBox 149">
+            <a:extLst>
+              <a:ext uri="{FF2B5EF4-FFF2-40B4-BE49-F238E27FC236}">
+                <a16:creationId xmlns:a16="http://schemas.microsoft.com/office/drawing/2014/main" id="{63E8539C-5522-458E-9777-A0202B9E8CEB}"/>
+              </a:ext>
+            </a:extLst>
+          </p:cNvPr>
+          <p:cNvSpPr txBox="1"/>
+          <p:nvPr/>
+        </p:nvSpPr>
+        <p:spPr>
+          <a:xfrm>
+            <a:off x="3859262" y="1998716"/>
+            <a:ext cx="189257" cy="178683"/>
+          </a:xfrm>
+          <a:prstGeom prst="rect">
+            <a:avLst/>
+          </a:prstGeom>
+          <a:noFill/>
+        </p:spPr>
+        <p:txBody>
+          <a:bodyPr wrap="square" lIns="0" tIns="0" rIns="0" bIns="0" rtlCol="0">
+            <a:noAutofit/>
+          </a:bodyPr>
+          <a:lstStyle/>
+          <a:p>
+            <a:pPr algn="ctr"/>
+            <a:r>
+              <a:rPr lang="en-US" sz="1100" dirty="0">
+                <a:solidFill>
+                  <a:srgbClr val="7030A0"/>
+                </a:solidFill>
+              </a:rPr>
+              <a:t>1</a:t>
+            </a:r>
+            <a:endParaRPr lang="en-SG" sz="1100" dirty="0">
+              <a:solidFill>
+                <a:srgbClr val="7030A0"/>
+              </a:solidFill>
+            </a:endParaRPr>
+          </a:p>
+        </p:txBody>
+      </p:sp>
+      <p:sp>
+        <p:nvSpPr>
+          <p:cNvPr id="151" name="TextBox 150">
+            <a:extLst>
+              <a:ext uri="{FF2B5EF4-FFF2-40B4-BE49-F238E27FC236}">
+                <a16:creationId xmlns:a16="http://schemas.microsoft.com/office/drawing/2014/main" id="{7D707C8B-DF34-450B-9D07-ECA44F62C272}"/>
+              </a:ext>
+            </a:extLst>
+          </p:cNvPr>
+          <p:cNvSpPr txBox="1"/>
+          <p:nvPr/>
+        </p:nvSpPr>
+        <p:spPr>
+          <a:xfrm>
+            <a:off x="3826288" y="1518712"/>
+            <a:ext cx="189257" cy="178683"/>
+          </a:xfrm>
+          <a:prstGeom prst="rect">
+            <a:avLst/>
+          </a:prstGeom>
+          <a:noFill/>
+        </p:spPr>
+        <p:txBody>
+          <a:bodyPr wrap="square" lIns="0" tIns="0" rIns="0" bIns="0" rtlCol="0">
+            <a:noAutofit/>
+          </a:bodyPr>
+          <a:lstStyle/>
+          <a:p>
+            <a:pPr algn="ctr"/>
+            <a:r>
+              <a:rPr lang="en-US" sz="1100" dirty="0">
+                <a:solidFill>
+                  <a:srgbClr val="7030A0"/>
+                </a:solidFill>
+              </a:rPr>
+              <a:t>1</a:t>
+            </a:r>
+            <a:endParaRPr lang="en-SG" sz="1100" dirty="0">
+              <a:solidFill>
+                <a:srgbClr val="7030A0"/>
+              </a:solidFill>
+            </a:endParaRPr>
+          </a:p>
+        </p:txBody>
+      </p:sp>
+      <p:sp>
+        <p:nvSpPr>
+          <p:cNvPr id="152" name="TextBox 151">
+            <a:extLst>
+              <a:ext uri="{FF2B5EF4-FFF2-40B4-BE49-F238E27FC236}">
+                <a16:creationId xmlns:a16="http://schemas.microsoft.com/office/drawing/2014/main" id="{000C9DE3-F867-4EDE-9D29-15E947D8C043}"/>
+              </a:ext>
+            </a:extLst>
+          </p:cNvPr>
+          <p:cNvSpPr txBox="1"/>
+          <p:nvPr/>
+        </p:nvSpPr>
+        <p:spPr>
+          <a:xfrm>
+            <a:off x="5602171" y="1445974"/>
+            <a:ext cx="189257" cy="178683"/>
+          </a:xfrm>
+          <a:prstGeom prst="rect">
+            <a:avLst/>
+          </a:prstGeom>
+          <a:noFill/>
+        </p:spPr>
+        <p:txBody>
+          <a:bodyPr wrap="square" lIns="0" tIns="0" rIns="0" bIns="0" rtlCol="0">
+            <a:noAutofit/>
+          </a:bodyPr>
+          <a:lstStyle/>
+          <a:p>
+            <a:pPr algn="ctr"/>
+            <a:r>
+              <a:rPr lang="en-US" sz="1100" dirty="0">
+                <a:solidFill>
+                  <a:srgbClr val="7030A0"/>
+                </a:solidFill>
+              </a:rPr>
+              <a:t>1</a:t>
+            </a:r>
+            <a:endParaRPr lang="en-SG" sz="1100" dirty="0">
+              <a:solidFill>
+                <a:srgbClr val="7030A0"/>
+              </a:solidFill>
+            </a:endParaRPr>
+          </a:p>
+        </p:txBody>
+      </p:sp>
+      <p:sp>
+        <p:nvSpPr>
+          <p:cNvPr id="153" name="TextBox 152">
+            <a:extLst>
+              <a:ext uri="{FF2B5EF4-FFF2-40B4-BE49-F238E27FC236}">
+                <a16:creationId xmlns:a16="http://schemas.microsoft.com/office/drawing/2014/main" id="{DE9D0B25-832E-4958-8314-B3C66C0808CE}"/>
+              </a:ext>
+            </a:extLst>
+          </p:cNvPr>
+          <p:cNvSpPr txBox="1"/>
+          <p:nvPr/>
+        </p:nvSpPr>
+        <p:spPr>
+          <a:xfrm>
+            <a:off x="5596784" y="1792081"/>
+            <a:ext cx="189257" cy="178683"/>
+          </a:xfrm>
+          <a:prstGeom prst="rect">
+            <a:avLst/>
+          </a:prstGeom>
+          <a:noFill/>
+        </p:spPr>
+        <p:txBody>
+          <a:bodyPr wrap="square" lIns="0" tIns="0" rIns="0" bIns="0" rtlCol="0">
+            <a:noAutofit/>
+          </a:bodyPr>
+          <a:lstStyle/>
+          <a:p>
+            <a:pPr algn="ctr"/>
+            <a:r>
+              <a:rPr lang="en-US" sz="1100" dirty="0">
+                <a:solidFill>
+                  <a:srgbClr val="7030A0"/>
+                </a:solidFill>
+              </a:rPr>
+              <a:t>1</a:t>
+            </a:r>
+            <a:endParaRPr lang="en-SG" sz="1100" dirty="0">
+              <a:solidFill>
+                <a:srgbClr val="7030A0"/>
+              </a:solidFill>
+            </a:endParaRPr>
+          </a:p>
+        </p:txBody>
+      </p:sp>
+      <p:sp>
+        <p:nvSpPr>
+          <p:cNvPr id="154" name="TextBox 153">
+            <a:extLst>
+              <a:ext uri="{FF2B5EF4-FFF2-40B4-BE49-F238E27FC236}">
+                <a16:creationId xmlns:a16="http://schemas.microsoft.com/office/drawing/2014/main" id="{76F5C7C2-227B-4D75-933A-5BF3AFF135F9}"/>
+              </a:ext>
+            </a:extLst>
+          </p:cNvPr>
+          <p:cNvSpPr txBox="1"/>
+          <p:nvPr/>
+        </p:nvSpPr>
+        <p:spPr>
+          <a:xfrm>
+            <a:off x="5600291" y="1143000"/>
+            <a:ext cx="189257" cy="178683"/>
+          </a:xfrm>
+          <a:prstGeom prst="rect">
+            <a:avLst/>
+          </a:prstGeom>
+          <a:noFill/>
+        </p:spPr>
+        <p:txBody>
+          <a:bodyPr wrap="square" lIns="0" tIns="0" rIns="0" bIns="0" rtlCol="0">
+            <a:noAutofit/>
+          </a:bodyPr>
+          <a:lstStyle/>
+          <a:p>
+            <a:pPr algn="ctr"/>
+            <a:r>
+              <a:rPr lang="en-US" sz="1100" dirty="0">
+                <a:solidFill>
+                  <a:srgbClr val="7030A0"/>
+                </a:solidFill>
+              </a:rPr>
+              <a:t>1</a:t>
             </a:r>
             <a:endParaRPr lang="en-SG" sz="1100" dirty="0">
               <a:solidFill>
